--- a/Project Docs/ConvNN Poster.pptx
+++ b/Project Docs/ConvNN Poster.pptx
@@ -107,6 +107,11 @@
       </a:defRPr>
     </a:lvl9pPr>
   </p:defaultTextStyle>
+  <p:extLst>
+    <p:ext uri="{EFAFB233-063F-42B5-8137-9DF3F51BA10A}">
+      <p15:sldGuideLst xmlns:p15="http://schemas.microsoft.com/office/powerpoint/2012/main"/>
+    </p:ext>
+  </p:extLst>
 </p:presentation>
 </file>
 
@@ -192,7 +197,7 @@
           <a:p>
             <a:fld id="{97F067A0-B807-594B-857C-0B1CA98D0658}" type="datetimeFigureOut">
               <a:rPr lang="en-US" smtClean="0"/>
-              <a:t>8/8/25</a:t>
+              <a:t>8/24/25</a:t>
             </a:fld>
             <a:endParaRPr lang="en-US"/>
           </a:p>
@@ -724,7 +729,7 @@
           <a:p>
             <a:fld id="{2A84CB3F-E3C1-5B40-88B8-D14386A89107}" type="datetimeFigureOut">
               <a:rPr lang="en-US" smtClean="0"/>
-              <a:t>8/8/25</a:t>
+              <a:t>8/24/25</a:t>
             </a:fld>
             <a:endParaRPr lang="en-US"/>
           </a:p>
@@ -894,7 +899,7 @@
           <a:p>
             <a:fld id="{2A84CB3F-E3C1-5B40-88B8-D14386A89107}" type="datetimeFigureOut">
               <a:rPr lang="en-US" smtClean="0"/>
-              <a:t>8/8/25</a:t>
+              <a:t>8/24/25</a:t>
             </a:fld>
             <a:endParaRPr lang="en-US"/>
           </a:p>
@@ -1074,7 +1079,7 @@
           <a:p>
             <a:fld id="{2A84CB3F-E3C1-5B40-88B8-D14386A89107}" type="datetimeFigureOut">
               <a:rPr lang="en-US" smtClean="0"/>
-              <a:t>8/8/25</a:t>
+              <a:t>8/24/25</a:t>
             </a:fld>
             <a:endParaRPr lang="en-US"/>
           </a:p>
@@ -1808,7 +1813,7 @@
           <a:p>
             <a:fld id="{2A84CB3F-E3C1-5B40-88B8-D14386A89107}" type="datetimeFigureOut">
               <a:rPr lang="en-US" smtClean="0"/>
-              <a:t>8/8/25</a:t>
+              <a:t>8/24/25</a:t>
             </a:fld>
             <a:endParaRPr lang="en-US"/>
           </a:p>
@@ -2054,7 +2059,7 @@
           <a:p>
             <a:fld id="{2A84CB3F-E3C1-5B40-88B8-D14386A89107}" type="datetimeFigureOut">
               <a:rPr lang="en-US" smtClean="0"/>
-              <a:t>8/8/25</a:t>
+              <a:t>8/24/25</a:t>
             </a:fld>
             <a:endParaRPr lang="en-US"/>
           </a:p>
@@ -2286,7 +2291,7 @@
           <a:p>
             <a:fld id="{2A84CB3F-E3C1-5B40-88B8-D14386A89107}" type="datetimeFigureOut">
               <a:rPr lang="en-US" smtClean="0"/>
-              <a:t>8/8/25</a:t>
+              <a:t>8/24/25</a:t>
             </a:fld>
             <a:endParaRPr lang="en-US"/>
           </a:p>
@@ -2653,7 +2658,7 @@
           <a:p>
             <a:fld id="{2A84CB3F-E3C1-5B40-88B8-D14386A89107}" type="datetimeFigureOut">
               <a:rPr lang="en-US" smtClean="0"/>
-              <a:t>8/8/25</a:t>
+              <a:t>8/24/25</a:t>
             </a:fld>
             <a:endParaRPr lang="en-US"/>
           </a:p>
@@ -2771,7 +2776,7 @@
           <a:p>
             <a:fld id="{2A84CB3F-E3C1-5B40-88B8-D14386A89107}" type="datetimeFigureOut">
               <a:rPr lang="en-US" smtClean="0"/>
-              <a:t>8/8/25</a:t>
+              <a:t>8/24/25</a:t>
             </a:fld>
             <a:endParaRPr lang="en-US"/>
           </a:p>
@@ -2866,7 +2871,7 @@
           <a:p>
             <a:fld id="{2A84CB3F-E3C1-5B40-88B8-D14386A89107}" type="datetimeFigureOut">
               <a:rPr lang="en-US" smtClean="0"/>
-              <a:t>8/8/25</a:t>
+              <a:t>8/24/25</a:t>
             </a:fld>
             <a:endParaRPr lang="en-US"/>
           </a:p>
@@ -3143,7 +3148,7 @@
           <a:p>
             <a:fld id="{2A84CB3F-E3C1-5B40-88B8-D14386A89107}" type="datetimeFigureOut">
               <a:rPr lang="en-US" smtClean="0"/>
-              <a:t>8/8/25</a:t>
+              <a:t>8/24/25</a:t>
             </a:fld>
             <a:endParaRPr lang="en-US"/>
           </a:p>
@@ -3400,7 +3405,7 @@
           <a:p>
             <a:fld id="{2A84CB3F-E3C1-5B40-88B8-D14386A89107}" type="datetimeFigureOut">
               <a:rPr lang="en-US" smtClean="0"/>
-              <a:t>8/8/25</a:t>
+              <a:t>8/24/25</a:t>
             </a:fld>
             <a:endParaRPr lang="en-US"/>
           </a:p>
@@ -3613,7 +3618,7 @@
           <a:p>
             <a:fld id="{2A84CB3F-E3C1-5B40-88B8-D14386A89107}" type="datetimeFigureOut">
               <a:rPr lang="en-US" smtClean="0"/>
-              <a:t>8/8/25</a:t>
+              <a:t>8/24/25</a:t>
             </a:fld>
             <a:endParaRPr lang="en-US"/>
           </a:p>
@@ -4092,7 +4097,7 @@
                 <a:cs typeface="Cambria"/>
                 <a:sym typeface="Cambria"/>
               </a:rPr>
-              <a:t>Convolutional Nearest Neighbor</a:t>
+              <a:t>Attention via Convolutional Nearest Neighbors</a:t>
             </a:r>
             <a:endParaRPr sz="4018" b="1" dirty="0">
               <a:latin typeface="Cambria"/>
@@ -4414,7 +4419,7 @@
                 <a:cs typeface="Libre Franklin"/>
                 <a:sym typeface="Libre Franklin"/>
               </a:rPr>
-              <a:t>  Individuals with cochlear implants (CIs) and normal hearing (NH) engage in “clustering and switching” during memory search, similar to optimal foraging in the wild. </a:t>
+              <a:t>Individuals with cochlear implants (CIs) and normal hearing (NH) engage in “clustering and switching” during memory search, similar to optimal foraging in the wild. </a:t>
             </a:r>
             <a:endParaRPr sz="2364" dirty="0">
               <a:solidFill>
@@ -4448,7 +4453,7 @@
                 <a:cs typeface="Libre Franklin"/>
                 <a:sym typeface="Libre Franklin"/>
               </a:rPr>
-              <a:t> Semantic and phonological cues influence memory search differently in individuals with cochlear implants (CIs) compared to normal hearing (NH).</a:t>
+              <a:t>Semantic and phonological cues influence memory search differently in individuals with cochlear implants (CIs) compared to normal hearing (NH).</a:t>
             </a:r>
             <a:endParaRPr sz="2364" dirty="0">
               <a:solidFill>
@@ -4482,7 +4487,7 @@
                 <a:cs typeface="Libre Franklin"/>
                 <a:sym typeface="Libre Franklin"/>
               </a:rPr>
-              <a:t> We investigated search in prelingually deaf individuals with CIs to explore the impact of early phonological input on semantic organization and retrieval processes. </a:t>
+              <a:t>We investigated search in prelingually deaf individuals with CIs to explore the impact of early phonological input on semantic organization and retrieval processes. </a:t>
             </a:r>
             <a:endParaRPr sz="2364" dirty="0">
               <a:solidFill>
@@ -4770,10 +4775,16 @@
         <p:nvGraphicFramePr>
           <p:cNvPr id="69" name="Google Shape;69;p14"/>
           <p:cNvGraphicFramePr/>
-          <p:nvPr/>
+          <p:nvPr>
+            <p:extLst>
+              <p:ext uri="{D42A27DB-BD31-4B8C-83A1-F6EECF244321}">
+                <p14:modId xmlns:p14="http://schemas.microsoft.com/office/powerpoint/2010/main" val="2144847423"/>
+              </p:ext>
+            </p:extLst>
+          </p:nvPr>
         </p:nvGraphicFramePr>
         <p:xfrm>
-          <a:off x="425609" y="22877502"/>
+          <a:off x="425609" y="24190963"/>
           <a:ext cx="9308729" cy="8294945"/>
         </p:xfrm>
         <a:graphic>
@@ -4907,7 +4918,7 @@
                         <a:buNone/>
                       </a:pPr>
                       <a:r>
-                        <a:rPr lang="en" sz="2800" b="1">
+                        <a:rPr lang="en" sz="2800" b="1" dirty="0">
                           <a:latin typeface="Libre Franklin"/>
                           <a:ea typeface="Libre Franklin"/>
                           <a:cs typeface="Libre Franklin"/>
@@ -4915,7 +4926,7 @@
                         </a:rPr>
                         <a:t>Mean (Range) in NHs (N=30)</a:t>
                       </a:r>
-                      <a:endParaRPr sz="2800" b="1" u="none" strike="noStrike" cap="none" baseline="-25000">
+                      <a:endParaRPr sz="2800" b="1" u="none" strike="noStrike" cap="none" baseline="-25000" dirty="0">
                         <a:solidFill>
                           <a:srgbClr val="000000"/>
                         </a:solidFill>
@@ -5435,7 +5446,7 @@
                         <a:buNone/>
                       </a:pPr>
                       <a:r>
-                        <a:rPr lang="en" sz="2800" b="1">
+                        <a:rPr lang="en" sz="2800" b="1" dirty="0">
                           <a:latin typeface="Libre Franklin"/>
                           <a:ea typeface="Libre Franklin"/>
                           <a:cs typeface="Libre Franklin"/>
@@ -5444,7 +5455,7 @@
                         <a:t>Standardized PPVT-5</a:t>
                       </a:r>
                       <a:r>
-                        <a:rPr lang="en" sz="2800" b="1" baseline="30000">
+                        <a:rPr lang="en" sz="2800" b="1" baseline="30000" dirty="0">
                           <a:latin typeface="Libre Franklin"/>
                           <a:ea typeface="Libre Franklin"/>
                           <a:cs typeface="Libre Franklin"/>
@@ -5452,7 +5463,7 @@
                         </a:rPr>
                         <a:t>*</a:t>
                       </a:r>
-                      <a:endParaRPr sz="2800" b="1" i="0" u="none" strike="noStrike" cap="none" baseline="30000">
+                      <a:endParaRPr sz="2800" b="1" i="0" u="none" strike="noStrike" cap="none" baseline="30000" dirty="0">
                         <a:solidFill>
                           <a:srgbClr val="000000"/>
                         </a:solidFill>
@@ -5745,62 +5756,13 @@
       </p:sp>
       <p:sp>
         <p:nvSpPr>
-          <p:cNvPr id="75" name="Google Shape;75;p14"/>
-          <p:cNvSpPr/>
-          <p:nvPr/>
-        </p:nvSpPr>
-        <p:spPr>
-          <a:xfrm>
-            <a:off x="425615" y="21753438"/>
-            <a:ext cx="9308709" cy="757782"/>
-          </a:xfrm>
-          <a:prstGeom prst="rect">
-            <a:avLst/>
-          </a:prstGeom>
-          <a:solidFill>
-            <a:schemeClr val="bg2">
-              <a:lumMod val="90000"/>
-            </a:schemeClr>
-          </a:solidFill>
-          <a:ln w="63500" cap="flat" cmpd="sng">
-            <a:solidFill>
-              <a:schemeClr val="dk1"/>
-            </a:solidFill>
-            <a:prstDash val="solid"/>
-            <a:round/>
-            <a:headEnd type="none" w="sm" len="sm"/>
-            <a:tailEnd type="none" w="sm" len="sm"/>
-          </a:ln>
-        </p:spPr>
-        <p:txBody>
-          <a:bodyPr spcFirstLastPara="1" wrap="square" lIns="67265" tIns="33642" rIns="67265" bIns="33642" anchor="ctr" anchorCtr="0">
-            <a:noAutofit/>
-          </a:bodyPr>
-          <a:lstStyle/>
-          <a:p>
-            <a:pPr algn="ctr"/>
-            <a:r>
-              <a:rPr lang="en" sz="3940" b="1" dirty="0">
-                <a:latin typeface="Calibri"/>
-                <a:ea typeface="Calibri"/>
-                <a:cs typeface="Calibri"/>
-                <a:sym typeface="Calibri"/>
-              </a:rPr>
-              <a:t>PARTICIPANTS</a:t>
-            </a:r>
-            <a:endParaRPr sz="788" dirty="0"/>
-          </a:p>
-        </p:txBody>
-      </p:sp>
-      <p:sp>
-        <p:nvSpPr>
           <p:cNvPr id="76" name="Google Shape;76;p14"/>
           <p:cNvSpPr txBox="1"/>
           <p:nvPr/>
         </p:nvSpPr>
         <p:spPr>
           <a:xfrm>
-            <a:off x="55486" y="31328549"/>
+            <a:off x="77014" y="32540270"/>
             <a:ext cx="9678855" cy="1243745"/>
           </a:xfrm>
           <a:prstGeom prst="rect">
@@ -5818,7 +5780,7 @@
           <a:lstStyle/>
           <a:p>
             <a:r>
-              <a:rPr lang="en" sz="1970" i="1">
+              <a:rPr lang="en" sz="1970" i="1" dirty="0">
                 <a:solidFill>
                   <a:schemeClr val="dk2"/>
                 </a:solidFill>
@@ -5830,7 +5792,7 @@
               <a:t>Note</a:t>
             </a:r>
             <a:r>
-              <a:rPr lang="en" sz="1970">
+              <a:rPr lang="en" sz="1970" dirty="0">
                 <a:solidFill>
                   <a:schemeClr val="dk2"/>
                 </a:solidFill>
@@ -5841,7 +5803,7 @@
               </a:rPr>
               <a:t>: PPVT-5 stands for the Peabody Picture Vocabulary Test, a standardized test that measures receptive vocabulary knowledge</a:t>
             </a:r>
-            <a:endParaRPr sz="1970">
+            <a:endParaRPr sz="1970" dirty="0">
               <a:solidFill>
                 <a:schemeClr val="dk2"/>
               </a:solidFill>
@@ -6419,62 +6381,6 @@
           </a:p>
         </p:txBody>
       </p:sp>
-      <p:pic>
-        <p:nvPicPr>
-          <p:cNvPr id="83" name="Google Shape;83;p14"/>
-          <p:cNvPicPr preferRelativeResize="0"/>
-          <p:nvPr/>
-        </p:nvPicPr>
-        <p:blipFill>
-          <a:blip r:embed="rId6">
-            <a:alphaModFix/>
-          </a:blip>
-          <a:stretch>
-            <a:fillRect/>
-          </a:stretch>
-        </p:blipFill>
-        <p:spPr>
-          <a:xfrm>
-            <a:off x="5526537" y="17588376"/>
-            <a:ext cx="3889305" cy="3889283"/>
-          </a:xfrm>
-          <a:prstGeom prst="rect">
-            <a:avLst/>
-          </a:prstGeom>
-          <a:noFill/>
-          <a:ln>
-            <a:noFill/>
-          </a:ln>
-        </p:spPr>
-      </p:pic>
-      <p:pic>
-        <p:nvPicPr>
-          <p:cNvPr id="84" name="Google Shape;84;p14"/>
-          <p:cNvPicPr preferRelativeResize="0"/>
-          <p:nvPr/>
-        </p:nvPicPr>
-        <p:blipFill>
-          <a:blip r:embed="rId7">
-            <a:alphaModFix/>
-          </a:blip>
-          <a:stretch>
-            <a:fillRect/>
-          </a:stretch>
-        </p:blipFill>
-        <p:spPr>
-          <a:xfrm>
-            <a:off x="251471" y="17221677"/>
-            <a:ext cx="5083474" cy="4361145"/>
-          </a:xfrm>
-          <a:prstGeom prst="rect">
-            <a:avLst/>
-          </a:prstGeom>
-          <a:noFill/>
-          <a:ln>
-            <a:noFill/>
-          </a:ln>
-        </p:spPr>
-      </p:pic>
       <p:sp>
         <p:nvSpPr>
           <p:cNvPr id="85" name="Google Shape;85;p14"/>
@@ -6483,7 +6389,7 @@
         </p:nvSpPr>
         <p:spPr>
           <a:xfrm>
-            <a:off x="280367" y="16068656"/>
+            <a:off x="280367" y="17221597"/>
             <a:ext cx="9308709" cy="757782"/>
           </a:xfrm>
           <a:prstGeom prst="rect">
@@ -6518,58 +6424,9 @@
                 <a:cs typeface="Calibri"/>
                 <a:sym typeface="Calibri"/>
               </a:rPr>
-              <a:t>LOCALITY AND SPARSITY</a:t>
+              <a:t>GENERALIZATIONS</a:t>
             </a:r>
             <a:endParaRPr sz="788" dirty="0"/>
-          </a:p>
-        </p:txBody>
-      </p:sp>
-      <p:sp>
-        <p:nvSpPr>
-          <p:cNvPr id="86" name="Google Shape;86;p14"/>
-          <p:cNvSpPr txBox="1"/>
-          <p:nvPr/>
-        </p:nvSpPr>
-        <p:spPr>
-          <a:xfrm>
-            <a:off x="2299286" y="16905108"/>
-            <a:ext cx="6458164" cy="407491"/>
-          </a:xfrm>
-          <a:prstGeom prst="rect">
-            <a:avLst/>
-          </a:prstGeom>
-          <a:noFill/>
-          <a:ln>
-            <a:noFill/>
-          </a:ln>
-        </p:spPr>
-        <p:txBody>
-          <a:bodyPr spcFirstLastPara="1" wrap="square" lIns="72032" tIns="72032" rIns="72032" bIns="72032" anchor="t" anchorCtr="0">
-            <a:noAutofit/>
-          </a:bodyPr>
-          <a:lstStyle/>
-          <a:p>
-            <a:r>
-              <a:rPr lang="en" sz="1418" b="1" u="sng" dirty="0">
-                <a:solidFill>
-                  <a:schemeClr val="dk1"/>
-                </a:solidFill>
-              </a:rPr>
-              <a:t>example</a:t>
-            </a:r>
-            <a:r>
-              <a:rPr lang="en" sz="1418" dirty="0">
-                <a:solidFill>
-                  <a:schemeClr val="dk1"/>
-                </a:solidFill>
-              </a:rPr>
-              <a:t>: dog - cat - pig - cow - chicken - elephant - monkey - fish</a:t>
-            </a:r>
-            <a:endParaRPr sz="1418" dirty="0">
-              <a:solidFill>
-                <a:schemeClr val="dk1"/>
-              </a:solidFill>
-            </a:endParaRPr>
           </a:p>
         </p:txBody>
       </p:sp>
@@ -6588,7 +6445,7 @@
           <p:nvPr/>
         </p:nvPicPr>
         <p:blipFill>
-          <a:blip r:embed="rId8">
+          <a:blip r:embed="rId6">
             <a:extLst>
               <a:ext uri="{28A0092B-C50C-407E-A947-70E740481C1C}">
                 <a14:useLocalDpi xmlns:a14="http://schemas.microsoft.com/office/drawing/2010/main" val="0"/>
@@ -6746,6 +6603,67 @@
           </a:p>
         </p:txBody>
       </p:sp>
+      <p:pic>
+        <p:nvPicPr>
+          <p:cNvPr id="6" name="Picture 5">
+            <a:extLst>
+              <a:ext uri="{FF2B5EF4-FFF2-40B4-BE49-F238E27FC236}">
+                <a16:creationId xmlns:a16="http://schemas.microsoft.com/office/drawing/2014/main" id="{8B332BC5-4E97-CC33-D945-00069E52C3A6}"/>
+              </a:ext>
+            </a:extLst>
+          </p:cNvPr>
+          <p:cNvPicPr>
+            <a:picLocks noChangeAspect="1"/>
+          </p:cNvPicPr>
+          <p:nvPr/>
+        </p:nvPicPr>
+        <p:blipFill>
+          <a:blip r:embed="rId7"/>
+          <a:stretch>
+            <a:fillRect/>
+          </a:stretch>
+        </p:blipFill>
+        <p:spPr>
+          <a:xfrm>
+            <a:off x="425609" y="18203196"/>
+            <a:ext cx="8990250" cy="4285279"/>
+          </a:xfrm>
+          <a:prstGeom prst="rect">
+            <a:avLst/>
+          </a:prstGeom>
+        </p:spPr>
+      </p:pic>
+      <p:pic>
+        <p:nvPicPr>
+          <p:cNvPr id="7" name="Picture 6">
+            <a:extLst>
+              <a:ext uri="{FF2B5EF4-FFF2-40B4-BE49-F238E27FC236}">
+                <a16:creationId xmlns:a16="http://schemas.microsoft.com/office/drawing/2014/main" id="{649A5469-E930-EEC0-7C21-26388B72524B}"/>
+              </a:ext>
+            </a:extLst>
+          </p:cNvPr>
+          <p:cNvPicPr>
+            <a:picLocks noChangeAspect="1"/>
+          </p:cNvPicPr>
+          <p:nvPr/>
+        </p:nvPicPr>
+        <p:blipFill>
+          <a:blip r:embed="rId8"/>
+          <a:srcRect t="3096"/>
+          <a:stretch>
+            <a:fillRect/>
+          </a:stretch>
+        </p:blipFill>
+        <p:spPr>
+          <a:xfrm>
+            <a:off x="95292" y="10669035"/>
+            <a:ext cx="9678855" cy="6516886"/>
+          </a:xfrm>
+          <a:prstGeom prst="rect">
+            <a:avLst/>
+          </a:prstGeom>
+        </p:spPr>
+      </p:pic>
     </p:spTree>
   </p:cSld>
   <p:clrMapOvr>

--- a/Project Docs/ConvNN Poster.pptx
+++ b/Project Docs/ConvNN Poster.pptx
@@ -197,7 +197,7 @@
           <a:p>
             <a:fld id="{97F067A0-B807-594B-857C-0B1CA98D0658}" type="datetimeFigureOut">
               <a:rPr lang="en-US" smtClean="0"/>
-              <a:t>8/24/25</a:t>
+              <a:t>9/25/25</a:t>
             </a:fld>
             <a:endParaRPr lang="en-US"/>
           </a:p>
@@ -729,7 +729,7 @@
           <a:p>
             <a:fld id="{2A84CB3F-E3C1-5B40-88B8-D14386A89107}" type="datetimeFigureOut">
               <a:rPr lang="en-US" smtClean="0"/>
-              <a:t>8/24/25</a:t>
+              <a:t>9/25/25</a:t>
             </a:fld>
             <a:endParaRPr lang="en-US"/>
           </a:p>
@@ -899,7 +899,7 @@
           <a:p>
             <a:fld id="{2A84CB3F-E3C1-5B40-88B8-D14386A89107}" type="datetimeFigureOut">
               <a:rPr lang="en-US" smtClean="0"/>
-              <a:t>8/24/25</a:t>
+              <a:t>9/25/25</a:t>
             </a:fld>
             <a:endParaRPr lang="en-US"/>
           </a:p>
@@ -1079,7 +1079,7 @@
           <a:p>
             <a:fld id="{2A84CB3F-E3C1-5B40-88B8-D14386A89107}" type="datetimeFigureOut">
               <a:rPr lang="en-US" smtClean="0"/>
-              <a:t>8/24/25</a:t>
+              <a:t>9/25/25</a:t>
             </a:fld>
             <a:endParaRPr lang="en-US"/>
           </a:p>
@@ -1813,7 +1813,7 @@
           <a:p>
             <a:fld id="{2A84CB3F-E3C1-5B40-88B8-D14386A89107}" type="datetimeFigureOut">
               <a:rPr lang="en-US" smtClean="0"/>
-              <a:t>8/24/25</a:t>
+              <a:t>9/25/25</a:t>
             </a:fld>
             <a:endParaRPr lang="en-US"/>
           </a:p>
@@ -2059,7 +2059,7 @@
           <a:p>
             <a:fld id="{2A84CB3F-E3C1-5B40-88B8-D14386A89107}" type="datetimeFigureOut">
               <a:rPr lang="en-US" smtClean="0"/>
-              <a:t>8/24/25</a:t>
+              <a:t>9/25/25</a:t>
             </a:fld>
             <a:endParaRPr lang="en-US"/>
           </a:p>
@@ -2291,7 +2291,7 @@
           <a:p>
             <a:fld id="{2A84CB3F-E3C1-5B40-88B8-D14386A89107}" type="datetimeFigureOut">
               <a:rPr lang="en-US" smtClean="0"/>
-              <a:t>8/24/25</a:t>
+              <a:t>9/25/25</a:t>
             </a:fld>
             <a:endParaRPr lang="en-US"/>
           </a:p>
@@ -2658,7 +2658,7 @@
           <a:p>
             <a:fld id="{2A84CB3F-E3C1-5B40-88B8-D14386A89107}" type="datetimeFigureOut">
               <a:rPr lang="en-US" smtClean="0"/>
-              <a:t>8/24/25</a:t>
+              <a:t>9/25/25</a:t>
             </a:fld>
             <a:endParaRPr lang="en-US"/>
           </a:p>
@@ -2776,7 +2776,7 @@
           <a:p>
             <a:fld id="{2A84CB3F-E3C1-5B40-88B8-D14386A89107}" type="datetimeFigureOut">
               <a:rPr lang="en-US" smtClean="0"/>
-              <a:t>8/24/25</a:t>
+              <a:t>9/25/25</a:t>
             </a:fld>
             <a:endParaRPr lang="en-US"/>
           </a:p>
@@ -2871,7 +2871,7 @@
           <a:p>
             <a:fld id="{2A84CB3F-E3C1-5B40-88B8-D14386A89107}" type="datetimeFigureOut">
               <a:rPr lang="en-US" smtClean="0"/>
-              <a:t>8/24/25</a:t>
+              <a:t>9/25/25</a:t>
             </a:fld>
             <a:endParaRPr lang="en-US"/>
           </a:p>
@@ -3148,7 +3148,7 @@
           <a:p>
             <a:fld id="{2A84CB3F-E3C1-5B40-88B8-D14386A89107}" type="datetimeFigureOut">
               <a:rPr lang="en-US" smtClean="0"/>
-              <a:t>8/24/25</a:t>
+              <a:t>9/25/25</a:t>
             </a:fld>
             <a:endParaRPr lang="en-US"/>
           </a:p>
@@ -3405,7 +3405,7 @@
           <a:p>
             <a:fld id="{2A84CB3F-E3C1-5B40-88B8-D14386A89107}" type="datetimeFigureOut">
               <a:rPr lang="en-US" smtClean="0"/>
-              <a:t>8/24/25</a:t>
+              <a:t>9/25/25</a:t>
             </a:fld>
             <a:endParaRPr lang="en-US"/>
           </a:p>
@@ -3618,7 +3618,7 @@
           <a:p>
             <a:fld id="{2A84CB3F-E3C1-5B40-88B8-D14386A89107}" type="datetimeFigureOut">
               <a:rPr lang="en-US" smtClean="0"/>
-              <a:t>8/24/25</a:t>
+              <a:t>9/25/25</a:t>
             </a:fld>
             <a:endParaRPr lang="en-US"/>
           </a:p>
@@ -4037,7 +4037,7 @@
         <p:spPr>
           <a:xfrm>
             <a:off x="227304" y="202551"/>
-            <a:ext cx="23324836" cy="2156680"/>
+            <a:ext cx="23324836" cy="2580890"/>
           </a:xfrm>
           <a:prstGeom prst="rect">
             <a:avLst/>
@@ -4091,15 +4091,40 @@
               </a:lnSpc>
             </a:pPr>
             <a:r>
-              <a:rPr lang="en" sz="4018" b="1" dirty="0">
+              <a:rPr lang="en" sz="3600" b="1" dirty="0">
                 <a:latin typeface="Cambria"/>
                 <a:ea typeface="Cambria"/>
                 <a:cs typeface="Cambria"/>
                 <a:sym typeface="Cambria"/>
               </a:rPr>
-              <a:t>Attention via Convolutional Nearest Neighbors</a:t>
-            </a:r>
-            <a:endParaRPr sz="4018" b="1" dirty="0">
+              <a:t>Convolutional Nearest Neighbors:</a:t>
+            </a:r>
+            <a:br>
+              <a:rPr lang="en" sz="3600" b="1" dirty="0">
+                <a:latin typeface="Cambria"/>
+                <a:ea typeface="Cambria"/>
+                <a:cs typeface="Cambria"/>
+                <a:sym typeface="Cambria"/>
+              </a:rPr>
+            </a:br>
+            <a:r>
+              <a:rPr lang="en" sz="3600" b="1" dirty="0">
+                <a:latin typeface="Cambria"/>
+                <a:ea typeface="Cambria"/>
+                <a:cs typeface="Cambria"/>
+                <a:sym typeface="Cambria"/>
+              </a:rPr>
+              <a:t>Reinterpreting Convolution Through K-Nearest Neighbor Selection</a:t>
+            </a:r>
+            <a:br>
+              <a:rPr lang="en" sz="3600" b="1" dirty="0">
+                <a:latin typeface="Cambria"/>
+                <a:ea typeface="Cambria"/>
+                <a:cs typeface="Cambria"/>
+                <a:sym typeface="Cambria"/>
+              </a:rPr>
+            </a:br>
+            <a:endParaRPr sz="3600" b="1" dirty="0">
               <a:latin typeface="Cambria"/>
               <a:ea typeface="Cambria"/>
               <a:cs typeface="Cambria"/>
@@ -4232,7 +4257,7 @@
         </p:nvSpPr>
         <p:spPr>
           <a:xfrm>
-            <a:off x="4588400" y="1115626"/>
+            <a:off x="4597077" y="1620331"/>
             <a:ext cx="14761618" cy="528708"/>
           </a:xfrm>
           <a:prstGeom prst="rect">
@@ -4282,7 +4307,7 @@
         </p:nvSpPr>
         <p:spPr>
           <a:xfrm>
-            <a:off x="4597077" y="1759445"/>
+            <a:off x="4597077" y="2209123"/>
             <a:ext cx="14761618" cy="407393"/>
           </a:xfrm>
           <a:prstGeom prst="rect">
@@ -4332,7 +4357,7 @@
         </p:nvSpPr>
         <p:spPr>
           <a:xfrm>
-            <a:off x="222260" y="2614042"/>
+            <a:off x="222260" y="3045158"/>
             <a:ext cx="9388364" cy="904800"/>
           </a:xfrm>
           <a:prstGeom prst="rect">
@@ -4381,8 +4406,8 @@
         </p:nvSpPr>
         <p:spPr>
           <a:xfrm>
-            <a:off x="280366" y="3754113"/>
-            <a:ext cx="9308709" cy="4488382"/>
+            <a:off x="262087" y="4026506"/>
+            <a:ext cx="9308709" cy="5303220"/>
           </a:xfrm>
           <a:prstGeom prst="rect">
             <a:avLst/>
@@ -4410,7 +4435,7 @@
               <a:buChar char="•"/>
             </a:pPr>
             <a:r>
-              <a:rPr lang="en" sz="2364" dirty="0">
+              <a:rPr lang="en-US" dirty="0">
                 <a:solidFill>
                   <a:schemeClr val="dk1"/>
                 </a:solidFill>
@@ -4419,9 +4444,33 @@
                 <a:cs typeface="Libre Franklin"/>
                 <a:sym typeface="Libre Franklin"/>
               </a:rPr>
-              <a:t>Individuals with cochlear implants (CIs) and normal hearing (NH) engage in “clustering and switching” during memory search, similar to optimal foraging in the wild. </a:t>
-            </a:r>
-            <a:endParaRPr sz="2364" dirty="0">
+              <a:t>Convolutional Nearest Neighbor (</a:t>
+            </a:r>
+            <a:r>
+              <a:rPr lang="en-US" b="1" dirty="0">
+                <a:solidFill>
+                  <a:schemeClr val="dk1"/>
+                </a:solidFill>
+                <a:latin typeface="Libre Franklin"/>
+                <a:ea typeface="Libre Franklin"/>
+                <a:cs typeface="Libre Franklin"/>
+                <a:sym typeface="Libre Franklin"/>
+              </a:rPr>
+              <a:t>ConvNN</a:t>
+            </a:r>
+            <a:r>
+              <a:rPr lang="en-US" dirty="0">
+                <a:solidFill>
+                  <a:schemeClr val="dk1"/>
+                </a:solidFill>
+                <a:latin typeface="Libre Franklin"/>
+                <a:ea typeface="Libre Franklin"/>
+                <a:cs typeface="Libre Franklin"/>
+                <a:sym typeface="Libre Franklin"/>
+              </a:rPr>
+              <a:t>) reinterprets convolution through k-nearest neighbor selection principle</a:t>
+            </a:r>
+            <a:endParaRPr dirty="0">
               <a:solidFill>
                 <a:schemeClr val="dk1"/>
               </a:solidFill>
@@ -4444,7 +4493,7 @@
               <a:buChar char="•"/>
             </a:pPr>
             <a:r>
-              <a:rPr lang="en" sz="2364" dirty="0">
+              <a:rPr lang="en-US" dirty="0">
                 <a:solidFill>
                   <a:schemeClr val="dk1"/>
                 </a:solidFill>
@@ -4453,17 +4502,57 @@
                 <a:cs typeface="Libre Franklin"/>
                 <a:sym typeface="Libre Franklin"/>
               </a:rPr>
-              <a:t>Semantic and phonological cues influence memory search differently in individuals with cochlear implants (CIs) compared to normal hearing (NH).</a:t>
-            </a:r>
-            <a:endParaRPr sz="2364" dirty="0">
-              <a:solidFill>
+              <a:t>Convolution’s neighbor selection is based purely on spatial distance between input features </a:t>
+            </a:r>
+          </a:p>
+          <a:p>
+            <a:pPr marL="650005" lvl="1" indent="-342900" algn="just">
+              <a:lnSpc>
+                <a:spcPct val="135000"/>
+              </a:lnSpc>
+              <a:buClr>
                 <a:schemeClr val="dk1"/>
-              </a:solidFill>
-              <a:latin typeface="Libre Franklin"/>
-              <a:ea typeface="Libre Franklin"/>
-              <a:cs typeface="Libre Franklin"/>
-              <a:sym typeface="Libre Franklin"/>
-            </a:endParaRPr>
+              </a:buClr>
+              <a:buSzPts val="3000"/>
+              <a:buFont typeface="Arial" panose="020B0604020202020204" pitchFamily="34" charset="0"/>
+              <a:buChar char="•"/>
+            </a:pPr>
+            <a:r>
+              <a:rPr lang="en-US" dirty="0">
+                <a:solidFill>
+                  <a:schemeClr val="dk1"/>
+                </a:solidFill>
+                <a:latin typeface="Libre Franklin"/>
+                <a:ea typeface="Libre Franklin"/>
+                <a:cs typeface="Libre Franklin"/>
+                <a:sym typeface="Libre Franklin"/>
+              </a:rPr>
+              <a:t>(</a:t>
+            </a:r>
+            <a:r>
+              <a:rPr lang="en-US" dirty="0" err="1">
+                <a:solidFill>
+                  <a:schemeClr val="dk1"/>
+                </a:solidFill>
+                <a:latin typeface="Libre Franklin"/>
+                <a:ea typeface="Libre Franklin"/>
+                <a:cs typeface="Libre Franklin"/>
+                <a:sym typeface="Libre Franklin"/>
+              </a:rPr>
+              <a:t>e.g</a:t>
+            </a:r>
+            <a:r>
+              <a:rPr lang="en-US" dirty="0">
+                <a:solidFill>
+                  <a:schemeClr val="dk1"/>
+                </a:solidFill>
+                <a:latin typeface="Libre Franklin"/>
+                <a:ea typeface="Libre Franklin"/>
+                <a:cs typeface="Libre Franklin"/>
+                <a:sym typeface="Libre Franklin"/>
+              </a:rPr>
+              <a:t> a 3x3 convolution kernel selects k=9 nearest neighbors surrounding each feature including itself as a neighbor based on Euclidean distance in image coordinates</a:t>
+            </a:r>
           </a:p>
           <a:p>
             <a:pPr marL="192805" indent="-342900" algn="just">
@@ -4478,7 +4567,7 @@
               <a:buChar char="•"/>
             </a:pPr>
             <a:r>
-              <a:rPr lang="en" sz="2364" dirty="0">
+              <a:rPr lang="en-US" dirty="0">
                 <a:solidFill>
                   <a:schemeClr val="dk1"/>
                 </a:solidFill>
@@ -4487,17 +4576,102 @@
                 <a:cs typeface="Libre Franklin"/>
                 <a:sym typeface="Libre Franklin"/>
               </a:rPr>
-              <a:t>We investigated search in prelingually deaf individuals with CIs to explore the impact of early phonological input on semantic organization and retrieval processes. </a:t>
-            </a:r>
-            <a:endParaRPr sz="2364" dirty="0">
-              <a:solidFill>
+              <a:t>Neighbor selection can be based on Euclidean distance in image coordinates, feature-based similarity, or a combination of both. </a:t>
+            </a:r>
+          </a:p>
+          <a:p>
+            <a:pPr marL="192805" indent="-342900" algn="just">
+              <a:lnSpc>
+                <a:spcPct val="135000"/>
+              </a:lnSpc>
+              <a:buClr>
                 <a:schemeClr val="dk1"/>
-              </a:solidFill>
-              <a:latin typeface="Libre Franklin"/>
-              <a:ea typeface="Libre Franklin"/>
-              <a:cs typeface="Libre Franklin"/>
-              <a:sym typeface="Libre Franklin"/>
-            </a:endParaRPr>
+              </a:buClr>
+              <a:buSzPts val="3000"/>
+              <a:buFont typeface="Arial" panose="020B0604020202020204" pitchFamily="34" charset="0"/>
+              <a:buChar char="•"/>
+            </a:pPr>
+            <a:r>
+              <a:rPr lang="en-US" dirty="0">
+                <a:solidFill>
+                  <a:schemeClr val="dk1"/>
+                </a:solidFill>
+                <a:latin typeface="Libre Franklin"/>
+                <a:ea typeface="Libre Franklin"/>
+                <a:cs typeface="Libre Franklin"/>
+                <a:sym typeface="Libre Franklin"/>
+              </a:rPr>
+              <a:t>ConvNN algorithm generalizes neighbor selection in convolutions beyond fixed spatial patterns though </a:t>
+            </a:r>
+          </a:p>
+          <a:p>
+            <a:pPr algn="just">
+              <a:lnSpc>
+                <a:spcPct val="135000"/>
+              </a:lnSpc>
+              <a:buClr>
+                <a:schemeClr val="dk1"/>
+              </a:buClr>
+              <a:buSzPts val="3000"/>
+            </a:pPr>
+            <a:r>
+              <a:rPr lang="en-US" dirty="0">
+                <a:solidFill>
+                  <a:schemeClr val="dk1"/>
+                </a:solidFill>
+                <a:latin typeface="Libre Franklin"/>
+                <a:ea typeface="Libre Franklin"/>
+                <a:cs typeface="Libre Franklin"/>
+                <a:sym typeface="Libre Franklin"/>
+              </a:rPr>
+              <a:t>	1. Similarity Computation</a:t>
+            </a:r>
+          </a:p>
+          <a:p>
+            <a:pPr algn="just">
+              <a:lnSpc>
+                <a:spcPct val="135000"/>
+              </a:lnSpc>
+              <a:buClr>
+                <a:schemeClr val="dk1"/>
+              </a:buClr>
+              <a:buSzPts val="3000"/>
+            </a:pPr>
+            <a:r>
+              <a:rPr lang="en-US" dirty="0">
+                <a:solidFill>
+                  <a:schemeClr val="dk1"/>
+                </a:solidFill>
+                <a:latin typeface="Libre Franklin"/>
+                <a:ea typeface="Libre Franklin"/>
+                <a:cs typeface="Libre Franklin"/>
+                <a:sym typeface="Libre Franklin"/>
+              </a:rPr>
+              <a:t>	2. K-Nearest Neighbor Selection</a:t>
+            </a:r>
+          </a:p>
+          <a:p>
+            <a:pPr algn="just">
+              <a:lnSpc>
+                <a:spcPct val="135000"/>
+              </a:lnSpc>
+              <a:buClr>
+                <a:schemeClr val="dk1"/>
+              </a:buClr>
+              <a:buSzPts val="3000"/>
+            </a:pPr>
+            <a:r>
+              <a:rPr lang="en-US" dirty="0">
+                <a:solidFill>
+                  <a:schemeClr val="dk1"/>
+                </a:solidFill>
+                <a:latin typeface="Libre Franklin"/>
+                <a:ea typeface="Libre Franklin"/>
+                <a:cs typeface="Libre Franklin"/>
+                <a:sym typeface="Libre Franklin"/>
+              </a:rPr>
+              <a:t>	3. Weighted Aggregation</a:t>
+            </a:r>
           </a:p>
         </p:txBody>
       </p:sp>
@@ -4509,7 +4683,7 @@
         </p:nvSpPr>
         <p:spPr>
           <a:xfrm>
-            <a:off x="10299704" y="2614227"/>
+            <a:off x="10272896" y="3093478"/>
             <a:ext cx="13252436" cy="904800"/>
           </a:xfrm>
           <a:prstGeom prst="rect">
@@ -4563,7 +4737,7 @@
         </p:nvSpPr>
         <p:spPr>
           <a:xfrm>
-            <a:off x="10088887" y="20083854"/>
+            <a:off x="11555737" y="17285864"/>
             <a:ext cx="13252436" cy="904800"/>
           </a:xfrm>
           <a:prstGeom prst="rect">
@@ -4771,793 +4945,6 @@
           </a:p>
         </p:txBody>
       </p:sp>
-      <p:graphicFrame>
-        <p:nvGraphicFramePr>
-          <p:cNvPr id="69" name="Google Shape;69;p14"/>
-          <p:cNvGraphicFramePr/>
-          <p:nvPr>
-            <p:extLst>
-              <p:ext uri="{D42A27DB-BD31-4B8C-83A1-F6EECF244321}">
-                <p14:modId xmlns:p14="http://schemas.microsoft.com/office/powerpoint/2010/main" val="2144847423"/>
-              </p:ext>
-            </p:extLst>
-          </p:nvPr>
-        </p:nvGraphicFramePr>
-        <p:xfrm>
-          <a:off x="425609" y="24190963"/>
-          <a:ext cx="9308729" cy="8294945"/>
-        </p:xfrm>
-        <a:graphic>
-          <a:graphicData uri="http://schemas.openxmlformats.org/drawingml/2006/table">
-            <a:tbl>
-              <a:tblPr>
-                <a:noFill/>
-              </a:tblPr>
-              <a:tblGrid>
-                <a:gridCol w="3471670">
-                  <a:extLst>
-                    <a:ext uri="{9D8B030D-6E8A-4147-A177-3AD203B41FA5}">
-                      <a16:colId xmlns:a16="http://schemas.microsoft.com/office/drawing/2014/main" val="20000"/>
-                    </a:ext>
-                  </a:extLst>
-                </a:gridCol>
-                <a:gridCol w="2702641">
-                  <a:extLst>
-                    <a:ext uri="{9D8B030D-6E8A-4147-A177-3AD203B41FA5}">
-                      <a16:colId xmlns:a16="http://schemas.microsoft.com/office/drawing/2014/main" val="20001"/>
-                    </a:ext>
-                  </a:extLst>
-                </a:gridCol>
-                <a:gridCol w="3134418">
-                  <a:extLst>
-                    <a:ext uri="{9D8B030D-6E8A-4147-A177-3AD203B41FA5}">
-                      <a16:colId xmlns:a16="http://schemas.microsoft.com/office/drawing/2014/main" val="20002"/>
-                    </a:ext>
-                  </a:extLst>
-                </a:gridCol>
-              </a:tblGrid>
-              <a:tr h="1539771">
-                <a:tc>
-                  <a:txBody>
-                    <a:bodyPr/>
-                    <a:lstStyle/>
-                    <a:p>
-                      <a:pPr marL="0" marR="0" lvl="0" indent="0" algn="ctr" rtl="0">
-                        <a:spcBef>
-                          <a:spcPts val="0"/>
-                        </a:spcBef>
-                        <a:spcAft>
-                          <a:spcPts val="0"/>
-                        </a:spcAft>
-                        <a:buNone/>
-                      </a:pPr>
-                      <a:r>
-                        <a:rPr lang="en" sz="2800" b="1">
-                          <a:solidFill>
-                            <a:srgbClr val="000000"/>
-                          </a:solidFill>
-                          <a:latin typeface="Libre Franklin"/>
-                          <a:ea typeface="Libre Franklin"/>
-                          <a:cs typeface="Libre Franklin"/>
-                          <a:sym typeface="Libre Franklin"/>
-                        </a:rPr>
-                        <a:t>Variable</a:t>
-                      </a:r>
-                      <a:endParaRPr sz="2800" b="1" i="0" u="none" strike="noStrike" cap="none">
-                        <a:solidFill>
-                          <a:srgbClr val="000000"/>
-                        </a:solidFill>
-                        <a:latin typeface="Libre Franklin"/>
-                        <a:ea typeface="Libre Franklin"/>
-                        <a:cs typeface="Libre Franklin"/>
-                        <a:sym typeface="Libre Franklin"/>
-                      </a:endParaRPr>
-                    </a:p>
-                  </a:txBody>
-                  <a:tcPr marL="4944" marR="4944" marT="8214" marB="0" anchor="ctr">
-                    <a:solidFill>
-                      <a:srgbClr val="CCCCCC"/>
-                    </a:solidFill>
-                  </a:tcPr>
-                </a:tc>
-                <a:tc>
-                  <a:txBody>
-                    <a:bodyPr/>
-                    <a:lstStyle/>
-                    <a:p>
-                      <a:pPr marL="0" marR="0" lvl="0" indent="0" algn="ctr" rtl="0">
-                        <a:spcBef>
-                          <a:spcPts val="0"/>
-                        </a:spcBef>
-                        <a:spcAft>
-                          <a:spcPts val="0"/>
-                        </a:spcAft>
-                        <a:buNone/>
-                      </a:pPr>
-                      <a:r>
-                        <a:rPr lang="en" sz="2800" b="1">
-                          <a:solidFill>
-                            <a:srgbClr val="000000"/>
-                          </a:solidFill>
-                          <a:latin typeface="Libre Franklin"/>
-                          <a:ea typeface="Libre Franklin"/>
-                          <a:cs typeface="Libre Franklin"/>
-                          <a:sym typeface="Libre Franklin"/>
-                        </a:rPr>
-                        <a:t>Mean (Range) in CIs (N = 30)</a:t>
-                      </a:r>
-                      <a:endParaRPr sz="2800" b="1" i="0" u="none" strike="noStrike" cap="none">
-                        <a:solidFill>
-                          <a:srgbClr val="000000"/>
-                        </a:solidFill>
-                        <a:latin typeface="Libre Franklin"/>
-                        <a:ea typeface="Libre Franklin"/>
-                        <a:cs typeface="Libre Franklin"/>
-                        <a:sym typeface="Libre Franklin"/>
-                      </a:endParaRPr>
-                    </a:p>
-                  </a:txBody>
-                  <a:tcPr marL="4944" marR="4944" marT="8214" marB="0" anchor="ctr">
-                    <a:solidFill>
-                      <a:srgbClr val="CCCCCC"/>
-                    </a:solidFill>
-                  </a:tcPr>
-                </a:tc>
-                <a:tc>
-                  <a:txBody>
-                    <a:bodyPr/>
-                    <a:lstStyle/>
-                    <a:p>
-                      <a:pPr marL="0" marR="0" lvl="0" indent="0" algn="ctr" rtl="0">
-                        <a:spcBef>
-                          <a:spcPts val="0"/>
-                        </a:spcBef>
-                        <a:spcAft>
-                          <a:spcPts val="0"/>
-                        </a:spcAft>
-                        <a:buNone/>
-                      </a:pPr>
-                      <a:r>
-                        <a:rPr lang="en" sz="2800" b="1" dirty="0">
-                          <a:latin typeface="Libre Franklin"/>
-                          <a:ea typeface="Libre Franklin"/>
-                          <a:cs typeface="Libre Franklin"/>
-                          <a:sym typeface="Libre Franklin"/>
-                        </a:rPr>
-                        <a:t>Mean (Range) in NHs (N=30)</a:t>
-                      </a:r>
-                      <a:endParaRPr sz="2800" b="1" u="none" strike="noStrike" cap="none" baseline="-25000" dirty="0">
-                        <a:solidFill>
-                          <a:srgbClr val="000000"/>
-                        </a:solidFill>
-                        <a:latin typeface="Libre Franklin"/>
-                        <a:ea typeface="Libre Franklin"/>
-                        <a:cs typeface="Libre Franklin"/>
-                        <a:sym typeface="Libre Franklin"/>
-                      </a:endParaRPr>
-                    </a:p>
-                  </a:txBody>
-                  <a:tcPr marL="4944" marR="4944" marT="8214" marB="0" anchor="ctr">
-                    <a:solidFill>
-                      <a:srgbClr val="CCCCCC"/>
-                    </a:solidFill>
-                  </a:tcPr>
-                </a:tc>
-                <a:extLst>
-                  <a:ext uri="{0D108BD9-81ED-4DB2-BD59-A6C34878D82A}">
-                    <a16:rowId xmlns:a16="http://schemas.microsoft.com/office/drawing/2014/main" val="10000"/>
-                  </a:ext>
-                </a:extLst>
-              </a:tr>
-              <a:tr h="1329309">
-                <a:tc>
-                  <a:txBody>
-                    <a:bodyPr/>
-                    <a:lstStyle/>
-                    <a:p>
-                      <a:pPr marL="0" marR="0" lvl="0" indent="0" algn="ctr" rtl="0">
-                        <a:spcBef>
-                          <a:spcPts val="0"/>
-                        </a:spcBef>
-                        <a:spcAft>
-                          <a:spcPts val="0"/>
-                        </a:spcAft>
-                        <a:buNone/>
-                      </a:pPr>
-                      <a:r>
-                        <a:rPr lang="en" sz="2800" b="1">
-                          <a:latin typeface="Libre Franklin"/>
-                          <a:ea typeface="Libre Franklin"/>
-                          <a:cs typeface="Libre Franklin"/>
-                          <a:sym typeface="Libre Franklin"/>
-                        </a:rPr>
-                        <a:t>Chronological age (Years)</a:t>
-                      </a:r>
-                      <a:endParaRPr sz="2800" b="1" i="0" u="none" strike="noStrike" cap="none">
-                        <a:solidFill>
-                          <a:srgbClr val="000000"/>
-                        </a:solidFill>
-                        <a:latin typeface="Libre Franklin"/>
-                        <a:ea typeface="Libre Franklin"/>
-                        <a:cs typeface="Libre Franklin"/>
-                        <a:sym typeface="Libre Franklin"/>
-                      </a:endParaRPr>
-                    </a:p>
-                  </a:txBody>
-                  <a:tcPr marL="4944" marR="4944" marT="8214" marB="0" anchor="ctr"/>
-                </a:tc>
-                <a:tc>
-                  <a:txBody>
-                    <a:bodyPr/>
-                    <a:lstStyle/>
-                    <a:p>
-                      <a:pPr marL="0" marR="0" lvl="0" indent="0" algn="ctr" rtl="0">
-                        <a:spcBef>
-                          <a:spcPts val="0"/>
-                        </a:spcBef>
-                        <a:spcAft>
-                          <a:spcPts val="0"/>
-                        </a:spcAft>
-                        <a:buNone/>
-                      </a:pPr>
-                      <a:r>
-                        <a:rPr lang="en" sz="2700">
-                          <a:latin typeface="Libre Franklin"/>
-                          <a:ea typeface="Libre Franklin"/>
-                          <a:cs typeface="Libre Franklin"/>
-                          <a:sym typeface="Libre Franklin"/>
-                        </a:rPr>
-                        <a:t>15.74 (9.86-26.66)</a:t>
-                      </a:r>
-                      <a:endParaRPr sz="2700" b="0" i="0" u="none" strike="noStrike" cap="none" dirty="0">
-                        <a:solidFill>
-                          <a:srgbClr val="000000"/>
-                        </a:solidFill>
-                        <a:latin typeface="Libre Franklin"/>
-                        <a:ea typeface="Libre Franklin"/>
-                        <a:cs typeface="Libre Franklin"/>
-                        <a:sym typeface="Libre Franklin"/>
-                      </a:endParaRPr>
-                    </a:p>
-                  </a:txBody>
-                  <a:tcPr marL="4944" marR="4944" marT="8214" marB="0" anchor="ctr"/>
-                </a:tc>
-                <a:tc>
-                  <a:txBody>
-                    <a:bodyPr/>
-                    <a:lstStyle/>
-                    <a:p>
-                      <a:pPr marL="0" marR="0" lvl="0" indent="0" algn="ctr" rtl="0">
-                        <a:spcBef>
-                          <a:spcPts val="0"/>
-                        </a:spcBef>
-                        <a:spcAft>
-                          <a:spcPts val="0"/>
-                        </a:spcAft>
-                        <a:buNone/>
-                      </a:pPr>
-                      <a:r>
-                        <a:rPr lang="en" sz="2700">
-                          <a:latin typeface="Libre Franklin"/>
-                          <a:ea typeface="Libre Franklin"/>
-                          <a:cs typeface="Libre Franklin"/>
-                          <a:sym typeface="Libre Franklin"/>
-                        </a:rPr>
-                        <a:t>16.18 (10.2-27.07)</a:t>
-                      </a:r>
-                      <a:endParaRPr sz="2700" b="0" i="0" u="none" strike="noStrike" cap="none">
-                        <a:solidFill>
-                          <a:srgbClr val="000000"/>
-                        </a:solidFill>
-                        <a:latin typeface="Libre Franklin"/>
-                        <a:ea typeface="Libre Franklin"/>
-                        <a:cs typeface="Libre Franklin"/>
-                        <a:sym typeface="Libre Franklin"/>
-                      </a:endParaRPr>
-                    </a:p>
-                  </a:txBody>
-                  <a:tcPr marL="4944" marR="4944" marT="8214" marB="0" anchor="ctr"/>
-                </a:tc>
-                <a:extLst>
-                  <a:ext uri="{0D108BD9-81ED-4DB2-BD59-A6C34878D82A}">
-                    <a16:rowId xmlns:a16="http://schemas.microsoft.com/office/drawing/2014/main" val="10001"/>
-                  </a:ext>
-                </a:extLst>
-              </a:tr>
-              <a:tr h="1662483">
-                <a:tc>
-                  <a:txBody>
-                    <a:bodyPr/>
-                    <a:lstStyle/>
-                    <a:p>
-                      <a:pPr marL="0" marR="0" lvl="0" indent="0" algn="ctr" rtl="0">
-                        <a:spcBef>
-                          <a:spcPts val="0"/>
-                        </a:spcBef>
-                        <a:spcAft>
-                          <a:spcPts val="0"/>
-                        </a:spcAft>
-                        <a:buNone/>
-                      </a:pPr>
-                      <a:r>
-                        <a:rPr lang="en" sz="2800" b="1">
-                          <a:solidFill>
-                            <a:srgbClr val="000000"/>
-                          </a:solidFill>
-                          <a:latin typeface="Libre Franklin"/>
-                          <a:ea typeface="Libre Franklin"/>
-                          <a:cs typeface="Libre Franklin"/>
-                          <a:sym typeface="Libre Franklin"/>
-                        </a:rPr>
-                        <a:t>Age at implementation (months)</a:t>
-                      </a:r>
-                      <a:r>
-                        <a:rPr lang="en" sz="2800" b="1" i="0" u="none" strike="noStrike" cap="none">
-                          <a:solidFill>
-                            <a:srgbClr val="000000"/>
-                          </a:solidFill>
-                          <a:latin typeface="Libre Franklin"/>
-                          <a:ea typeface="Libre Franklin"/>
-                          <a:cs typeface="Libre Franklin"/>
-                          <a:sym typeface="Libre Franklin"/>
-                        </a:rPr>
-                        <a:t>        </a:t>
-                      </a:r>
-                      <a:endParaRPr sz="2800" b="1" i="0" u="none" strike="noStrike" cap="none">
-                        <a:solidFill>
-                          <a:srgbClr val="000000"/>
-                        </a:solidFill>
-                        <a:latin typeface="Libre Franklin"/>
-                        <a:ea typeface="Libre Franklin"/>
-                        <a:cs typeface="Libre Franklin"/>
-                        <a:sym typeface="Libre Franklin"/>
-                      </a:endParaRPr>
-                    </a:p>
-                  </a:txBody>
-                  <a:tcPr marL="4944" marR="4944" marT="8214" marB="0" anchor="ctr"/>
-                </a:tc>
-                <a:tc>
-                  <a:txBody>
-                    <a:bodyPr/>
-                    <a:lstStyle/>
-                    <a:p>
-                      <a:pPr marL="0" marR="0" lvl="0" indent="0" algn="ctr" rtl="0">
-                        <a:spcBef>
-                          <a:spcPts val="0"/>
-                        </a:spcBef>
-                        <a:spcAft>
-                          <a:spcPts val="0"/>
-                        </a:spcAft>
-                        <a:buNone/>
-                      </a:pPr>
-                      <a:r>
-                        <a:rPr lang="en" sz="2700">
-                          <a:solidFill>
-                            <a:srgbClr val="000000"/>
-                          </a:solidFill>
-                          <a:latin typeface="Libre Franklin"/>
-                          <a:ea typeface="Libre Franklin"/>
-                          <a:cs typeface="Libre Franklin"/>
-                          <a:sym typeface="Libre Franklin"/>
-                        </a:rPr>
-                        <a:t>37.94 (11.07-75.76)</a:t>
-                      </a:r>
-                      <a:endParaRPr sz="2700" b="0" i="0" u="none" strike="noStrike" cap="none">
-                        <a:solidFill>
-                          <a:srgbClr val="000000"/>
-                        </a:solidFill>
-                        <a:latin typeface="Libre Franklin"/>
-                        <a:ea typeface="Libre Franklin"/>
-                        <a:cs typeface="Libre Franklin"/>
-                        <a:sym typeface="Libre Franklin"/>
-                      </a:endParaRPr>
-                    </a:p>
-                  </a:txBody>
-                  <a:tcPr marL="4944" marR="4944" marT="8214" marB="0" anchor="ctr"/>
-                </a:tc>
-                <a:tc>
-                  <a:txBody>
-                    <a:bodyPr/>
-                    <a:lstStyle/>
-                    <a:p>
-                      <a:pPr marL="0" marR="0" lvl="0" indent="0" algn="ctr" rtl="0">
-                        <a:spcBef>
-                          <a:spcPts val="0"/>
-                        </a:spcBef>
-                        <a:spcAft>
-                          <a:spcPts val="0"/>
-                        </a:spcAft>
-                        <a:buNone/>
-                      </a:pPr>
-                      <a:r>
-                        <a:rPr lang="en" sz="2600">
-                          <a:latin typeface="Libre Franklin"/>
-                          <a:ea typeface="Libre Franklin"/>
-                          <a:cs typeface="Libre Franklin"/>
-                          <a:sym typeface="Libre Franklin"/>
-                        </a:rPr>
-                        <a:t>-</a:t>
-                      </a:r>
-                      <a:endParaRPr sz="2800" b="0" i="0" u="none" strike="noStrike" cap="none">
-                        <a:solidFill>
-                          <a:srgbClr val="000000"/>
-                        </a:solidFill>
-                        <a:latin typeface="Libre Franklin"/>
-                        <a:ea typeface="Libre Franklin"/>
-                        <a:cs typeface="Libre Franklin"/>
-                        <a:sym typeface="Libre Franklin"/>
-                      </a:endParaRPr>
-                    </a:p>
-                  </a:txBody>
-                  <a:tcPr marL="4944" marR="4944" marT="8214" marB="0" anchor="ctr"/>
-                </a:tc>
-                <a:extLst>
-                  <a:ext uri="{0D108BD9-81ED-4DB2-BD59-A6C34878D82A}">
-                    <a16:rowId xmlns:a16="http://schemas.microsoft.com/office/drawing/2014/main" val="10002"/>
-                  </a:ext>
-                </a:extLst>
-              </a:tr>
-              <a:tr h="1206794">
-                <a:tc>
-                  <a:txBody>
-                    <a:bodyPr/>
-                    <a:lstStyle/>
-                    <a:p>
-                      <a:pPr marL="0" marR="0" lvl="0" indent="0" algn="ctr" rtl="0">
-                        <a:spcBef>
-                          <a:spcPts val="0"/>
-                        </a:spcBef>
-                        <a:spcAft>
-                          <a:spcPts val="0"/>
-                        </a:spcAft>
-                        <a:buNone/>
-                      </a:pPr>
-                      <a:r>
-                        <a:rPr lang="en" sz="2800" b="1">
-                          <a:latin typeface="Libre Franklin"/>
-                          <a:ea typeface="Libre Franklin"/>
-                          <a:cs typeface="Libre Franklin"/>
-                          <a:sym typeface="Libre Franklin"/>
-                        </a:rPr>
-                        <a:t>Duration of CI use (Years)</a:t>
-                      </a:r>
-                      <a:endParaRPr sz="2800" b="1" i="0" u="none" strike="noStrike" cap="none">
-                        <a:solidFill>
-                          <a:srgbClr val="000000"/>
-                        </a:solidFill>
-                        <a:latin typeface="Libre Franklin"/>
-                        <a:ea typeface="Libre Franklin"/>
-                        <a:cs typeface="Libre Franklin"/>
-                        <a:sym typeface="Libre Franklin"/>
-                      </a:endParaRPr>
-                    </a:p>
-                  </a:txBody>
-                  <a:tcPr marL="4944" marR="4944" marT="8214" marB="0" anchor="ctr"/>
-                </a:tc>
-                <a:tc>
-                  <a:txBody>
-                    <a:bodyPr/>
-                    <a:lstStyle/>
-                    <a:p>
-                      <a:pPr marL="0" marR="0" lvl="0" indent="0" algn="ctr" rtl="0">
-                        <a:spcBef>
-                          <a:spcPts val="0"/>
-                        </a:spcBef>
-                        <a:spcAft>
-                          <a:spcPts val="0"/>
-                        </a:spcAft>
-                        <a:buNone/>
-                      </a:pPr>
-                      <a:r>
-                        <a:rPr lang="en" sz="2700">
-                          <a:latin typeface="Libre Franklin"/>
-                          <a:ea typeface="Libre Franklin"/>
-                          <a:cs typeface="Libre Franklin"/>
-                          <a:sym typeface="Libre Franklin"/>
-                        </a:rPr>
-                        <a:t>12.58 (7.79-21.19)</a:t>
-                      </a:r>
-                      <a:endParaRPr sz="2700" b="0" i="0" u="none" strike="noStrike" cap="none">
-                        <a:solidFill>
-                          <a:srgbClr val="000000"/>
-                        </a:solidFill>
-                        <a:latin typeface="Libre Franklin"/>
-                        <a:ea typeface="Libre Franklin"/>
-                        <a:cs typeface="Libre Franklin"/>
-                        <a:sym typeface="Libre Franklin"/>
-                      </a:endParaRPr>
-                    </a:p>
-                  </a:txBody>
-                  <a:tcPr marL="4944" marR="4944" marT="8214" marB="0" anchor="ctr"/>
-                </a:tc>
-                <a:tc>
-                  <a:txBody>
-                    <a:bodyPr/>
-                    <a:lstStyle/>
-                    <a:p>
-                      <a:pPr marL="0" marR="0" lvl="0" indent="0" algn="ctr" rtl="0">
-                        <a:spcBef>
-                          <a:spcPts val="0"/>
-                        </a:spcBef>
-                        <a:spcAft>
-                          <a:spcPts val="0"/>
-                        </a:spcAft>
-                        <a:buNone/>
-                      </a:pPr>
-                      <a:r>
-                        <a:rPr lang="en" sz="2500">
-                          <a:latin typeface="Libre Franklin"/>
-                          <a:ea typeface="Libre Franklin"/>
-                          <a:cs typeface="Libre Franklin"/>
-                          <a:sym typeface="Libre Franklin"/>
-                        </a:rPr>
-                        <a:t>-</a:t>
-                      </a:r>
-                      <a:endParaRPr sz="2700" b="0" i="0" u="none" strike="noStrike" cap="none">
-                        <a:solidFill>
-                          <a:srgbClr val="000000"/>
-                        </a:solidFill>
-                        <a:latin typeface="Libre Franklin"/>
-                        <a:ea typeface="Libre Franklin"/>
-                        <a:cs typeface="Libre Franklin"/>
-                        <a:sym typeface="Libre Franklin"/>
-                      </a:endParaRPr>
-                    </a:p>
-                  </a:txBody>
-                  <a:tcPr marL="4944" marR="4944" marT="8214" marB="0" anchor="ctr"/>
-                </a:tc>
-                <a:extLst>
-                  <a:ext uri="{0D108BD9-81ED-4DB2-BD59-A6C34878D82A}">
-                    <a16:rowId xmlns:a16="http://schemas.microsoft.com/office/drawing/2014/main" val="10003"/>
-                  </a:ext>
-                </a:extLst>
-              </a:tr>
-              <a:tr h="1503253">
-                <a:tc>
-                  <a:txBody>
-                    <a:bodyPr/>
-                    <a:lstStyle/>
-                    <a:p>
-                      <a:pPr marL="0" marR="0" lvl="0" indent="0" algn="ctr" rtl="0">
-                        <a:spcBef>
-                          <a:spcPts val="0"/>
-                        </a:spcBef>
-                        <a:spcAft>
-                          <a:spcPts val="0"/>
-                        </a:spcAft>
-                        <a:buNone/>
-                      </a:pPr>
-                      <a:r>
-                        <a:rPr lang="en" sz="2800" b="1">
-                          <a:solidFill>
-                            <a:srgbClr val="000000"/>
-                          </a:solidFill>
-                          <a:latin typeface="Libre Franklin"/>
-                          <a:ea typeface="Libre Franklin"/>
-                          <a:cs typeface="Libre Franklin"/>
-                          <a:sym typeface="Libre Franklin"/>
-                        </a:rPr>
-                        <a:t>Age of onset of deafness (months)</a:t>
-                      </a:r>
-                      <a:endParaRPr sz="2800" b="1" i="0" u="none" strike="noStrike" cap="none">
-                        <a:solidFill>
-                          <a:srgbClr val="000000"/>
-                        </a:solidFill>
-                        <a:latin typeface="Libre Franklin"/>
-                        <a:ea typeface="Libre Franklin"/>
-                        <a:cs typeface="Libre Franklin"/>
-                        <a:sym typeface="Libre Franklin"/>
-                      </a:endParaRPr>
-                    </a:p>
-                  </a:txBody>
-                  <a:tcPr marL="4944" marR="4944" marT="8214" marB="0" anchor="ctr"/>
-                </a:tc>
-                <a:tc>
-                  <a:txBody>
-                    <a:bodyPr/>
-                    <a:lstStyle/>
-                    <a:p>
-                      <a:pPr marL="0" marR="0" lvl="0" indent="0" algn="ctr" rtl="0">
-                        <a:spcBef>
-                          <a:spcPts val="0"/>
-                        </a:spcBef>
-                        <a:spcAft>
-                          <a:spcPts val="0"/>
-                        </a:spcAft>
-                        <a:buNone/>
-                      </a:pPr>
-                      <a:r>
-                        <a:rPr lang="en" sz="2700">
-                          <a:latin typeface="Libre Franklin"/>
-                          <a:ea typeface="Libre Franklin"/>
-                          <a:cs typeface="Libre Franklin"/>
-                          <a:sym typeface="Libre Franklin"/>
-                        </a:rPr>
-                        <a:t>2.41 (0-24)</a:t>
-                      </a:r>
-                      <a:endParaRPr sz="2700" b="0" i="0" u="none" strike="noStrike" cap="none">
-                        <a:solidFill>
-                          <a:srgbClr val="000000"/>
-                        </a:solidFill>
-                        <a:latin typeface="Libre Franklin"/>
-                        <a:ea typeface="Libre Franklin"/>
-                        <a:cs typeface="Libre Franklin"/>
-                        <a:sym typeface="Libre Franklin"/>
-                      </a:endParaRPr>
-                    </a:p>
-                  </a:txBody>
-                  <a:tcPr marL="4944" marR="4944" marT="8214" marB="0" anchor="ctr"/>
-                </a:tc>
-                <a:tc>
-                  <a:txBody>
-                    <a:bodyPr/>
-                    <a:lstStyle/>
-                    <a:p>
-                      <a:pPr marL="0" marR="0" lvl="0" indent="0" algn="ctr" rtl="0">
-                        <a:spcBef>
-                          <a:spcPts val="0"/>
-                        </a:spcBef>
-                        <a:spcAft>
-                          <a:spcPts val="0"/>
-                        </a:spcAft>
-                        <a:buNone/>
-                      </a:pPr>
-                      <a:r>
-                        <a:rPr lang="en" sz="2500">
-                          <a:latin typeface="Libre Franklin"/>
-                          <a:ea typeface="Libre Franklin"/>
-                          <a:cs typeface="Libre Franklin"/>
-                          <a:sym typeface="Libre Franklin"/>
-                        </a:rPr>
-                        <a:t>-</a:t>
-                      </a:r>
-                      <a:endParaRPr sz="2700" b="0" i="0" u="none" strike="noStrike" cap="none">
-                        <a:solidFill>
-                          <a:srgbClr val="000000"/>
-                        </a:solidFill>
-                        <a:latin typeface="Libre Franklin"/>
-                        <a:ea typeface="Libre Franklin"/>
-                        <a:cs typeface="Libre Franklin"/>
-                        <a:sym typeface="Libre Franklin"/>
-                      </a:endParaRPr>
-                    </a:p>
-                  </a:txBody>
-                  <a:tcPr marL="4944" marR="4944" marT="8214" marB="0" anchor="ctr"/>
-                </a:tc>
-                <a:extLst>
-                  <a:ext uri="{0D108BD9-81ED-4DB2-BD59-A6C34878D82A}">
-                    <a16:rowId xmlns:a16="http://schemas.microsoft.com/office/drawing/2014/main" val="10004"/>
-                  </a:ext>
-                </a:extLst>
-              </a:tr>
-              <a:tr h="1053335">
-                <a:tc>
-                  <a:txBody>
-                    <a:bodyPr/>
-                    <a:lstStyle/>
-                    <a:p>
-                      <a:pPr marL="0" marR="0" lvl="0" indent="0" algn="ctr" rtl="0">
-                        <a:spcBef>
-                          <a:spcPts val="0"/>
-                        </a:spcBef>
-                        <a:spcAft>
-                          <a:spcPts val="0"/>
-                        </a:spcAft>
-                        <a:buNone/>
-                      </a:pPr>
-                      <a:r>
-                        <a:rPr lang="en" sz="2800" b="1" dirty="0">
-                          <a:latin typeface="Libre Franklin"/>
-                          <a:ea typeface="Libre Franklin"/>
-                          <a:cs typeface="Libre Franklin"/>
-                          <a:sym typeface="Libre Franklin"/>
-                        </a:rPr>
-                        <a:t>Standardized PPVT-5</a:t>
-                      </a:r>
-                      <a:r>
-                        <a:rPr lang="en" sz="2800" b="1" baseline="30000" dirty="0">
-                          <a:latin typeface="Libre Franklin"/>
-                          <a:ea typeface="Libre Franklin"/>
-                          <a:cs typeface="Libre Franklin"/>
-                          <a:sym typeface="Libre Franklin"/>
-                        </a:rPr>
-                        <a:t>*</a:t>
-                      </a:r>
-                      <a:endParaRPr sz="2800" b="1" i="0" u="none" strike="noStrike" cap="none" baseline="30000" dirty="0">
-                        <a:solidFill>
-                          <a:srgbClr val="000000"/>
-                        </a:solidFill>
-                        <a:latin typeface="Libre Franklin"/>
-                        <a:ea typeface="Libre Franklin"/>
-                        <a:cs typeface="Libre Franklin"/>
-                        <a:sym typeface="Libre Franklin"/>
-                      </a:endParaRPr>
-                    </a:p>
-                  </a:txBody>
-                  <a:tcPr marL="4944" marR="4944" marT="8214" marB="0" anchor="ctr"/>
-                </a:tc>
-                <a:tc>
-                  <a:txBody>
-                    <a:bodyPr/>
-                    <a:lstStyle/>
-                    <a:p>
-                      <a:pPr marL="0" marR="0" lvl="0" indent="0" algn="ctr" rtl="0">
-                        <a:spcBef>
-                          <a:spcPts val="0"/>
-                        </a:spcBef>
-                        <a:spcAft>
-                          <a:spcPts val="0"/>
-                        </a:spcAft>
-                        <a:buNone/>
-                      </a:pPr>
-                      <a:r>
-                        <a:rPr lang="en" sz="2700">
-                          <a:latin typeface="Libre Franklin"/>
-                          <a:ea typeface="Libre Franklin"/>
-                          <a:cs typeface="Libre Franklin"/>
-                          <a:sym typeface="Libre Franklin"/>
-                        </a:rPr>
-                        <a:t>84.69 (42-123)</a:t>
-                      </a:r>
-                      <a:endParaRPr sz="2700" b="0" i="0" u="none" strike="noStrike" cap="none">
-                        <a:solidFill>
-                          <a:srgbClr val="000000"/>
-                        </a:solidFill>
-                        <a:latin typeface="Libre Franklin"/>
-                        <a:ea typeface="Libre Franklin"/>
-                        <a:cs typeface="Libre Franklin"/>
-                        <a:sym typeface="Libre Franklin"/>
-                      </a:endParaRPr>
-                    </a:p>
-                  </a:txBody>
-                  <a:tcPr marL="4944" marR="4944" marT="8214" marB="0" anchor="ctr"/>
-                </a:tc>
-                <a:tc>
-                  <a:txBody>
-                    <a:bodyPr/>
-                    <a:lstStyle/>
-                    <a:p>
-                      <a:pPr marL="0" marR="0" lvl="0" indent="0" algn="ctr" rtl="0">
-                        <a:spcBef>
-                          <a:spcPts val="0"/>
-                        </a:spcBef>
-                        <a:spcAft>
-                          <a:spcPts val="0"/>
-                        </a:spcAft>
-                        <a:buNone/>
-                      </a:pPr>
-                      <a:r>
-                        <a:rPr lang="en" sz="2700" dirty="0">
-                          <a:latin typeface="Libre Franklin"/>
-                          <a:ea typeface="Libre Franklin"/>
-                          <a:cs typeface="Libre Franklin"/>
-                          <a:sym typeface="Libre Franklin"/>
-                        </a:rPr>
-                        <a:t>108.63 (79-132)</a:t>
-                      </a:r>
-                      <a:endParaRPr sz="2700" b="0" i="0" u="none" strike="noStrike" cap="none" dirty="0">
-                        <a:solidFill>
-                          <a:srgbClr val="000000"/>
-                        </a:solidFill>
-                        <a:latin typeface="Libre Franklin"/>
-                        <a:ea typeface="Libre Franklin"/>
-                        <a:cs typeface="Libre Franklin"/>
-                        <a:sym typeface="Libre Franklin"/>
-                      </a:endParaRPr>
-                    </a:p>
-                  </a:txBody>
-                  <a:tcPr marL="4944" marR="4944" marT="8214" marB="0" anchor="ctr"/>
-                </a:tc>
-                <a:extLst>
-                  <a:ext uri="{0D108BD9-81ED-4DB2-BD59-A6C34878D82A}">
-                    <a16:rowId xmlns:a16="http://schemas.microsoft.com/office/drawing/2014/main" val="10005"/>
-                  </a:ext>
-                </a:extLst>
-              </a:tr>
-            </a:tbl>
-          </a:graphicData>
-        </a:graphic>
-      </p:graphicFrame>
       <p:sp>
         <p:nvSpPr>
           <p:cNvPr id="70" name="Google Shape;70;p14"/>
@@ -5694,8 +5081,8 @@
         </p:blipFill>
         <p:spPr>
           <a:xfrm>
-            <a:off x="21389747" y="353492"/>
-            <a:ext cx="1828800" cy="1828800"/>
+            <a:off x="21112252" y="455868"/>
+            <a:ext cx="2087245" cy="2087245"/>
           </a:xfrm>
           <a:prstGeom prst="rect">
             <a:avLst/>
@@ -5714,7 +5101,7 @@
         </p:nvSpPr>
         <p:spPr>
           <a:xfrm>
-            <a:off x="280366" y="9807988"/>
+            <a:off x="280366" y="9350791"/>
             <a:ext cx="9308709" cy="757782"/>
           </a:xfrm>
           <a:prstGeom prst="rect">
@@ -5754,95 +5141,6 @@
           </a:p>
         </p:txBody>
       </p:sp>
-      <p:sp>
-        <p:nvSpPr>
-          <p:cNvPr id="76" name="Google Shape;76;p14"/>
-          <p:cNvSpPr txBox="1"/>
-          <p:nvPr/>
-        </p:nvSpPr>
-        <p:spPr>
-          <a:xfrm>
-            <a:off x="77014" y="32540270"/>
-            <a:ext cx="9678855" cy="1243745"/>
-          </a:xfrm>
-          <a:prstGeom prst="rect">
-            <a:avLst/>
-          </a:prstGeom>
-          <a:noFill/>
-          <a:ln>
-            <a:noFill/>
-          </a:ln>
-        </p:spPr>
-        <p:txBody>
-          <a:bodyPr spcFirstLastPara="1" wrap="square" lIns="361755" tIns="361755" rIns="361755" bIns="361755" anchor="t" anchorCtr="0">
-            <a:noAutofit/>
-          </a:bodyPr>
-          <a:lstStyle/>
-          <a:p>
-            <a:r>
-              <a:rPr lang="en" sz="1970" i="1" dirty="0">
-                <a:solidFill>
-                  <a:schemeClr val="dk2"/>
-                </a:solidFill>
-                <a:latin typeface="Libre Franklin"/>
-                <a:ea typeface="Libre Franklin"/>
-                <a:cs typeface="Libre Franklin"/>
-                <a:sym typeface="Libre Franklin"/>
-              </a:rPr>
-              <a:t>Note</a:t>
-            </a:r>
-            <a:r>
-              <a:rPr lang="en" sz="1970" dirty="0">
-                <a:solidFill>
-                  <a:schemeClr val="dk2"/>
-                </a:solidFill>
-                <a:latin typeface="Libre Franklin"/>
-                <a:ea typeface="Libre Franklin"/>
-                <a:cs typeface="Libre Franklin"/>
-                <a:sym typeface="Libre Franklin"/>
-              </a:rPr>
-              <a:t>: PPVT-5 stands for the Peabody Picture Vocabulary Test, a standardized test that measures receptive vocabulary knowledge</a:t>
-            </a:r>
-            <a:endParaRPr sz="1970" dirty="0">
-              <a:solidFill>
-                <a:schemeClr val="dk2"/>
-              </a:solidFill>
-              <a:latin typeface="Libre Franklin"/>
-              <a:ea typeface="Libre Franklin"/>
-              <a:cs typeface="Libre Franklin"/>
-              <a:sym typeface="Libre Franklin"/>
-            </a:endParaRPr>
-          </a:p>
-        </p:txBody>
-      </p:sp>
-      <p:pic>
-        <p:nvPicPr>
-          <p:cNvPr id="77" name="Google Shape;77;p14"/>
-          <p:cNvPicPr preferRelativeResize="0"/>
-          <p:nvPr/>
-        </p:nvPicPr>
-        <p:blipFill>
-          <a:blip r:embed="rId4">
-            <a:alphaModFix/>
-          </a:blip>
-          <a:stretch>
-            <a:fillRect/>
-          </a:stretch>
-        </p:blipFill>
-        <p:spPr>
-          <a:xfrm>
-            <a:off x="10758377" y="5691584"/>
-            <a:ext cx="11754383" cy="7834291"/>
-          </a:xfrm>
-          <a:prstGeom prst="rect">
-            <a:avLst/>
-          </a:prstGeom>
-          <a:noFill/>
-          <a:ln>
-            <a:noFill/>
-          </a:ln>
-        </p:spPr>
-      </p:pic>
       <p:pic>
         <p:nvPicPr>
           <p:cNvPr id="78" name="Google Shape;78;p14"/>
@@ -5850,7 +5148,7 @@
           <p:nvPr/>
         </p:nvPicPr>
         <p:blipFill>
-          <a:blip r:embed="rId5">
+          <a:blip r:embed="rId4">
             <a:alphaModFix/>
           </a:blip>
           <a:stretch>
@@ -5879,8 +5177,8 @@
         </p:nvSpPr>
         <p:spPr>
           <a:xfrm>
-            <a:off x="10272896" y="13526378"/>
-            <a:ext cx="12884418" cy="6516886"/>
+            <a:off x="26170759" y="7638372"/>
+            <a:ext cx="8068400" cy="8820081"/>
           </a:xfrm>
           <a:prstGeom prst="rect">
             <a:avLst/>
@@ -6389,7 +5687,7 @@
         </p:nvSpPr>
         <p:spPr>
           <a:xfrm>
-            <a:off x="280367" y="17221597"/>
+            <a:off x="258554" y="19895714"/>
             <a:ext cx="9308709" cy="757782"/>
           </a:xfrm>
           <a:prstGeom prst="rect">
@@ -6445,7 +5743,7 @@
           <p:nvPr/>
         </p:nvPicPr>
         <p:blipFill>
-          <a:blip r:embed="rId6">
+          <a:blip r:embed="rId5">
             <a:extLst>
               <a:ext uri="{28A0092B-C50C-407E-A947-70E740481C1C}">
                 <a14:useLocalDpi xmlns:a14="http://schemas.microsoft.com/office/drawing/2010/main" val="0"/>
@@ -6459,8 +5757,8 @@
         </p:blipFill>
         <p:spPr bwMode="auto">
           <a:xfrm>
-            <a:off x="678319" y="546637"/>
-            <a:ext cx="4572000" cy="1361777"/>
+            <a:off x="555853" y="897647"/>
+            <a:ext cx="4041224" cy="1203685"/>
           </a:xfrm>
           <a:prstGeom prst="rect">
             <a:avLst/>
@@ -6605,36 +5903,6 @@
       </p:sp>
       <p:pic>
         <p:nvPicPr>
-          <p:cNvPr id="6" name="Picture 5">
-            <a:extLst>
-              <a:ext uri="{FF2B5EF4-FFF2-40B4-BE49-F238E27FC236}">
-                <a16:creationId xmlns:a16="http://schemas.microsoft.com/office/drawing/2014/main" id="{8B332BC5-4E97-CC33-D945-00069E52C3A6}"/>
-              </a:ext>
-            </a:extLst>
-          </p:cNvPr>
-          <p:cNvPicPr>
-            <a:picLocks noChangeAspect="1"/>
-          </p:cNvPicPr>
-          <p:nvPr/>
-        </p:nvPicPr>
-        <p:blipFill>
-          <a:blip r:embed="rId7"/>
-          <a:stretch>
-            <a:fillRect/>
-          </a:stretch>
-        </p:blipFill>
-        <p:spPr>
-          <a:xfrm>
-            <a:off x="425609" y="18203196"/>
-            <a:ext cx="8990250" cy="4285279"/>
-          </a:xfrm>
-          <a:prstGeom prst="rect">
-            <a:avLst/>
-          </a:prstGeom>
-        </p:spPr>
-      </p:pic>
-      <p:pic>
-        <p:nvPicPr>
           <p:cNvPr id="7" name="Picture 6">
             <a:extLst>
               <a:ext uri="{FF2B5EF4-FFF2-40B4-BE49-F238E27FC236}">
@@ -6648,7 +5916,7 @@
           <p:nvPr/>
         </p:nvPicPr>
         <p:blipFill>
-          <a:blip r:embed="rId8"/>
+          <a:blip r:embed="rId6"/>
           <a:srcRect t="3096"/>
           <a:stretch>
             <a:fillRect/>
@@ -6656,7 +5924,7 @@
         </p:blipFill>
         <p:spPr>
           <a:xfrm>
-            <a:off x="95292" y="10669035"/>
+            <a:off x="222259" y="10257407"/>
             <a:ext cx="9678855" cy="6516886"/>
           </a:xfrm>
           <a:prstGeom prst="rect">
@@ -6664,86 +5932,280 @@
           </a:prstGeom>
         </p:spPr>
       </p:pic>
+      <p:pic>
+        <p:nvPicPr>
+          <p:cNvPr id="5" name="Picture 4">
+            <a:extLst>
+              <a:ext uri="{FF2B5EF4-FFF2-40B4-BE49-F238E27FC236}">
+                <a16:creationId xmlns:a16="http://schemas.microsoft.com/office/drawing/2014/main" id="{0E1FD044-2C70-68D1-9427-2D62B946F8CC}"/>
+              </a:ext>
+            </a:extLst>
+          </p:cNvPr>
+          <p:cNvPicPr>
+            <a:picLocks noChangeAspect="1"/>
+          </p:cNvPicPr>
+          <p:nvPr/>
+        </p:nvPicPr>
+        <p:blipFill>
+          <a:blip r:embed="rId7"/>
+          <a:srcRect l="5104" r="3633"/>
+          <a:stretch>
+            <a:fillRect/>
+          </a:stretch>
+        </p:blipFill>
+        <p:spPr>
+          <a:xfrm>
+            <a:off x="222259" y="16803692"/>
+            <a:ext cx="23507169" cy="3491415"/>
+          </a:xfrm>
+          <a:prstGeom prst="rect">
+            <a:avLst/>
+          </a:prstGeom>
+        </p:spPr>
+      </p:pic>
+      <mc:AlternateContent xmlns:mc="http://schemas.openxmlformats.org/markup-compatibility/2006">
+        <mc:Choice xmlns:a14="http://schemas.microsoft.com/office/drawing/2010/main" Requires="a14">
+          <p:sp>
+            <p:nvSpPr>
+              <p:cNvPr id="9" name="TextBox 8">
+                <a:extLst>
+                  <a:ext uri="{FF2B5EF4-FFF2-40B4-BE49-F238E27FC236}">
+                    <a16:creationId xmlns:a16="http://schemas.microsoft.com/office/drawing/2014/main" id="{BE360BD2-30A0-CACE-B288-ACED3FE1CD35}"/>
+                  </a:ext>
+                </a:extLst>
+              </p:cNvPr>
+              <p:cNvSpPr txBox="1"/>
+              <p:nvPr/>
+            </p:nvSpPr>
+            <p:spPr>
+              <a:xfrm>
+                <a:off x="2526844" y="18603130"/>
+                <a:ext cx="4779193" cy="523220"/>
+              </a:xfrm>
+              <a:prstGeom prst="rect">
+                <a:avLst/>
+              </a:prstGeom>
+              <a:noFill/>
+            </p:spPr>
+            <p:txBody>
+              <a:bodyPr wrap="none" rtlCol="0">
+                <a:spAutoFit/>
+              </a:bodyPr>
+              <a:lstStyle/>
+              <a:p>
+                <a14:m>
+                  <m:oMathPara xmlns:m="http://schemas.openxmlformats.org/officeDocument/2006/math">
+                    <m:oMathParaPr>
+                      <m:jc m:val="centerGroup"/>
+                    </m:oMathParaPr>
+                    <m:oMath xmlns:m="http://schemas.openxmlformats.org/officeDocument/2006/math">
+                      <m:sSub>
+                        <m:sSubPr>
+                          <m:ctrlPr>
+                            <a:rPr lang="en-US" sz="2800" i="1" dirty="0" smtClean="0">
+                              <a:latin typeface="Cambria Math" panose="02040503050406030204" pitchFamily="18" charset="0"/>
+                            </a:rPr>
+                          </m:ctrlPr>
+                        </m:sSubPr>
+                        <m:e>
+                          <m:r>
+                            <a:rPr lang="en-US" sz="2800" i="1" dirty="0" err="1">
+                              <a:latin typeface="Cambria Math" panose="02040503050406030204" pitchFamily="18" charset="0"/>
+                            </a:rPr>
+                            <m:t>𝐼</m:t>
+                          </m:r>
+                        </m:e>
+                        <m:sub>
+                          <m:r>
+                            <a:rPr lang="en-US" sz="2800" i="1" dirty="0" err="1">
+                              <a:latin typeface="Cambria Math" panose="02040503050406030204" pitchFamily="18" charset="0"/>
+                            </a:rPr>
+                            <m:t>𝑘</m:t>
+                          </m:r>
+                        </m:sub>
+                      </m:sSub>
+                      <m:r>
+                        <a:rPr lang="en-US" sz="2800" i="1" dirty="0">
+                          <a:latin typeface="Cambria Math" panose="02040503050406030204" pitchFamily="18" charset="0"/>
+                        </a:rPr>
+                        <m:t>=</m:t>
+                      </m:r>
+                      <m:r>
+                        <m:rPr>
+                          <m:sty m:val="p"/>
+                        </m:rPr>
+                        <a:rPr lang="en-US" sz="2800" b="0" i="1" dirty="0" smtClean="0">
+                          <a:latin typeface="Cambria Math" panose="02040503050406030204" pitchFamily="18" charset="0"/>
+                        </a:rPr>
+                        <m:t>k</m:t>
+                      </m:r>
+                      <m:r>
+                        <m:rPr>
+                          <m:nor/>
+                        </m:rPr>
+                        <a:rPr lang="en-US" sz="2800" b="0" i="0" dirty="0" smtClean="0">
+                          <a:latin typeface="Cambria Math" panose="02040503050406030204" pitchFamily="18" charset="0"/>
+                        </a:rPr>
+                        <m:t>-</m:t>
+                      </m:r>
+                      <m:r>
+                        <m:rPr>
+                          <m:sty m:val="p"/>
+                        </m:rPr>
+                        <a:rPr lang="en-US" sz="2800" b="0" i="1" dirty="0" smtClean="0">
+                          <a:latin typeface="Cambria Math" panose="02040503050406030204" pitchFamily="18" charset="0"/>
+                        </a:rPr>
+                        <m:t>argmax</m:t>
+                      </m:r>
+                      <m:d>
+                        <m:dPr>
+                          <m:ctrlPr>
+                            <a:rPr lang="en-US" sz="2800" i="1" dirty="0">
+                              <a:latin typeface="Cambria Math" panose="02040503050406030204" pitchFamily="18" charset="0"/>
+                            </a:rPr>
+                          </m:ctrlPr>
+                        </m:dPr>
+                        <m:e>
+                          <m:r>
+                            <a:rPr lang="en-US" sz="2800" i="1" dirty="0">
+                              <a:latin typeface="Cambria Math" panose="02040503050406030204" pitchFamily="18" charset="0"/>
+                            </a:rPr>
+                            <m:t>𝑋</m:t>
+                          </m:r>
+                          <m:sSup>
+                            <m:sSupPr>
+                              <m:ctrlPr>
+                                <a:rPr lang="en-US" sz="2800" i="1" dirty="0">
+                                  <a:latin typeface="Cambria Math" panose="02040503050406030204" pitchFamily="18" charset="0"/>
+                                </a:rPr>
+                              </m:ctrlPr>
+                            </m:sSupPr>
+                            <m:e>
+                              <m:r>
+                                <a:rPr lang="en-US" sz="2800" i="1" dirty="0">
+                                  <a:latin typeface="Cambria Math" panose="02040503050406030204" pitchFamily="18" charset="0"/>
+                                </a:rPr>
+                                <m:t>𝑋</m:t>
+                              </m:r>
+                            </m:e>
+                            <m:sup>
+                              <m:r>
+                                <a:rPr lang="en-US" sz="2800" i="1" dirty="0">
+                                  <a:latin typeface="Cambria Math" panose="02040503050406030204" pitchFamily="18" charset="0"/>
+                                </a:rPr>
+                                <m:t>⊤</m:t>
+                              </m:r>
+                            </m:sup>
+                          </m:sSup>
+                        </m:e>
+                      </m:d>
+                      <m:r>
+                        <a:rPr lang="en-US" sz="2800" i="1" dirty="0">
+                          <a:latin typeface="Cambria Math" panose="02040503050406030204" pitchFamily="18" charset="0"/>
+                        </a:rPr>
+                        <m:t>∈</m:t>
+                      </m:r>
+                      <m:sSup>
+                        <m:sSupPr>
+                          <m:ctrlPr>
+                            <a:rPr lang="en-US" sz="2800" i="1" dirty="0">
+                              <a:latin typeface="Cambria Math" panose="02040503050406030204" pitchFamily="18" charset="0"/>
+                            </a:rPr>
+                          </m:ctrlPr>
+                        </m:sSupPr>
+                        <m:e>
+                          <m:r>
+                            <a:rPr lang="en-US" sz="2800" i="1" dirty="0" smtClean="0">
+                              <a:latin typeface="Cambria Math" panose="02040503050406030204" pitchFamily="18" charset="0"/>
+                              <a:ea typeface="Cambria Math" panose="02040503050406030204" pitchFamily="18" charset="0"/>
+                            </a:rPr>
+                            <m:t>ℝ</m:t>
+                          </m:r>
+                        </m:e>
+                        <m:sup>
+                          <m:r>
+                            <a:rPr lang="en-US" sz="2800" i="1" dirty="0">
+                              <a:latin typeface="Cambria Math" panose="02040503050406030204" pitchFamily="18" charset="0"/>
+                            </a:rPr>
+                            <m:t>𝑛</m:t>
+                          </m:r>
+                          <m:r>
+                            <a:rPr lang="en-US" sz="2800" i="1" dirty="0">
+                              <a:latin typeface="Cambria Math" panose="02040503050406030204" pitchFamily="18" charset="0"/>
+                            </a:rPr>
+                            <m:t>×</m:t>
+                          </m:r>
+                          <m:r>
+                            <a:rPr lang="en-US" sz="2800" i="1" dirty="0">
+                              <a:latin typeface="Cambria Math" panose="02040503050406030204" pitchFamily="18" charset="0"/>
+                            </a:rPr>
+                            <m:t>𝑛</m:t>
+                          </m:r>
+                        </m:sup>
+                      </m:sSup>
+                      <m:r>
+                        <a:rPr lang="en-US" sz="2800" i="1" dirty="0">
+                          <a:latin typeface="Cambria Math" panose="02040503050406030204" pitchFamily="18" charset="0"/>
+                        </a:rPr>
+                        <m:t>.</m:t>
+                      </m:r>
+                    </m:oMath>
+                  </m:oMathPara>
+                </a14:m>
+              </a:p>
+            </p:txBody>
+          </p:sp>
+        </mc:Choice>
+        <mc:Fallback>
+          <p:sp>
+            <p:nvSpPr>
+              <p:cNvPr id="9" name="TextBox 8">
+                <a:extLst>
+                  <a:ext uri="{FF2B5EF4-FFF2-40B4-BE49-F238E27FC236}">
+                    <a16:creationId xmlns:a16="http://schemas.microsoft.com/office/drawing/2014/main" id="{BE360BD2-30A0-CACE-B288-ACED3FE1CD35}"/>
+                  </a:ext>
+                </a:extLst>
+              </p:cNvPr>
+              <p:cNvSpPr txBox="1">
+                <a:spLocks noRot="1" noChangeAspect="1" noMove="1" noResize="1" noEditPoints="1" noAdjustHandles="1" noChangeArrowheads="1" noChangeShapeType="1" noTextEdit="1"/>
+              </p:cNvSpPr>
+              <p:nvPr/>
+            </p:nvSpPr>
+            <p:spPr>
+              <a:xfrm>
+                <a:off x="2526844" y="18603130"/>
+                <a:ext cx="4779193" cy="523220"/>
+              </a:xfrm>
+              <a:prstGeom prst="rect">
+                <a:avLst/>
+              </a:prstGeom>
+              <a:blipFill>
+                <a:blip r:embed="rId8"/>
+                <a:stretch>
+                  <a:fillRect t="-11628" r="-2918" b="-27907"/>
+                </a:stretch>
+              </a:blipFill>
+            </p:spPr>
+            <p:txBody>
+              <a:bodyPr/>
+              <a:lstStyle/>
+              <a:p>
+                <a:r>
+                  <a:rPr lang="en-US">
+                    <a:noFill/>
+                  </a:rPr>
+                  <a:t> </a:t>
+                </a:r>
+              </a:p>
+            </p:txBody>
+          </p:sp>
+        </mc:Fallback>
+      </mc:AlternateContent>
     </p:spTree>
   </p:cSld>
   <p:clrMapOvr>
     <a:masterClrMapping/>
   </p:clrMapOvr>
-  <p:timing>
-    <p:tnLst>
-      <p:par>
-        <p:cTn id="1" dur="indefinite" restart="never" nodeType="tmRoot">
-          <p:childTnLst>
-            <p:seq concurrent="1" nextAc="seek">
-              <p:cTn id="2" dur="indefinite" nodeType="mainSeq">
-                <p:childTnLst>
-                  <p:par>
-                    <p:cTn id="3" fill="hold">
-                      <p:stCondLst>
-                        <p:cond delay="indefinite"/>
-                      </p:stCondLst>
-                      <p:childTnLst>
-                        <p:par>
-                          <p:cTn id="4" fill="hold">
-                            <p:stCondLst>
-                              <p:cond delay="0"/>
-                            </p:stCondLst>
-                            <p:childTnLst>
-                              <p:par>
-                                <p:cTn id="5" presetID="1" presetClass="entr" presetSubtype="0" fill="hold" nodeType="clickEffect">
-                                  <p:stCondLst>
-                                    <p:cond delay="0"/>
-                                  </p:stCondLst>
-                                  <p:childTnLst>
-                                    <p:set>
-                                      <p:cBhvr>
-                                        <p:cTn id="6" dur="1" fill="hold">
-                                          <p:stCondLst>
-                                            <p:cond delay="0"/>
-                                          </p:stCondLst>
-                                        </p:cTn>
-                                        <p:tgtEl>
-                                          <p:spTgt spid="69"/>
-                                        </p:tgtEl>
-                                        <p:attrNameLst>
-                                          <p:attrName>style.visibility</p:attrName>
-                                        </p:attrNameLst>
-                                      </p:cBhvr>
-                                      <p:to>
-                                        <p:strVal val="visible"/>
-                                      </p:to>
-                                    </p:set>
-                                  </p:childTnLst>
-                                </p:cTn>
-                              </p:par>
-                            </p:childTnLst>
-                          </p:cTn>
-                        </p:par>
-                      </p:childTnLst>
-                    </p:cTn>
-                  </p:par>
-                </p:childTnLst>
-              </p:cTn>
-              <p:prevCondLst>
-                <p:cond evt="onPrev" delay="0">
-                  <p:tgtEl>
-                    <p:sldTgt/>
-                  </p:tgtEl>
-                </p:cond>
-              </p:prevCondLst>
-              <p:nextCondLst>
-                <p:cond evt="onNext" delay="0">
-                  <p:tgtEl>
-                    <p:sldTgt/>
-                  </p:tgtEl>
-                </p:cond>
-              </p:nextCondLst>
-            </p:seq>
-          </p:childTnLst>
-        </p:cTn>
-      </p:par>
-    </p:tnLst>
-  </p:timing>
 </p:sld>
 </file>
 

--- a/Project Docs/ConvNN Poster.pptx
+++ b/Project Docs/ConvNN Poster.pptx
@@ -197,7 +197,7 @@
           <a:p>
             <a:fld id="{97F067A0-B807-594B-857C-0B1CA98D0658}" type="datetimeFigureOut">
               <a:rPr lang="en-US" smtClean="0"/>
-              <a:t>9/25/25</a:t>
+              <a:t>9/28/25</a:t>
             </a:fld>
             <a:endParaRPr lang="en-US"/>
           </a:p>
@@ -531,6 +531,13 @@
             <a:tailEnd type="none" w="sm" len="sm"/>
           </a:ln>
         </p:spPr>
+        <p:txBody>
+          <a:bodyPr/>
+          <a:lstStyle/>
+          <a:p>
+            <a:endParaRPr lang="en-US"/>
+          </a:p>
+        </p:txBody>
       </p:sp>
       <p:sp>
         <p:nvSpPr>
@@ -729,7 +736,7 @@
           <a:p>
             <a:fld id="{2A84CB3F-E3C1-5B40-88B8-D14386A89107}" type="datetimeFigureOut">
               <a:rPr lang="en-US" smtClean="0"/>
-              <a:t>9/25/25</a:t>
+              <a:t>9/28/25</a:t>
             </a:fld>
             <a:endParaRPr lang="en-US"/>
           </a:p>
@@ -899,7 +906,7 @@
           <a:p>
             <a:fld id="{2A84CB3F-E3C1-5B40-88B8-D14386A89107}" type="datetimeFigureOut">
               <a:rPr lang="en-US" smtClean="0"/>
-              <a:t>9/25/25</a:t>
+              <a:t>9/28/25</a:t>
             </a:fld>
             <a:endParaRPr lang="en-US"/>
           </a:p>
@@ -1079,7 +1086,7 @@
           <a:p>
             <a:fld id="{2A84CB3F-E3C1-5B40-88B8-D14386A89107}" type="datetimeFigureOut">
               <a:rPr lang="en-US" smtClean="0"/>
-              <a:t>9/25/25</a:t>
+              <a:t>9/28/25</a:t>
             </a:fld>
             <a:endParaRPr lang="en-US"/>
           </a:p>
@@ -1813,7 +1820,7 @@
           <a:p>
             <a:fld id="{2A84CB3F-E3C1-5B40-88B8-D14386A89107}" type="datetimeFigureOut">
               <a:rPr lang="en-US" smtClean="0"/>
-              <a:t>9/25/25</a:t>
+              <a:t>9/28/25</a:t>
             </a:fld>
             <a:endParaRPr lang="en-US"/>
           </a:p>
@@ -2059,7 +2066,7 @@
           <a:p>
             <a:fld id="{2A84CB3F-E3C1-5B40-88B8-D14386A89107}" type="datetimeFigureOut">
               <a:rPr lang="en-US" smtClean="0"/>
-              <a:t>9/25/25</a:t>
+              <a:t>9/28/25</a:t>
             </a:fld>
             <a:endParaRPr lang="en-US"/>
           </a:p>
@@ -2291,7 +2298,7 @@
           <a:p>
             <a:fld id="{2A84CB3F-E3C1-5B40-88B8-D14386A89107}" type="datetimeFigureOut">
               <a:rPr lang="en-US" smtClean="0"/>
-              <a:t>9/25/25</a:t>
+              <a:t>9/28/25</a:t>
             </a:fld>
             <a:endParaRPr lang="en-US"/>
           </a:p>
@@ -2658,7 +2665,7 @@
           <a:p>
             <a:fld id="{2A84CB3F-E3C1-5B40-88B8-D14386A89107}" type="datetimeFigureOut">
               <a:rPr lang="en-US" smtClean="0"/>
-              <a:t>9/25/25</a:t>
+              <a:t>9/28/25</a:t>
             </a:fld>
             <a:endParaRPr lang="en-US"/>
           </a:p>
@@ -2776,7 +2783,7 @@
           <a:p>
             <a:fld id="{2A84CB3F-E3C1-5B40-88B8-D14386A89107}" type="datetimeFigureOut">
               <a:rPr lang="en-US" smtClean="0"/>
-              <a:t>9/25/25</a:t>
+              <a:t>9/28/25</a:t>
             </a:fld>
             <a:endParaRPr lang="en-US"/>
           </a:p>
@@ -2871,7 +2878,7 @@
           <a:p>
             <a:fld id="{2A84CB3F-E3C1-5B40-88B8-D14386A89107}" type="datetimeFigureOut">
               <a:rPr lang="en-US" smtClean="0"/>
-              <a:t>9/25/25</a:t>
+              <a:t>9/28/25</a:t>
             </a:fld>
             <a:endParaRPr lang="en-US"/>
           </a:p>
@@ -3148,7 +3155,7 @@
           <a:p>
             <a:fld id="{2A84CB3F-E3C1-5B40-88B8-D14386A89107}" type="datetimeFigureOut">
               <a:rPr lang="en-US" smtClean="0"/>
-              <a:t>9/25/25</a:t>
+              <a:t>9/28/25</a:t>
             </a:fld>
             <a:endParaRPr lang="en-US"/>
           </a:p>
@@ -3405,7 +3412,7 @@
           <a:p>
             <a:fld id="{2A84CB3F-E3C1-5B40-88B8-D14386A89107}" type="datetimeFigureOut">
               <a:rPr lang="en-US" smtClean="0"/>
-              <a:t>9/25/25</a:t>
+              <a:t>9/28/25</a:t>
             </a:fld>
             <a:endParaRPr lang="en-US"/>
           </a:p>
@@ -3618,7 +3625,7 @@
           <a:p>
             <a:fld id="{2A84CB3F-E3C1-5B40-88B8-D14386A89107}" type="datetimeFigureOut">
               <a:rPr lang="en-US" smtClean="0"/>
-              <a:t>9/25/25</a:t>
+              <a:t>9/28/25</a:t>
             </a:fld>
             <a:endParaRPr lang="en-US"/>
           </a:p>
@@ -4036,7 +4043,7 @@
         </p:nvSpPr>
         <p:spPr>
           <a:xfrm>
-            <a:off x="227304" y="202551"/>
+            <a:off x="228600" y="202551"/>
             <a:ext cx="23324836" cy="2580890"/>
           </a:xfrm>
           <a:prstGeom prst="rect">
@@ -4141,7 +4148,7 @@
         </p:nvCxnSpPr>
         <p:spPr>
           <a:xfrm>
-            <a:off x="6152029" y="16376185"/>
+            <a:off x="6152029" y="17089088"/>
             <a:ext cx="0" cy="4018"/>
           </a:xfrm>
           <a:prstGeom prst="straightConnector1">
@@ -4159,59 +4166,6 @@
           </a:ln>
         </p:spPr>
       </p:cxnSp>
-      <p:sp>
-        <p:nvSpPr>
-          <p:cNvPr id="60" name="Google Shape;60;p14"/>
-          <p:cNvSpPr/>
-          <p:nvPr/>
-        </p:nvSpPr>
-        <p:spPr>
-          <a:xfrm>
-            <a:off x="11828489" y="19126350"/>
-            <a:ext cx="88164" cy="769364"/>
-          </a:xfrm>
-          <a:prstGeom prst="rect">
-            <a:avLst/>
-          </a:prstGeom>
-          <a:noFill/>
-          <a:ln>
-            <a:noFill/>
-          </a:ln>
-        </p:spPr>
-        <p:txBody>
-          <a:bodyPr spcFirstLastPara="1" wrap="square" lIns="59544" tIns="29782" rIns="59544" bIns="29782" anchor="t" anchorCtr="0">
-            <a:noAutofit/>
-          </a:bodyPr>
-          <a:lstStyle/>
-          <a:p>
-            <a:endParaRPr sz="1576">
-              <a:solidFill>
-                <a:schemeClr val="dk1"/>
-              </a:solidFill>
-              <a:latin typeface="Arial"/>
-              <a:ea typeface="Arial"/>
-              <a:cs typeface="Arial"/>
-              <a:sym typeface="Arial"/>
-            </a:endParaRPr>
-          </a:p>
-          <a:p>
-            <a:pPr>
-              <a:spcBef>
-                <a:spcPts val="394"/>
-              </a:spcBef>
-            </a:pPr>
-            <a:endParaRPr sz="1576">
-              <a:solidFill>
-                <a:schemeClr val="dk1"/>
-              </a:solidFill>
-              <a:latin typeface="Arial"/>
-              <a:ea typeface="Arial"/>
-              <a:cs typeface="Arial"/>
-              <a:sym typeface="Arial"/>
-            </a:endParaRPr>
-          </a:p>
-        </p:txBody>
-      </p:sp>
       <p:sp>
         <p:nvSpPr>
           <p:cNvPr id="61" name="Google Shape;61;p14"/>
@@ -4357,7 +4311,7 @@
         </p:nvSpPr>
         <p:spPr>
           <a:xfrm>
-            <a:off x="222260" y="3045158"/>
+            <a:off x="222260" y="3044952"/>
             <a:ext cx="9388364" cy="904800"/>
           </a:xfrm>
           <a:prstGeom prst="rect">
@@ -4406,8 +4360,8 @@
         </p:nvSpPr>
         <p:spPr>
           <a:xfrm>
-            <a:off x="262087" y="4026506"/>
-            <a:ext cx="9308709" cy="5303220"/>
+            <a:off x="262087" y="3980396"/>
+            <a:ext cx="9308709" cy="4555323"/>
           </a:xfrm>
           <a:prstGeom prst="rect">
             <a:avLst/>
@@ -4435,6 +4389,18 @@
               <a:buChar char="•"/>
             </a:pPr>
             <a:r>
+              <a:rPr lang="en-US" b="1" dirty="0">
+                <a:solidFill>
+                  <a:schemeClr val="dk1"/>
+                </a:solidFill>
+                <a:latin typeface="Libre Franklin"/>
+                <a:ea typeface="Libre Franklin"/>
+                <a:cs typeface="Libre Franklin"/>
+                <a:sym typeface="Libre Franklin"/>
+              </a:rPr>
+              <a:t>Convolutional Nearest Neighbor </a:t>
+            </a:r>
+            <a:r>
               <a:rPr lang="en-US" dirty="0">
                 <a:solidFill>
                   <a:schemeClr val="dk1"/>
@@ -4444,7 +4410,7 @@
                 <a:cs typeface="Libre Franklin"/>
                 <a:sym typeface="Libre Franklin"/>
               </a:rPr>
-              <a:t>Convolutional Nearest Neighbor (</a:t>
+              <a:t>(</a:t>
             </a:r>
             <a:r>
               <a:rPr lang="en-US" b="1" dirty="0">
@@ -4468,7 +4434,7 @@
                 <a:cs typeface="Libre Franklin"/>
                 <a:sym typeface="Libre Franklin"/>
               </a:rPr>
-              <a:t>) reinterprets convolution through k-nearest neighbor selection principle</a:t>
+              <a:t>) reinterprets convolution as k-nearest neighbor aggregation with flexible neighbor selection criteria. </a:t>
             </a:r>
             <a:endParaRPr dirty="0">
               <a:solidFill>
@@ -4502,7 +4468,32 @@
                 <a:cs typeface="Libre Franklin"/>
                 <a:sym typeface="Libre Franklin"/>
               </a:rPr>
-              <a:t>Convolution’s neighbor selection is based purely on spatial distance between input features </a:t>
+              <a:t>Standard convolution implicitly performs k-NN with fixed spatial distance (e.g., 3x3 kernel = k = 9 spatially-adjacent neighbors including self). </a:t>
+            </a:r>
+          </a:p>
+          <a:p>
+            <a:pPr marL="192805" indent="-342900" algn="just">
+              <a:lnSpc>
+                <a:spcPct val="135000"/>
+              </a:lnSpc>
+              <a:buClr>
+                <a:schemeClr val="dk1"/>
+              </a:buClr>
+              <a:buSzPts val="3000"/>
+              <a:buFont typeface="Arial" panose="020B0604020202020204" pitchFamily="34" charset="0"/>
+              <a:buChar char="•"/>
+            </a:pPr>
+            <a:r>
+              <a:rPr lang="en-US" dirty="0">
+                <a:solidFill>
+                  <a:schemeClr val="dk1"/>
+                </a:solidFill>
+                <a:latin typeface="Libre Franklin"/>
+                <a:ea typeface="Libre Franklin"/>
+                <a:cs typeface="Libre Franklin"/>
+                <a:sym typeface="Libre Franklin"/>
+              </a:rPr>
+              <a:t>ConvNN generalizes this by allowing neighbor selection based on: </a:t>
             </a:r>
           </a:p>
           <a:p>
@@ -4527,20 +4518,21 @@
                 <a:cs typeface="Libre Franklin"/>
                 <a:sym typeface="Libre Franklin"/>
               </a:rPr>
-              <a:t>(</a:t>
-            </a:r>
-            <a:r>
-              <a:rPr lang="en-US" dirty="0" err="1">
-                <a:solidFill>
-                  <a:schemeClr val="dk1"/>
-                </a:solidFill>
-                <a:latin typeface="Libre Franklin"/>
-                <a:ea typeface="Libre Franklin"/>
-                <a:cs typeface="Libre Franklin"/>
-                <a:sym typeface="Libre Franklin"/>
-              </a:rPr>
-              <a:t>e.g</a:t>
-            </a:r>
+              <a:t>Spatial distance (reduces to standard convolution)</a:t>
+            </a:r>
+          </a:p>
+          <a:p>
+            <a:pPr marL="650005" lvl="1" indent="-342900" algn="just">
+              <a:lnSpc>
+                <a:spcPct val="135000"/>
+              </a:lnSpc>
+              <a:buClr>
+                <a:schemeClr val="dk1"/>
+              </a:buClr>
+              <a:buSzPts val="3000"/>
+              <a:buFont typeface="Arial" panose="020B0604020202020204" pitchFamily="34" charset="0"/>
+              <a:buChar char="•"/>
+            </a:pPr>
             <a:r>
               <a:rPr lang="en-US" dirty="0">
                 <a:solidFill>
@@ -4551,7 +4543,32 @@
                 <a:cs typeface="Libre Franklin"/>
                 <a:sym typeface="Libre Franklin"/>
               </a:rPr>
-              <a:t> a 3x3 convolution kernel selects k=9 nearest neighbors surrounding each feature including itself as a neighbor based on Euclidean distance in image coordinates</a:t>
+              <a:t>Feature similarity (cosine/Euclidean)</a:t>
+            </a:r>
+          </a:p>
+          <a:p>
+            <a:pPr marL="650005" lvl="1" indent="-342900" algn="just">
+              <a:lnSpc>
+                <a:spcPct val="135000"/>
+              </a:lnSpc>
+              <a:buClr>
+                <a:schemeClr val="dk1"/>
+              </a:buClr>
+              <a:buSzPts val="3000"/>
+              <a:buFont typeface="Arial" panose="020B0604020202020204" pitchFamily="34" charset="0"/>
+              <a:buChar char="•"/>
+            </a:pPr>
+            <a:r>
+              <a:rPr lang="en-US" dirty="0">
+                <a:solidFill>
+                  <a:schemeClr val="dk1"/>
+                </a:solidFill>
+                <a:latin typeface="Libre Franklin"/>
+                <a:ea typeface="Libre Franklin"/>
+                <a:cs typeface="Libre Franklin"/>
+                <a:sym typeface="Libre Franklin"/>
+              </a:rPr>
+              <a:t>Hybrid spatial-feature metrics</a:t>
             </a:r>
           </a:p>
           <a:p>
@@ -4576,11 +4593,11 @@
                 <a:cs typeface="Libre Franklin"/>
                 <a:sym typeface="Libre Franklin"/>
               </a:rPr>
-              <a:t>Neighbor selection can be based on Euclidean distance in image coordinates, feature-based similarity, or a combination of both. </a:t>
-            </a:r>
-          </a:p>
-          <a:p>
-            <a:pPr marL="192805" indent="-342900" algn="just">
+              <a:t>Core Algorithm of ConvNN:</a:t>
+            </a:r>
+          </a:p>
+          <a:p>
+            <a:pPr algn="just">
               <a:lnSpc>
                 <a:spcPct val="135000"/>
               </a:lnSpc>
@@ -4588,8 +4605,6 @@
                 <a:schemeClr val="dk1"/>
               </a:buClr>
               <a:buSzPts val="3000"/>
-              <a:buFont typeface="Arial" panose="020B0604020202020204" pitchFamily="34" charset="0"/>
-              <a:buChar char="•"/>
             </a:pPr>
             <a:r>
               <a:rPr lang="en-US" dirty="0">
@@ -4601,7 +4616,7 @@
                 <a:cs typeface="Libre Franklin"/>
                 <a:sym typeface="Libre Franklin"/>
               </a:rPr>
-              <a:t>ConvNN algorithm generalizes neighbor selection in convolutions beyond fixed spatial patterns though </a:t>
+              <a:t>	1. Compute pairwise similarities between all spatial positions</a:t>
             </a:r>
           </a:p>
           <a:p>
@@ -4624,7 +4639,7 @@
                 <a:cs typeface="Libre Franklin"/>
                 <a:sym typeface="Libre Franklin"/>
               </a:rPr>
-              <a:t>	1. Similarity Computation</a:t>
+              <a:t>	2. Select k-nearest neighbors per position via hard top-k</a:t>
             </a:r>
           </a:p>
           <a:p>
@@ -4647,30 +4662,7 @@
                 <a:cs typeface="Libre Franklin"/>
                 <a:sym typeface="Libre Franklin"/>
               </a:rPr>
-              <a:t>	2. K-Nearest Neighbor Selection</a:t>
-            </a:r>
-          </a:p>
-          <a:p>
-            <a:pPr algn="just">
-              <a:lnSpc>
-                <a:spcPct val="135000"/>
-              </a:lnSpc>
-              <a:buClr>
-                <a:schemeClr val="dk1"/>
-              </a:buClr>
-              <a:buSzPts val="3000"/>
-            </a:pPr>
-            <a:r>
-              <a:rPr lang="en-US" dirty="0">
-                <a:solidFill>
-                  <a:schemeClr val="dk1"/>
-                </a:solidFill>
-                <a:latin typeface="Libre Franklin"/>
-                <a:ea typeface="Libre Franklin"/>
-                <a:cs typeface="Libre Franklin"/>
-                <a:sym typeface="Libre Franklin"/>
-              </a:rPr>
-              <a:t>	3. Weighted Aggregation</a:t>
+              <a:t>	3. Aggregate neighbors with learnable weights (1D convolution)</a:t>
             </a:r>
           </a:p>
         </p:txBody>
@@ -4683,8 +4675,8 @@
         </p:nvSpPr>
         <p:spPr>
           <a:xfrm>
-            <a:off x="10272896" y="3093478"/>
-            <a:ext cx="13252436" cy="904800"/>
+            <a:off x="10060386" y="3044952"/>
+            <a:ext cx="13515982" cy="904800"/>
           </a:xfrm>
           <a:prstGeom prst="rect">
             <a:avLst/>
@@ -4718,7 +4710,7 @@
                 <a:cs typeface="Calibri"/>
                 <a:sym typeface="Calibri"/>
               </a:rPr>
-              <a:t>EXPERIMENTAL RESULTS</a:t>
+              <a:t>RESULTS</a:t>
             </a:r>
             <a:endParaRPr sz="3940" b="1" dirty="0">
               <a:latin typeface="Calibri"/>
@@ -4737,8 +4729,8 @@
         </p:nvSpPr>
         <p:spPr>
           <a:xfrm>
-            <a:off x="11555737" y="17285864"/>
-            <a:ext cx="13252436" cy="904800"/>
+            <a:off x="10017992" y="18141493"/>
+            <a:ext cx="13514832" cy="904800"/>
           </a:xfrm>
           <a:prstGeom prst="rect">
             <a:avLst/>
@@ -4772,7 +4764,7 @@
                 <a:cs typeface="Calibri"/>
                 <a:sym typeface="Calibri"/>
               </a:rPr>
-              <a:t>LEXICAL SOURCES / FLUENCY PERFORMANCE</a:t>
+              <a:t>CONVOLUTION AND ATTENTION</a:t>
             </a:r>
             <a:endParaRPr sz="3940" b="1" dirty="0">
               <a:latin typeface="Calibri"/>
@@ -4783,286 +4775,386 @@
           </a:p>
         </p:txBody>
       </p:sp>
-      <p:sp>
-        <p:nvSpPr>
-          <p:cNvPr id="68" name="Google Shape;68;p14"/>
-          <p:cNvSpPr txBox="1"/>
-          <p:nvPr/>
-        </p:nvSpPr>
-        <p:spPr>
-          <a:xfrm>
-            <a:off x="10272896" y="28029011"/>
-            <a:ext cx="13252436" cy="2817540"/>
-          </a:xfrm>
-          <a:prstGeom prst="rect">
-            <a:avLst/>
-          </a:prstGeom>
-          <a:noFill/>
-          <a:ln>
-            <a:noFill/>
-          </a:ln>
-        </p:spPr>
-        <p:txBody>
-          <a:bodyPr spcFirstLastPara="1" wrap="square" lIns="67265" tIns="33642" rIns="67265" bIns="33642" anchor="t" anchorCtr="0">
-            <a:spAutoFit/>
-          </a:bodyPr>
-          <a:lstStyle/>
-          <a:p>
-            <a:pPr marL="400253" indent="-390247">
-              <a:lnSpc>
-                <a:spcPct val="135000"/>
-              </a:lnSpc>
-              <a:buClr>
-                <a:schemeClr val="dk1"/>
-              </a:buClr>
-              <a:buSzPts val="2800"/>
-              <a:buFont typeface="Arial" panose="020B0604020202020204" pitchFamily="34" charset="0"/>
-              <a:buChar char="•"/>
-            </a:pPr>
-            <a:r>
-              <a:rPr lang="en" sz="2206" b="1" dirty="0">
-                <a:solidFill>
-                  <a:schemeClr val="dk1"/>
-                </a:solidFill>
-                <a:latin typeface="Libre Franklin"/>
-                <a:ea typeface="Libre Franklin"/>
-                <a:cs typeface="Libre Franklin"/>
-                <a:sym typeface="Libre Franklin"/>
-              </a:rPr>
-              <a:t>CIs and NHs WERE SENSITIVE TO REPRESENTATIONS DERIVED FROM TEXT AND SPEECH</a:t>
-            </a:r>
-            <a:endParaRPr sz="630" b="1" dirty="0">
-              <a:solidFill>
-                <a:srgbClr val="16165C"/>
-              </a:solidFill>
-              <a:latin typeface="Libre Franklin"/>
-              <a:ea typeface="Libre Franklin"/>
-              <a:cs typeface="Libre Franklin"/>
-              <a:sym typeface="Libre Franklin"/>
-            </a:endParaRPr>
-          </a:p>
-          <a:p>
-            <a:pPr marL="703127" lvl="1" indent="-342900">
-              <a:lnSpc>
-                <a:spcPct val="135000"/>
-              </a:lnSpc>
-              <a:buClr>
-                <a:schemeClr val="dk1"/>
-              </a:buClr>
-              <a:buSzPts val="2800"/>
-              <a:buFont typeface="Arial" panose="020B0604020202020204" pitchFamily="34" charset="0"/>
-              <a:buChar char="•"/>
-            </a:pPr>
-            <a:r>
-              <a:rPr lang="en" sz="2206" dirty="0">
-                <a:solidFill>
-                  <a:schemeClr val="dk1"/>
-                </a:solidFill>
-                <a:latin typeface="Libre Franklin"/>
-                <a:ea typeface="Libre Franklin"/>
-                <a:cs typeface="Libre Franklin"/>
-                <a:sym typeface="Libre Franklin"/>
-              </a:rPr>
-              <a:t>The lexicon is most likely represented in a multimodal format across both groups. </a:t>
-            </a:r>
-            <a:endParaRPr sz="2206" dirty="0">
-              <a:solidFill>
-                <a:schemeClr val="dk1"/>
-              </a:solidFill>
-              <a:latin typeface="Libre Franklin"/>
-              <a:ea typeface="Libre Franklin"/>
-              <a:cs typeface="Libre Franklin"/>
-              <a:sym typeface="Libre Franklin"/>
-            </a:endParaRPr>
-          </a:p>
-          <a:p>
-            <a:pPr marL="400253" indent="-390247">
-              <a:lnSpc>
-                <a:spcPct val="135000"/>
-              </a:lnSpc>
-              <a:buClr>
-                <a:schemeClr val="dk1"/>
-              </a:buClr>
-              <a:buSzPts val="2800"/>
-              <a:buFont typeface="Arial" panose="020B0604020202020204" pitchFamily="34" charset="0"/>
-              <a:buChar char="•"/>
-            </a:pPr>
-            <a:r>
-              <a:rPr lang="en" sz="2206" b="1" dirty="0">
-                <a:solidFill>
-                  <a:schemeClr val="dk1"/>
-                </a:solidFill>
-                <a:latin typeface="Libre Franklin"/>
-                <a:ea typeface="Libre Franklin"/>
-                <a:cs typeface="Libre Franklin"/>
-                <a:sym typeface="Libre Franklin"/>
-              </a:rPr>
-              <a:t>CIs EQUALLY EMPHASIZED REPRESENTATIONS DERIVED FROM SPEECH &amp; TEXT, NHs DE-EMPHASIZED SPEECH IN FAVOR OF TEXT</a:t>
-            </a:r>
-            <a:endParaRPr sz="2206" b="1" dirty="0">
-              <a:solidFill>
-                <a:schemeClr val="dk1"/>
-              </a:solidFill>
-              <a:latin typeface="Libre Franklin"/>
-              <a:ea typeface="Libre Franklin"/>
-              <a:cs typeface="Libre Franklin"/>
-              <a:sym typeface="Libre Franklin"/>
-            </a:endParaRPr>
-          </a:p>
-          <a:p>
-            <a:pPr marL="703127" lvl="1" indent="-342900">
-              <a:lnSpc>
-                <a:spcPct val="135000"/>
-              </a:lnSpc>
-              <a:buClr>
-                <a:schemeClr val="dk1"/>
-              </a:buClr>
-              <a:buSzPts val="2800"/>
-              <a:buFont typeface="Arial" panose="020B0604020202020204" pitchFamily="34" charset="0"/>
-              <a:buChar char="•"/>
-            </a:pPr>
-            <a:r>
-              <a:rPr lang="en" sz="2206" dirty="0">
-                <a:solidFill>
-                  <a:schemeClr val="dk1"/>
-                </a:solidFill>
-                <a:latin typeface="Libre Franklin"/>
-                <a:ea typeface="Libre Franklin"/>
-                <a:cs typeface="Libre Franklin"/>
-                <a:sym typeface="Libre Franklin"/>
-              </a:rPr>
-              <a:t>Among neurotypical individuals, speech-related cues may be overtaken by textual or linguistic cues over time, whereas CIs may rely on these cues a lot more than their peers. </a:t>
-            </a:r>
-            <a:endParaRPr sz="2206" dirty="0">
-              <a:solidFill>
-                <a:schemeClr val="dk1"/>
-              </a:solidFill>
-              <a:latin typeface="Libre Franklin"/>
-              <a:ea typeface="Libre Franklin"/>
-              <a:cs typeface="Libre Franklin"/>
-              <a:sym typeface="Libre Franklin"/>
-            </a:endParaRPr>
-          </a:p>
-        </p:txBody>
-      </p:sp>
-      <p:sp>
-        <p:nvSpPr>
-          <p:cNvPr id="70" name="Google Shape;70;p14"/>
-          <p:cNvSpPr/>
-          <p:nvPr/>
-        </p:nvSpPr>
-        <p:spPr>
-          <a:xfrm>
-            <a:off x="16718099" y="21753438"/>
-            <a:ext cx="6172636" cy="3812545"/>
-          </a:xfrm>
-          <a:prstGeom prst="rect">
-            <a:avLst/>
-          </a:prstGeom>
-          <a:noFill/>
-          <a:ln>
-            <a:noFill/>
-          </a:ln>
-        </p:spPr>
-        <p:txBody>
-          <a:bodyPr spcFirstLastPara="1" wrap="square" lIns="67265" tIns="33642" rIns="67265" bIns="33642" anchor="ctr" anchorCtr="0">
-            <a:noAutofit/>
-          </a:bodyPr>
-          <a:lstStyle/>
-          <a:p>
-            <a:pPr marL="457200" indent="-457200" algn="just">
-              <a:buClr>
-                <a:schemeClr val="dk1"/>
-              </a:buClr>
-              <a:buSzPts val="3600"/>
-              <a:buFont typeface="Arial" panose="020B0604020202020204" pitchFamily="34" charset="0"/>
-              <a:buChar char="•"/>
-            </a:pPr>
-            <a:r>
-              <a:rPr lang="en" sz="2836" b="1" dirty="0">
-                <a:solidFill>
-                  <a:schemeClr val="dk1"/>
-                </a:solidFill>
-                <a:latin typeface="Calibri"/>
-                <a:ea typeface="Calibri"/>
-                <a:cs typeface="Calibri"/>
-                <a:sym typeface="Calibri"/>
-              </a:rPr>
-              <a:t>CIs attend more to frequency than NHs, no differences in use of semantic similarity</a:t>
-            </a:r>
-            <a:endParaRPr sz="2836" b="1" dirty="0">
-              <a:solidFill>
-                <a:schemeClr val="dk1"/>
-              </a:solidFill>
-              <a:latin typeface="Calibri"/>
-              <a:ea typeface="Calibri"/>
-              <a:cs typeface="Calibri"/>
-              <a:sym typeface="Calibri"/>
-            </a:endParaRPr>
-          </a:p>
-          <a:p>
-            <a:pPr marL="817428" indent="-457200" algn="just">
-              <a:buFont typeface="Arial" panose="020B0604020202020204" pitchFamily="34" charset="0"/>
-              <a:buChar char="•"/>
-            </a:pPr>
-            <a:endParaRPr sz="2836" b="1" dirty="0">
-              <a:solidFill>
-                <a:schemeClr val="dk1"/>
-              </a:solidFill>
-              <a:latin typeface="Calibri"/>
-              <a:ea typeface="Calibri"/>
-              <a:cs typeface="Calibri"/>
-              <a:sym typeface="Calibri"/>
-            </a:endParaRPr>
-          </a:p>
-          <a:p>
-            <a:pPr marL="817428" indent="-457200" algn="just">
-              <a:buFont typeface="Arial" panose="020B0604020202020204" pitchFamily="34" charset="0"/>
-              <a:buChar char="•"/>
-            </a:pPr>
-            <a:endParaRPr sz="2836" b="1" dirty="0">
-              <a:solidFill>
-                <a:schemeClr val="dk1"/>
-              </a:solidFill>
-              <a:latin typeface="Calibri"/>
-              <a:ea typeface="Calibri"/>
-              <a:cs typeface="Calibri"/>
-              <a:sym typeface="Calibri"/>
-            </a:endParaRPr>
-          </a:p>
-          <a:p>
-            <a:pPr marL="457200" indent="-457200" algn="just">
-              <a:buClr>
-                <a:schemeClr val="dk1"/>
-              </a:buClr>
-              <a:buSzPts val="3600"/>
-              <a:buFont typeface="Arial" panose="020B0604020202020204" pitchFamily="34" charset="0"/>
-              <a:buChar char="•"/>
-            </a:pPr>
-            <a:r>
-              <a:rPr lang="en" sz="2836" b="1" dirty="0">
-                <a:solidFill>
-                  <a:schemeClr val="dk1"/>
-                </a:solidFill>
-                <a:latin typeface="Calibri"/>
-                <a:ea typeface="Calibri"/>
-                <a:cs typeface="Calibri"/>
-                <a:sym typeface="Calibri"/>
-              </a:rPr>
-              <a:t>Both groups appear to use phonology for local within-cluster transitions (based on best-performing models)</a:t>
-            </a:r>
-            <a:endParaRPr sz="2836" b="1" dirty="0">
-              <a:solidFill>
-                <a:schemeClr val="dk1"/>
-              </a:solidFill>
-              <a:latin typeface="Calibri"/>
-              <a:ea typeface="Calibri"/>
-              <a:cs typeface="Calibri"/>
-              <a:sym typeface="Calibri"/>
-            </a:endParaRPr>
-          </a:p>
-        </p:txBody>
-      </p:sp>
+      <mc:AlternateContent xmlns:mc="http://schemas.openxmlformats.org/markup-compatibility/2006" xmlns:a14="http://schemas.microsoft.com/office/drawing/2010/main">
+        <mc:Choice Requires="a14">
+          <p:sp>
+            <p:nvSpPr>
+              <p:cNvPr id="68" name="Google Shape;68;p14"/>
+              <p:cNvSpPr txBox="1"/>
+              <p:nvPr/>
+            </p:nvSpPr>
+            <p:spPr>
+              <a:xfrm>
+                <a:off x="10036781" y="28426543"/>
+                <a:ext cx="13457790" cy="3807426"/>
+              </a:xfrm>
+              <a:prstGeom prst="rect">
+                <a:avLst/>
+              </a:prstGeom>
+              <a:noFill/>
+              <a:ln>
+                <a:noFill/>
+              </a:ln>
+            </p:spPr>
+            <p:txBody>
+              <a:bodyPr spcFirstLastPara="1" wrap="square" lIns="67265" tIns="33642" rIns="67265" bIns="33642" anchor="t" anchorCtr="0">
+                <a:spAutoFit/>
+              </a:bodyPr>
+              <a:lstStyle/>
+              <a:p>
+                <a:pPr marL="400253" indent="-390247" algn="just">
+                  <a:lnSpc>
+                    <a:spcPct val="135000"/>
+                  </a:lnSpc>
+                  <a:buClr>
+                    <a:schemeClr val="dk1"/>
+                  </a:buClr>
+                  <a:buSzPts val="2800"/>
+                  <a:buFont typeface="Arial" panose="020B0604020202020204" pitchFamily="34" charset="0"/>
+                  <a:buChar char="•"/>
+                </a:pPr>
+                <a:r>
+                  <a:rPr lang="en-US" sz="2000" b="1" dirty="0">
+                    <a:solidFill>
+                      <a:schemeClr val="tx1"/>
+                    </a:solidFill>
+                    <a:latin typeface="Libre Franklin"/>
+                    <a:ea typeface="Libre Franklin"/>
+                    <a:cs typeface="Libre Franklin"/>
+                    <a:sym typeface="Libre Franklin"/>
+                  </a:rPr>
+                  <a:t>Hybrid similarity </a:t>
+                </a:r>
+                <a:r>
+                  <a:rPr lang="en-US" sz="2000" dirty="0">
+                    <a:solidFill>
+                      <a:schemeClr val="tx1"/>
+                    </a:solidFill>
+                    <a:latin typeface="Libre Franklin"/>
+                    <a:ea typeface="Libre Franklin"/>
+                    <a:cs typeface="Libre Franklin"/>
+                    <a:sym typeface="Libre Franklin"/>
+                  </a:rPr>
+                  <a:t>(spatial + feature) outperforms pure spatial or pure feature selection</a:t>
+                </a:r>
+                <a:endParaRPr lang="en-US" sz="2000" b="1" dirty="0">
+                  <a:solidFill>
+                    <a:schemeClr val="tx1"/>
+                  </a:solidFill>
+                  <a:latin typeface="Libre Franklin"/>
+                  <a:ea typeface="Libre Franklin"/>
+                  <a:cs typeface="Libre Franklin"/>
+                  <a:sym typeface="Libre Franklin"/>
+                </a:endParaRPr>
+              </a:p>
+              <a:p>
+                <a:pPr marL="400253" indent="-390247" algn="just">
+                  <a:lnSpc>
+                    <a:spcPct val="135000"/>
+                  </a:lnSpc>
+                  <a:buClr>
+                    <a:schemeClr val="dk1"/>
+                  </a:buClr>
+                  <a:buSzPts val="2800"/>
+                  <a:buFont typeface="Arial" panose="020B0604020202020204" pitchFamily="34" charset="0"/>
+                  <a:buChar char="•"/>
+                </a:pPr>
+                <a:r>
+                  <a:rPr lang="en-US" sz="2000" b="1" dirty="0">
+                    <a:solidFill>
+                      <a:schemeClr val="tx1"/>
+                    </a:solidFill>
+                    <a:latin typeface="Libre Franklin"/>
+                    <a:ea typeface="Libre Franklin"/>
+                    <a:cs typeface="Libre Franklin"/>
+                    <a:sym typeface="Libre Franklin"/>
+                  </a:rPr>
+                  <a:t>Branching architecture </a:t>
+                </a:r>
+                <a:r>
+                  <a:rPr lang="en-US" sz="2000" dirty="0">
+                    <a:solidFill>
+                      <a:schemeClr val="tx1"/>
+                    </a:solidFill>
+                    <a:latin typeface="Libre Franklin"/>
+                    <a:ea typeface="Libre Franklin"/>
+                    <a:cs typeface="Libre Franklin"/>
+                    <a:sym typeface="Libre Franklin"/>
+                  </a:rPr>
+                  <a:t>achieves best performance by combining </a:t>
+                </a:r>
+                <a:r>
+                  <a:rPr lang="en-US" sz="2000" dirty="0" err="1">
+                    <a:solidFill>
+                      <a:schemeClr val="tx1"/>
+                    </a:solidFill>
+                    <a:latin typeface="Libre Franklin"/>
+                    <a:ea typeface="Libre Franklin"/>
+                    <a:cs typeface="Libre Franklin"/>
+                    <a:sym typeface="Libre Franklin"/>
+                  </a:rPr>
+                  <a:t>ConvNN’s</a:t>
+                </a:r>
+                <a:r>
+                  <a:rPr lang="en-US" sz="2000" dirty="0">
+                    <a:solidFill>
+                      <a:schemeClr val="tx1"/>
+                    </a:solidFill>
+                    <a:latin typeface="Libre Franklin"/>
+                    <a:ea typeface="Libre Franklin"/>
+                    <a:cs typeface="Libre Franklin"/>
+                    <a:sym typeface="Libre Franklin"/>
+                  </a:rPr>
+                  <a:t> global context with Conv2d’s spatial locality. </a:t>
+                </a:r>
+              </a:p>
+              <a:p>
+                <a:pPr marL="400253" indent="-390247" algn="just">
+                  <a:lnSpc>
+                    <a:spcPct val="135000"/>
+                  </a:lnSpc>
+                  <a:buClr>
+                    <a:schemeClr val="dk1"/>
+                  </a:buClr>
+                  <a:buSzPts val="2800"/>
+                  <a:buFont typeface="Arial" panose="020B0604020202020204" pitchFamily="34" charset="0"/>
+                  <a:buChar char="•"/>
+                </a:pPr>
+                <a:r>
+                  <a:rPr lang="en-US" sz="2000" dirty="0">
+                    <a:solidFill>
+                      <a:schemeClr val="tx1"/>
+                    </a:solidFill>
+                    <a:latin typeface="Libre Franklin"/>
+                    <a:ea typeface="Libre Franklin"/>
+                    <a:cs typeface="Libre Franklin"/>
+                    <a:sym typeface="Libre Franklin"/>
+                  </a:rPr>
+                  <a:t>ConvNN unifies convolution and attention as neighbor aggregation differ: </a:t>
+                </a:r>
+              </a:p>
+              <a:p>
+                <a:pPr marL="857453" lvl="1" indent="-390247" algn="just">
+                  <a:lnSpc>
+                    <a:spcPct val="135000"/>
+                  </a:lnSpc>
+                  <a:buClr>
+                    <a:schemeClr val="dk1"/>
+                  </a:buClr>
+                  <a:buSzPts val="2800"/>
+                  <a:buFont typeface="Arial" panose="020B0604020202020204" pitchFamily="34" charset="0"/>
+                  <a:buChar char="•"/>
+                </a:pPr>
+                <a:r>
+                  <a:rPr lang="en-US" sz="2000" dirty="0">
+                    <a:solidFill>
+                      <a:schemeClr val="tx1"/>
+                    </a:solidFill>
+                    <a:latin typeface="Libre Franklin"/>
+                    <a:ea typeface="Libre Franklin"/>
+                    <a:cs typeface="Libre Franklin"/>
+                    <a:sym typeface="Libre Franklin"/>
+                  </a:rPr>
+                  <a:t>Spatial-only </a:t>
+                </a:r>
+                <a14:m>
+                  <m:oMath xmlns:m="http://schemas.openxmlformats.org/officeDocument/2006/math">
+                    <m:r>
+                      <a:rPr lang="en-US" sz="2000" i="1" smtClean="0">
+                        <a:solidFill>
+                          <a:schemeClr val="tx1"/>
+                        </a:solidFill>
+                        <a:latin typeface="Cambria Math" panose="02040503050406030204" pitchFamily="18" charset="0"/>
+                        <a:ea typeface="Cambria Math" panose="02040503050406030204" pitchFamily="18" charset="0"/>
+                        <a:cs typeface="Libre Franklin"/>
+                        <a:sym typeface="Libre Franklin"/>
+                      </a:rPr>
+                      <m:t>→</m:t>
+                    </m:r>
+                  </m:oMath>
+                </a14:m>
+                <a:r>
+                  <a:rPr lang="en-US" sz="2000" dirty="0">
+                    <a:solidFill>
+                      <a:schemeClr val="tx1"/>
+                    </a:solidFill>
+                    <a:latin typeface="Libre Franklin"/>
+                    <a:ea typeface="Libre Franklin"/>
+                    <a:cs typeface="Libre Franklin"/>
+                    <a:sym typeface="Libre Franklin"/>
+                  </a:rPr>
+                  <a:t> standard convolution</a:t>
+                </a:r>
+              </a:p>
+              <a:p>
+                <a:pPr marL="857453" lvl="1" indent="-390247" algn="just">
+                  <a:lnSpc>
+                    <a:spcPct val="135000"/>
+                  </a:lnSpc>
+                  <a:buClr>
+                    <a:schemeClr val="dk1"/>
+                  </a:buClr>
+                  <a:buSzPts val="2800"/>
+                  <a:buFont typeface="Arial" panose="020B0604020202020204" pitchFamily="34" charset="0"/>
+                  <a:buChar char="•"/>
+                </a:pPr>
+                <a:r>
+                  <a:rPr lang="en-US" sz="2000" dirty="0">
+                    <a:solidFill>
+                      <a:schemeClr val="tx1"/>
+                    </a:solidFill>
+                    <a:latin typeface="Libre Franklin"/>
+                    <a:ea typeface="Libre Franklin"/>
+                    <a:cs typeface="Libre Franklin"/>
+                    <a:sym typeface="Libre Franklin"/>
+                  </a:rPr>
+                  <a:t>All positions with soft weights with linear projection </a:t>
+                </a:r>
+                <a14:m>
+                  <m:oMath xmlns:m="http://schemas.openxmlformats.org/officeDocument/2006/math">
+                    <m:r>
+                      <a:rPr lang="en-US" sz="2000" i="1">
+                        <a:solidFill>
+                          <a:schemeClr val="tx1"/>
+                        </a:solidFill>
+                        <a:latin typeface="Cambria Math" panose="02040503050406030204" pitchFamily="18" charset="0"/>
+                        <a:ea typeface="Cambria Math" panose="02040503050406030204" pitchFamily="18" charset="0"/>
+                        <a:cs typeface="Libre Franklin"/>
+                        <a:sym typeface="Libre Franklin"/>
+                      </a:rPr>
+                      <m:t>→</m:t>
+                    </m:r>
+                  </m:oMath>
+                </a14:m>
+                <a:r>
+                  <a:rPr lang="en-US" sz="2000" dirty="0">
+                    <a:solidFill>
+                      <a:schemeClr val="tx1"/>
+                    </a:solidFill>
+                    <a:latin typeface="Libre Franklin"/>
+                    <a:ea typeface="Libre Franklin"/>
+                    <a:cs typeface="Libre Franklin"/>
+                    <a:sym typeface="Libre Franklin"/>
+                  </a:rPr>
+                  <a:t> self-attention</a:t>
+                </a:r>
+              </a:p>
+              <a:p>
+                <a:pPr marL="857453" lvl="1" indent="-390247" algn="just">
+                  <a:lnSpc>
+                    <a:spcPct val="135000"/>
+                  </a:lnSpc>
+                  <a:buClr>
+                    <a:schemeClr val="dk1"/>
+                  </a:buClr>
+                  <a:buSzPts val="2800"/>
+                  <a:buFont typeface="Arial" panose="020B0604020202020204" pitchFamily="34" charset="0"/>
+                  <a:buChar char="•"/>
+                </a:pPr>
+                <a:r>
+                  <a:rPr lang="en-US" sz="2000" dirty="0">
+                    <a:solidFill>
+                      <a:schemeClr val="tx1"/>
+                    </a:solidFill>
+                    <a:latin typeface="Libre Franklin"/>
+                    <a:ea typeface="Libre Franklin"/>
+                    <a:cs typeface="Libre Franklin"/>
+                    <a:sym typeface="Libre Franklin"/>
+                  </a:rPr>
+                  <a:t>ConvNN occupies the middle ground with hard, content-aware selection</a:t>
+                </a:r>
+              </a:p>
+              <a:p>
+                <a:pPr marL="400253" indent="-390247" algn="just">
+                  <a:lnSpc>
+                    <a:spcPct val="135000"/>
+                  </a:lnSpc>
+                  <a:buClr>
+                    <a:schemeClr val="dk1"/>
+                  </a:buClr>
+                  <a:buSzPts val="2800"/>
+                  <a:buFont typeface="Arial" panose="020B0604020202020204" pitchFamily="34" charset="0"/>
+                  <a:buChar char="•"/>
+                </a:pPr>
+                <a:r>
+                  <a:rPr lang="en-US" sz="2000" b="1" dirty="0">
+                    <a:solidFill>
+                      <a:schemeClr val="tx1"/>
+                    </a:solidFill>
+                    <a:latin typeface="Libre Franklin"/>
+                    <a:ea typeface="Libre Franklin"/>
+                    <a:cs typeface="Libre Franklin"/>
+                    <a:sym typeface="Libre Franklin"/>
+                  </a:rPr>
+                  <a:t>Feature work</a:t>
+                </a:r>
+                <a:r>
+                  <a:rPr lang="en-US" sz="2000" dirty="0">
+                    <a:solidFill>
+                      <a:schemeClr val="tx1"/>
+                    </a:solidFill>
+                    <a:latin typeface="Libre Franklin"/>
+                    <a:ea typeface="Libre Franklin"/>
+                    <a:cs typeface="Libre Franklin"/>
+                    <a:sym typeface="Libre Franklin"/>
+                  </a:rPr>
+                  <a:t>: Extend to Vision Transformers, explore learnable similarity metrics, investigate soft vs. hard selection.</a:t>
+                </a:r>
+                <a:endParaRPr lang="en-US" sz="2000" b="1" dirty="0">
+                  <a:solidFill>
+                    <a:schemeClr val="tx1"/>
+                  </a:solidFill>
+                  <a:latin typeface="Libre Franklin"/>
+                  <a:ea typeface="Libre Franklin"/>
+                  <a:cs typeface="Libre Franklin"/>
+                  <a:sym typeface="Libre Franklin"/>
+                </a:endParaRPr>
+              </a:p>
+            </p:txBody>
+          </p:sp>
+        </mc:Choice>
+        <mc:Fallback xmlns="">
+          <p:sp>
+            <p:nvSpPr>
+              <p:cNvPr id="68" name="Google Shape;68;p14"/>
+              <p:cNvSpPr txBox="1">
+                <a:spLocks noRot="1" noChangeAspect="1" noMove="1" noResize="1" noEditPoints="1" noAdjustHandles="1" noChangeArrowheads="1" noChangeShapeType="1" noTextEdit="1"/>
+              </p:cNvSpPr>
+              <p:nvPr/>
+            </p:nvSpPr>
+            <p:spPr>
+              <a:xfrm>
+                <a:off x="10036781" y="28426543"/>
+                <a:ext cx="13457790" cy="3807426"/>
+              </a:xfrm>
+              <a:prstGeom prst="rect">
+                <a:avLst/>
+              </a:prstGeom>
+              <a:blipFill>
+                <a:blip r:embed="rId3"/>
+                <a:stretch>
+                  <a:fillRect l="-943" t="-1993" r="-660" b="-1329"/>
+                </a:stretch>
+              </a:blipFill>
+              <a:ln>
+                <a:noFill/>
+              </a:ln>
+            </p:spPr>
+            <p:txBody>
+              <a:bodyPr/>
+              <a:lstStyle/>
+              <a:p>
+                <a:r>
+                  <a:rPr lang="en-US">
+                    <a:noFill/>
+                  </a:rPr>
+                  <a:t> </a:t>
+                </a:r>
+              </a:p>
+            </p:txBody>
+          </p:sp>
+        </mc:Fallback>
+      </mc:AlternateContent>
       <p:pic>
         <p:nvPicPr>
           <p:cNvPr id="72" name="Google Shape;72;p14"/>
@@ -5072,7 +5164,7 @@
           <p:nvPr/>
         </p:nvPicPr>
         <p:blipFill>
-          <a:blip r:embed="rId3">
+          <a:blip r:embed="rId4">
             <a:alphaModFix/>
           </a:blip>
           <a:stretch>
@@ -5101,8 +5193,8 @@
         </p:nvSpPr>
         <p:spPr>
           <a:xfrm>
-            <a:off x="280366" y="9350791"/>
-            <a:ext cx="9308709" cy="757782"/>
+            <a:off x="219456" y="8630090"/>
+            <a:ext cx="9390888" cy="905256"/>
           </a:xfrm>
           <a:prstGeom prst="rect">
             <a:avLst/>
@@ -5141,490 +5233,6 @@
           </a:p>
         </p:txBody>
       </p:sp>
-      <p:pic>
-        <p:nvPicPr>
-          <p:cNvPr id="78" name="Google Shape;78;p14"/>
-          <p:cNvPicPr preferRelativeResize="0"/>
-          <p:nvPr/>
-        </p:nvPicPr>
-        <p:blipFill>
-          <a:blip r:embed="rId4">
-            <a:alphaModFix/>
-          </a:blip>
-          <a:stretch>
-            <a:fillRect/>
-          </a:stretch>
-        </p:blipFill>
-        <p:spPr>
-          <a:xfrm>
-            <a:off x="10525243" y="21420589"/>
-            <a:ext cx="5083472" cy="5083561"/>
-          </a:xfrm>
-          <a:prstGeom prst="rect">
-            <a:avLst/>
-          </a:prstGeom>
-          <a:noFill/>
-          <a:ln>
-            <a:noFill/>
-          </a:ln>
-        </p:spPr>
-      </p:pic>
-      <p:sp>
-        <p:nvSpPr>
-          <p:cNvPr id="79" name="Google Shape;79;p14"/>
-          <p:cNvSpPr txBox="1"/>
-          <p:nvPr/>
-        </p:nvSpPr>
-        <p:spPr>
-          <a:xfrm>
-            <a:off x="26170759" y="7638372"/>
-            <a:ext cx="8068400" cy="8820081"/>
-          </a:xfrm>
-          <a:prstGeom prst="rect">
-            <a:avLst/>
-          </a:prstGeom>
-          <a:noFill/>
-          <a:ln>
-            <a:noFill/>
-          </a:ln>
-        </p:spPr>
-        <p:txBody>
-          <a:bodyPr spcFirstLastPara="1" wrap="square" lIns="67265" tIns="33642" rIns="67265" bIns="33642" anchor="t" anchorCtr="0">
-            <a:spAutoFit/>
-          </a:bodyPr>
-          <a:lstStyle/>
-          <a:p>
-            <a:pPr marL="197808" indent="-342900" algn="just">
-              <a:lnSpc>
-                <a:spcPct val="131000"/>
-              </a:lnSpc>
-              <a:buClr>
-                <a:schemeClr val="dk1"/>
-              </a:buClr>
-              <a:buSzPts val="2900"/>
-              <a:buFont typeface="Arial" panose="020B0604020202020204" pitchFamily="34" charset="0"/>
-              <a:buChar char="•"/>
-            </a:pPr>
-            <a:r>
-              <a:rPr lang="en" sz="2285" dirty="0">
-                <a:solidFill>
-                  <a:schemeClr val="dk1"/>
-                </a:solidFill>
-                <a:latin typeface="Libre Franklin"/>
-                <a:ea typeface="Libre Franklin"/>
-                <a:cs typeface="Libre Franklin"/>
-                <a:sym typeface="Libre Franklin"/>
-              </a:rPr>
-              <a:t>   Structural models:</a:t>
-            </a:r>
-            <a:endParaRPr sz="2285" dirty="0">
-              <a:solidFill>
-                <a:schemeClr val="dk1"/>
-              </a:solidFill>
-              <a:latin typeface="Libre Franklin"/>
-              <a:ea typeface="Libre Franklin"/>
-              <a:cs typeface="Libre Franklin"/>
-              <a:sym typeface="Libre Franklin"/>
-            </a:endParaRPr>
-          </a:p>
-          <a:p>
-            <a:pPr marL="698124" lvl="1" indent="-342900" algn="just">
-              <a:lnSpc>
-                <a:spcPct val="131000"/>
-              </a:lnSpc>
-              <a:buClr>
-                <a:schemeClr val="dk1"/>
-              </a:buClr>
-              <a:buSzPts val="2900"/>
-              <a:buFont typeface="Arial" panose="020B0604020202020204" pitchFamily="34" charset="0"/>
-              <a:buChar char="•"/>
-            </a:pPr>
-            <a:r>
-              <a:rPr lang="en" sz="2285" dirty="0">
-                <a:solidFill>
-                  <a:schemeClr val="dk1"/>
-                </a:solidFill>
-                <a:latin typeface="Libre Franklin"/>
-                <a:ea typeface="Libre Franklin"/>
-                <a:cs typeface="Libre Franklin"/>
-                <a:sym typeface="Libre Franklin"/>
-              </a:rPr>
-              <a:t>Embeddings with lower dimensions provided a better fit than models with higher dimensions. </a:t>
-            </a:r>
-            <a:endParaRPr sz="2285" dirty="0">
-              <a:solidFill>
-                <a:schemeClr val="dk1"/>
-              </a:solidFill>
-              <a:latin typeface="Libre Franklin"/>
-              <a:ea typeface="Libre Franklin"/>
-              <a:cs typeface="Libre Franklin"/>
-              <a:sym typeface="Libre Franklin"/>
-            </a:endParaRPr>
-          </a:p>
-          <a:p>
-            <a:pPr marL="698124" lvl="1" indent="-342900" algn="just">
-              <a:lnSpc>
-                <a:spcPct val="131000"/>
-              </a:lnSpc>
-              <a:buClr>
-                <a:schemeClr val="dk1"/>
-              </a:buClr>
-              <a:buSzPts val="2900"/>
-              <a:buFont typeface="Arial" panose="020B0604020202020204" pitchFamily="34" charset="0"/>
-              <a:buChar char="•"/>
-            </a:pPr>
-            <a:r>
-              <a:rPr lang="en" sz="2285" dirty="0">
-                <a:solidFill>
-                  <a:schemeClr val="dk1"/>
-                </a:solidFill>
-                <a:latin typeface="Libre Franklin"/>
-                <a:ea typeface="Libre Franklin"/>
-                <a:cs typeface="Libre Franklin"/>
-                <a:sym typeface="Libre Franklin"/>
-              </a:rPr>
-              <a:t>The concatenated variants of </a:t>
-            </a:r>
-            <a:r>
-              <a:rPr lang="en" sz="2285" i="1" dirty="0">
-                <a:solidFill>
-                  <a:schemeClr val="dk1"/>
-                </a:solidFill>
-                <a:latin typeface="Libre Franklin"/>
-                <a:ea typeface="Libre Franklin"/>
-                <a:cs typeface="Libre Franklin"/>
-                <a:sym typeface="Libre Franklin"/>
-              </a:rPr>
-              <a:t>speech2vec</a:t>
-            </a:r>
-            <a:r>
-              <a:rPr lang="en" sz="2285" dirty="0">
-                <a:solidFill>
-                  <a:schemeClr val="dk1"/>
-                </a:solidFill>
-                <a:latin typeface="Libre Franklin"/>
-                <a:ea typeface="Libre Franklin"/>
-                <a:cs typeface="Libre Franklin"/>
-                <a:sym typeface="Libre Franklin"/>
-              </a:rPr>
-              <a:t> and </a:t>
-            </a:r>
-            <a:r>
-              <a:rPr lang="en" sz="2285" i="1" dirty="0">
-                <a:solidFill>
-                  <a:schemeClr val="dk1"/>
-                </a:solidFill>
-                <a:latin typeface="Libre Franklin"/>
-                <a:ea typeface="Libre Franklin"/>
-                <a:cs typeface="Libre Franklin"/>
-                <a:sym typeface="Libre Franklin"/>
-              </a:rPr>
-              <a:t>word2vec</a:t>
-            </a:r>
-            <a:r>
-              <a:rPr lang="en" sz="2285" dirty="0">
-                <a:solidFill>
-                  <a:schemeClr val="dk1"/>
-                </a:solidFill>
-                <a:latin typeface="Libre Franklin"/>
-                <a:ea typeface="Libre Franklin"/>
-                <a:cs typeface="Libre Franklin"/>
-                <a:sym typeface="Libre Franklin"/>
-              </a:rPr>
-              <a:t> performed better than the single-model or the “average” model. </a:t>
-            </a:r>
-            <a:endParaRPr sz="2285" dirty="0">
-              <a:solidFill>
-                <a:schemeClr val="dk1"/>
-              </a:solidFill>
-              <a:latin typeface="Libre Franklin"/>
-              <a:ea typeface="Libre Franklin"/>
-              <a:cs typeface="Libre Franklin"/>
-              <a:sym typeface="Libre Franklin"/>
-            </a:endParaRPr>
-          </a:p>
-          <a:p>
-            <a:pPr marL="698124" lvl="1" indent="-342900" algn="just">
-              <a:lnSpc>
-                <a:spcPct val="131000"/>
-              </a:lnSpc>
-              <a:buClr>
-                <a:schemeClr val="dk1"/>
-              </a:buClr>
-              <a:buSzPts val="2900"/>
-              <a:buFont typeface="Arial" panose="020B0604020202020204" pitchFamily="34" charset="0"/>
-              <a:buChar char="•"/>
-            </a:pPr>
-            <a:r>
-              <a:rPr lang="en" sz="2285" dirty="0">
-                <a:solidFill>
-                  <a:schemeClr val="dk1"/>
-                </a:solidFill>
-                <a:latin typeface="Libre Franklin"/>
-                <a:ea typeface="Libre Franklin"/>
-                <a:cs typeface="Libre Franklin"/>
-                <a:sym typeface="Libre Franklin"/>
-              </a:rPr>
-              <a:t>For </a:t>
-            </a:r>
-            <a:r>
-              <a:rPr lang="en" sz="2285" b="1" dirty="0">
-                <a:solidFill>
-                  <a:schemeClr val="dk1"/>
-                </a:solidFill>
-                <a:latin typeface="Libre Franklin"/>
-                <a:ea typeface="Libre Franklin"/>
-                <a:cs typeface="Libre Franklin"/>
-                <a:sym typeface="Libre Franklin"/>
-              </a:rPr>
-              <a:t>normal hearing group</a:t>
-            </a:r>
-            <a:r>
-              <a:rPr lang="en" sz="2285" dirty="0">
-                <a:solidFill>
-                  <a:schemeClr val="dk1"/>
-                </a:solidFill>
-                <a:latin typeface="Libre Franklin"/>
-                <a:ea typeface="Libre Franklin"/>
-                <a:cs typeface="Libre Franklin"/>
-                <a:sym typeface="Libre Franklin"/>
-              </a:rPr>
-              <a:t>, the best-performing structural model emphasized </a:t>
-            </a:r>
-            <a:r>
-              <a:rPr lang="en" sz="2285" i="1" dirty="0">
-                <a:solidFill>
-                  <a:schemeClr val="dk1"/>
-                </a:solidFill>
-                <a:latin typeface="Libre Franklin"/>
-                <a:ea typeface="Libre Franklin"/>
-                <a:cs typeface="Libre Franklin"/>
-                <a:sym typeface="Libre Franklin"/>
-              </a:rPr>
-              <a:t>word2vec</a:t>
-            </a:r>
-            <a:r>
-              <a:rPr lang="en" sz="2285" dirty="0">
-                <a:solidFill>
-                  <a:schemeClr val="dk1"/>
-                </a:solidFill>
-                <a:latin typeface="Libre Franklin"/>
-                <a:ea typeface="Libre Franklin"/>
-                <a:cs typeface="Libre Franklin"/>
-                <a:sym typeface="Libre Franklin"/>
-              </a:rPr>
-              <a:t> over </a:t>
-            </a:r>
-            <a:r>
-              <a:rPr lang="en" sz="2285" i="1" dirty="0">
-                <a:solidFill>
-                  <a:schemeClr val="dk1"/>
-                </a:solidFill>
-                <a:latin typeface="Libre Franklin"/>
-                <a:ea typeface="Libre Franklin"/>
-                <a:cs typeface="Libre Franklin"/>
-                <a:sym typeface="Libre Franklin"/>
-              </a:rPr>
-              <a:t>speech2vec </a:t>
-            </a:r>
-            <a:r>
-              <a:rPr lang="en" sz="2285" dirty="0">
-                <a:solidFill>
-                  <a:schemeClr val="dk1"/>
-                </a:solidFill>
-                <a:latin typeface="Libre Franklin"/>
-                <a:ea typeface="Libre Franklin"/>
-                <a:cs typeface="Libre Franklin"/>
-                <a:sym typeface="Libre Franklin"/>
-              </a:rPr>
-              <a:t>(𝛼 = 0.4).</a:t>
-            </a:r>
-            <a:endParaRPr sz="2285" dirty="0">
-              <a:solidFill>
-                <a:schemeClr val="dk1"/>
-              </a:solidFill>
-              <a:latin typeface="Libre Franklin"/>
-              <a:ea typeface="Libre Franklin"/>
-              <a:cs typeface="Libre Franklin"/>
-              <a:sym typeface="Libre Franklin"/>
-            </a:endParaRPr>
-          </a:p>
-          <a:p>
-            <a:pPr marL="698124" lvl="1" indent="-342900" algn="just">
-              <a:lnSpc>
-                <a:spcPct val="131000"/>
-              </a:lnSpc>
-              <a:buClr>
-                <a:schemeClr val="dk1"/>
-              </a:buClr>
-              <a:buSzPts val="2900"/>
-              <a:buFont typeface="Arial" panose="020B0604020202020204" pitchFamily="34" charset="0"/>
-              <a:buChar char="•"/>
-            </a:pPr>
-            <a:r>
-              <a:rPr lang="en" sz="2285" dirty="0">
-                <a:solidFill>
-                  <a:schemeClr val="dk1"/>
-                </a:solidFill>
-                <a:latin typeface="Libre Franklin"/>
-                <a:ea typeface="Libre Franklin"/>
-                <a:cs typeface="Libre Franklin"/>
-                <a:sym typeface="Libre Franklin"/>
-              </a:rPr>
-              <a:t>For </a:t>
-            </a:r>
-            <a:r>
-              <a:rPr lang="en" sz="2285" b="1" dirty="0">
-                <a:solidFill>
-                  <a:schemeClr val="dk1"/>
-                </a:solidFill>
-                <a:latin typeface="Libre Franklin"/>
-                <a:ea typeface="Libre Franklin"/>
-                <a:cs typeface="Libre Franklin"/>
-                <a:sym typeface="Libre Franklin"/>
-              </a:rPr>
-              <a:t>cochlear implant group</a:t>
-            </a:r>
-            <a:r>
-              <a:rPr lang="en" sz="2285" dirty="0">
-                <a:solidFill>
-                  <a:schemeClr val="dk1"/>
-                </a:solidFill>
-                <a:latin typeface="Libre Franklin"/>
-                <a:ea typeface="Libre Franklin"/>
-                <a:cs typeface="Libre Franklin"/>
-                <a:sym typeface="Libre Franklin"/>
-              </a:rPr>
-              <a:t>, the best-performing structural model emphasized </a:t>
-            </a:r>
-            <a:r>
-              <a:rPr lang="en" sz="2285" i="1" dirty="0">
-                <a:solidFill>
-                  <a:schemeClr val="dk1"/>
-                </a:solidFill>
-                <a:latin typeface="Libre Franklin"/>
-                <a:ea typeface="Libre Franklin"/>
-                <a:cs typeface="Libre Franklin"/>
-                <a:sym typeface="Libre Franklin"/>
-              </a:rPr>
-              <a:t>speech2vec</a:t>
-            </a:r>
-            <a:r>
-              <a:rPr lang="en" sz="2285" dirty="0">
-                <a:solidFill>
-                  <a:schemeClr val="dk1"/>
-                </a:solidFill>
-                <a:latin typeface="Libre Franklin"/>
-                <a:ea typeface="Libre Franklin"/>
-                <a:cs typeface="Libre Franklin"/>
-                <a:sym typeface="Libre Franklin"/>
-              </a:rPr>
-              <a:t> and </a:t>
-            </a:r>
-            <a:r>
-              <a:rPr lang="en" sz="2285" i="1" dirty="0">
-                <a:solidFill>
-                  <a:schemeClr val="dk1"/>
-                </a:solidFill>
-                <a:latin typeface="Libre Franklin"/>
-                <a:ea typeface="Libre Franklin"/>
-                <a:cs typeface="Libre Franklin"/>
-                <a:sym typeface="Libre Franklin"/>
-              </a:rPr>
-              <a:t>word2vec </a:t>
-            </a:r>
-            <a:r>
-              <a:rPr lang="en" sz="2285" dirty="0">
-                <a:solidFill>
-                  <a:schemeClr val="dk1"/>
-                </a:solidFill>
-                <a:latin typeface="Libre Franklin"/>
-                <a:ea typeface="Libre Franklin"/>
-                <a:cs typeface="Libre Franklin"/>
-                <a:sym typeface="Libre Franklin"/>
-              </a:rPr>
-              <a:t>equally (𝛼 = 0.5).</a:t>
-            </a:r>
-            <a:endParaRPr sz="1418" dirty="0">
-              <a:solidFill>
-                <a:schemeClr val="dk1"/>
-              </a:solidFill>
-              <a:latin typeface="Libre Franklin"/>
-              <a:ea typeface="Libre Franklin"/>
-              <a:cs typeface="Libre Franklin"/>
-              <a:sym typeface="Libre Franklin"/>
-            </a:endParaRPr>
-          </a:p>
-          <a:p>
-            <a:pPr marL="197808" indent="-342900" algn="just">
-              <a:lnSpc>
-                <a:spcPct val="131000"/>
-              </a:lnSpc>
-              <a:buClr>
-                <a:schemeClr val="dk1"/>
-              </a:buClr>
-              <a:buSzPts val="2900"/>
-              <a:buFont typeface="Arial" panose="020B0604020202020204" pitchFamily="34" charset="0"/>
-              <a:buChar char="•"/>
-            </a:pPr>
-            <a:r>
-              <a:rPr lang="en" sz="2285" dirty="0">
-                <a:solidFill>
-                  <a:schemeClr val="dk1"/>
-                </a:solidFill>
-                <a:latin typeface="Libre Franklin"/>
-                <a:ea typeface="Libre Franklin"/>
-                <a:cs typeface="Libre Franklin"/>
-                <a:sym typeface="Libre Franklin"/>
-              </a:rPr>
-              <a:t>   Process models:</a:t>
-            </a:r>
-            <a:endParaRPr sz="2285" dirty="0">
-              <a:solidFill>
-                <a:schemeClr val="dk1"/>
-              </a:solidFill>
-              <a:latin typeface="Libre Franklin"/>
-              <a:ea typeface="Libre Franklin"/>
-              <a:cs typeface="Libre Franklin"/>
-              <a:sym typeface="Libre Franklin"/>
-            </a:endParaRPr>
-          </a:p>
-          <a:p>
-            <a:pPr marL="698124" lvl="1" indent="-342900" algn="just">
-              <a:lnSpc>
-                <a:spcPct val="131000"/>
-              </a:lnSpc>
-              <a:buClr>
-                <a:schemeClr val="dk1"/>
-              </a:buClr>
-              <a:buSzPts val="2900"/>
-              <a:buFont typeface="Arial" panose="020B0604020202020204" pitchFamily="34" charset="0"/>
-              <a:buChar char="•"/>
-            </a:pPr>
-            <a:r>
-              <a:rPr lang="en" sz="2285" dirty="0">
-                <a:solidFill>
-                  <a:schemeClr val="dk1"/>
-                </a:solidFill>
-                <a:latin typeface="Libre Franklin"/>
-                <a:ea typeface="Libre Franklin"/>
-                <a:cs typeface="Libre Franklin"/>
-                <a:sym typeface="Libre Franklin"/>
-              </a:rPr>
-              <a:t>Best-performing process model was the dynamic foraging model that incorporated semantic similarity, phonological similarity, and frequency in local “cluster” transitions and frequency in global “switch” transitions, and used the delta similarity method to assign cluster-switch designations. </a:t>
-            </a:r>
-            <a:endParaRPr sz="2285" dirty="0">
-              <a:solidFill>
-                <a:schemeClr val="dk1"/>
-              </a:solidFill>
-              <a:latin typeface="Libre Franklin"/>
-              <a:ea typeface="Libre Franklin"/>
-              <a:cs typeface="Libre Franklin"/>
-              <a:sym typeface="Libre Franklin"/>
-            </a:endParaRPr>
-          </a:p>
-        </p:txBody>
-      </p:sp>
       <p:sp>
         <p:nvSpPr>
           <p:cNvPr id="80" name="Google Shape;80;p14"/>
@@ -5633,8 +5241,8 @@
         </p:nvSpPr>
         <p:spPr>
           <a:xfrm>
-            <a:off x="10088788" y="27033545"/>
-            <a:ext cx="13252436" cy="904800"/>
+            <a:off x="10019674" y="27496176"/>
+            <a:ext cx="13514832" cy="904800"/>
           </a:xfrm>
           <a:prstGeom prst="rect">
             <a:avLst/>
@@ -5687,8 +5295,8 @@
         </p:nvSpPr>
         <p:spPr>
           <a:xfrm>
-            <a:off x="258554" y="19895714"/>
-            <a:ext cx="9308709" cy="757782"/>
+            <a:off x="221814" y="21723751"/>
+            <a:ext cx="9390888" cy="905256"/>
           </a:xfrm>
           <a:prstGeom prst="rect">
             <a:avLst/>
@@ -5718,11 +5326,10 @@
             <a:r>
               <a:rPr lang="en" sz="3940" b="1" dirty="0">
                 <a:latin typeface="Calibri"/>
-                <a:ea typeface="Calibri"/>
                 <a:cs typeface="Calibri"/>
                 <a:sym typeface="Calibri"/>
               </a:rPr>
-              <a:t>GENERALIZATIONS</a:t>
+              <a:t>SIMILARITY COMPUTATION SPEED-UPS</a:t>
             </a:r>
             <a:endParaRPr sz="788" dirty="0"/>
           </a:p>
@@ -5789,8 +5396,8 @@
         </p:nvSpPr>
         <p:spPr>
           <a:xfrm>
-            <a:off x="10088788" y="30989736"/>
-            <a:ext cx="13252436" cy="904800"/>
+            <a:off x="228600" y="32274365"/>
+            <a:ext cx="23295582" cy="653468"/>
           </a:xfrm>
           <a:prstGeom prst="rect">
             <a:avLst/>
@@ -5849,8 +5456,8 @@
         </p:nvSpPr>
         <p:spPr>
           <a:xfrm>
-            <a:off x="10009350" y="32222804"/>
-            <a:ext cx="13252436" cy="526208"/>
+            <a:off x="267582" y="33016176"/>
+            <a:ext cx="23256600" cy="1729935"/>
           </a:xfrm>
           <a:prstGeom prst="rect">
             <a:avLst/>
@@ -5878,60 +5485,132 @@
               <a:buChar char="•"/>
             </a:pPr>
             <a:r>
-              <a:rPr lang="en-US" sz="2206" dirty="0">
-                <a:solidFill>
-                  <a:schemeClr val="dk1"/>
-                </a:solidFill>
-                <a:latin typeface="Libre Franklin"/>
-                <a:ea typeface="Libre Franklin"/>
-                <a:cs typeface="Libre Franklin"/>
-                <a:sym typeface="Libre Franklin"/>
-              </a:rPr>
-              <a:t>REFERENCES</a:t>
-            </a:r>
-            <a:endParaRPr sz="2206" dirty="0">
-              <a:solidFill>
+              <a:rPr lang="en-US" sz="1600" dirty="0"/>
+              <a:t>A. Buades, B. Coll and J. . -M. Morel, "A non-local algorithm for image denoising," </a:t>
+            </a:r>
+            <a:r>
+              <a:rPr lang="en-US" sz="1600" i="1" dirty="0"/>
+              <a:t>2005 IEEE Computer Society Conference on Computer Vision and Pattern Recognition (CVPR'05)</a:t>
+            </a:r>
+            <a:r>
+              <a:rPr lang="en-US" sz="1600" dirty="0"/>
+              <a:t>, San Diego, CA, USA, 2005, pp. 60-65 vol. 2, </a:t>
+            </a:r>
+            <a:r>
+              <a:rPr lang="en-US" sz="1600" dirty="0" err="1"/>
+              <a:t>doi</a:t>
+            </a:r>
+            <a:r>
+              <a:rPr lang="en-US" sz="1600" dirty="0"/>
+              <a:t>: 10.1109/CVPR.2005.38. </a:t>
+            </a:r>
+          </a:p>
+          <a:p>
+            <a:pPr marL="400253" indent="-390247">
+              <a:lnSpc>
+                <a:spcPct val="135000"/>
+              </a:lnSpc>
+              <a:buClr>
                 <a:schemeClr val="dk1"/>
-              </a:solidFill>
-              <a:latin typeface="Libre Franklin"/>
-              <a:ea typeface="Libre Franklin"/>
-              <a:cs typeface="Libre Franklin"/>
-              <a:sym typeface="Libre Franklin"/>
-            </a:endParaRPr>
+              </a:buClr>
+              <a:buSzPts val="2800"/>
+              <a:buFont typeface="Arial" panose="020B0604020202020204" pitchFamily="34" charset="0"/>
+              <a:buChar char="•"/>
+            </a:pPr>
+            <a:r>
+              <a:rPr lang="en-US" sz="1600" dirty="0"/>
+              <a:t>Singh, Sidak Pal, and Martin Jaggi. "Model fusion via optimal transport." </a:t>
+            </a:r>
+            <a:r>
+              <a:rPr lang="en-US" sz="1600" i="1" dirty="0"/>
+              <a:t>Advances in Neural Information Processing Systems</a:t>
+            </a:r>
+            <a:r>
+              <a:rPr lang="en-US" sz="1600" dirty="0"/>
+              <a:t> 33 (2020): 22045-22055.</a:t>
+            </a:r>
+          </a:p>
+          <a:p>
+            <a:pPr marL="400253" indent="-390247">
+              <a:lnSpc>
+                <a:spcPct val="135000"/>
+              </a:lnSpc>
+              <a:buClr>
+                <a:schemeClr val="dk1"/>
+              </a:buClr>
+              <a:buSzPts val="2800"/>
+              <a:buFont typeface="Arial" panose="020B0604020202020204" pitchFamily="34" charset="0"/>
+              <a:buChar char="•"/>
+            </a:pPr>
+            <a:r>
+              <a:rPr lang="en-US" sz="1600" dirty="0" err="1"/>
+              <a:t>Plötz</a:t>
+            </a:r>
+            <a:r>
+              <a:rPr lang="en-US" sz="1600" dirty="0"/>
+              <a:t>, Tobias, and Stefan Roth. "Neural nearest neighbors networks." </a:t>
+            </a:r>
+            <a:r>
+              <a:rPr lang="en-US" sz="1600" i="1" dirty="0"/>
+              <a:t>Advances in Neural information processing systems</a:t>
+            </a:r>
+            <a:r>
+              <a:rPr lang="en-US" sz="1600" dirty="0"/>
+              <a:t> 31 (2018).</a:t>
+            </a:r>
+          </a:p>
+          <a:p>
+            <a:pPr marL="400253" indent="-390247">
+              <a:lnSpc>
+                <a:spcPct val="135000"/>
+              </a:lnSpc>
+              <a:buClr>
+                <a:schemeClr val="dk1"/>
+              </a:buClr>
+              <a:buSzPts val="2800"/>
+              <a:buFont typeface="Arial" panose="020B0604020202020204" pitchFamily="34" charset="0"/>
+              <a:buChar char="•"/>
+            </a:pPr>
+            <a:r>
+              <a:rPr lang="en-US" sz="1600" dirty="0"/>
+              <a:t>Wang, Xiaolong, et al. "Non-local neural networks." </a:t>
+            </a:r>
+            <a:r>
+              <a:rPr lang="en-US" sz="1600" i="1" dirty="0"/>
+              <a:t>Proceedings of the IEEE conference on computer vision and pattern recognition</a:t>
+            </a:r>
+            <a:r>
+              <a:rPr lang="en-US" sz="1600" dirty="0"/>
+              <a:t>. 2018.</a:t>
+            </a:r>
+          </a:p>
+          <a:p>
+            <a:pPr marL="400253" indent="-390247">
+              <a:lnSpc>
+                <a:spcPct val="135000"/>
+              </a:lnSpc>
+              <a:buClr>
+                <a:schemeClr val="dk1"/>
+              </a:buClr>
+              <a:buSzPts val="2800"/>
+              <a:buFont typeface="Arial" panose="020B0604020202020204" pitchFamily="34" charset="0"/>
+              <a:buChar char="•"/>
+            </a:pPr>
+            <a:r>
+              <a:rPr lang="en-US" sz="1600" dirty="0"/>
+              <a:t>Vaswani, Ashish, et al. "Attention is all you need." </a:t>
+            </a:r>
+            <a:r>
+              <a:rPr lang="en-US" sz="1600" i="1" dirty="0"/>
+              <a:t>Advances in neural information processing systems</a:t>
+            </a:r>
+            <a:r>
+              <a:rPr lang="en-US" sz="1600" dirty="0"/>
+              <a:t> 30 (2017).</a:t>
+            </a:r>
           </a:p>
         </p:txBody>
       </p:sp>
-      <p:pic>
-        <p:nvPicPr>
-          <p:cNvPr id="7" name="Picture 6">
-            <a:extLst>
-              <a:ext uri="{FF2B5EF4-FFF2-40B4-BE49-F238E27FC236}">
-                <a16:creationId xmlns:a16="http://schemas.microsoft.com/office/drawing/2014/main" id="{649A5469-E930-EEC0-7C21-26388B72524B}"/>
-              </a:ext>
-            </a:extLst>
-          </p:cNvPr>
-          <p:cNvPicPr>
-            <a:picLocks noChangeAspect="1"/>
-          </p:cNvPicPr>
-          <p:nvPr/>
-        </p:nvPicPr>
-        <p:blipFill>
-          <a:blip r:embed="rId6"/>
-          <a:srcRect t="3096"/>
-          <a:stretch>
-            <a:fillRect/>
-          </a:stretch>
-        </p:blipFill>
-        <p:spPr>
-          <a:xfrm>
-            <a:off x="222259" y="10257407"/>
-            <a:ext cx="9678855" cy="6516886"/>
-          </a:xfrm>
-          <a:prstGeom prst="rect">
-            <a:avLst/>
-          </a:prstGeom>
-        </p:spPr>
-      </p:pic>
       <p:pic>
         <p:nvPicPr>
           <p:cNvPr id="5" name="Picture 4">
@@ -5947,7 +5626,7 @@
           <p:nvPr/>
         </p:nvPicPr>
         <p:blipFill>
-          <a:blip r:embed="rId7"/>
+          <a:blip r:embed="rId6"/>
           <a:srcRect l="5104" r="3633"/>
           <a:stretch>
             <a:fillRect/>
@@ -5955,8 +5634,492 @@
         </p:blipFill>
         <p:spPr>
           <a:xfrm>
-            <a:off x="222259" y="16803692"/>
-            <a:ext cx="23507169" cy="3491415"/>
+            <a:off x="111367" y="9995744"/>
+            <a:ext cx="9532603" cy="1799622"/>
+          </a:xfrm>
+          <a:prstGeom prst="rect">
+            <a:avLst/>
+          </a:prstGeom>
+        </p:spPr>
+      </p:pic>
+      <p:pic>
+        <p:nvPicPr>
+          <p:cNvPr id="15" name="Picture 14">
+            <a:extLst>
+              <a:ext uri="{FF2B5EF4-FFF2-40B4-BE49-F238E27FC236}">
+                <a16:creationId xmlns:a16="http://schemas.microsoft.com/office/drawing/2014/main" id="{293724DD-582E-2A4F-720A-E48A4E6681DA}"/>
+              </a:ext>
+            </a:extLst>
+          </p:cNvPr>
+          <p:cNvPicPr>
+            <a:picLocks noChangeAspect="1"/>
+          </p:cNvPicPr>
+          <p:nvPr/>
+        </p:nvPicPr>
+        <p:blipFill>
+          <a:blip r:embed="rId7"/>
+          <a:stretch>
+            <a:fillRect/>
+          </a:stretch>
+        </p:blipFill>
+        <p:spPr>
+          <a:xfrm>
+            <a:off x="24393" y="22705282"/>
+            <a:ext cx="9646705" cy="3180805"/>
+          </a:xfrm>
+          <a:prstGeom prst="rect">
+            <a:avLst/>
+          </a:prstGeom>
+        </p:spPr>
+      </p:pic>
+      <p:pic>
+        <p:nvPicPr>
+          <p:cNvPr id="16" name="Picture 15">
+            <a:extLst>
+              <a:ext uri="{FF2B5EF4-FFF2-40B4-BE49-F238E27FC236}">
+                <a16:creationId xmlns:a16="http://schemas.microsoft.com/office/drawing/2014/main" id="{D591E1DF-4536-4F10-C9FE-13AF5C680955}"/>
+              </a:ext>
+            </a:extLst>
+          </p:cNvPr>
+          <p:cNvPicPr>
+            <a:picLocks noChangeAspect="1"/>
+          </p:cNvPicPr>
+          <p:nvPr/>
+        </p:nvPicPr>
+        <p:blipFill>
+          <a:blip r:embed="rId8"/>
+          <a:stretch>
+            <a:fillRect/>
+          </a:stretch>
+        </p:blipFill>
+        <p:spPr>
+          <a:xfrm>
+            <a:off x="111367" y="15199488"/>
+            <a:ext cx="9286897" cy="6457691"/>
+          </a:xfrm>
+          <a:prstGeom prst="rect">
+            <a:avLst/>
+          </a:prstGeom>
+        </p:spPr>
+      </p:pic>
+      <p:sp>
+        <p:nvSpPr>
+          <p:cNvPr id="21" name="Google Shape;65;p14">
+            <a:extLst>
+              <a:ext uri="{FF2B5EF4-FFF2-40B4-BE49-F238E27FC236}">
+                <a16:creationId xmlns:a16="http://schemas.microsoft.com/office/drawing/2014/main" id="{BF381984-E029-B0F4-D4FA-AC44E4613FA7}"/>
+              </a:ext>
+            </a:extLst>
+          </p:cNvPr>
+          <p:cNvSpPr txBox="1"/>
+          <p:nvPr/>
+        </p:nvSpPr>
+        <p:spPr>
+          <a:xfrm>
+            <a:off x="10272896" y="8424667"/>
+            <a:ext cx="6455664" cy="254915"/>
+          </a:xfrm>
+          <a:prstGeom prst="rect">
+            <a:avLst/>
+          </a:prstGeom>
+          <a:noFill/>
+          <a:ln>
+            <a:noFill/>
+          </a:ln>
+        </p:spPr>
+        <p:txBody>
+          <a:bodyPr spcFirstLastPara="1" wrap="square" lIns="67265" tIns="33642" rIns="67265" bIns="33642" anchor="t" anchorCtr="0">
+            <a:spAutoFit/>
+          </a:bodyPr>
+          <a:lstStyle/>
+          <a:p>
+            <a:pPr algn="just">
+              <a:lnSpc>
+                <a:spcPct val="135000"/>
+              </a:lnSpc>
+              <a:buClr>
+                <a:schemeClr val="dk1"/>
+              </a:buClr>
+              <a:buSzPts val="3000"/>
+            </a:pPr>
+            <a:r>
+              <a:rPr lang="en-US" sz="900" dirty="0">
+                <a:solidFill>
+                  <a:schemeClr val="bg2">
+                    <a:lumMod val="50000"/>
+                  </a:schemeClr>
+                </a:solidFill>
+                <a:latin typeface="Libre Franklin"/>
+                <a:ea typeface="Libre Franklin"/>
+                <a:cs typeface="Libre Franklin"/>
+                <a:sym typeface="Libre Franklin"/>
+              </a:rPr>
+              <a:t>Branching ConvNN = Branching with branching ratio 0.500, kernel_size = 3, K = 9, Feature Similarity  and Aggregation.</a:t>
+            </a:r>
+          </a:p>
+        </p:txBody>
+      </p:sp>
+      <p:sp>
+        <p:nvSpPr>
+          <p:cNvPr id="22" name="Google Shape;85;p14">
+            <a:extLst>
+              <a:ext uri="{FF2B5EF4-FFF2-40B4-BE49-F238E27FC236}">
+                <a16:creationId xmlns:a16="http://schemas.microsoft.com/office/drawing/2014/main" id="{9C00ACFC-E89F-A9A5-51C8-D7C1F277F8B3}"/>
+              </a:ext>
+            </a:extLst>
+          </p:cNvPr>
+          <p:cNvSpPr/>
+          <p:nvPr/>
+        </p:nvSpPr>
+        <p:spPr>
+          <a:xfrm>
+            <a:off x="219456" y="27506721"/>
+            <a:ext cx="9390888" cy="905256"/>
+          </a:xfrm>
+          <a:prstGeom prst="rect">
+            <a:avLst/>
+          </a:prstGeom>
+          <a:solidFill>
+            <a:schemeClr val="bg2">
+              <a:lumMod val="90000"/>
+            </a:schemeClr>
+          </a:solidFill>
+          <a:ln w="63500" cap="flat" cmpd="sng">
+            <a:solidFill>
+              <a:schemeClr val="dk1"/>
+            </a:solidFill>
+            <a:prstDash val="solid"/>
+            <a:round/>
+            <a:headEnd type="none" w="sm" len="sm"/>
+            <a:tailEnd type="none" w="sm" len="sm"/>
+          </a:ln>
+        </p:spPr>
+        <p:txBody>
+          <a:bodyPr spcFirstLastPara="1" wrap="square" lIns="67265" tIns="33642" rIns="67265" bIns="33642" anchor="ctr" anchorCtr="0">
+            <a:noAutofit/>
+          </a:bodyPr>
+          <a:lstStyle/>
+          <a:p>
+            <a:pPr algn="ctr"/>
+            <a:r>
+              <a:rPr lang="en" sz="3940" b="1" dirty="0">
+                <a:latin typeface="Calibri"/>
+                <a:ea typeface="Calibri"/>
+                <a:cs typeface="Calibri"/>
+                <a:sym typeface="Calibri"/>
+              </a:rPr>
+              <a:t>ARCHITECTURE AND TRAINING</a:t>
+            </a:r>
+            <a:endParaRPr sz="788" dirty="0"/>
+          </a:p>
+        </p:txBody>
+      </p:sp>
+      <p:sp>
+        <p:nvSpPr>
+          <p:cNvPr id="27" name="Google Shape;65;p14">
+            <a:extLst>
+              <a:ext uri="{FF2B5EF4-FFF2-40B4-BE49-F238E27FC236}">
+                <a16:creationId xmlns:a16="http://schemas.microsoft.com/office/drawing/2014/main" id="{F7BADDCB-BA48-9505-B6C4-326DAF3B4D08}"/>
+              </a:ext>
+            </a:extLst>
+          </p:cNvPr>
+          <p:cNvSpPr txBox="1"/>
+          <p:nvPr/>
+        </p:nvSpPr>
+        <p:spPr>
+          <a:xfrm>
+            <a:off x="10272896" y="13190147"/>
+            <a:ext cx="6360808" cy="254915"/>
+          </a:xfrm>
+          <a:prstGeom prst="rect">
+            <a:avLst/>
+          </a:prstGeom>
+          <a:noFill/>
+          <a:ln>
+            <a:noFill/>
+          </a:ln>
+        </p:spPr>
+        <p:txBody>
+          <a:bodyPr spcFirstLastPara="1" wrap="square" lIns="67265" tIns="33642" rIns="67265" bIns="33642" anchor="t" anchorCtr="0">
+            <a:spAutoFit/>
+          </a:bodyPr>
+          <a:lstStyle/>
+          <a:p>
+            <a:pPr algn="just">
+              <a:lnSpc>
+                <a:spcPct val="135000"/>
+              </a:lnSpc>
+              <a:buClr>
+                <a:schemeClr val="dk1"/>
+              </a:buClr>
+              <a:buSzPts val="3000"/>
+            </a:pPr>
+            <a:r>
+              <a:rPr lang="en-US" sz="900" dirty="0">
+                <a:solidFill>
+                  <a:schemeClr val="bg2">
+                    <a:lumMod val="50000"/>
+                  </a:schemeClr>
+                </a:solidFill>
+                <a:latin typeface="Libre Franklin"/>
+                <a:ea typeface="Libre Franklin"/>
+                <a:cs typeface="Libre Franklin"/>
+                <a:sym typeface="Libre Franklin"/>
+              </a:rPr>
+              <a:t>Branching ConvNN = Branching with branching ratio 0.250, Location + Feature Similarity  and Aggregation.</a:t>
+            </a:r>
+          </a:p>
+        </p:txBody>
+      </p:sp>
+      <p:sp>
+        <p:nvSpPr>
+          <p:cNvPr id="28" name="Google Shape;65;p14">
+            <a:extLst>
+              <a:ext uri="{FF2B5EF4-FFF2-40B4-BE49-F238E27FC236}">
+                <a16:creationId xmlns:a16="http://schemas.microsoft.com/office/drawing/2014/main" id="{3A940206-8640-1B8C-BA28-1A4ADF36B650}"/>
+              </a:ext>
+            </a:extLst>
+          </p:cNvPr>
+          <p:cNvSpPr txBox="1"/>
+          <p:nvPr/>
+        </p:nvSpPr>
+        <p:spPr>
+          <a:xfrm>
+            <a:off x="273270" y="9632651"/>
+            <a:ext cx="2878585" cy="483439"/>
+          </a:xfrm>
+          <a:prstGeom prst="rect">
+            <a:avLst/>
+          </a:prstGeom>
+          <a:noFill/>
+          <a:ln w="28575">
+            <a:noFill/>
+          </a:ln>
+        </p:spPr>
+        <p:txBody>
+          <a:bodyPr spcFirstLastPara="1" wrap="square" lIns="67265" tIns="33642" rIns="67265" bIns="33642" anchor="t" anchorCtr="0">
+            <a:spAutoFit/>
+          </a:bodyPr>
+          <a:lstStyle/>
+          <a:p>
+            <a:pPr algn="just">
+              <a:lnSpc>
+                <a:spcPct val="135000"/>
+              </a:lnSpc>
+              <a:buClr>
+                <a:schemeClr val="dk1"/>
+              </a:buClr>
+              <a:buSzPts val="3000"/>
+            </a:pPr>
+            <a:r>
+              <a:rPr lang="en-US" sz="2000" b="1" dirty="0">
+                <a:solidFill>
+                  <a:schemeClr val="dk1"/>
+                </a:solidFill>
+                <a:latin typeface="Libre Franklin"/>
+                <a:ea typeface="Libre Franklin"/>
+                <a:cs typeface="Libre Franklin"/>
+                <a:sym typeface="Libre Franklin"/>
+              </a:rPr>
+              <a:t>ConvNN Visualization</a:t>
+            </a:r>
+          </a:p>
+        </p:txBody>
+      </p:sp>
+      <p:sp>
+        <p:nvSpPr>
+          <p:cNvPr id="29" name="Google Shape;65;p14">
+            <a:extLst>
+              <a:ext uri="{FF2B5EF4-FFF2-40B4-BE49-F238E27FC236}">
+                <a16:creationId xmlns:a16="http://schemas.microsoft.com/office/drawing/2014/main" id="{B46B3DC9-E1F4-D1FD-E23F-D36D2A079B85}"/>
+              </a:ext>
+            </a:extLst>
+          </p:cNvPr>
+          <p:cNvSpPr txBox="1"/>
+          <p:nvPr/>
+        </p:nvSpPr>
+        <p:spPr>
+          <a:xfrm>
+            <a:off x="273270" y="11881194"/>
+            <a:ext cx="3335785" cy="483439"/>
+          </a:xfrm>
+          <a:prstGeom prst="rect">
+            <a:avLst/>
+          </a:prstGeom>
+          <a:noFill/>
+          <a:ln w="28575">
+            <a:noFill/>
+          </a:ln>
+        </p:spPr>
+        <p:txBody>
+          <a:bodyPr spcFirstLastPara="1" wrap="square" lIns="67265" tIns="33642" rIns="67265" bIns="33642" anchor="t" anchorCtr="0">
+            <a:spAutoFit/>
+          </a:bodyPr>
+          <a:lstStyle/>
+          <a:p>
+            <a:pPr algn="just">
+              <a:lnSpc>
+                <a:spcPct val="135000"/>
+              </a:lnSpc>
+              <a:buClr>
+                <a:schemeClr val="dk1"/>
+              </a:buClr>
+              <a:buSzPts val="3000"/>
+            </a:pPr>
+            <a:r>
+              <a:rPr lang="en-US" sz="2000" b="1" dirty="0">
+                <a:solidFill>
+                  <a:schemeClr val="dk1"/>
+                </a:solidFill>
+                <a:latin typeface="Libre Franklin"/>
+                <a:ea typeface="Libre Franklin"/>
+                <a:cs typeface="Libre Franklin"/>
+                <a:sym typeface="Libre Franklin"/>
+              </a:rPr>
+              <a:t>1. Similarity Computation</a:t>
+            </a:r>
+          </a:p>
+        </p:txBody>
+      </p:sp>
+      <p:sp>
+        <p:nvSpPr>
+          <p:cNvPr id="30" name="Google Shape;65;p14">
+            <a:extLst>
+              <a:ext uri="{FF2B5EF4-FFF2-40B4-BE49-F238E27FC236}">
+                <a16:creationId xmlns:a16="http://schemas.microsoft.com/office/drawing/2014/main" id="{E176E4C0-537B-172D-861E-DF8BFDF27389}"/>
+              </a:ext>
+            </a:extLst>
+          </p:cNvPr>
+          <p:cNvSpPr txBox="1"/>
+          <p:nvPr/>
+        </p:nvSpPr>
+        <p:spPr>
+          <a:xfrm>
+            <a:off x="226039" y="13216508"/>
+            <a:ext cx="4546020" cy="483439"/>
+          </a:xfrm>
+          <a:prstGeom prst="rect">
+            <a:avLst/>
+          </a:prstGeom>
+          <a:noFill/>
+          <a:ln w="28575">
+            <a:noFill/>
+          </a:ln>
+        </p:spPr>
+        <p:txBody>
+          <a:bodyPr spcFirstLastPara="1" wrap="square" lIns="67265" tIns="33642" rIns="67265" bIns="33642" anchor="t" anchorCtr="0">
+            <a:spAutoFit/>
+          </a:bodyPr>
+          <a:lstStyle/>
+          <a:p>
+            <a:pPr algn="just">
+              <a:lnSpc>
+                <a:spcPct val="135000"/>
+              </a:lnSpc>
+              <a:buClr>
+                <a:schemeClr val="dk1"/>
+              </a:buClr>
+              <a:buSzPts val="3000"/>
+            </a:pPr>
+            <a:r>
+              <a:rPr lang="en-US" sz="2000" b="1" dirty="0">
+                <a:solidFill>
+                  <a:schemeClr val="dk1"/>
+                </a:solidFill>
+                <a:latin typeface="Libre Franklin"/>
+                <a:ea typeface="Libre Franklin"/>
+                <a:cs typeface="Libre Franklin"/>
+                <a:sym typeface="Libre Franklin"/>
+              </a:rPr>
+              <a:t>2. K-Nearest Neighbor Selection</a:t>
+            </a:r>
+          </a:p>
+        </p:txBody>
+      </p:sp>
+      <p:pic>
+        <p:nvPicPr>
+          <p:cNvPr id="39" name="Picture 38">
+            <a:extLst>
+              <a:ext uri="{FF2B5EF4-FFF2-40B4-BE49-F238E27FC236}">
+                <a16:creationId xmlns:a16="http://schemas.microsoft.com/office/drawing/2014/main" id="{C3E565AD-8ABD-C2E9-8796-4D43285114D4}"/>
+              </a:ext>
+            </a:extLst>
+          </p:cNvPr>
+          <p:cNvPicPr>
+            <a:picLocks noChangeAspect="1"/>
+          </p:cNvPicPr>
+          <p:nvPr/>
+        </p:nvPicPr>
+        <p:blipFill>
+          <a:blip r:embed="rId9"/>
+          <a:stretch>
+            <a:fillRect/>
+          </a:stretch>
+        </p:blipFill>
+        <p:spPr>
+          <a:xfrm>
+            <a:off x="17073305" y="4282761"/>
+            <a:ext cx="6452027" cy="2960105"/>
+          </a:xfrm>
+          <a:prstGeom prst="rect">
+            <a:avLst/>
+          </a:prstGeom>
+        </p:spPr>
+      </p:pic>
+      <p:pic>
+        <p:nvPicPr>
+          <p:cNvPr id="40" name="Picture 39">
+            <a:extLst>
+              <a:ext uri="{FF2B5EF4-FFF2-40B4-BE49-F238E27FC236}">
+                <a16:creationId xmlns:a16="http://schemas.microsoft.com/office/drawing/2014/main" id="{2AA58F64-221F-404B-DA3E-56EE4F5A2F04}"/>
+              </a:ext>
+            </a:extLst>
+          </p:cNvPr>
+          <p:cNvPicPr>
+            <a:picLocks noChangeAspect="1"/>
+          </p:cNvPicPr>
+          <p:nvPr/>
+        </p:nvPicPr>
+        <p:blipFill>
+          <a:blip r:embed="rId10"/>
+          <a:stretch>
+            <a:fillRect/>
+          </a:stretch>
+        </p:blipFill>
+        <p:spPr>
+          <a:xfrm>
+            <a:off x="17094156" y="7310378"/>
+            <a:ext cx="6457587" cy="2962656"/>
+          </a:xfrm>
+          <a:prstGeom prst="rect">
+            <a:avLst/>
+          </a:prstGeom>
+        </p:spPr>
+      </p:pic>
+      <p:pic>
+        <p:nvPicPr>
+          <p:cNvPr id="41" name="Picture 40">
+            <a:extLst>
+              <a:ext uri="{FF2B5EF4-FFF2-40B4-BE49-F238E27FC236}">
+                <a16:creationId xmlns:a16="http://schemas.microsoft.com/office/drawing/2014/main" id="{E9D2B980-1366-C014-18B2-586A4F8C811C}"/>
+              </a:ext>
+            </a:extLst>
+          </p:cNvPr>
+          <p:cNvPicPr>
+            <a:picLocks noChangeAspect="1"/>
+          </p:cNvPicPr>
+          <p:nvPr/>
+        </p:nvPicPr>
+        <p:blipFill>
+          <a:blip r:embed="rId11"/>
+          <a:stretch>
+            <a:fillRect/>
+          </a:stretch>
+        </p:blipFill>
+        <p:spPr>
+          <a:xfrm>
+            <a:off x="17073305" y="10340546"/>
+            <a:ext cx="6457587" cy="2962656"/>
           </a:xfrm>
           <a:prstGeom prst="rect">
             <a:avLst/>
@@ -5967,10 +6130,10 @@
         <mc:Choice xmlns:a14="http://schemas.microsoft.com/office/drawing/2010/main" Requires="a14">
           <p:sp>
             <p:nvSpPr>
-              <p:cNvPr id="9" name="TextBox 8">
+              <p:cNvPr id="42" name="Google Shape;65;p14">
                 <a:extLst>
                   <a:ext uri="{FF2B5EF4-FFF2-40B4-BE49-F238E27FC236}">
-                    <a16:creationId xmlns:a16="http://schemas.microsoft.com/office/drawing/2014/main" id="{BE360BD2-30A0-CACE-B288-ACED3FE1CD35}"/>
+                    <a16:creationId xmlns:a16="http://schemas.microsoft.com/office/drawing/2014/main" id="{96FFB32A-2D90-0055-A0CD-B4AA34FE542C}"/>
                   </a:ext>
                 </a:extLst>
               </p:cNvPr>
@@ -5979,8 +6142,669 @@
             </p:nvSpPr>
             <p:spPr>
               <a:xfrm>
-                <a:off x="2526844" y="18603130"/>
-                <a:ext cx="4779193" cy="523220"/>
+                <a:off x="11194799" y="17798541"/>
+                <a:ext cx="10501459" cy="254915"/>
+              </a:xfrm>
+              <a:prstGeom prst="rect">
+                <a:avLst/>
+              </a:prstGeom>
+              <a:noFill/>
+              <a:ln>
+                <a:noFill/>
+              </a:ln>
+            </p:spPr>
+            <p:txBody>
+              <a:bodyPr spcFirstLastPara="1" wrap="square" lIns="67265" tIns="33642" rIns="67265" bIns="33642" anchor="t" anchorCtr="0">
+                <a:spAutoFit/>
+              </a:bodyPr>
+              <a:lstStyle/>
+              <a:p>
+                <a:pPr algn="just">
+                  <a:lnSpc>
+                    <a:spcPct val="135000"/>
+                  </a:lnSpc>
+                  <a:buClr>
+                    <a:schemeClr val="dk1"/>
+                  </a:buClr>
+                  <a:buSzPts val="3000"/>
+                </a:pPr>
+                <a:r>
+                  <a:rPr lang="en-US" sz="900" dirty="0">
+                    <a:solidFill>
+                      <a:schemeClr val="bg2">
+                        <a:lumMod val="50000"/>
+                      </a:schemeClr>
+                    </a:solidFill>
+                    <a:latin typeface="Libre Franklin"/>
+                    <a:ea typeface="Libre Franklin"/>
+                    <a:cs typeface="Libre Franklin"/>
+                    <a:sym typeface="Libre Franklin"/>
+                  </a:rPr>
+                  <a:t>Branching ConvNN = Branching with branching ratio 0.250, Location + Feature Similarity  and Aggregation. Spatial Sampling </a:t>
+                </a:r>
+                <a14:m>
+                  <m:oMath xmlns:m="http://schemas.openxmlformats.org/officeDocument/2006/math">
+                    <m:r>
+                      <a:rPr lang="en-US" sz="900" b="0" i="0" smtClean="0">
+                        <a:solidFill>
+                          <a:schemeClr val="bg2">
+                            <a:lumMod val="50000"/>
+                          </a:schemeClr>
+                        </a:solidFill>
+                        <a:latin typeface="Cambria Math" panose="02040503050406030204" pitchFamily="18" charset="0"/>
+                        <a:ea typeface="Libre Franklin"/>
+                        <a:cs typeface="Libre Franklin"/>
+                        <a:sym typeface="Libre Franklin"/>
+                      </a:rPr>
+                      <m:t>=</m:t>
+                    </m:r>
+                    <m:r>
+                      <a:rPr lang="en-US" sz="900" b="0" i="1" smtClean="0">
+                        <a:solidFill>
+                          <a:schemeClr val="bg2">
+                            <a:lumMod val="50000"/>
+                          </a:schemeClr>
+                        </a:solidFill>
+                        <a:latin typeface="Cambria Math" panose="02040503050406030204" pitchFamily="18" charset="0"/>
+                        <a:ea typeface="Libre Franklin"/>
+                        <a:cs typeface="Libre Franklin"/>
+                        <a:sym typeface="Libre Franklin"/>
+                      </a:rPr>
+                      <m:t>𝑁</m:t>
+                    </m:r>
+                    <m:r>
+                      <a:rPr lang="en-US" sz="900" b="0" i="1" smtClean="0">
+                        <a:solidFill>
+                          <a:schemeClr val="bg2">
+                            <a:lumMod val="50000"/>
+                          </a:schemeClr>
+                        </a:solidFill>
+                        <a:latin typeface="Cambria Math" panose="02040503050406030204" pitchFamily="18" charset="0"/>
+                        <a:ea typeface="Libre Franklin"/>
+                        <a:cs typeface="Libre Franklin"/>
+                        <a:sym typeface="Libre Franklin"/>
+                      </a:rPr>
+                      <m:t>=</m:t>
+                    </m:r>
+                    <m:r>
+                      <a:rPr lang="en-US" sz="900" b="0" i="1" smtClean="0">
+                        <a:solidFill>
+                          <a:schemeClr val="bg2">
+                            <a:lumMod val="50000"/>
+                          </a:schemeClr>
+                        </a:solidFill>
+                        <a:latin typeface="Cambria Math" panose="02040503050406030204" pitchFamily="18" charset="0"/>
+                        <a:ea typeface="Libre Franklin"/>
+                        <a:cs typeface="Libre Franklin"/>
+                        <a:sym typeface="Libre Franklin"/>
+                      </a:rPr>
+                      <m:t>𝑁</m:t>
+                    </m:r>
+                    <m:r>
+                      <a:rPr lang="en-US" sz="900" b="0" i="1" smtClean="0">
+                        <a:solidFill>
+                          <a:schemeClr val="bg2">
+                            <a:lumMod val="50000"/>
+                          </a:schemeClr>
+                        </a:solidFill>
+                        <a:latin typeface="Cambria Math" panose="02040503050406030204" pitchFamily="18" charset="0"/>
+                        <a:ea typeface="Libre Franklin"/>
+                        <a:cs typeface="Libre Franklin"/>
+                        <a:sym typeface="Libre Franklin"/>
+                      </a:rPr>
+                      <m:t>×</m:t>
+                    </m:r>
+                    <m:r>
+                      <a:rPr lang="en-US" sz="900" b="0" i="1" smtClean="0">
+                        <a:solidFill>
+                          <a:schemeClr val="bg2">
+                            <a:lumMod val="50000"/>
+                          </a:schemeClr>
+                        </a:solidFill>
+                        <a:latin typeface="Cambria Math" panose="02040503050406030204" pitchFamily="18" charset="0"/>
+                        <a:ea typeface="Libre Franklin"/>
+                        <a:cs typeface="Libre Franklin"/>
+                        <a:sym typeface="Libre Franklin"/>
+                      </a:rPr>
+                      <m:t>𝑁</m:t>
+                    </m:r>
+                    <m:r>
+                      <m:rPr>
+                        <m:nor/>
+                      </m:rPr>
+                      <a:rPr lang="en-US" sz="900" b="0" i="0" smtClean="0">
+                        <a:solidFill>
+                          <a:schemeClr val="bg2">
+                            <a:lumMod val="50000"/>
+                          </a:schemeClr>
+                        </a:solidFill>
+                        <a:latin typeface="Cambria Math" panose="02040503050406030204" pitchFamily="18" charset="0"/>
+                        <a:ea typeface="Libre Franklin"/>
+                        <a:cs typeface="Libre Franklin"/>
+                        <a:sym typeface="Libre Franklin"/>
+                      </a:rPr>
+                      <m:t>  </m:t>
+                    </m:r>
+                    <m:r>
+                      <m:rPr>
+                        <m:nor/>
+                      </m:rPr>
+                      <a:rPr lang="en-US" sz="900" b="0" i="0" smtClean="0">
+                        <a:solidFill>
+                          <a:schemeClr val="bg2">
+                            <a:lumMod val="50000"/>
+                          </a:schemeClr>
+                        </a:solidFill>
+                        <a:latin typeface="Cambria Math" panose="02040503050406030204" pitchFamily="18" charset="0"/>
+                        <a:ea typeface="Libre Franklin"/>
+                        <a:cs typeface="Libre Franklin"/>
+                        <a:sym typeface="Libre Franklin"/>
+                      </a:rPr>
+                      <m:t>sub</m:t>
+                    </m:r>
+                    <m:r>
+                      <m:rPr>
+                        <m:nor/>
+                      </m:rPr>
+                      <a:rPr lang="en-US" sz="900" b="0" i="0" smtClean="0">
+                        <a:solidFill>
+                          <a:schemeClr val="bg2">
+                            <a:lumMod val="50000"/>
+                          </a:schemeClr>
+                        </a:solidFill>
+                        <a:latin typeface="Cambria Math" panose="02040503050406030204" pitchFamily="18" charset="0"/>
+                        <a:ea typeface="Libre Franklin"/>
+                        <a:cs typeface="Libre Franklin"/>
+                        <a:sym typeface="Libre Franklin"/>
+                      </a:rPr>
+                      <m:t> </m:t>
+                    </m:r>
+                    <m:r>
+                      <m:rPr>
+                        <m:nor/>
+                      </m:rPr>
+                      <a:rPr lang="en-US" sz="900" b="0" i="0" smtClean="0">
+                        <a:solidFill>
+                          <a:schemeClr val="bg2">
+                            <a:lumMod val="50000"/>
+                          </a:schemeClr>
+                        </a:solidFill>
+                        <a:latin typeface="Cambria Math" panose="02040503050406030204" pitchFamily="18" charset="0"/>
+                        <a:ea typeface="Libre Franklin"/>
+                        <a:cs typeface="Libre Franklin"/>
+                        <a:sym typeface="Libre Franklin"/>
+                      </a:rPr>
+                      <m:t>grid</m:t>
+                    </m:r>
+                    <m:r>
+                      <m:rPr>
+                        <m:nor/>
+                      </m:rPr>
+                      <a:rPr lang="en-US" sz="900" b="0" i="0" smtClean="0">
+                        <a:solidFill>
+                          <a:schemeClr val="bg2">
+                            <a:lumMod val="50000"/>
+                          </a:schemeClr>
+                        </a:solidFill>
+                        <a:latin typeface="Cambria Math" panose="02040503050406030204" pitchFamily="18" charset="0"/>
+                        <a:ea typeface="Libre Franklin"/>
+                        <a:cs typeface="Libre Franklin"/>
+                        <a:sym typeface="Libre Franklin"/>
+                      </a:rPr>
+                      <m:t> 3</m:t>
+                    </m:r>
+                  </m:oMath>
+                </a14:m>
+                <a:r>
+                  <a:rPr lang="en-US" sz="900" dirty="0">
+                    <a:solidFill>
+                      <a:schemeClr val="bg2">
+                        <a:lumMod val="50000"/>
+                      </a:schemeClr>
+                    </a:solidFill>
+                    <a:latin typeface="Libre Franklin"/>
+                    <a:ea typeface="Libre Franklin"/>
+                    <a:cs typeface="Libre Franklin"/>
+                    <a:sym typeface="Libre Franklin"/>
+                  </a:rPr>
+                  <a:t>, Random Sampling = </a:t>
+                </a:r>
+                <a14:m>
+                  <m:oMath xmlns:m="http://schemas.openxmlformats.org/officeDocument/2006/math">
+                    <m:sSup>
+                      <m:sSupPr>
+                        <m:ctrlPr>
+                          <a:rPr lang="en-US" sz="900" i="1" smtClean="0">
+                            <a:solidFill>
+                              <a:schemeClr val="bg2">
+                                <a:lumMod val="50000"/>
+                              </a:schemeClr>
+                            </a:solidFill>
+                            <a:latin typeface="Cambria Math" panose="02040503050406030204" pitchFamily="18" charset="0"/>
+                            <a:sym typeface="Libre Franklin"/>
+                          </a:rPr>
+                        </m:ctrlPr>
+                      </m:sSupPr>
+                      <m:e>
+                        <m:r>
+                          <m:rPr>
+                            <m:sty m:val="p"/>
+                          </m:rPr>
+                          <a:rPr lang="en-US" sz="900" b="0" i="1" smtClean="0">
+                            <a:solidFill>
+                              <a:schemeClr val="bg2">
+                                <a:lumMod val="50000"/>
+                              </a:schemeClr>
+                            </a:solidFill>
+                            <a:latin typeface="Cambria Math" panose="02040503050406030204" pitchFamily="18" charset="0"/>
+                            <a:sym typeface="Libre Franklin"/>
+                          </a:rPr>
+                          <m:t>N</m:t>
+                        </m:r>
+                      </m:e>
+                      <m:sup>
+                        <m:r>
+                          <a:rPr lang="en-US" sz="900" b="0" i="1" smtClean="0">
+                            <a:solidFill>
+                              <a:schemeClr val="bg2">
+                                <a:lumMod val="50000"/>
+                              </a:schemeClr>
+                            </a:solidFill>
+                            <a:latin typeface="Cambria Math" panose="02040503050406030204" pitchFamily="18" charset="0"/>
+                            <a:sym typeface="Libre Franklin"/>
+                          </a:rPr>
+                          <m:t>2</m:t>
+                        </m:r>
+                      </m:sup>
+                    </m:sSup>
+                  </m:oMath>
+                </a14:m>
+                <a:r>
+                  <a:rPr lang="en-US" sz="900" dirty="0">
+                    <a:solidFill>
+                      <a:schemeClr val="bg2">
+                        <a:lumMod val="50000"/>
+                      </a:schemeClr>
+                    </a:solidFill>
+                    <a:latin typeface="Libre Franklin"/>
+                    <a:ea typeface="Libre Franklin"/>
+                    <a:cs typeface="Libre Franklin"/>
+                    <a:sym typeface="Libre Franklin"/>
+                  </a:rPr>
+                  <a:t> pixels. </a:t>
+                </a:r>
+              </a:p>
+            </p:txBody>
+          </p:sp>
+        </mc:Choice>
+        <mc:Fallback>
+          <p:sp>
+            <p:nvSpPr>
+              <p:cNvPr id="42" name="Google Shape;65;p14">
+                <a:extLst>
+                  <a:ext uri="{FF2B5EF4-FFF2-40B4-BE49-F238E27FC236}">
+                    <a16:creationId xmlns:a16="http://schemas.microsoft.com/office/drawing/2014/main" id="{96FFB32A-2D90-0055-A0CD-B4AA34FE542C}"/>
+                  </a:ext>
+                </a:extLst>
+              </p:cNvPr>
+              <p:cNvSpPr txBox="1">
+                <a:spLocks noRot="1" noChangeAspect="1" noMove="1" noResize="1" noEditPoints="1" noAdjustHandles="1" noChangeArrowheads="1" noChangeShapeType="1" noTextEdit="1"/>
+              </p:cNvSpPr>
+              <p:nvPr/>
+            </p:nvSpPr>
+            <p:spPr>
+              <a:xfrm>
+                <a:off x="11194799" y="17798541"/>
+                <a:ext cx="10501459" cy="254915"/>
+              </a:xfrm>
+              <a:prstGeom prst="rect">
+                <a:avLst/>
+              </a:prstGeom>
+              <a:blipFill>
+                <a:blip r:embed="rId12"/>
+                <a:stretch>
+                  <a:fillRect l="-121" b="-4762"/>
+                </a:stretch>
+              </a:blipFill>
+              <a:ln>
+                <a:noFill/>
+              </a:ln>
+            </p:spPr>
+            <p:txBody>
+              <a:bodyPr/>
+              <a:lstStyle/>
+              <a:p>
+                <a:r>
+                  <a:rPr lang="en-US">
+                    <a:noFill/>
+                  </a:rPr>
+                  <a:t> </a:t>
+                </a:r>
+              </a:p>
+            </p:txBody>
+          </p:sp>
+        </mc:Fallback>
+      </mc:AlternateContent>
+      <mc:AlternateContent xmlns:mc="http://schemas.openxmlformats.org/markup-compatibility/2006">
+        <mc:Choice xmlns:a14="http://schemas.microsoft.com/office/drawing/2010/main" Requires="a14">
+          <p:sp>
+            <p:nvSpPr>
+              <p:cNvPr id="43" name="Google Shape;65;p14">
+                <a:extLst>
+                  <a:ext uri="{FF2B5EF4-FFF2-40B4-BE49-F238E27FC236}">
+                    <a16:creationId xmlns:a16="http://schemas.microsoft.com/office/drawing/2014/main" id="{52A35373-21D4-CA03-03E4-E35F8A087A0A}"/>
+                  </a:ext>
+                </a:extLst>
+              </p:cNvPr>
+              <p:cNvSpPr txBox="1"/>
+              <p:nvPr/>
+            </p:nvSpPr>
+            <p:spPr>
+              <a:xfrm>
+                <a:off x="273270" y="25886087"/>
+                <a:ext cx="9308709" cy="1563735"/>
+              </a:xfrm>
+              <a:prstGeom prst="rect">
+                <a:avLst/>
+              </a:prstGeom>
+              <a:noFill/>
+              <a:ln>
+                <a:noFill/>
+              </a:ln>
+            </p:spPr>
+            <p:txBody>
+              <a:bodyPr spcFirstLastPara="1" wrap="square" lIns="67265" tIns="33642" rIns="67265" bIns="33642" anchor="t" anchorCtr="0">
+                <a:spAutoFit/>
+              </a:bodyPr>
+              <a:lstStyle/>
+              <a:p>
+                <a:pPr marL="192805" indent="-342900" algn="just">
+                  <a:lnSpc>
+                    <a:spcPct val="135000"/>
+                  </a:lnSpc>
+                  <a:buClr>
+                    <a:schemeClr val="dk1"/>
+                  </a:buClr>
+                  <a:buSzPts val="3000"/>
+                  <a:buFont typeface="Arial" panose="020B0604020202020204" pitchFamily="34" charset="0"/>
+                  <a:buChar char="•"/>
+                </a:pPr>
+                <a:r>
+                  <a:rPr lang="en-US" dirty="0">
+                    <a:solidFill>
+                      <a:schemeClr val="dk1"/>
+                    </a:solidFill>
+                    <a:latin typeface="Libre Franklin"/>
+                    <a:ea typeface="Libre Franklin"/>
+                    <a:cs typeface="Libre Franklin"/>
+                    <a:sym typeface="Libre Franklin"/>
+                  </a:rPr>
+                  <a:t>To reduce </a:t>
+                </a:r>
+                <a14:m>
+                  <m:oMath xmlns:m="http://schemas.openxmlformats.org/officeDocument/2006/math">
+                    <m:r>
+                      <m:rPr>
+                        <m:sty m:val="p"/>
+                      </m:rPr>
+                      <a:rPr lang="en-US" b="0" i="1" smtClean="0">
+                        <a:solidFill>
+                          <a:schemeClr val="dk1"/>
+                        </a:solidFill>
+                        <a:latin typeface="Cambria Math" panose="02040503050406030204" pitchFamily="18" charset="0"/>
+                        <a:ea typeface="Libre Franklin"/>
+                        <a:cs typeface="Libre Franklin"/>
+                        <a:sym typeface="Libre Franklin"/>
+                      </a:rPr>
+                      <m:t>O</m:t>
+                    </m:r>
+                    <m:r>
+                      <a:rPr lang="en-US" b="0" i="1" smtClean="0">
+                        <a:solidFill>
+                          <a:schemeClr val="dk1"/>
+                        </a:solidFill>
+                        <a:latin typeface="Cambria Math" panose="02040503050406030204" pitchFamily="18" charset="0"/>
+                        <a:ea typeface="Libre Franklin"/>
+                        <a:cs typeface="Libre Franklin"/>
+                        <a:sym typeface="Libre Franklin"/>
+                      </a:rPr>
+                      <m:t>(</m:t>
+                    </m:r>
+                    <m:sSup>
+                      <m:sSupPr>
+                        <m:ctrlPr>
+                          <a:rPr lang="en-US" b="0" i="1" smtClean="0">
+                            <a:solidFill>
+                              <a:schemeClr val="dk1"/>
+                            </a:solidFill>
+                            <a:latin typeface="Cambria Math" panose="02040503050406030204" pitchFamily="18" charset="0"/>
+                            <a:sym typeface="Libre Franklin"/>
+                          </a:rPr>
+                        </m:ctrlPr>
+                      </m:sSupPr>
+                      <m:e>
+                        <m:r>
+                          <m:rPr>
+                            <m:sty m:val="p"/>
+                          </m:rPr>
+                          <a:rPr lang="en-US" b="0" i="1" smtClean="0">
+                            <a:solidFill>
+                              <a:schemeClr val="dk1"/>
+                            </a:solidFill>
+                            <a:latin typeface="Cambria Math" panose="02040503050406030204" pitchFamily="18" charset="0"/>
+                            <a:sym typeface="Libre Franklin"/>
+                          </a:rPr>
+                          <m:t>N</m:t>
+                        </m:r>
+                      </m:e>
+                      <m:sup>
+                        <m:r>
+                          <a:rPr lang="en-US" b="0" i="1" smtClean="0">
+                            <a:solidFill>
+                              <a:schemeClr val="dk1"/>
+                            </a:solidFill>
+                            <a:latin typeface="Cambria Math" panose="02040503050406030204" pitchFamily="18" charset="0"/>
+                            <a:sym typeface="Libre Franklin"/>
+                          </a:rPr>
+                          <m:t>2</m:t>
+                        </m:r>
+                      </m:sup>
+                    </m:sSup>
+                    <m:r>
+                      <a:rPr lang="en-US" b="0" i="1" smtClean="0">
+                        <a:solidFill>
+                          <a:schemeClr val="dk1"/>
+                        </a:solidFill>
+                        <a:latin typeface="Cambria Math" panose="02040503050406030204" pitchFamily="18" charset="0"/>
+                        <a:sym typeface="Libre Franklin"/>
+                      </a:rPr>
+                      <m:t>)</m:t>
+                    </m:r>
+                  </m:oMath>
+                </a14:m>
+                <a:r>
+                  <a:rPr lang="en-US" dirty="0">
+                    <a:solidFill>
+                      <a:schemeClr val="dk1"/>
+                    </a:solidFill>
+                    <a:latin typeface="Libre Franklin"/>
+                    <a:ea typeface="Libre Franklin"/>
+                    <a:cs typeface="Libre Franklin"/>
+                    <a:sym typeface="Libre Franklin"/>
+                  </a:rPr>
+                  <a:t> complexity of all to all similarity computation, we introduce two sampling methods: Random </a:t>
+                </a:r>
+                <a:r>
+                  <a:rPr lang="en-US" dirty="0" err="1">
+                    <a:solidFill>
+                      <a:schemeClr val="dk1"/>
+                    </a:solidFill>
+                    <a:latin typeface="Libre Franklin"/>
+                    <a:ea typeface="Libre Franklin"/>
+                    <a:cs typeface="Libre Franklin"/>
+                    <a:sym typeface="Libre Franklin"/>
+                  </a:rPr>
+                  <a:t>Sparsification</a:t>
+                </a:r>
+                <a:r>
+                  <a:rPr lang="en-US" dirty="0">
+                    <a:solidFill>
+                      <a:schemeClr val="dk1"/>
+                    </a:solidFill>
+                    <a:latin typeface="Libre Franklin"/>
+                    <a:ea typeface="Libre Franklin"/>
+                    <a:cs typeface="Libre Franklin"/>
+                    <a:sym typeface="Libre Franklin"/>
+                  </a:rPr>
+                  <a:t> and Spatial </a:t>
+                </a:r>
+                <a:r>
+                  <a:rPr lang="en-US" dirty="0" err="1">
+                    <a:solidFill>
+                      <a:schemeClr val="dk1"/>
+                    </a:solidFill>
+                    <a:latin typeface="Libre Franklin"/>
+                    <a:ea typeface="Libre Franklin"/>
+                    <a:cs typeface="Libre Franklin"/>
+                    <a:sym typeface="Libre Franklin"/>
+                  </a:rPr>
+                  <a:t>Sparsification</a:t>
+                </a:r>
+                <a:r>
+                  <a:rPr lang="en-US" dirty="0">
+                    <a:solidFill>
+                      <a:schemeClr val="dk1"/>
+                    </a:solidFill>
+                    <a:latin typeface="Libre Franklin"/>
+                    <a:ea typeface="Libre Franklin"/>
+                    <a:cs typeface="Libre Franklin"/>
+                    <a:sym typeface="Libre Franklin"/>
+                  </a:rPr>
+                  <a:t>.</a:t>
+                </a:r>
+              </a:p>
+              <a:p>
+                <a:pPr marL="192805" indent="-342900" algn="just">
+                  <a:lnSpc>
+                    <a:spcPct val="135000"/>
+                  </a:lnSpc>
+                  <a:buClr>
+                    <a:schemeClr val="dk1"/>
+                  </a:buClr>
+                  <a:buSzPts val="3000"/>
+                  <a:buFont typeface="Arial" panose="020B0604020202020204" pitchFamily="34" charset="0"/>
+                  <a:buChar char="•"/>
+                </a:pPr>
+                <a:r>
+                  <a:rPr lang="en-US" dirty="0">
+                    <a:solidFill>
+                      <a:schemeClr val="dk1"/>
+                    </a:solidFill>
+                    <a:latin typeface="Libre Franklin"/>
+                    <a:ea typeface="Libre Franklin"/>
+                    <a:cs typeface="Libre Franklin"/>
+                    <a:sym typeface="Libre Franklin"/>
+                  </a:rPr>
+                  <a:t>Trade-off between computational efficiency and neighbor selection  quality is controlled by sampling parameter </a:t>
+                </a:r>
+                <a14:m>
+                  <m:oMath xmlns:m="http://schemas.openxmlformats.org/officeDocument/2006/math">
+                    <m:r>
+                      <a:rPr lang="en-US" b="0" i="1" smtClean="0">
+                        <a:solidFill>
+                          <a:schemeClr val="dk1"/>
+                        </a:solidFill>
+                        <a:latin typeface="Cambria Math" panose="02040503050406030204" pitchFamily="18" charset="0"/>
+                        <a:ea typeface="Libre Franklin"/>
+                        <a:cs typeface="Libre Franklin"/>
+                        <a:sym typeface="Libre Franklin"/>
+                      </a:rPr>
+                      <m:t>𝑛</m:t>
+                    </m:r>
+                  </m:oMath>
+                </a14:m>
+                <a:r>
+                  <a:rPr lang="en-US" b="0" dirty="0">
+                    <a:solidFill>
+                      <a:schemeClr val="dk1"/>
+                    </a:solidFill>
+                    <a:latin typeface="Libre Franklin"/>
+                    <a:ea typeface="Libre Franklin"/>
+                    <a:cs typeface="Libre Franklin"/>
+                    <a:sym typeface="Libre Franklin"/>
+                  </a:rPr>
+                  <a:t>.</a:t>
+                </a:r>
+              </a:p>
+            </p:txBody>
+          </p:sp>
+        </mc:Choice>
+        <mc:Fallback>
+          <p:sp>
+            <p:nvSpPr>
+              <p:cNvPr id="43" name="Google Shape;65;p14">
+                <a:extLst>
+                  <a:ext uri="{FF2B5EF4-FFF2-40B4-BE49-F238E27FC236}">
+                    <a16:creationId xmlns:a16="http://schemas.microsoft.com/office/drawing/2014/main" id="{52A35373-21D4-CA03-03E4-E35F8A087A0A}"/>
+                  </a:ext>
+                </a:extLst>
+              </p:cNvPr>
+              <p:cNvSpPr txBox="1">
+                <a:spLocks noRot="1" noChangeAspect="1" noMove="1" noResize="1" noEditPoints="1" noAdjustHandles="1" noChangeArrowheads="1" noChangeShapeType="1" noTextEdit="1"/>
+              </p:cNvSpPr>
+              <p:nvPr/>
+            </p:nvSpPr>
+            <p:spPr>
+              <a:xfrm>
+                <a:off x="273270" y="25886087"/>
+                <a:ext cx="9308709" cy="1563735"/>
+              </a:xfrm>
+              <a:prstGeom prst="rect">
+                <a:avLst/>
+              </a:prstGeom>
+              <a:blipFill>
+                <a:blip r:embed="rId13"/>
+                <a:stretch>
+                  <a:fillRect l="-1635" t="-8871" r="-817" b="-3226"/>
+                </a:stretch>
+              </a:blipFill>
+              <a:ln>
+                <a:noFill/>
+              </a:ln>
+            </p:spPr>
+            <p:txBody>
+              <a:bodyPr/>
+              <a:lstStyle/>
+              <a:p>
+                <a:r>
+                  <a:rPr lang="en-US">
+                    <a:noFill/>
+                  </a:rPr>
+                  <a:t> </a:t>
+                </a:r>
+              </a:p>
+            </p:txBody>
+          </p:sp>
+        </mc:Fallback>
+      </mc:AlternateContent>
+      <mc:AlternateContent xmlns:mc="http://schemas.openxmlformats.org/markup-compatibility/2006">
+        <mc:Choice xmlns:a14="http://schemas.microsoft.com/office/drawing/2010/main" Requires="a14">
+          <p:sp>
+            <p:nvSpPr>
+              <p:cNvPr id="44" name="TextBox 43">
+                <a:extLst>
+                  <a:ext uri="{FF2B5EF4-FFF2-40B4-BE49-F238E27FC236}">
+                    <a16:creationId xmlns:a16="http://schemas.microsoft.com/office/drawing/2014/main" id="{BF9B62F9-89A5-85E7-FFE4-19D7BA1760DC}"/>
+                  </a:ext>
+                </a:extLst>
+              </p:cNvPr>
+              <p:cNvSpPr txBox="1"/>
+              <p:nvPr/>
+            </p:nvSpPr>
+            <p:spPr>
+              <a:xfrm>
+                <a:off x="1801653" y="13771956"/>
+                <a:ext cx="6152029" cy="523220"/>
               </a:xfrm>
               <a:prstGeom prst="rect">
                 <a:avLst/>
@@ -5988,11 +6812,12 @@
               <a:noFill/>
             </p:spPr>
             <p:txBody>
-              <a:bodyPr wrap="none" rtlCol="0">
+              <a:bodyPr wrap="square" rtlCol="0">
                 <a:spAutoFit/>
               </a:bodyPr>
               <a:lstStyle/>
               <a:p>
+                <a:pPr/>
                 <a14:m>
                   <m:oMathPara xmlns:m="http://schemas.openxmlformats.org/officeDocument/2006/math">
                     <m:oMathParaPr>
@@ -6031,13 +6856,10 @@
                         <m:t>=</m:t>
                       </m:r>
                       <m:r>
-                        <m:rPr>
-                          <m:sty m:val="p"/>
-                        </m:rPr>
                         <a:rPr lang="en-US" sz="2800" b="0" i="1" dirty="0" smtClean="0">
                           <a:latin typeface="Cambria Math" panose="02040503050406030204" pitchFamily="18" charset="0"/>
                         </a:rPr>
-                        <m:t>k</m:t>
+                        <m:t>𝑘</m:t>
                       </m:r>
                       <m:r>
                         <m:rPr>
@@ -6046,16 +6868,13 @@
                         <a:rPr lang="en-US" sz="2800" b="0" i="0" dirty="0" smtClean="0">
                           <a:latin typeface="Cambria Math" panose="02040503050406030204" pitchFamily="18" charset="0"/>
                         </a:rPr>
-                        <m:t>-</m:t>
+                        <m:t>−</m:t>
                       </m:r>
                       <m:r>
-                        <m:rPr>
-                          <m:sty m:val="p"/>
-                        </m:rPr>
                         <a:rPr lang="en-US" sz="2800" b="0" i="1" dirty="0" smtClean="0">
                           <a:latin typeface="Cambria Math" panose="02040503050406030204" pitchFamily="18" charset="0"/>
                         </a:rPr>
-                        <m:t>argmax</m:t>
+                        <m:t>𝑎𝑟𝑔𝑚𝑎𝑥</m:t>
                       </m:r>
                       <m:d>
                         <m:dPr>
@@ -6143,15 +6962,12 @@
                           </m:r>
                         </m:sup>
                       </m:sSup>
-                      <m:r>
-                        <a:rPr lang="en-US" sz="2800" i="1" dirty="0">
-                          <a:latin typeface="Cambria Math" panose="02040503050406030204" pitchFamily="18" charset="0"/>
-                        </a:rPr>
-                        <m:t>.</m:t>
-                      </m:r>
                     </m:oMath>
                   </m:oMathPara>
                 </a14:m>
+                <a:endParaRPr lang="en-US" sz="2800" i="1" dirty="0">
+                  <a:latin typeface="Cambria Math" panose="02040503050406030204" pitchFamily="18" charset="0"/>
+                </a:endParaRPr>
               </a:p>
             </p:txBody>
           </p:sp>
@@ -6159,10 +6975,10 @@
         <mc:Fallback>
           <p:sp>
             <p:nvSpPr>
-              <p:cNvPr id="9" name="TextBox 8">
+              <p:cNvPr id="44" name="TextBox 43">
                 <a:extLst>
                   <a:ext uri="{FF2B5EF4-FFF2-40B4-BE49-F238E27FC236}">
-                    <a16:creationId xmlns:a16="http://schemas.microsoft.com/office/drawing/2014/main" id="{BE360BD2-30A0-CACE-B288-ACED3FE1CD35}"/>
+                    <a16:creationId xmlns:a16="http://schemas.microsoft.com/office/drawing/2014/main" id="{BF9B62F9-89A5-85E7-FFE4-19D7BA1760DC}"/>
                   </a:ext>
                 </a:extLst>
               </p:cNvPr>
@@ -6173,16 +6989,3872 @@
             </p:nvSpPr>
             <p:spPr>
               <a:xfrm>
-                <a:off x="2526844" y="18603130"/>
-                <a:ext cx="4779193" cy="523220"/>
+                <a:off x="1801653" y="13771956"/>
+                <a:ext cx="6152029" cy="523220"/>
               </a:xfrm>
               <a:prstGeom prst="rect">
                 <a:avLst/>
               </a:prstGeom>
               <a:blipFill>
-                <a:blip r:embed="rId8"/>
+                <a:blip r:embed="rId14"/>
                 <a:stretch>
-                  <a:fillRect t="-11628" r="-2918" b="-27907"/>
+                  <a:fillRect b="-9524"/>
+                </a:stretch>
+              </a:blipFill>
+            </p:spPr>
+            <p:txBody>
+              <a:bodyPr/>
+              <a:lstStyle/>
+              <a:p>
+                <a:r>
+                  <a:rPr lang="en-US">
+                    <a:noFill/>
+                  </a:rPr>
+                  <a:t> </a:t>
+                </a:r>
+              </a:p>
+            </p:txBody>
+          </p:sp>
+        </mc:Fallback>
+      </mc:AlternateContent>
+      <mc:AlternateContent xmlns:mc="http://schemas.openxmlformats.org/markup-compatibility/2006">
+        <mc:Choice xmlns:a14="http://schemas.microsoft.com/office/drawing/2010/main" Requires="a14">
+          <p:sp>
+            <p:nvSpPr>
+              <p:cNvPr id="45" name="TextBox 44">
+                <a:extLst>
+                  <a:ext uri="{FF2B5EF4-FFF2-40B4-BE49-F238E27FC236}">
+                    <a16:creationId xmlns:a16="http://schemas.microsoft.com/office/drawing/2014/main" id="{02A94650-54A6-34D9-E28E-42794834B594}"/>
+                  </a:ext>
+                </a:extLst>
+              </p:cNvPr>
+              <p:cNvSpPr txBox="1"/>
+              <p:nvPr/>
+            </p:nvSpPr>
+            <p:spPr>
+              <a:xfrm>
+                <a:off x="2133508" y="12463023"/>
+                <a:ext cx="5618974" cy="585288"/>
+              </a:xfrm>
+              <a:prstGeom prst="rect">
+                <a:avLst/>
+              </a:prstGeom>
+              <a:noFill/>
+            </p:spPr>
+            <p:txBody>
+              <a:bodyPr wrap="none" rtlCol="0">
+                <a:spAutoFit/>
+              </a:bodyPr>
+              <a:lstStyle/>
+              <a:p>
+                <a:pPr/>
+                <a14:m>
+                  <m:oMathPara xmlns:m="http://schemas.openxmlformats.org/officeDocument/2006/math">
+                    <m:oMathParaPr>
+                      <m:jc m:val="centerGroup"/>
+                    </m:oMathParaPr>
+                    <m:oMath xmlns:m="http://schemas.openxmlformats.org/officeDocument/2006/math">
+                      <m:r>
+                        <a:rPr lang="en-US" sz="2800" i="1" dirty="0" smtClean="0">
+                          <a:latin typeface="Cambria Math" panose="02040503050406030204" pitchFamily="18" charset="0"/>
+                        </a:rPr>
+                        <m:t>𝑆</m:t>
+                      </m:r>
+                      <m:r>
+                        <a:rPr lang="en-US" sz="2800" i="1" dirty="0" smtClean="0">
+                          <a:latin typeface="Cambria Math" panose="02040503050406030204" pitchFamily="18" charset="0"/>
+                        </a:rPr>
+                        <m:t>=</m:t>
+                      </m:r>
+                      <m:r>
+                        <a:rPr lang="en-US" sz="2800" i="1" dirty="0" smtClean="0">
+                          <a:latin typeface="Cambria Math" panose="02040503050406030204" pitchFamily="18" charset="0"/>
+                        </a:rPr>
+                        <m:t>𝑋</m:t>
+                      </m:r>
+                      <m:sSup>
+                        <m:sSupPr>
+                          <m:ctrlPr>
+                            <a:rPr lang="en-US" sz="2800" i="1" dirty="0">
+                              <a:latin typeface="Cambria Math" panose="02040503050406030204" pitchFamily="18" charset="0"/>
+                            </a:rPr>
+                          </m:ctrlPr>
+                        </m:sSupPr>
+                        <m:e>
+                          <m:r>
+                            <a:rPr lang="en-US" sz="2800" i="1" dirty="0">
+                              <a:latin typeface="Cambria Math" panose="02040503050406030204" pitchFamily="18" charset="0"/>
+                            </a:rPr>
+                            <m:t>𝑋</m:t>
+                          </m:r>
+                        </m:e>
+                        <m:sup>
+                          <m:r>
+                            <a:rPr lang="en-US" sz="2800" i="1" dirty="0">
+                              <a:latin typeface="Cambria Math" panose="02040503050406030204" pitchFamily="18" charset="0"/>
+                            </a:rPr>
+                            <m:t>⊤</m:t>
+                          </m:r>
+                        </m:sup>
+                      </m:sSup>
+                      <m:r>
+                        <a:rPr lang="en-US" sz="2800" i="1" dirty="0">
+                          <a:latin typeface="Cambria Math" panose="02040503050406030204" pitchFamily="18" charset="0"/>
+                        </a:rPr>
+                        <m:t>∈</m:t>
+                      </m:r>
+                      <m:sSup>
+                        <m:sSupPr>
+                          <m:ctrlPr>
+                            <a:rPr lang="en-US" sz="2800" i="1" dirty="0">
+                              <a:latin typeface="Cambria Math" panose="02040503050406030204" pitchFamily="18" charset="0"/>
+                            </a:rPr>
+                          </m:ctrlPr>
+                        </m:sSupPr>
+                        <m:e>
+                          <m:r>
+                            <a:rPr lang="en-US" sz="2800" i="1" dirty="0" smtClean="0">
+                              <a:latin typeface="Cambria Math" panose="02040503050406030204" pitchFamily="18" charset="0"/>
+                              <a:ea typeface="Cambria Math" panose="02040503050406030204" pitchFamily="18" charset="0"/>
+                            </a:rPr>
+                            <m:t>ℝ</m:t>
+                          </m:r>
+                        </m:e>
+                        <m:sup>
+                          <m:r>
+                            <m:rPr>
+                              <m:sty m:val="p"/>
+                            </m:rPr>
+                            <a:rPr lang="en-US" sz="2800" b="0" i="1" dirty="0" smtClean="0">
+                              <a:latin typeface="Cambria Math" panose="02040503050406030204" pitchFamily="18" charset="0"/>
+                              <a:ea typeface="Cambria Math" panose="02040503050406030204" pitchFamily="18" charset="0"/>
+                            </a:rPr>
+                            <m:t>n</m:t>
+                          </m:r>
+                          <m:r>
+                            <a:rPr lang="en-US" sz="2800" i="1" dirty="0">
+                              <a:latin typeface="Cambria Math" panose="02040503050406030204" pitchFamily="18" charset="0"/>
+                            </a:rPr>
+                            <m:t>×</m:t>
+                          </m:r>
+                          <m:r>
+                            <m:rPr>
+                              <m:sty m:val="p"/>
+                            </m:rPr>
+                            <a:rPr lang="en-US" sz="2800" b="0" i="1" dirty="0" smtClean="0">
+                              <a:latin typeface="Cambria Math" panose="02040503050406030204" pitchFamily="18" charset="0"/>
+                            </a:rPr>
+                            <m:t>n</m:t>
+                          </m:r>
+                        </m:sup>
+                      </m:sSup>
+                      <m:r>
+                        <a:rPr lang="en-US" sz="2800" b="0" i="1" dirty="0" smtClean="0">
+                          <a:latin typeface="Cambria Math" panose="02040503050406030204" pitchFamily="18" charset="0"/>
+                        </a:rPr>
+                        <m:t> </m:t>
+                      </m:r>
+                      <m:r>
+                        <m:rPr>
+                          <m:nor/>
+                        </m:rPr>
+                        <a:rPr lang="en-US" sz="2800" i="0" dirty="0">
+                          <a:latin typeface="Cambria Math" panose="02040503050406030204" pitchFamily="18" charset="0"/>
+                        </a:rPr>
+                        <m:t>where</m:t>
+                      </m:r>
+                      <m:sSub>
+                        <m:sSubPr>
+                          <m:ctrlPr>
+                            <a:rPr lang="en-US" sz="2800" i="1" dirty="0">
+                              <a:latin typeface="Cambria Math" panose="02040503050406030204" pitchFamily="18" charset="0"/>
+                            </a:rPr>
+                          </m:ctrlPr>
+                        </m:sSubPr>
+                        <m:e>
+                          <m:r>
+                            <a:rPr lang="en-US" sz="2800" b="0" i="1" dirty="0" smtClean="0">
+                              <a:latin typeface="Cambria Math" panose="02040503050406030204" pitchFamily="18" charset="0"/>
+                            </a:rPr>
+                            <m:t>  </m:t>
+                          </m:r>
+                          <m:r>
+                            <a:rPr lang="en-US" sz="2800" i="1" dirty="0">
+                              <a:latin typeface="Cambria Math" panose="02040503050406030204" pitchFamily="18" charset="0"/>
+                            </a:rPr>
+                            <m:t>𝑆</m:t>
+                          </m:r>
+                        </m:e>
+                        <m:sub>
+                          <m:r>
+                            <a:rPr lang="en-US" sz="2800" i="1" dirty="0">
+                              <a:latin typeface="Cambria Math" panose="02040503050406030204" pitchFamily="18" charset="0"/>
+                            </a:rPr>
+                            <m:t>𝑖𝑗</m:t>
+                          </m:r>
+                        </m:sub>
+                      </m:sSub>
+                      <m:r>
+                        <a:rPr lang="en-US" sz="2800" i="1" dirty="0">
+                          <a:latin typeface="Cambria Math" panose="02040503050406030204" pitchFamily="18" charset="0"/>
+                        </a:rPr>
+                        <m:t>=</m:t>
+                      </m:r>
+                      <m:sSubSup>
+                        <m:sSubSupPr>
+                          <m:ctrlPr>
+                            <a:rPr lang="en-US" sz="2800" i="1" dirty="0">
+                              <a:latin typeface="Cambria Math" panose="02040503050406030204" pitchFamily="18" charset="0"/>
+                            </a:rPr>
+                          </m:ctrlPr>
+                        </m:sSubSupPr>
+                        <m:e>
+                          <m:r>
+                            <m:rPr>
+                              <m:sty m:val="p"/>
+                            </m:rPr>
+                            <a:rPr lang="en-US" sz="2800" b="0" i="1" dirty="0" smtClean="0">
+                              <a:latin typeface="Cambria Math" panose="02040503050406030204" pitchFamily="18" charset="0"/>
+                            </a:rPr>
+                            <m:t>x</m:t>
+                          </m:r>
+                        </m:e>
+                        <m:sub>
+                          <m:r>
+                            <m:rPr>
+                              <m:sty m:val="p"/>
+                            </m:rPr>
+                            <a:rPr lang="en-US" sz="2800" b="0" i="1" dirty="0" smtClean="0">
+                              <a:latin typeface="Cambria Math" panose="02040503050406030204" pitchFamily="18" charset="0"/>
+                            </a:rPr>
+                            <m:t>i</m:t>
+                          </m:r>
+                        </m:sub>
+                        <m:sup>
+                          <m:r>
+                            <a:rPr lang="en-US" sz="2800" i="1" dirty="0">
+                              <a:latin typeface="Cambria Math" panose="02040503050406030204" pitchFamily="18" charset="0"/>
+                            </a:rPr>
+                            <m:t>⊤</m:t>
+                          </m:r>
+                        </m:sup>
+                      </m:sSubSup>
+                      <m:sSub>
+                        <m:sSubPr>
+                          <m:ctrlPr>
+                            <a:rPr lang="en-US" sz="2800" i="1" dirty="0" smtClean="0">
+                              <a:latin typeface="Cambria Math" panose="02040503050406030204" pitchFamily="18" charset="0"/>
+                            </a:rPr>
+                          </m:ctrlPr>
+                        </m:sSubPr>
+                        <m:e>
+                          <m:r>
+                            <m:rPr>
+                              <m:sty m:val="p"/>
+                            </m:rPr>
+                            <a:rPr lang="en-US" sz="2800" b="0" i="1" dirty="0" smtClean="0">
+                              <a:latin typeface="Cambria Math" panose="02040503050406030204" pitchFamily="18" charset="0"/>
+                            </a:rPr>
+                            <m:t>x</m:t>
+                          </m:r>
+                        </m:e>
+                        <m:sub>
+                          <m:r>
+                            <m:rPr>
+                              <m:sty m:val="p"/>
+                            </m:rPr>
+                            <a:rPr lang="en-US" sz="2800" b="0" i="1" dirty="0" smtClean="0">
+                              <a:latin typeface="Cambria Math" panose="02040503050406030204" pitchFamily="18" charset="0"/>
+                            </a:rPr>
+                            <m:t>j</m:t>
+                          </m:r>
+                        </m:sub>
+                      </m:sSub>
+                    </m:oMath>
+                  </m:oMathPara>
+                </a14:m>
+                <a:endParaRPr dirty="0"/>
+              </a:p>
+            </p:txBody>
+          </p:sp>
+        </mc:Choice>
+        <mc:Fallback>
+          <p:sp>
+            <p:nvSpPr>
+              <p:cNvPr id="45" name="TextBox 44">
+                <a:extLst>
+                  <a:ext uri="{FF2B5EF4-FFF2-40B4-BE49-F238E27FC236}">
+                    <a16:creationId xmlns:a16="http://schemas.microsoft.com/office/drawing/2014/main" id="{02A94650-54A6-34D9-E28E-42794834B594}"/>
+                  </a:ext>
+                </a:extLst>
+              </p:cNvPr>
+              <p:cNvSpPr txBox="1">
+                <a:spLocks noRot="1" noChangeAspect="1" noMove="1" noResize="1" noEditPoints="1" noAdjustHandles="1" noChangeArrowheads="1" noChangeShapeType="1" noTextEdit="1"/>
+              </p:cNvSpPr>
+              <p:nvPr/>
+            </p:nvSpPr>
+            <p:spPr>
+              <a:xfrm>
+                <a:off x="2133508" y="12463023"/>
+                <a:ext cx="5618974" cy="585288"/>
+              </a:xfrm>
+              <a:prstGeom prst="rect">
+                <a:avLst/>
+              </a:prstGeom>
+              <a:blipFill>
+                <a:blip r:embed="rId15"/>
+                <a:stretch>
+                  <a:fillRect b="-12766"/>
+                </a:stretch>
+              </a:blipFill>
+            </p:spPr>
+            <p:txBody>
+              <a:bodyPr/>
+              <a:lstStyle/>
+              <a:p>
+                <a:r>
+                  <a:rPr lang="en-US">
+                    <a:noFill/>
+                  </a:rPr>
+                  <a:t> </a:t>
+                </a:r>
+              </a:p>
+            </p:txBody>
+          </p:sp>
+        </mc:Fallback>
+      </mc:AlternateContent>
+      <p:sp>
+        <p:nvSpPr>
+          <p:cNvPr id="4" name="Google Shape;65;p14">
+            <a:extLst>
+              <a:ext uri="{FF2B5EF4-FFF2-40B4-BE49-F238E27FC236}">
+                <a16:creationId xmlns:a16="http://schemas.microsoft.com/office/drawing/2014/main" id="{96F094F5-C3BB-8608-6FBB-6D438AB7ADCD}"/>
+              </a:ext>
+            </a:extLst>
+          </p:cNvPr>
+          <p:cNvSpPr txBox="1"/>
+          <p:nvPr/>
+        </p:nvSpPr>
+        <p:spPr>
+          <a:xfrm>
+            <a:off x="10017992" y="19104763"/>
+            <a:ext cx="3335785" cy="566539"/>
+          </a:xfrm>
+          <a:prstGeom prst="rect">
+            <a:avLst/>
+          </a:prstGeom>
+          <a:noFill/>
+          <a:ln w="28575">
+            <a:noFill/>
+          </a:ln>
+        </p:spPr>
+        <p:txBody>
+          <a:bodyPr spcFirstLastPara="1" wrap="square" lIns="67265" tIns="33642" rIns="67265" bIns="33642" anchor="t" anchorCtr="0">
+            <a:spAutoFit/>
+          </a:bodyPr>
+          <a:lstStyle/>
+          <a:p>
+            <a:pPr algn="just">
+              <a:lnSpc>
+                <a:spcPct val="135000"/>
+              </a:lnSpc>
+              <a:buClr>
+                <a:schemeClr val="dk1"/>
+              </a:buClr>
+              <a:buSzPts val="3000"/>
+            </a:pPr>
+            <a:r>
+              <a:rPr lang="en-US" sz="2400" b="1" dirty="0">
+                <a:solidFill>
+                  <a:schemeClr val="dk1"/>
+                </a:solidFill>
+                <a:latin typeface="Libre Franklin"/>
+                <a:ea typeface="Libre Franklin"/>
+                <a:cs typeface="Libre Franklin"/>
+                <a:sym typeface="Libre Franklin"/>
+              </a:rPr>
+              <a:t>1. Convolution</a:t>
+            </a:r>
+          </a:p>
+        </p:txBody>
+      </p:sp>
+      <mc:AlternateContent xmlns:mc="http://schemas.openxmlformats.org/markup-compatibility/2006">
+        <mc:Choice xmlns:a14="http://schemas.microsoft.com/office/drawing/2010/main" Requires="a14">
+          <p:sp>
+            <p:nvSpPr>
+              <p:cNvPr id="6" name="TextBox 5">
+                <a:extLst>
+                  <a:ext uri="{FF2B5EF4-FFF2-40B4-BE49-F238E27FC236}">
+                    <a16:creationId xmlns:a16="http://schemas.microsoft.com/office/drawing/2014/main" id="{8652D6F9-4A9D-F7BD-CB01-190D0C1F33BF}"/>
+                  </a:ext>
+                </a:extLst>
+              </p:cNvPr>
+              <p:cNvSpPr txBox="1"/>
+              <p:nvPr/>
+            </p:nvSpPr>
+            <p:spPr>
+              <a:xfrm>
+                <a:off x="10975272" y="19625515"/>
+                <a:ext cx="11715649" cy="585288"/>
+              </a:xfrm>
+              <a:prstGeom prst="rect">
+                <a:avLst/>
+              </a:prstGeom>
+              <a:noFill/>
+            </p:spPr>
+            <p:txBody>
+              <a:bodyPr wrap="square" rtlCol="0">
+                <a:spAutoFit/>
+              </a:bodyPr>
+              <a:lstStyle/>
+              <a:p>
+                <a:pPr/>
+                <a14:m>
+                  <m:oMathPara xmlns:m="http://schemas.openxmlformats.org/officeDocument/2006/math">
+                    <m:oMathParaPr>
+                      <m:jc m:val="centerGroup"/>
+                    </m:oMathParaPr>
+                    <m:oMath xmlns:m="http://schemas.openxmlformats.org/officeDocument/2006/math">
+                      <m:r>
+                        <m:rPr>
+                          <m:sty m:val="p"/>
+                        </m:rPr>
+                        <a:rPr lang="en-US" sz="2800" b="0" i="1" dirty="0" smtClean="0">
+                          <a:latin typeface="Cambria Math" panose="02040503050406030204" pitchFamily="18" charset="0"/>
+                        </a:rPr>
+                        <m:t>S</m:t>
+                      </m:r>
+                      <m:r>
+                        <a:rPr lang="en-US" sz="2800" b="0" i="1" dirty="0" smtClean="0">
+                          <a:latin typeface="Cambria Math" panose="02040503050406030204" pitchFamily="18" charset="0"/>
+                        </a:rPr>
+                        <m:t>=</m:t>
+                      </m:r>
+                      <m:r>
+                        <m:rPr>
+                          <m:sty m:val="p"/>
+                        </m:rPr>
+                        <a:rPr lang="en-US" sz="2800" b="0" i="1" dirty="0" smtClean="0">
+                          <a:latin typeface="Cambria Math" panose="02040503050406030204" pitchFamily="18" charset="0"/>
+                        </a:rPr>
+                        <m:t>D</m:t>
+                      </m:r>
+                      <m:r>
+                        <a:rPr lang="en-US" sz="2800" i="1" dirty="0">
+                          <a:latin typeface="Cambria Math" panose="02040503050406030204" pitchFamily="18" charset="0"/>
+                        </a:rPr>
+                        <m:t>= </m:t>
+                      </m:r>
+                      <m:r>
+                        <a:rPr lang="en-US" sz="2800" b="0" i="1" dirty="0" smtClean="0">
+                          <a:latin typeface="Cambria Math" panose="02040503050406030204" pitchFamily="18" charset="0"/>
+                        </a:rPr>
+                        <m:t>2(1 − </m:t>
+                      </m:r>
+                      <m:sSup>
+                        <m:sSupPr>
+                          <m:ctrlPr>
+                            <a:rPr lang="en-US" sz="2800" i="1" dirty="0">
+                              <a:latin typeface="Cambria Math" panose="02040503050406030204" pitchFamily="18" charset="0"/>
+                            </a:rPr>
+                          </m:ctrlPr>
+                        </m:sSupPr>
+                        <m:e>
+                          <m:r>
+                            <a:rPr lang="en-US" sz="2800" i="1" dirty="0">
+                              <a:latin typeface="Cambria Math" panose="02040503050406030204" pitchFamily="18" charset="0"/>
+                            </a:rPr>
+                            <m:t>𝑋</m:t>
+                          </m:r>
+                        </m:e>
+                        <m:sup>
+                          <m:r>
+                            <a:rPr lang="en-US" sz="2800" i="1" dirty="0">
+                              <a:latin typeface="Cambria Math" panose="02040503050406030204" pitchFamily="18" charset="0"/>
+                            </a:rPr>
+                            <m:t>⊤</m:t>
+                          </m:r>
+                        </m:sup>
+                      </m:sSup>
+                      <m:r>
+                        <a:rPr lang="en-US" sz="2800" i="1" dirty="0">
+                          <a:latin typeface="Cambria Math" panose="02040503050406030204" pitchFamily="18" charset="0"/>
+                        </a:rPr>
+                        <m:t>𝑋</m:t>
+                      </m:r>
+                      <m:r>
+                        <a:rPr lang="en-US" sz="2800" b="0" i="1" dirty="0" smtClean="0">
+                          <a:latin typeface="Cambria Math" panose="02040503050406030204" pitchFamily="18" charset="0"/>
+                        </a:rPr>
+                        <m:t>)</m:t>
+                      </m:r>
+                      <m:r>
+                        <a:rPr lang="en-US" sz="2800" i="1" dirty="0">
+                          <a:latin typeface="Cambria Math" panose="02040503050406030204" pitchFamily="18" charset="0"/>
+                        </a:rPr>
+                        <m:t>∈</m:t>
+                      </m:r>
+                      <m:sSup>
+                        <m:sSupPr>
+                          <m:ctrlPr>
+                            <a:rPr lang="en-US" sz="2800" i="1" dirty="0">
+                              <a:latin typeface="Cambria Math" panose="02040503050406030204" pitchFamily="18" charset="0"/>
+                            </a:rPr>
+                          </m:ctrlPr>
+                        </m:sSupPr>
+                        <m:e>
+                          <m:r>
+                            <a:rPr lang="en-US" sz="2800" i="1" dirty="0">
+                              <a:latin typeface="Cambria Math" panose="02040503050406030204" pitchFamily="18" charset="0"/>
+                              <a:ea typeface="Cambria Math" panose="02040503050406030204" pitchFamily="18" charset="0"/>
+                            </a:rPr>
+                            <m:t>ℝ</m:t>
+                          </m:r>
+                        </m:e>
+                        <m:sup>
+                          <m:r>
+                            <m:rPr>
+                              <m:sty m:val="p"/>
+                            </m:rPr>
+                            <a:rPr lang="en-US" sz="2800" b="0" i="1" dirty="0" smtClean="0">
+                              <a:latin typeface="Cambria Math" panose="02040503050406030204" pitchFamily="18" charset="0"/>
+                              <a:ea typeface="Cambria Math" panose="02040503050406030204" pitchFamily="18" charset="0"/>
+                            </a:rPr>
+                            <m:t>n</m:t>
+                          </m:r>
+                          <m:r>
+                            <a:rPr lang="en-US" sz="2800" i="1" dirty="0">
+                              <a:latin typeface="Cambria Math" panose="02040503050406030204" pitchFamily="18" charset="0"/>
+                            </a:rPr>
+                            <m:t>×</m:t>
+                          </m:r>
+                          <m:r>
+                            <m:rPr>
+                              <m:sty m:val="p"/>
+                            </m:rPr>
+                            <a:rPr lang="en-US" sz="2800" b="0" i="1" dirty="0" smtClean="0">
+                              <a:latin typeface="Cambria Math" panose="02040503050406030204" pitchFamily="18" charset="0"/>
+                            </a:rPr>
+                            <m:t>n</m:t>
+                          </m:r>
+                        </m:sup>
+                      </m:sSup>
+                      <m:r>
+                        <a:rPr lang="en-US" sz="2800" b="0" i="1" dirty="0" smtClean="0">
+                          <a:latin typeface="Cambria Math" panose="02040503050406030204" pitchFamily="18" charset="0"/>
+                        </a:rPr>
+                        <m:t> </m:t>
+                      </m:r>
+                      <m:r>
+                        <m:rPr>
+                          <m:nor/>
+                        </m:rPr>
+                        <a:rPr lang="en-US" sz="2800" i="0" dirty="0">
+                          <a:latin typeface="Cambria Math" panose="02040503050406030204" pitchFamily="18" charset="0"/>
+                        </a:rPr>
+                        <m:t>where</m:t>
+                      </m:r>
+                      <m:sSub>
+                        <m:sSubPr>
+                          <m:ctrlPr>
+                            <a:rPr lang="en-US" sz="2800" i="1" dirty="0">
+                              <a:latin typeface="Cambria Math" panose="02040503050406030204" pitchFamily="18" charset="0"/>
+                            </a:rPr>
+                          </m:ctrlPr>
+                        </m:sSubPr>
+                        <m:e>
+                          <m:r>
+                            <a:rPr lang="en-US" sz="2800" b="0" i="1" dirty="0" smtClean="0">
+                              <a:latin typeface="Cambria Math" panose="02040503050406030204" pitchFamily="18" charset="0"/>
+                            </a:rPr>
+                            <m:t> </m:t>
+                          </m:r>
+                          <m:r>
+                            <m:rPr>
+                              <m:sty m:val="p"/>
+                            </m:rPr>
+                            <a:rPr lang="en-US" sz="2800" b="0" i="1" dirty="0" smtClean="0">
+                              <a:latin typeface="Cambria Math" panose="02040503050406030204" pitchFamily="18" charset="0"/>
+                            </a:rPr>
+                            <m:t>D</m:t>
+                          </m:r>
+                        </m:e>
+                        <m:sub>
+                          <m:r>
+                            <a:rPr lang="en-US" sz="2800" i="1" dirty="0">
+                              <a:latin typeface="Cambria Math" panose="02040503050406030204" pitchFamily="18" charset="0"/>
+                            </a:rPr>
+                            <m:t>𝑖𝑗</m:t>
+                          </m:r>
+                        </m:sub>
+                      </m:sSub>
+                      <m:r>
+                        <a:rPr lang="en-US" sz="2800" i="1" dirty="0">
+                          <a:latin typeface="Cambria Math" panose="02040503050406030204" pitchFamily="18" charset="0"/>
+                        </a:rPr>
+                        <m:t>=</m:t>
+                      </m:r>
+                      <m:r>
+                        <a:rPr lang="en-US" sz="2800" b="0" i="1" dirty="0" smtClean="0">
+                          <a:latin typeface="Cambria Math" panose="02040503050406030204" pitchFamily="18" charset="0"/>
+                        </a:rPr>
+                        <m:t> </m:t>
+                      </m:r>
+                      <m:sSubSup>
+                        <m:sSubSupPr>
+                          <m:ctrlPr>
+                            <a:rPr lang="en-US" sz="2800" i="1" dirty="0" smtClean="0">
+                              <a:latin typeface="Cambria Math" panose="02040503050406030204" pitchFamily="18" charset="0"/>
+                              <a:ea typeface="Cambria Math" panose="02040503050406030204" pitchFamily="18" charset="0"/>
+                            </a:rPr>
+                          </m:ctrlPr>
+                        </m:sSubSupPr>
+                        <m:e>
+                          <m:r>
+                            <a:rPr lang="en-US" sz="2800" i="1" dirty="0" smtClean="0">
+                              <a:latin typeface="Cambria Math" panose="02040503050406030204" pitchFamily="18" charset="0"/>
+                              <a:ea typeface="Cambria Math" panose="02040503050406030204" pitchFamily="18" charset="0"/>
+                            </a:rPr>
+                            <m:t>∥</m:t>
+                          </m:r>
+                          <m:sSub>
+                            <m:sSubPr>
+                              <m:ctrlPr>
+                                <a:rPr lang="en-US" sz="2800" i="1" dirty="0" smtClean="0">
+                                  <a:latin typeface="Cambria Math" panose="02040503050406030204" pitchFamily="18" charset="0"/>
+                                  <a:ea typeface="Cambria Math" panose="02040503050406030204" pitchFamily="18" charset="0"/>
+                                </a:rPr>
+                              </m:ctrlPr>
+                            </m:sSubPr>
+                            <m:e>
+                              <m:r>
+                                <m:rPr>
+                                  <m:sty m:val="p"/>
+                                </m:rPr>
+                                <a:rPr lang="en-US" sz="2800" b="0" i="1" dirty="0" smtClean="0">
+                                  <a:latin typeface="Cambria Math" panose="02040503050406030204" pitchFamily="18" charset="0"/>
+                                  <a:ea typeface="Cambria Math" panose="02040503050406030204" pitchFamily="18" charset="0"/>
+                                </a:rPr>
+                                <m:t>x</m:t>
+                              </m:r>
+                            </m:e>
+                            <m:sub>
+                              <m:r>
+                                <m:rPr>
+                                  <m:sty m:val="p"/>
+                                </m:rPr>
+                                <a:rPr lang="en-US" sz="2800" b="0" i="1" dirty="0" smtClean="0">
+                                  <a:latin typeface="Cambria Math" panose="02040503050406030204" pitchFamily="18" charset="0"/>
+                                  <a:ea typeface="Cambria Math" panose="02040503050406030204" pitchFamily="18" charset="0"/>
+                                </a:rPr>
+                                <m:t>i</m:t>
+                              </m:r>
+                            </m:sub>
+                          </m:sSub>
+                          <m:r>
+                            <a:rPr lang="en-US" sz="2800" b="0" i="1" dirty="0" smtClean="0">
+                              <a:latin typeface="Cambria Math" panose="02040503050406030204" pitchFamily="18" charset="0"/>
+                              <a:ea typeface="Cambria Math" panose="02040503050406030204" pitchFamily="18" charset="0"/>
+                            </a:rPr>
+                            <m:t> − </m:t>
+                          </m:r>
+                          <m:sSub>
+                            <m:sSubPr>
+                              <m:ctrlPr>
+                                <a:rPr lang="en-US" sz="2800" b="0" i="1" dirty="0" smtClean="0">
+                                  <a:latin typeface="Cambria Math" panose="02040503050406030204" pitchFamily="18" charset="0"/>
+                                  <a:ea typeface="Cambria Math" panose="02040503050406030204" pitchFamily="18" charset="0"/>
+                                </a:rPr>
+                              </m:ctrlPr>
+                            </m:sSubPr>
+                            <m:e>
+                              <m:r>
+                                <m:rPr>
+                                  <m:sty m:val="p"/>
+                                </m:rPr>
+                                <a:rPr lang="en-US" sz="2800" b="0" i="1" dirty="0" smtClean="0">
+                                  <a:latin typeface="Cambria Math" panose="02040503050406030204" pitchFamily="18" charset="0"/>
+                                  <a:ea typeface="Cambria Math" panose="02040503050406030204" pitchFamily="18" charset="0"/>
+                                </a:rPr>
+                                <m:t>x</m:t>
+                              </m:r>
+                            </m:e>
+                            <m:sub>
+                              <m:r>
+                                <m:rPr>
+                                  <m:sty m:val="p"/>
+                                </m:rPr>
+                                <a:rPr lang="en-US" sz="2800" b="0" i="1" dirty="0" smtClean="0">
+                                  <a:latin typeface="Cambria Math" panose="02040503050406030204" pitchFamily="18" charset="0"/>
+                                  <a:ea typeface="Cambria Math" panose="02040503050406030204" pitchFamily="18" charset="0"/>
+                                </a:rPr>
+                                <m:t>j</m:t>
+                              </m:r>
+                            </m:sub>
+                          </m:sSub>
+                          <m:r>
+                            <a:rPr lang="en-US" sz="2800" b="0" i="1" dirty="0" smtClean="0">
+                              <a:latin typeface="Cambria Math" panose="02040503050406030204" pitchFamily="18" charset="0"/>
+                              <a:ea typeface="Cambria Math" panose="02040503050406030204" pitchFamily="18" charset="0"/>
+                            </a:rPr>
+                            <m:t>∥</m:t>
+                          </m:r>
+                        </m:e>
+                        <m:sub>
+                          <m:r>
+                            <a:rPr lang="en-US" sz="2800" b="0" i="1" dirty="0" smtClean="0">
+                              <a:latin typeface="Cambria Math" panose="02040503050406030204" pitchFamily="18" charset="0"/>
+                              <a:ea typeface="Cambria Math" panose="02040503050406030204" pitchFamily="18" charset="0"/>
+                            </a:rPr>
+                            <m:t>2</m:t>
+                          </m:r>
+                        </m:sub>
+                        <m:sup>
+                          <m:r>
+                            <a:rPr lang="en-US" sz="2800" b="0" i="1" dirty="0" smtClean="0">
+                              <a:latin typeface="Cambria Math" panose="02040503050406030204" pitchFamily="18" charset="0"/>
+                              <a:ea typeface="Cambria Math" panose="02040503050406030204" pitchFamily="18" charset="0"/>
+                            </a:rPr>
+                            <m:t>2</m:t>
+                          </m:r>
+                        </m:sup>
+                      </m:sSubSup>
+                      <m:r>
+                        <a:rPr lang="en-US" sz="2800" b="0" i="1" dirty="0" smtClean="0">
+                          <a:latin typeface="Cambria Math" panose="02040503050406030204" pitchFamily="18" charset="0"/>
+                          <a:ea typeface="Cambria Math" panose="02040503050406030204" pitchFamily="18" charset="0"/>
+                        </a:rPr>
+                        <m:t> = 2(1 − </m:t>
+                      </m:r>
+                      <m:sSubSup>
+                        <m:sSubSupPr>
+                          <m:ctrlPr>
+                            <a:rPr lang="en-US" sz="2800" i="1" dirty="0">
+                              <a:latin typeface="Cambria Math" panose="02040503050406030204" pitchFamily="18" charset="0"/>
+                            </a:rPr>
+                          </m:ctrlPr>
+                        </m:sSubSupPr>
+                        <m:e>
+                          <m:r>
+                            <m:rPr>
+                              <m:sty m:val="p"/>
+                            </m:rPr>
+                            <a:rPr lang="en-US" sz="2800" i="1" dirty="0">
+                              <a:latin typeface="Cambria Math" panose="02040503050406030204" pitchFamily="18" charset="0"/>
+                            </a:rPr>
+                            <m:t>x</m:t>
+                          </m:r>
+                        </m:e>
+                        <m:sub>
+                          <m:r>
+                            <m:rPr>
+                              <m:sty m:val="p"/>
+                            </m:rPr>
+                            <a:rPr lang="en-US" sz="2800" i="1" dirty="0">
+                              <a:latin typeface="Cambria Math" panose="02040503050406030204" pitchFamily="18" charset="0"/>
+                            </a:rPr>
+                            <m:t>i</m:t>
+                          </m:r>
+                        </m:sub>
+                        <m:sup>
+                          <m:r>
+                            <a:rPr lang="en-US" sz="2800" i="1" dirty="0">
+                              <a:latin typeface="Cambria Math" panose="02040503050406030204" pitchFamily="18" charset="0"/>
+                            </a:rPr>
+                            <m:t>⊤</m:t>
+                          </m:r>
+                        </m:sup>
+                      </m:sSubSup>
+                      <m:sSub>
+                        <m:sSubPr>
+                          <m:ctrlPr>
+                            <a:rPr lang="en-US" sz="2800" i="1" dirty="0">
+                              <a:latin typeface="Cambria Math" panose="02040503050406030204" pitchFamily="18" charset="0"/>
+                            </a:rPr>
+                          </m:ctrlPr>
+                        </m:sSubPr>
+                        <m:e>
+                          <m:r>
+                            <m:rPr>
+                              <m:sty m:val="p"/>
+                            </m:rPr>
+                            <a:rPr lang="en-US" sz="2800" i="1" dirty="0">
+                              <a:latin typeface="Cambria Math" panose="02040503050406030204" pitchFamily="18" charset="0"/>
+                            </a:rPr>
+                            <m:t>x</m:t>
+                          </m:r>
+                        </m:e>
+                        <m:sub>
+                          <m:r>
+                            <m:rPr>
+                              <m:sty m:val="p"/>
+                            </m:rPr>
+                            <a:rPr lang="en-US" sz="2800" i="1" dirty="0">
+                              <a:latin typeface="Cambria Math" panose="02040503050406030204" pitchFamily="18" charset="0"/>
+                            </a:rPr>
+                            <m:t>j</m:t>
+                          </m:r>
+                        </m:sub>
+                      </m:sSub>
+                      <m:r>
+                        <a:rPr lang="en-US" sz="2800" b="0" i="1" dirty="0" smtClean="0">
+                          <a:latin typeface="Cambria Math" panose="02040503050406030204" pitchFamily="18" charset="0"/>
+                        </a:rPr>
+                        <m:t>)</m:t>
+                      </m:r>
+                    </m:oMath>
+                  </m:oMathPara>
+                </a14:m>
+                <a:endParaRPr dirty="0"/>
+              </a:p>
+            </p:txBody>
+          </p:sp>
+        </mc:Choice>
+        <mc:Fallback>
+          <p:sp>
+            <p:nvSpPr>
+              <p:cNvPr id="6" name="TextBox 5">
+                <a:extLst>
+                  <a:ext uri="{FF2B5EF4-FFF2-40B4-BE49-F238E27FC236}">
+                    <a16:creationId xmlns:a16="http://schemas.microsoft.com/office/drawing/2014/main" id="{8652D6F9-4A9D-F7BD-CB01-190D0C1F33BF}"/>
+                  </a:ext>
+                </a:extLst>
+              </p:cNvPr>
+              <p:cNvSpPr txBox="1">
+                <a:spLocks noRot="1" noChangeAspect="1" noMove="1" noResize="1" noEditPoints="1" noAdjustHandles="1" noChangeArrowheads="1" noChangeShapeType="1" noTextEdit="1"/>
+              </p:cNvSpPr>
+              <p:nvPr/>
+            </p:nvSpPr>
+            <p:spPr>
+              <a:xfrm>
+                <a:off x="10975272" y="19625515"/>
+                <a:ext cx="11715649" cy="585288"/>
+              </a:xfrm>
+              <a:prstGeom prst="rect">
+                <a:avLst/>
+              </a:prstGeom>
+              <a:blipFill>
+                <a:blip r:embed="rId16"/>
+                <a:stretch>
+                  <a:fillRect b="-12766"/>
+                </a:stretch>
+              </a:blipFill>
+            </p:spPr>
+            <p:txBody>
+              <a:bodyPr/>
+              <a:lstStyle/>
+              <a:p>
+                <a:r>
+                  <a:rPr lang="en-US">
+                    <a:noFill/>
+                  </a:rPr>
+                  <a:t> </a:t>
+                </a:r>
+              </a:p>
+            </p:txBody>
+          </p:sp>
+        </mc:Fallback>
+      </mc:AlternateContent>
+      <mc:AlternateContent xmlns:mc="http://schemas.openxmlformats.org/markup-compatibility/2006">
+        <mc:Choice xmlns:a14="http://schemas.microsoft.com/office/drawing/2010/main" Requires="a14">
+          <p:sp>
+            <p:nvSpPr>
+              <p:cNvPr id="7" name="TextBox 6">
+                <a:extLst>
+                  <a:ext uri="{FF2B5EF4-FFF2-40B4-BE49-F238E27FC236}">
+                    <a16:creationId xmlns:a16="http://schemas.microsoft.com/office/drawing/2014/main" id="{730ACDD8-149F-8AD7-D820-D423671511B3}"/>
+                  </a:ext>
+                </a:extLst>
+              </p:cNvPr>
+              <p:cNvSpPr txBox="1"/>
+              <p:nvPr/>
+            </p:nvSpPr>
+            <p:spPr>
+              <a:xfrm>
+                <a:off x="13262669" y="20406627"/>
+                <a:ext cx="6365717" cy="530915"/>
+              </a:xfrm>
+              <a:prstGeom prst="rect">
+                <a:avLst/>
+              </a:prstGeom>
+              <a:noFill/>
+            </p:spPr>
+            <p:txBody>
+              <a:bodyPr wrap="none" rtlCol="0">
+                <a:spAutoFit/>
+              </a:bodyPr>
+              <a:lstStyle/>
+              <a:p>
+                <a:pPr/>
+                <a14:m>
+                  <m:oMathPara xmlns:m="http://schemas.openxmlformats.org/officeDocument/2006/math">
+                    <m:oMathParaPr>
+                      <m:jc m:val="centerGroup"/>
+                    </m:oMathParaPr>
+                    <m:oMath xmlns:m="http://schemas.openxmlformats.org/officeDocument/2006/math">
+                      <m:sSub>
+                        <m:sSubPr>
+                          <m:ctrlPr>
+                            <a:rPr lang="ar-AE" sz="2800" i="1" dirty="0">
+                              <a:latin typeface="Cambria Math" panose="02040503050406030204" pitchFamily="18" charset="0"/>
+                            </a:rPr>
+                          </m:ctrlPr>
+                        </m:sSubPr>
+                        <m:e>
+                          <m:r>
+                            <a:rPr lang="ar-AE" sz="2800" i="1" dirty="0" err="1">
+                              <a:latin typeface="Cambria Math" panose="02040503050406030204" pitchFamily="18" charset="0"/>
+                            </a:rPr>
+                            <m:t>𝐼</m:t>
+                          </m:r>
+                        </m:e>
+                        <m:sub>
+                          <m:r>
+                            <a:rPr lang="ar-AE" sz="2800" i="1" dirty="0" err="1">
+                              <a:latin typeface="Cambria Math" panose="02040503050406030204" pitchFamily="18" charset="0"/>
+                            </a:rPr>
+                            <m:t>𝑘</m:t>
+                          </m:r>
+                        </m:sub>
+                      </m:sSub>
+                      <m:r>
+                        <a:rPr lang="ar-AE" sz="2800" i="1" dirty="0">
+                          <a:latin typeface="Cambria Math" panose="02040503050406030204" pitchFamily="18" charset="0"/>
+                        </a:rPr>
+                        <m:t>=</m:t>
+                      </m:r>
+                      <m:r>
+                        <a:rPr lang="en-US" sz="2800" i="1" dirty="0">
+                          <a:latin typeface="Cambria Math" panose="02040503050406030204" pitchFamily="18" charset="0"/>
+                        </a:rPr>
+                        <m:t>𝑘</m:t>
+                      </m:r>
+                      <m:r>
+                        <m:rPr>
+                          <m:nor/>
+                        </m:rPr>
+                        <a:rPr lang="en-US" sz="2800" dirty="0">
+                          <a:latin typeface="Cambria Math" panose="02040503050406030204" pitchFamily="18" charset="0"/>
+                        </a:rPr>
+                        <m:t>−</m:t>
+                      </m:r>
+                      <m:r>
+                        <a:rPr lang="en-US" sz="2800" i="1" dirty="0">
+                          <a:latin typeface="Cambria Math" panose="02040503050406030204" pitchFamily="18" charset="0"/>
+                        </a:rPr>
+                        <m:t>𝑎𝑟𝑔𝑚𝑎𝑥</m:t>
+                      </m:r>
+                      <m:d>
+                        <m:dPr>
+                          <m:ctrlPr>
+                            <a:rPr lang="ar-AE" sz="2800" i="1" dirty="0">
+                              <a:latin typeface="Cambria Math" panose="02040503050406030204" pitchFamily="18" charset="0"/>
+                            </a:rPr>
+                          </m:ctrlPr>
+                        </m:dPr>
+                        <m:e>
+                          <m:r>
+                            <a:rPr lang="en-US" sz="2800" i="1" dirty="0">
+                              <a:latin typeface="Cambria Math" panose="02040503050406030204" pitchFamily="18" charset="0"/>
+                            </a:rPr>
+                            <m:t>2(1 − </m:t>
+                          </m:r>
+                          <m:sSup>
+                            <m:sSupPr>
+                              <m:ctrlPr>
+                                <a:rPr lang="en-US" sz="2800" i="1" dirty="0">
+                                  <a:latin typeface="Cambria Math" panose="02040503050406030204" pitchFamily="18" charset="0"/>
+                                </a:rPr>
+                              </m:ctrlPr>
+                            </m:sSupPr>
+                            <m:e>
+                              <m:r>
+                                <a:rPr lang="en-US" sz="2800" i="1" dirty="0">
+                                  <a:latin typeface="Cambria Math" panose="02040503050406030204" pitchFamily="18" charset="0"/>
+                                </a:rPr>
+                                <m:t>𝑋</m:t>
+                              </m:r>
+                            </m:e>
+                            <m:sup>
+                              <m:r>
+                                <a:rPr lang="en-US" sz="2800" i="1" dirty="0">
+                                  <a:latin typeface="Cambria Math" panose="02040503050406030204" pitchFamily="18" charset="0"/>
+                                </a:rPr>
+                                <m:t>⊤</m:t>
+                              </m:r>
+                            </m:sup>
+                          </m:sSup>
+                          <m:r>
+                            <a:rPr lang="en-US" sz="2800" i="1" dirty="0">
+                              <a:latin typeface="Cambria Math" panose="02040503050406030204" pitchFamily="18" charset="0"/>
+                            </a:rPr>
+                            <m:t>𝑋</m:t>
+                          </m:r>
+                          <m:r>
+                            <a:rPr lang="en-US" sz="2800" i="1" dirty="0">
+                              <a:latin typeface="Cambria Math" panose="02040503050406030204" pitchFamily="18" charset="0"/>
+                            </a:rPr>
+                            <m:t>)</m:t>
+                          </m:r>
+                        </m:e>
+                      </m:d>
+                      <m:r>
+                        <a:rPr lang="ar-AE" sz="2800" i="1" dirty="0">
+                          <a:latin typeface="Cambria Math" panose="02040503050406030204" pitchFamily="18" charset="0"/>
+                        </a:rPr>
+                        <m:t>∈</m:t>
+                      </m:r>
+                      <m:sSup>
+                        <m:sSupPr>
+                          <m:ctrlPr>
+                            <a:rPr lang="ar-AE" sz="2800" i="1" dirty="0">
+                              <a:latin typeface="Cambria Math" panose="02040503050406030204" pitchFamily="18" charset="0"/>
+                            </a:rPr>
+                          </m:ctrlPr>
+                        </m:sSupPr>
+                        <m:e>
+                          <m:r>
+                            <a:rPr lang="ar-AE" sz="2800" i="1" dirty="0">
+                              <a:latin typeface="Cambria Math" panose="02040503050406030204" pitchFamily="18" charset="0"/>
+                              <a:ea typeface="Cambria Math" panose="02040503050406030204" pitchFamily="18" charset="0"/>
+                            </a:rPr>
+                            <m:t>ℝ</m:t>
+                          </m:r>
+                        </m:e>
+                        <m:sup>
+                          <m:r>
+                            <m:rPr>
+                              <m:sty m:val="p"/>
+                            </m:rPr>
+                            <a:rPr lang="en-US" sz="2800" b="0" i="1" dirty="0" smtClean="0">
+                              <a:latin typeface="Cambria Math" panose="02040503050406030204" pitchFamily="18" charset="0"/>
+                              <a:ea typeface="Cambria Math" panose="02040503050406030204" pitchFamily="18" charset="0"/>
+                            </a:rPr>
+                            <m:t>n</m:t>
+                          </m:r>
+                          <m:r>
+                            <a:rPr lang="ar-AE" sz="2800" i="1" dirty="0">
+                              <a:latin typeface="Cambria Math" panose="02040503050406030204" pitchFamily="18" charset="0"/>
+                            </a:rPr>
+                            <m:t>×</m:t>
+                          </m:r>
+                          <m:r>
+                            <m:rPr>
+                              <m:sty m:val="p"/>
+                            </m:rPr>
+                            <a:rPr lang="en-US" sz="2800" b="0" i="1" dirty="0" smtClean="0">
+                              <a:latin typeface="Cambria Math" panose="02040503050406030204" pitchFamily="18" charset="0"/>
+                            </a:rPr>
+                            <m:t>n</m:t>
+                          </m:r>
+                        </m:sup>
+                      </m:sSup>
+                    </m:oMath>
+                  </m:oMathPara>
+                </a14:m>
+                <a:endParaRPr lang="ar-AE" sz="2800" dirty="0"/>
+              </a:p>
+            </p:txBody>
+          </p:sp>
+        </mc:Choice>
+        <mc:Fallback>
+          <p:sp>
+            <p:nvSpPr>
+              <p:cNvPr id="7" name="TextBox 6">
+                <a:extLst>
+                  <a:ext uri="{FF2B5EF4-FFF2-40B4-BE49-F238E27FC236}">
+                    <a16:creationId xmlns:a16="http://schemas.microsoft.com/office/drawing/2014/main" id="{730ACDD8-149F-8AD7-D820-D423671511B3}"/>
+                  </a:ext>
+                </a:extLst>
+              </p:cNvPr>
+              <p:cNvSpPr txBox="1">
+                <a:spLocks noRot="1" noChangeAspect="1" noMove="1" noResize="1" noEditPoints="1" noAdjustHandles="1" noChangeArrowheads="1" noChangeShapeType="1" noTextEdit="1"/>
+              </p:cNvSpPr>
+              <p:nvPr/>
+            </p:nvSpPr>
+            <p:spPr>
+              <a:xfrm>
+                <a:off x="13262669" y="20406627"/>
+                <a:ext cx="6365717" cy="530915"/>
+              </a:xfrm>
+              <a:prstGeom prst="rect">
+                <a:avLst/>
+              </a:prstGeom>
+              <a:blipFill>
+                <a:blip r:embed="rId17"/>
+                <a:stretch>
+                  <a:fillRect t="-14286" r="-1793" b="-28571"/>
+                </a:stretch>
+              </a:blipFill>
+            </p:spPr>
+            <p:txBody>
+              <a:bodyPr/>
+              <a:lstStyle/>
+              <a:p>
+                <a:r>
+                  <a:rPr lang="en-US">
+                    <a:noFill/>
+                  </a:rPr>
+                  <a:t> </a:t>
+                </a:r>
+              </a:p>
+            </p:txBody>
+          </p:sp>
+        </mc:Fallback>
+      </mc:AlternateContent>
+      <p:sp>
+        <p:nvSpPr>
+          <p:cNvPr id="8" name="Google Shape;65;p14">
+            <a:extLst>
+              <a:ext uri="{FF2B5EF4-FFF2-40B4-BE49-F238E27FC236}">
+                <a16:creationId xmlns:a16="http://schemas.microsoft.com/office/drawing/2014/main" id="{3D048F4C-B32F-8BE9-1B45-F1D51407699B}"/>
+              </a:ext>
+            </a:extLst>
+          </p:cNvPr>
+          <p:cNvSpPr txBox="1"/>
+          <p:nvPr/>
+        </p:nvSpPr>
+        <p:spPr>
+          <a:xfrm>
+            <a:off x="10017992" y="21772678"/>
+            <a:ext cx="5319352" cy="566539"/>
+          </a:xfrm>
+          <a:prstGeom prst="rect">
+            <a:avLst/>
+          </a:prstGeom>
+          <a:noFill/>
+          <a:ln w="28575">
+            <a:noFill/>
+          </a:ln>
+        </p:spPr>
+        <p:txBody>
+          <a:bodyPr spcFirstLastPara="1" wrap="square" lIns="67265" tIns="33642" rIns="67265" bIns="33642" anchor="t" anchorCtr="0">
+            <a:spAutoFit/>
+          </a:bodyPr>
+          <a:lstStyle/>
+          <a:p>
+            <a:pPr algn="just">
+              <a:lnSpc>
+                <a:spcPct val="135000"/>
+              </a:lnSpc>
+              <a:buClr>
+                <a:schemeClr val="dk1"/>
+              </a:buClr>
+              <a:buSzPts val="3000"/>
+            </a:pPr>
+            <a:r>
+              <a:rPr lang="en-US" sz="2400" b="1" dirty="0">
+                <a:solidFill>
+                  <a:schemeClr val="dk1"/>
+                </a:solidFill>
+                <a:latin typeface="Libre Franklin"/>
+                <a:ea typeface="Libre Franklin"/>
+                <a:cs typeface="Libre Franklin"/>
+                <a:sym typeface="Libre Franklin"/>
+              </a:rPr>
+              <a:t>2. Convolutional Nearest Neighbor</a:t>
+            </a:r>
+          </a:p>
+        </p:txBody>
+      </p:sp>
+      <mc:AlternateContent xmlns:mc="http://schemas.openxmlformats.org/markup-compatibility/2006">
+        <mc:Choice xmlns:a14="http://schemas.microsoft.com/office/drawing/2010/main" Requires="a14">
+          <p:sp>
+            <p:nvSpPr>
+              <p:cNvPr id="10" name="TextBox 9">
+                <a:extLst>
+                  <a:ext uri="{FF2B5EF4-FFF2-40B4-BE49-F238E27FC236}">
+                    <a16:creationId xmlns:a16="http://schemas.microsoft.com/office/drawing/2014/main" id="{274013B4-4295-1551-62C4-EA7CA80264B5}"/>
+                  </a:ext>
+                </a:extLst>
+              </p:cNvPr>
+              <p:cNvSpPr txBox="1"/>
+              <p:nvPr/>
+            </p:nvSpPr>
+            <p:spPr>
+              <a:xfrm>
+                <a:off x="13937468" y="23121013"/>
+                <a:ext cx="5016117" cy="523220"/>
+              </a:xfrm>
+              <a:prstGeom prst="rect">
+                <a:avLst/>
+              </a:prstGeom>
+              <a:noFill/>
+            </p:spPr>
+            <p:txBody>
+              <a:bodyPr wrap="none" rtlCol="0">
+                <a:spAutoFit/>
+              </a:bodyPr>
+              <a:lstStyle/>
+              <a:p>
+                <a:pPr/>
+                <a14:m>
+                  <m:oMathPara xmlns:m="http://schemas.openxmlformats.org/officeDocument/2006/math">
+                    <m:oMathParaPr>
+                      <m:jc m:val="centerGroup"/>
+                    </m:oMathParaPr>
+                    <m:oMath xmlns:m="http://schemas.openxmlformats.org/officeDocument/2006/math">
+                      <m:sSub>
+                        <m:sSubPr>
+                          <m:ctrlPr>
+                            <a:rPr lang="en-US" sz="2800" i="1" dirty="0">
+                              <a:latin typeface="Cambria Math" panose="02040503050406030204" pitchFamily="18" charset="0"/>
+                            </a:rPr>
+                          </m:ctrlPr>
+                        </m:sSubPr>
+                        <m:e>
+                          <m:r>
+                            <a:rPr lang="en-US" sz="2800" i="1" dirty="0" err="1">
+                              <a:latin typeface="Cambria Math" panose="02040503050406030204" pitchFamily="18" charset="0"/>
+                            </a:rPr>
+                            <m:t>𝐼</m:t>
+                          </m:r>
+                        </m:e>
+                        <m:sub>
+                          <m:r>
+                            <a:rPr lang="en-US" sz="2800" i="1" dirty="0" err="1">
+                              <a:latin typeface="Cambria Math" panose="02040503050406030204" pitchFamily="18" charset="0"/>
+                            </a:rPr>
+                            <m:t>𝑘</m:t>
+                          </m:r>
+                        </m:sub>
+                      </m:sSub>
+                      <m:r>
+                        <a:rPr lang="en-US" sz="2800" i="1" dirty="0">
+                          <a:latin typeface="Cambria Math" panose="02040503050406030204" pitchFamily="18" charset="0"/>
+                        </a:rPr>
+                        <m:t>=</m:t>
+                      </m:r>
+                      <m:r>
+                        <a:rPr lang="en-US" sz="2800" i="1" dirty="0">
+                          <a:latin typeface="Cambria Math" panose="02040503050406030204" pitchFamily="18" charset="0"/>
+                        </a:rPr>
+                        <m:t>𝑘</m:t>
+                      </m:r>
+                      <m:r>
+                        <m:rPr>
+                          <m:nor/>
+                        </m:rPr>
+                        <a:rPr lang="en-US" sz="2800" dirty="0">
+                          <a:latin typeface="Cambria Math" panose="02040503050406030204" pitchFamily="18" charset="0"/>
+                        </a:rPr>
+                        <m:t>−</m:t>
+                      </m:r>
+                      <m:r>
+                        <a:rPr lang="en-US" sz="2800" i="1" dirty="0">
+                          <a:latin typeface="Cambria Math" panose="02040503050406030204" pitchFamily="18" charset="0"/>
+                        </a:rPr>
+                        <m:t>𝑎𝑟𝑔𝑚𝑎𝑥</m:t>
+                      </m:r>
+                      <m:d>
+                        <m:dPr>
+                          <m:ctrlPr>
+                            <a:rPr lang="en-US" sz="2800" i="1" dirty="0">
+                              <a:latin typeface="Cambria Math" panose="02040503050406030204" pitchFamily="18" charset="0"/>
+                            </a:rPr>
+                          </m:ctrlPr>
+                        </m:dPr>
+                        <m:e>
+                          <m:r>
+                            <a:rPr lang="en-US" sz="2800" i="1" dirty="0">
+                              <a:latin typeface="Cambria Math" panose="02040503050406030204" pitchFamily="18" charset="0"/>
+                            </a:rPr>
+                            <m:t>𝑋</m:t>
+                          </m:r>
+                          <m:sSup>
+                            <m:sSupPr>
+                              <m:ctrlPr>
+                                <a:rPr lang="en-US" sz="2800" i="1" dirty="0">
+                                  <a:latin typeface="Cambria Math" panose="02040503050406030204" pitchFamily="18" charset="0"/>
+                                </a:rPr>
+                              </m:ctrlPr>
+                            </m:sSupPr>
+                            <m:e>
+                              <m:r>
+                                <a:rPr lang="en-US" sz="2800" i="1" dirty="0">
+                                  <a:latin typeface="Cambria Math" panose="02040503050406030204" pitchFamily="18" charset="0"/>
+                                </a:rPr>
+                                <m:t>𝑋</m:t>
+                              </m:r>
+                            </m:e>
+                            <m:sup>
+                              <m:r>
+                                <a:rPr lang="en-US" sz="2800" i="1" dirty="0">
+                                  <a:latin typeface="Cambria Math" panose="02040503050406030204" pitchFamily="18" charset="0"/>
+                                </a:rPr>
+                                <m:t>⊤</m:t>
+                              </m:r>
+                            </m:sup>
+                          </m:sSup>
+                        </m:e>
+                      </m:d>
+                      <m:r>
+                        <a:rPr lang="en-US" sz="2800" i="1" dirty="0">
+                          <a:latin typeface="Cambria Math" panose="02040503050406030204" pitchFamily="18" charset="0"/>
+                        </a:rPr>
+                        <m:t>∈</m:t>
+                      </m:r>
+                      <m:sSup>
+                        <m:sSupPr>
+                          <m:ctrlPr>
+                            <a:rPr lang="en-US" sz="2800" i="1" dirty="0">
+                              <a:latin typeface="Cambria Math" panose="02040503050406030204" pitchFamily="18" charset="0"/>
+                            </a:rPr>
+                          </m:ctrlPr>
+                        </m:sSupPr>
+                        <m:e>
+                          <m:r>
+                            <a:rPr lang="en-US" sz="2800" i="1" dirty="0">
+                              <a:latin typeface="Cambria Math" panose="02040503050406030204" pitchFamily="18" charset="0"/>
+                              <a:ea typeface="Cambria Math" panose="02040503050406030204" pitchFamily="18" charset="0"/>
+                            </a:rPr>
+                            <m:t>ℝ</m:t>
+                          </m:r>
+                        </m:e>
+                        <m:sup>
+                          <m:r>
+                            <a:rPr lang="en-US" sz="2800" i="1" dirty="0">
+                              <a:latin typeface="Cambria Math" panose="02040503050406030204" pitchFamily="18" charset="0"/>
+                            </a:rPr>
+                            <m:t>𝑛</m:t>
+                          </m:r>
+                          <m:r>
+                            <a:rPr lang="en-US" sz="2800" i="1" dirty="0">
+                              <a:latin typeface="Cambria Math" panose="02040503050406030204" pitchFamily="18" charset="0"/>
+                            </a:rPr>
+                            <m:t>×</m:t>
+                          </m:r>
+                          <m:r>
+                            <a:rPr lang="en-US" sz="2800" i="1" dirty="0">
+                              <a:latin typeface="Cambria Math" panose="02040503050406030204" pitchFamily="18" charset="0"/>
+                            </a:rPr>
+                            <m:t>𝑛</m:t>
+                          </m:r>
+                        </m:sup>
+                      </m:sSup>
+                    </m:oMath>
+                  </m:oMathPara>
+                </a14:m>
+                <a:endParaRPr lang="en-US" sz="2800" i="1" dirty="0">
+                  <a:latin typeface="Cambria Math" panose="02040503050406030204" pitchFamily="18" charset="0"/>
+                </a:endParaRPr>
+              </a:p>
+            </p:txBody>
+          </p:sp>
+        </mc:Choice>
+        <mc:Fallback>
+          <p:sp>
+            <p:nvSpPr>
+              <p:cNvPr id="10" name="TextBox 9">
+                <a:extLst>
+                  <a:ext uri="{FF2B5EF4-FFF2-40B4-BE49-F238E27FC236}">
+                    <a16:creationId xmlns:a16="http://schemas.microsoft.com/office/drawing/2014/main" id="{274013B4-4295-1551-62C4-EA7CA80264B5}"/>
+                  </a:ext>
+                </a:extLst>
+              </p:cNvPr>
+              <p:cNvSpPr txBox="1">
+                <a:spLocks noRot="1" noChangeAspect="1" noMove="1" noResize="1" noEditPoints="1" noAdjustHandles="1" noChangeArrowheads="1" noChangeShapeType="1" noTextEdit="1"/>
+              </p:cNvSpPr>
+              <p:nvPr/>
+            </p:nvSpPr>
+            <p:spPr>
+              <a:xfrm>
+                <a:off x="13937468" y="23121013"/>
+                <a:ext cx="5016117" cy="523220"/>
+              </a:xfrm>
+              <a:prstGeom prst="rect">
+                <a:avLst/>
+              </a:prstGeom>
+              <a:blipFill>
+                <a:blip r:embed="rId18"/>
+                <a:stretch>
+                  <a:fillRect b="-9524"/>
+                </a:stretch>
+              </a:blipFill>
+            </p:spPr>
+            <p:txBody>
+              <a:bodyPr/>
+              <a:lstStyle/>
+              <a:p>
+                <a:r>
+                  <a:rPr lang="en-US">
+                    <a:noFill/>
+                  </a:rPr>
+                  <a:t> </a:t>
+                </a:r>
+              </a:p>
+            </p:txBody>
+          </p:sp>
+        </mc:Fallback>
+      </mc:AlternateContent>
+      <mc:AlternateContent xmlns:mc="http://schemas.openxmlformats.org/markup-compatibility/2006">
+        <mc:Choice xmlns:a14="http://schemas.microsoft.com/office/drawing/2010/main" Requires="a14">
+          <p:sp>
+            <p:nvSpPr>
+              <p:cNvPr id="11" name="TextBox 10">
+                <a:extLst>
+                  <a:ext uri="{FF2B5EF4-FFF2-40B4-BE49-F238E27FC236}">
+                    <a16:creationId xmlns:a16="http://schemas.microsoft.com/office/drawing/2014/main" id="{609CDA9B-96CA-9CD5-A500-78D610656684}"/>
+                  </a:ext>
+                </a:extLst>
+              </p:cNvPr>
+              <p:cNvSpPr txBox="1"/>
+              <p:nvPr/>
+            </p:nvSpPr>
+            <p:spPr>
+              <a:xfrm>
+                <a:off x="13810463" y="22360135"/>
+                <a:ext cx="5579156" cy="585288"/>
+              </a:xfrm>
+              <a:prstGeom prst="rect">
+                <a:avLst/>
+              </a:prstGeom>
+              <a:noFill/>
+            </p:spPr>
+            <p:txBody>
+              <a:bodyPr wrap="none" rtlCol="0">
+                <a:spAutoFit/>
+              </a:bodyPr>
+              <a:lstStyle/>
+              <a:p>
+                <a:pPr/>
+                <a14:m>
+                  <m:oMathPara xmlns:m="http://schemas.openxmlformats.org/officeDocument/2006/math">
+                    <m:oMathParaPr>
+                      <m:jc m:val="centerGroup"/>
+                    </m:oMathParaPr>
+                    <m:oMath xmlns:m="http://schemas.openxmlformats.org/officeDocument/2006/math">
+                      <m:r>
+                        <a:rPr lang="en-US" sz="2800" i="1" dirty="0" smtClean="0">
+                          <a:latin typeface="Cambria Math" panose="02040503050406030204" pitchFamily="18" charset="0"/>
+                        </a:rPr>
+                        <m:t>𝑆</m:t>
+                      </m:r>
+                      <m:r>
+                        <a:rPr lang="en-US" sz="2800" i="1" dirty="0" smtClean="0">
+                          <a:latin typeface="Cambria Math" panose="02040503050406030204" pitchFamily="18" charset="0"/>
+                        </a:rPr>
+                        <m:t>=</m:t>
+                      </m:r>
+                      <m:r>
+                        <a:rPr lang="en-US" sz="2800" i="1" dirty="0" smtClean="0">
+                          <a:latin typeface="Cambria Math" panose="02040503050406030204" pitchFamily="18" charset="0"/>
+                        </a:rPr>
+                        <m:t>𝑋</m:t>
+                      </m:r>
+                      <m:sSup>
+                        <m:sSupPr>
+                          <m:ctrlPr>
+                            <a:rPr lang="en-US" sz="2800" i="1" dirty="0">
+                              <a:latin typeface="Cambria Math" panose="02040503050406030204" pitchFamily="18" charset="0"/>
+                            </a:rPr>
+                          </m:ctrlPr>
+                        </m:sSupPr>
+                        <m:e>
+                          <m:r>
+                            <a:rPr lang="en-US" sz="2800" i="1" dirty="0" smtClean="0">
+                              <a:latin typeface="Cambria Math" panose="02040503050406030204" pitchFamily="18" charset="0"/>
+                            </a:rPr>
+                            <m:t>𝑋</m:t>
+                          </m:r>
+                        </m:e>
+                        <m:sup>
+                          <m:r>
+                            <a:rPr lang="en-US" sz="2800" i="1" dirty="0">
+                              <a:latin typeface="Cambria Math" panose="02040503050406030204" pitchFamily="18" charset="0"/>
+                            </a:rPr>
+                            <m:t>⊤</m:t>
+                          </m:r>
+                        </m:sup>
+                      </m:sSup>
+                      <m:r>
+                        <a:rPr lang="en-US" sz="2800" i="1" dirty="0">
+                          <a:latin typeface="Cambria Math" panose="02040503050406030204" pitchFamily="18" charset="0"/>
+                        </a:rPr>
+                        <m:t>∈</m:t>
+                      </m:r>
+                      <m:sSup>
+                        <m:sSupPr>
+                          <m:ctrlPr>
+                            <a:rPr lang="en-US" sz="2800" i="1" dirty="0">
+                              <a:latin typeface="Cambria Math" panose="02040503050406030204" pitchFamily="18" charset="0"/>
+                            </a:rPr>
+                          </m:ctrlPr>
+                        </m:sSupPr>
+                        <m:e>
+                          <m:r>
+                            <a:rPr lang="en-US" sz="2800" i="1" dirty="0" smtClean="0">
+                              <a:latin typeface="Cambria Math" panose="02040503050406030204" pitchFamily="18" charset="0"/>
+                              <a:ea typeface="Cambria Math" panose="02040503050406030204" pitchFamily="18" charset="0"/>
+                            </a:rPr>
+                            <m:t>ℝ</m:t>
+                          </m:r>
+                        </m:e>
+                        <m:sup>
+                          <m:r>
+                            <m:rPr>
+                              <m:sty m:val="p"/>
+                            </m:rPr>
+                            <a:rPr lang="en-US" sz="2800" b="0" i="1" dirty="0" smtClean="0">
+                              <a:latin typeface="Cambria Math" panose="02040503050406030204" pitchFamily="18" charset="0"/>
+                              <a:ea typeface="Cambria Math" panose="02040503050406030204" pitchFamily="18" charset="0"/>
+                            </a:rPr>
+                            <m:t>n</m:t>
+                          </m:r>
+                          <m:r>
+                            <a:rPr lang="en-US" sz="2800" i="1" dirty="0">
+                              <a:latin typeface="Cambria Math" panose="02040503050406030204" pitchFamily="18" charset="0"/>
+                            </a:rPr>
+                            <m:t>×</m:t>
+                          </m:r>
+                          <m:r>
+                            <m:rPr>
+                              <m:sty m:val="p"/>
+                            </m:rPr>
+                            <a:rPr lang="en-US" sz="2800" b="0" i="1" dirty="0" smtClean="0">
+                              <a:latin typeface="Cambria Math" panose="02040503050406030204" pitchFamily="18" charset="0"/>
+                            </a:rPr>
+                            <m:t>n</m:t>
+                          </m:r>
+                        </m:sup>
+                      </m:sSup>
+                      <m:r>
+                        <a:rPr lang="en-US" sz="2800" b="0" i="1" dirty="0" smtClean="0">
+                          <a:latin typeface="Cambria Math" panose="02040503050406030204" pitchFamily="18" charset="0"/>
+                        </a:rPr>
+                        <m:t> </m:t>
+                      </m:r>
+                      <m:r>
+                        <m:rPr>
+                          <m:nor/>
+                        </m:rPr>
+                        <a:rPr lang="en-US" sz="2800" i="0" dirty="0">
+                          <a:latin typeface="Cambria Math" panose="02040503050406030204" pitchFamily="18" charset="0"/>
+                        </a:rPr>
+                        <m:t>where</m:t>
+                      </m:r>
+                      <m:sSub>
+                        <m:sSubPr>
+                          <m:ctrlPr>
+                            <a:rPr lang="en-US" sz="2800" i="1" dirty="0">
+                              <a:latin typeface="Cambria Math" panose="02040503050406030204" pitchFamily="18" charset="0"/>
+                            </a:rPr>
+                          </m:ctrlPr>
+                        </m:sSubPr>
+                        <m:e>
+                          <m:r>
+                            <a:rPr lang="en-US" sz="2800" b="0" i="1" dirty="0" smtClean="0">
+                              <a:latin typeface="Cambria Math" panose="02040503050406030204" pitchFamily="18" charset="0"/>
+                            </a:rPr>
+                            <m:t>  </m:t>
+                          </m:r>
+                          <m:r>
+                            <a:rPr lang="en-US" sz="2800" i="1" dirty="0">
+                              <a:latin typeface="Cambria Math" panose="02040503050406030204" pitchFamily="18" charset="0"/>
+                            </a:rPr>
+                            <m:t>𝑆</m:t>
+                          </m:r>
+                        </m:e>
+                        <m:sub>
+                          <m:r>
+                            <a:rPr lang="en-US" sz="2800" i="1" dirty="0">
+                              <a:latin typeface="Cambria Math" panose="02040503050406030204" pitchFamily="18" charset="0"/>
+                            </a:rPr>
+                            <m:t>𝑖𝑗</m:t>
+                          </m:r>
+                        </m:sub>
+                      </m:sSub>
+                      <m:r>
+                        <a:rPr lang="en-US" sz="2800" i="1" dirty="0">
+                          <a:latin typeface="Cambria Math" panose="02040503050406030204" pitchFamily="18" charset="0"/>
+                        </a:rPr>
+                        <m:t>=</m:t>
+                      </m:r>
+                      <m:sSubSup>
+                        <m:sSubSupPr>
+                          <m:ctrlPr>
+                            <a:rPr lang="en-US" sz="2800" i="1" dirty="0">
+                              <a:latin typeface="Cambria Math" panose="02040503050406030204" pitchFamily="18" charset="0"/>
+                            </a:rPr>
+                          </m:ctrlPr>
+                        </m:sSubSupPr>
+                        <m:e>
+                          <m:r>
+                            <m:rPr>
+                              <m:sty m:val="p"/>
+                            </m:rPr>
+                            <a:rPr lang="en-US" sz="2800" b="0" i="1" dirty="0" smtClean="0">
+                              <a:latin typeface="Cambria Math" panose="02040503050406030204" pitchFamily="18" charset="0"/>
+                            </a:rPr>
+                            <m:t>x</m:t>
+                          </m:r>
+                        </m:e>
+                        <m:sub>
+                          <m:r>
+                            <m:rPr>
+                              <m:sty m:val="p"/>
+                            </m:rPr>
+                            <a:rPr lang="en-US" sz="2800" b="0" i="1" dirty="0" smtClean="0">
+                              <a:latin typeface="Cambria Math" panose="02040503050406030204" pitchFamily="18" charset="0"/>
+                            </a:rPr>
+                            <m:t>i</m:t>
+                          </m:r>
+                        </m:sub>
+                        <m:sup>
+                          <m:r>
+                            <a:rPr lang="en-US" sz="2800" i="1" dirty="0">
+                              <a:latin typeface="Cambria Math" panose="02040503050406030204" pitchFamily="18" charset="0"/>
+                            </a:rPr>
+                            <m:t>⊤</m:t>
+                          </m:r>
+                        </m:sup>
+                      </m:sSubSup>
+                      <m:sSub>
+                        <m:sSubPr>
+                          <m:ctrlPr>
+                            <a:rPr lang="en-US" sz="2800" i="1" dirty="0" smtClean="0">
+                              <a:latin typeface="Cambria Math" panose="02040503050406030204" pitchFamily="18" charset="0"/>
+                            </a:rPr>
+                          </m:ctrlPr>
+                        </m:sSubPr>
+                        <m:e>
+                          <m:r>
+                            <m:rPr>
+                              <m:sty m:val="p"/>
+                            </m:rPr>
+                            <a:rPr lang="en-US" sz="2800" b="0" i="1" dirty="0" smtClean="0">
+                              <a:latin typeface="Cambria Math" panose="02040503050406030204" pitchFamily="18" charset="0"/>
+                            </a:rPr>
+                            <m:t>x</m:t>
+                          </m:r>
+                        </m:e>
+                        <m:sub>
+                          <m:r>
+                            <m:rPr>
+                              <m:sty m:val="p"/>
+                            </m:rPr>
+                            <a:rPr lang="en-US" sz="2800" b="0" i="1" dirty="0" smtClean="0">
+                              <a:latin typeface="Cambria Math" panose="02040503050406030204" pitchFamily="18" charset="0"/>
+                            </a:rPr>
+                            <m:t>j</m:t>
+                          </m:r>
+                        </m:sub>
+                      </m:sSub>
+                    </m:oMath>
+                  </m:oMathPara>
+                </a14:m>
+                <a:endParaRPr dirty="0"/>
+              </a:p>
+            </p:txBody>
+          </p:sp>
+        </mc:Choice>
+        <mc:Fallback>
+          <p:sp>
+            <p:nvSpPr>
+              <p:cNvPr id="11" name="TextBox 10">
+                <a:extLst>
+                  <a:ext uri="{FF2B5EF4-FFF2-40B4-BE49-F238E27FC236}">
+                    <a16:creationId xmlns:a16="http://schemas.microsoft.com/office/drawing/2014/main" id="{609CDA9B-96CA-9CD5-A500-78D610656684}"/>
+                  </a:ext>
+                </a:extLst>
+              </p:cNvPr>
+              <p:cNvSpPr txBox="1">
+                <a:spLocks noRot="1" noChangeAspect="1" noMove="1" noResize="1" noEditPoints="1" noAdjustHandles="1" noChangeArrowheads="1" noChangeShapeType="1" noTextEdit="1"/>
+              </p:cNvSpPr>
+              <p:nvPr/>
+            </p:nvSpPr>
+            <p:spPr>
+              <a:xfrm>
+                <a:off x="13810463" y="22360135"/>
+                <a:ext cx="5579156" cy="585288"/>
+              </a:xfrm>
+              <a:prstGeom prst="rect">
+                <a:avLst/>
+              </a:prstGeom>
+              <a:blipFill>
+                <a:blip r:embed="rId19"/>
+                <a:stretch>
+                  <a:fillRect b="-12766"/>
+                </a:stretch>
+              </a:blipFill>
+            </p:spPr>
+            <p:txBody>
+              <a:bodyPr/>
+              <a:lstStyle/>
+              <a:p>
+                <a:r>
+                  <a:rPr lang="en-US">
+                    <a:noFill/>
+                  </a:rPr>
+                  <a:t> </a:t>
+                </a:r>
+              </a:p>
+            </p:txBody>
+          </p:sp>
+        </mc:Fallback>
+      </mc:AlternateContent>
+      <p:sp>
+        <p:nvSpPr>
+          <p:cNvPr id="12" name="Google Shape;65;p14">
+            <a:extLst>
+              <a:ext uri="{FF2B5EF4-FFF2-40B4-BE49-F238E27FC236}">
+                <a16:creationId xmlns:a16="http://schemas.microsoft.com/office/drawing/2014/main" id="{9A867245-E464-C203-46BC-6494DCB08B0B}"/>
+              </a:ext>
+            </a:extLst>
+          </p:cNvPr>
+          <p:cNvSpPr txBox="1"/>
+          <p:nvPr/>
+        </p:nvSpPr>
+        <p:spPr>
+          <a:xfrm>
+            <a:off x="10048046" y="24378936"/>
+            <a:ext cx="5319352" cy="566539"/>
+          </a:xfrm>
+          <a:prstGeom prst="rect">
+            <a:avLst/>
+          </a:prstGeom>
+          <a:noFill/>
+          <a:ln w="28575">
+            <a:noFill/>
+          </a:ln>
+        </p:spPr>
+        <p:txBody>
+          <a:bodyPr spcFirstLastPara="1" wrap="square" lIns="67265" tIns="33642" rIns="67265" bIns="33642" anchor="t" anchorCtr="0">
+            <a:spAutoFit/>
+          </a:bodyPr>
+          <a:lstStyle/>
+          <a:p>
+            <a:pPr algn="just">
+              <a:lnSpc>
+                <a:spcPct val="135000"/>
+              </a:lnSpc>
+              <a:buClr>
+                <a:schemeClr val="dk1"/>
+              </a:buClr>
+              <a:buSzPts val="3000"/>
+            </a:pPr>
+            <a:r>
+              <a:rPr lang="en-US" sz="2400" b="1" dirty="0">
+                <a:solidFill>
+                  <a:schemeClr val="dk1"/>
+                </a:solidFill>
+                <a:latin typeface="Libre Franklin"/>
+                <a:ea typeface="Libre Franklin"/>
+                <a:cs typeface="Libre Franklin"/>
+                <a:sym typeface="Libre Franklin"/>
+              </a:rPr>
+              <a:t>3. Attention </a:t>
+            </a:r>
+          </a:p>
+        </p:txBody>
+      </p:sp>
+      <mc:AlternateContent xmlns:mc="http://schemas.openxmlformats.org/markup-compatibility/2006">
+        <mc:Choice xmlns:a14="http://schemas.microsoft.com/office/drawing/2010/main" Requires="a14">
+          <p:sp>
+            <p:nvSpPr>
+              <p:cNvPr id="13" name="TextBox 12">
+                <a:extLst>
+                  <a:ext uri="{FF2B5EF4-FFF2-40B4-BE49-F238E27FC236}">
+                    <a16:creationId xmlns:a16="http://schemas.microsoft.com/office/drawing/2014/main" id="{CB6A2C9A-9B46-3198-2F2A-F330F2958FD8}"/>
+                  </a:ext>
+                </a:extLst>
+              </p:cNvPr>
+              <p:cNvSpPr txBox="1"/>
+              <p:nvPr/>
+            </p:nvSpPr>
+            <p:spPr>
+              <a:xfrm>
+                <a:off x="13151478" y="26779517"/>
+                <a:ext cx="7363234" cy="523220"/>
+              </a:xfrm>
+              <a:prstGeom prst="rect">
+                <a:avLst/>
+              </a:prstGeom>
+              <a:noFill/>
+            </p:spPr>
+            <p:txBody>
+              <a:bodyPr wrap="none" rtlCol="0">
+                <a:spAutoFit/>
+              </a:bodyPr>
+              <a:lstStyle/>
+              <a:p>
+                <a:pPr/>
+                <a14:m>
+                  <m:oMathPara xmlns:m="http://schemas.openxmlformats.org/officeDocument/2006/math">
+                    <m:oMathParaPr>
+                      <m:jc m:val="centerGroup"/>
+                    </m:oMathParaPr>
+                    <m:oMath xmlns:m="http://schemas.openxmlformats.org/officeDocument/2006/math">
+                      <m:r>
+                        <m:rPr>
+                          <m:sty m:val="p"/>
+                        </m:rPr>
+                        <a:rPr lang="en-US" sz="2800" i="1" dirty="0" smtClean="0">
+                          <a:latin typeface="Cambria Math" panose="02040503050406030204" pitchFamily="18" charset="0"/>
+                        </a:rPr>
+                        <m:t>A</m:t>
+                      </m:r>
+                      <m:r>
+                        <m:rPr>
+                          <m:sty m:val="p"/>
+                        </m:rPr>
+                        <a:rPr lang="en-US" sz="2800" b="0" i="1" dirty="0" smtClean="0">
+                          <a:latin typeface="Cambria Math" panose="02040503050406030204" pitchFamily="18" charset="0"/>
+                        </a:rPr>
+                        <m:t>ttention</m:t>
+                      </m:r>
+                      <m:r>
+                        <a:rPr lang="en-US" sz="2800" b="0" i="1" dirty="0" smtClean="0">
+                          <a:latin typeface="Cambria Math" panose="02040503050406030204" pitchFamily="18" charset="0"/>
+                        </a:rPr>
+                        <m:t>(</m:t>
+                      </m:r>
+                      <m:r>
+                        <m:rPr>
+                          <m:sty m:val="p"/>
+                        </m:rPr>
+                        <a:rPr lang="en-US" sz="2800" b="0" i="1" dirty="0" smtClean="0">
+                          <a:latin typeface="Cambria Math" panose="02040503050406030204" pitchFamily="18" charset="0"/>
+                        </a:rPr>
+                        <m:t>Q</m:t>
+                      </m:r>
+                      <m:r>
+                        <a:rPr lang="en-US" sz="2800" b="0" i="1" dirty="0" smtClean="0">
+                          <a:latin typeface="Cambria Math" panose="02040503050406030204" pitchFamily="18" charset="0"/>
+                        </a:rPr>
+                        <m:t>, </m:t>
+                      </m:r>
+                      <m:r>
+                        <m:rPr>
+                          <m:sty m:val="p"/>
+                        </m:rPr>
+                        <a:rPr lang="en-US" sz="2800" b="0" i="1" dirty="0" smtClean="0">
+                          <a:latin typeface="Cambria Math" panose="02040503050406030204" pitchFamily="18" charset="0"/>
+                        </a:rPr>
+                        <m:t>K</m:t>
+                      </m:r>
+                      <m:r>
+                        <a:rPr lang="en-US" sz="2800" b="0" i="1" dirty="0" smtClean="0">
+                          <a:latin typeface="Cambria Math" panose="02040503050406030204" pitchFamily="18" charset="0"/>
+                        </a:rPr>
+                        <m:t>, </m:t>
+                      </m:r>
+                      <m:r>
+                        <m:rPr>
+                          <m:sty m:val="p"/>
+                        </m:rPr>
+                        <a:rPr lang="en-US" sz="2800" b="0" i="1" dirty="0" smtClean="0">
+                          <a:latin typeface="Cambria Math" panose="02040503050406030204" pitchFamily="18" charset="0"/>
+                        </a:rPr>
+                        <m:t>V</m:t>
+                      </m:r>
+                      <m:r>
+                        <a:rPr lang="en-US" sz="2800" b="0" i="1" dirty="0" smtClean="0">
+                          <a:latin typeface="Cambria Math" panose="02040503050406030204" pitchFamily="18" charset="0"/>
+                        </a:rPr>
+                        <m:t>) =</m:t>
+                      </m:r>
+                      <m:r>
+                        <m:rPr>
+                          <m:sty m:val="p"/>
+                        </m:rPr>
+                        <a:rPr lang="en-US" sz="2800" i="1" dirty="0">
+                          <a:latin typeface="Cambria Math" panose="02040503050406030204" pitchFamily="18" charset="0"/>
+                        </a:rPr>
+                        <m:t>A</m:t>
+                      </m:r>
+                      <m:r>
+                        <a:rPr lang="en-US" sz="2800" i="1" dirty="0">
+                          <a:latin typeface="Cambria Math" panose="02040503050406030204" pitchFamily="18" charset="0"/>
+                        </a:rPr>
+                        <m:t>(</m:t>
+                      </m:r>
+                      <m:r>
+                        <m:rPr>
+                          <m:sty m:val="p"/>
+                        </m:rPr>
+                        <a:rPr lang="en-US" sz="2800" i="1" dirty="0">
+                          <a:latin typeface="Cambria Math" panose="02040503050406030204" pitchFamily="18" charset="0"/>
+                        </a:rPr>
+                        <m:t>Q</m:t>
+                      </m:r>
+                      <m:r>
+                        <a:rPr lang="en-US" sz="2800" i="1" dirty="0">
+                          <a:latin typeface="Cambria Math" panose="02040503050406030204" pitchFamily="18" charset="0"/>
+                        </a:rPr>
+                        <m:t>, </m:t>
+                      </m:r>
+                      <m:r>
+                        <m:rPr>
+                          <m:sty m:val="p"/>
+                        </m:rPr>
+                        <a:rPr lang="en-US" sz="2800" i="1" dirty="0">
+                          <a:latin typeface="Cambria Math" panose="02040503050406030204" pitchFamily="18" charset="0"/>
+                        </a:rPr>
+                        <m:t>K</m:t>
+                      </m:r>
+                      <m:r>
+                        <a:rPr lang="en-US" sz="2800" i="1" dirty="0">
+                          <a:latin typeface="Cambria Math" panose="02040503050406030204" pitchFamily="18" charset="0"/>
+                        </a:rPr>
+                        <m:t>)</m:t>
+                      </m:r>
+                      <m:r>
+                        <m:rPr>
+                          <m:sty m:val="p"/>
+                        </m:rPr>
+                        <a:rPr lang="en-US" sz="2800" i="1" dirty="0">
+                          <a:latin typeface="Cambria Math" panose="02040503050406030204" pitchFamily="18" charset="0"/>
+                        </a:rPr>
+                        <m:t>V</m:t>
+                      </m:r>
+                      <m:r>
+                        <a:rPr lang="en-US" sz="2800" b="0" i="1" dirty="0" smtClean="0">
+                          <a:latin typeface="Cambria Math" panose="02040503050406030204" pitchFamily="18" charset="0"/>
+                        </a:rPr>
+                        <m:t> </m:t>
+                      </m:r>
+                      <m:r>
+                        <m:rPr>
+                          <m:sty m:val="p"/>
+                        </m:rPr>
+                        <a:rPr lang="en-US" sz="2800" b="0" i="1" dirty="0" smtClean="0">
+                          <a:latin typeface="Cambria Math" panose="02040503050406030204" pitchFamily="18" charset="0"/>
+                        </a:rPr>
+                        <m:t>where</m:t>
+                      </m:r>
+                      <m:r>
+                        <a:rPr lang="en-US" sz="2800" b="0" i="1" dirty="0" smtClean="0">
+                          <a:latin typeface="Cambria Math" panose="02040503050406030204" pitchFamily="18" charset="0"/>
+                        </a:rPr>
+                        <m:t> </m:t>
+                      </m:r>
+                      <m:r>
+                        <m:rPr>
+                          <m:sty m:val="p"/>
+                        </m:rPr>
+                        <a:rPr lang="en-US" sz="2800" b="0" i="1" dirty="0" smtClean="0">
+                          <a:latin typeface="Cambria Math" panose="02040503050406030204" pitchFamily="18" charset="0"/>
+                        </a:rPr>
+                        <m:t>V</m:t>
+                      </m:r>
+                      <m:r>
+                        <a:rPr lang="en-US" sz="2800" i="1" dirty="0">
+                          <a:latin typeface="Cambria Math" panose="02040503050406030204" pitchFamily="18" charset="0"/>
+                        </a:rPr>
+                        <m:t> =</m:t>
+                      </m:r>
+                      <m:sSub>
+                        <m:sSubPr>
+                          <m:ctrlPr>
+                            <a:rPr lang="en-US" sz="2800" i="1" dirty="0">
+                              <a:latin typeface="Cambria Math" panose="02040503050406030204" pitchFamily="18" charset="0"/>
+                            </a:rPr>
+                          </m:ctrlPr>
+                        </m:sSubPr>
+                        <m:e>
+                          <m:r>
+                            <m:rPr>
+                              <m:sty m:val="p"/>
+                            </m:rPr>
+                            <a:rPr lang="en-US" sz="2800" i="1" dirty="0">
+                              <a:latin typeface="Cambria Math" panose="02040503050406030204" pitchFamily="18" charset="0"/>
+                            </a:rPr>
+                            <m:t>w</m:t>
+                          </m:r>
+                        </m:e>
+                        <m:sub>
+                          <m:r>
+                            <m:rPr>
+                              <m:sty m:val="p"/>
+                            </m:rPr>
+                            <a:rPr lang="en-US" sz="2800" b="0" i="1" dirty="0" smtClean="0">
+                              <a:latin typeface="Cambria Math" panose="02040503050406030204" pitchFamily="18" charset="0"/>
+                            </a:rPr>
+                            <m:t>v</m:t>
+                          </m:r>
+                        </m:sub>
+                      </m:sSub>
+                      <m:r>
+                        <m:rPr>
+                          <m:sty m:val="p"/>
+                        </m:rPr>
+                        <a:rPr lang="en-US" sz="2800" i="1" dirty="0">
+                          <a:latin typeface="Cambria Math" panose="02040503050406030204" pitchFamily="18" charset="0"/>
+                        </a:rPr>
+                        <m:t>X</m:t>
+                      </m:r>
+                    </m:oMath>
+                  </m:oMathPara>
+                </a14:m>
+                <a:endParaRPr dirty="0"/>
+              </a:p>
+            </p:txBody>
+          </p:sp>
+        </mc:Choice>
+        <mc:Fallback>
+          <p:sp>
+            <p:nvSpPr>
+              <p:cNvPr id="13" name="TextBox 12">
+                <a:extLst>
+                  <a:ext uri="{FF2B5EF4-FFF2-40B4-BE49-F238E27FC236}">
+                    <a16:creationId xmlns:a16="http://schemas.microsoft.com/office/drawing/2014/main" id="{CB6A2C9A-9B46-3198-2F2A-F330F2958FD8}"/>
+                  </a:ext>
+                </a:extLst>
+              </p:cNvPr>
+              <p:cNvSpPr txBox="1">
+                <a:spLocks noRot="1" noChangeAspect="1" noMove="1" noResize="1" noEditPoints="1" noAdjustHandles="1" noChangeArrowheads="1" noChangeShapeType="1" noTextEdit="1"/>
+              </p:cNvSpPr>
+              <p:nvPr/>
+            </p:nvSpPr>
+            <p:spPr>
+              <a:xfrm>
+                <a:off x="13151478" y="26779517"/>
+                <a:ext cx="7363234" cy="523220"/>
+              </a:xfrm>
+              <a:prstGeom prst="rect">
+                <a:avLst/>
+              </a:prstGeom>
+              <a:blipFill>
+                <a:blip r:embed="rId20"/>
+                <a:stretch>
+                  <a:fillRect b="-21429"/>
+                </a:stretch>
+              </a:blipFill>
+            </p:spPr>
+            <p:txBody>
+              <a:bodyPr/>
+              <a:lstStyle/>
+              <a:p>
+                <a:r>
+                  <a:rPr lang="en-US">
+                    <a:noFill/>
+                  </a:rPr>
+                  <a:t> </a:t>
+                </a:r>
+              </a:p>
+            </p:txBody>
+          </p:sp>
+        </mc:Fallback>
+      </mc:AlternateContent>
+      <mc:AlternateContent xmlns:mc="http://schemas.openxmlformats.org/markup-compatibility/2006">
+        <mc:Choice xmlns:a14="http://schemas.microsoft.com/office/drawing/2010/main" Requires="a14">
+          <p:sp>
+            <p:nvSpPr>
+              <p:cNvPr id="14" name="TextBox 13">
+                <a:extLst>
+                  <a:ext uri="{FF2B5EF4-FFF2-40B4-BE49-F238E27FC236}">
+                    <a16:creationId xmlns:a16="http://schemas.microsoft.com/office/drawing/2014/main" id="{29065B77-C28E-A695-8D45-DFE005237206}"/>
+                  </a:ext>
+                </a:extLst>
+              </p:cNvPr>
+              <p:cNvSpPr txBox="1"/>
+              <p:nvPr/>
+            </p:nvSpPr>
+            <p:spPr>
+              <a:xfrm>
+                <a:off x="13604018" y="24908968"/>
+                <a:ext cx="6249083" cy="572914"/>
+              </a:xfrm>
+              <a:prstGeom prst="rect">
+                <a:avLst/>
+              </a:prstGeom>
+              <a:noFill/>
+            </p:spPr>
+            <p:txBody>
+              <a:bodyPr wrap="none" rtlCol="0">
+                <a:spAutoFit/>
+              </a:bodyPr>
+              <a:lstStyle/>
+              <a:p>
+                <a:pPr/>
+                <a14:m>
+                  <m:oMathPara xmlns:m="http://schemas.openxmlformats.org/officeDocument/2006/math">
+                    <m:oMathParaPr>
+                      <m:jc m:val="centerGroup"/>
+                    </m:oMathParaPr>
+                    <m:oMath xmlns:m="http://schemas.openxmlformats.org/officeDocument/2006/math">
+                      <m:sSup>
+                        <m:sSupPr>
+                          <m:ctrlPr>
+                            <a:rPr lang="en-US" sz="2800" i="1" dirty="0" smtClean="0">
+                              <a:latin typeface="Cambria Math" panose="02040503050406030204" pitchFamily="18" charset="0"/>
+                            </a:rPr>
+                          </m:ctrlPr>
+                        </m:sSupPr>
+                        <m:e>
+                          <m:r>
+                            <m:rPr>
+                              <m:sty m:val="p"/>
+                            </m:rPr>
+                            <a:rPr lang="en-US" sz="2800" b="0" i="1" dirty="0" smtClean="0">
+                              <a:latin typeface="Cambria Math" panose="02040503050406030204" pitchFamily="18" charset="0"/>
+                            </a:rPr>
+                            <m:t>QK</m:t>
+                          </m:r>
+                        </m:e>
+                        <m:sup>
+                          <m:r>
+                            <a:rPr lang="en-US" sz="2800" i="1" dirty="0">
+                              <a:latin typeface="Cambria Math" panose="02040503050406030204" pitchFamily="18" charset="0"/>
+                            </a:rPr>
+                            <m:t>⊤</m:t>
+                          </m:r>
+                        </m:sup>
+                      </m:sSup>
+                      <m:r>
+                        <a:rPr lang="en-US" sz="2800" i="1" dirty="0">
+                          <a:latin typeface="Cambria Math" panose="02040503050406030204" pitchFamily="18" charset="0"/>
+                        </a:rPr>
+                        <m:t>∈</m:t>
+                      </m:r>
+                      <m:sSup>
+                        <m:sSupPr>
+                          <m:ctrlPr>
+                            <a:rPr lang="en-US" sz="2800" i="1" dirty="0">
+                              <a:latin typeface="Cambria Math" panose="02040503050406030204" pitchFamily="18" charset="0"/>
+                            </a:rPr>
+                          </m:ctrlPr>
+                        </m:sSupPr>
+                        <m:e>
+                          <m:r>
+                            <a:rPr lang="en-US" sz="2800" i="1" dirty="0" smtClean="0">
+                              <a:latin typeface="Cambria Math" panose="02040503050406030204" pitchFamily="18" charset="0"/>
+                              <a:ea typeface="Cambria Math" panose="02040503050406030204" pitchFamily="18" charset="0"/>
+                            </a:rPr>
+                            <m:t>ℝ</m:t>
+                          </m:r>
+                        </m:e>
+                        <m:sup>
+                          <m:r>
+                            <m:rPr>
+                              <m:sty m:val="p"/>
+                            </m:rPr>
+                            <a:rPr lang="en-US" sz="2800" b="0" i="1" dirty="0" smtClean="0">
+                              <a:latin typeface="Cambria Math" panose="02040503050406030204" pitchFamily="18" charset="0"/>
+                              <a:ea typeface="Cambria Math" panose="02040503050406030204" pitchFamily="18" charset="0"/>
+                            </a:rPr>
+                            <m:t>n</m:t>
+                          </m:r>
+                          <m:r>
+                            <a:rPr lang="en-US" sz="2800" i="1" dirty="0">
+                              <a:latin typeface="Cambria Math" panose="02040503050406030204" pitchFamily="18" charset="0"/>
+                            </a:rPr>
+                            <m:t>×</m:t>
+                          </m:r>
+                          <m:r>
+                            <m:rPr>
+                              <m:sty m:val="p"/>
+                            </m:rPr>
+                            <a:rPr lang="en-US" sz="2800" b="0" i="1" dirty="0" smtClean="0">
+                              <a:latin typeface="Cambria Math" panose="02040503050406030204" pitchFamily="18" charset="0"/>
+                            </a:rPr>
+                            <m:t>n</m:t>
+                          </m:r>
+                        </m:sup>
+                      </m:sSup>
+                      <m:r>
+                        <a:rPr lang="en-US" sz="2800" b="0" i="1" dirty="0" smtClean="0">
+                          <a:latin typeface="Cambria Math" panose="02040503050406030204" pitchFamily="18" charset="0"/>
+                        </a:rPr>
+                        <m:t> </m:t>
+                      </m:r>
+                      <m:r>
+                        <m:rPr>
+                          <m:nor/>
+                        </m:rPr>
+                        <a:rPr lang="en-US" sz="2800" i="0" dirty="0">
+                          <a:latin typeface="Cambria Math" panose="02040503050406030204" pitchFamily="18" charset="0"/>
+                        </a:rPr>
+                        <m:t>where</m:t>
+                      </m:r>
+                      <m:r>
+                        <m:rPr>
+                          <m:nor/>
+                        </m:rPr>
+                        <a:rPr lang="en-US" sz="2800" b="0" i="0" dirty="0" smtClean="0">
+                          <a:latin typeface="Cambria Math" panose="02040503050406030204" pitchFamily="18" charset="0"/>
+                        </a:rPr>
+                        <m:t> </m:t>
+                      </m:r>
+                      <m:r>
+                        <m:rPr>
+                          <m:nor/>
+                        </m:rPr>
+                        <a:rPr lang="en-US" sz="2800" b="0" i="0" dirty="0" smtClean="0">
+                          <a:latin typeface="Cambria Math" panose="02040503050406030204" pitchFamily="18" charset="0"/>
+                        </a:rPr>
+                        <m:t>Q</m:t>
+                      </m:r>
+                      <m:r>
+                        <m:rPr>
+                          <m:nor/>
+                        </m:rPr>
+                        <a:rPr lang="en-US" sz="2800" b="0" i="0" dirty="0" smtClean="0">
+                          <a:latin typeface="Cambria Math" panose="02040503050406030204" pitchFamily="18" charset="0"/>
+                        </a:rPr>
+                        <m:t> = </m:t>
+                      </m:r>
+                      <m:sSub>
+                        <m:sSubPr>
+                          <m:ctrlPr>
+                            <a:rPr lang="en-US" sz="2800" b="0" i="1" dirty="0" smtClean="0">
+                              <a:latin typeface="Cambria Math" panose="02040503050406030204" pitchFamily="18" charset="0"/>
+                            </a:rPr>
+                          </m:ctrlPr>
+                        </m:sSubPr>
+                        <m:e>
+                          <m:r>
+                            <m:rPr>
+                              <m:sty m:val="p"/>
+                            </m:rPr>
+                            <a:rPr lang="en-US" sz="2800" b="0" i="1" dirty="0" smtClean="0">
+                              <a:latin typeface="Cambria Math" panose="02040503050406030204" pitchFamily="18" charset="0"/>
+                            </a:rPr>
+                            <m:t>w</m:t>
+                          </m:r>
+                        </m:e>
+                        <m:sub>
+                          <m:r>
+                            <m:rPr>
+                              <m:sty m:val="p"/>
+                            </m:rPr>
+                            <a:rPr lang="en-US" sz="2800" b="0" i="1" dirty="0" smtClean="0">
+                              <a:latin typeface="Cambria Math" panose="02040503050406030204" pitchFamily="18" charset="0"/>
+                            </a:rPr>
+                            <m:t>Q</m:t>
+                          </m:r>
+                        </m:sub>
+                      </m:sSub>
+                      <m:r>
+                        <m:rPr>
+                          <m:sty m:val="p"/>
+                        </m:rPr>
+                        <a:rPr lang="en-US" sz="2800" b="0" i="1" dirty="0" smtClean="0">
+                          <a:latin typeface="Cambria Math" panose="02040503050406030204" pitchFamily="18" charset="0"/>
+                        </a:rPr>
+                        <m:t>X</m:t>
+                      </m:r>
+                      <m:r>
+                        <a:rPr lang="en-US" sz="2800" b="0" i="1" dirty="0" smtClean="0">
+                          <a:latin typeface="Cambria Math" panose="02040503050406030204" pitchFamily="18" charset="0"/>
+                        </a:rPr>
+                        <m:t>, </m:t>
+                      </m:r>
+                      <m:r>
+                        <m:rPr>
+                          <m:sty m:val="p"/>
+                        </m:rPr>
+                        <a:rPr lang="en-US" sz="2800" b="0" i="1" dirty="0" smtClean="0">
+                          <a:latin typeface="Cambria Math" panose="02040503050406030204" pitchFamily="18" charset="0"/>
+                        </a:rPr>
+                        <m:t>K</m:t>
+                      </m:r>
+                      <m:r>
+                        <a:rPr lang="en-US" sz="2800" b="0" i="1" dirty="0" smtClean="0">
+                          <a:latin typeface="Cambria Math" panose="02040503050406030204" pitchFamily="18" charset="0"/>
+                        </a:rPr>
+                        <m:t> =</m:t>
+                      </m:r>
+                      <m:sSub>
+                        <m:sSubPr>
+                          <m:ctrlPr>
+                            <a:rPr lang="en-US" sz="2800" i="1" dirty="0">
+                              <a:latin typeface="Cambria Math" panose="02040503050406030204" pitchFamily="18" charset="0"/>
+                            </a:rPr>
+                          </m:ctrlPr>
+                        </m:sSubPr>
+                        <m:e>
+                          <m:r>
+                            <m:rPr>
+                              <m:sty m:val="p"/>
+                            </m:rPr>
+                            <a:rPr lang="en-US" sz="2800" i="1" dirty="0">
+                              <a:latin typeface="Cambria Math" panose="02040503050406030204" pitchFamily="18" charset="0"/>
+                            </a:rPr>
+                            <m:t>w</m:t>
+                          </m:r>
+                        </m:e>
+                        <m:sub>
+                          <m:r>
+                            <m:rPr>
+                              <m:sty m:val="p"/>
+                            </m:rPr>
+                            <a:rPr lang="en-US" sz="2800" b="0" i="1" dirty="0" smtClean="0">
+                              <a:latin typeface="Cambria Math" panose="02040503050406030204" pitchFamily="18" charset="0"/>
+                            </a:rPr>
+                            <m:t>k</m:t>
+                          </m:r>
+                        </m:sub>
+                      </m:sSub>
+                      <m:r>
+                        <m:rPr>
+                          <m:sty m:val="p"/>
+                        </m:rPr>
+                        <a:rPr lang="en-US" sz="2800" i="1" dirty="0">
+                          <a:latin typeface="Cambria Math" panose="02040503050406030204" pitchFamily="18" charset="0"/>
+                        </a:rPr>
+                        <m:t>X</m:t>
+                      </m:r>
+                    </m:oMath>
+                  </m:oMathPara>
+                </a14:m>
+                <a:endParaRPr dirty="0"/>
+              </a:p>
+            </p:txBody>
+          </p:sp>
+        </mc:Choice>
+        <mc:Fallback>
+          <p:sp>
+            <p:nvSpPr>
+              <p:cNvPr id="14" name="TextBox 13">
+                <a:extLst>
+                  <a:ext uri="{FF2B5EF4-FFF2-40B4-BE49-F238E27FC236}">
+                    <a16:creationId xmlns:a16="http://schemas.microsoft.com/office/drawing/2014/main" id="{29065B77-C28E-A695-8D45-DFE005237206}"/>
+                  </a:ext>
+                </a:extLst>
+              </p:cNvPr>
+              <p:cNvSpPr txBox="1">
+                <a:spLocks noRot="1" noChangeAspect="1" noMove="1" noResize="1" noEditPoints="1" noAdjustHandles="1" noChangeArrowheads="1" noChangeShapeType="1" noTextEdit="1"/>
+              </p:cNvSpPr>
+              <p:nvPr/>
+            </p:nvSpPr>
+            <p:spPr>
+              <a:xfrm>
+                <a:off x="13604018" y="24908968"/>
+                <a:ext cx="6249083" cy="572914"/>
+              </a:xfrm>
+              <a:prstGeom prst="rect">
+                <a:avLst/>
+              </a:prstGeom>
+              <a:blipFill>
+                <a:blip r:embed="rId21"/>
+                <a:stretch>
+                  <a:fillRect b="-13043"/>
+                </a:stretch>
+              </a:blipFill>
+            </p:spPr>
+            <p:txBody>
+              <a:bodyPr/>
+              <a:lstStyle/>
+              <a:p>
+                <a:r>
+                  <a:rPr lang="en-US">
+                    <a:noFill/>
+                  </a:rPr>
+                  <a:t> </a:t>
+                </a:r>
+              </a:p>
+            </p:txBody>
+          </p:sp>
+        </mc:Fallback>
+      </mc:AlternateContent>
+      <p:sp>
+        <p:nvSpPr>
+          <p:cNvPr id="17" name="Google Shape;65;p14">
+            <a:extLst>
+              <a:ext uri="{FF2B5EF4-FFF2-40B4-BE49-F238E27FC236}">
+                <a16:creationId xmlns:a16="http://schemas.microsoft.com/office/drawing/2014/main" id="{1C46741E-8CF7-B12E-61A2-71DDC280B88C}"/>
+              </a:ext>
+            </a:extLst>
+          </p:cNvPr>
+          <p:cNvSpPr txBox="1"/>
+          <p:nvPr/>
+        </p:nvSpPr>
+        <p:spPr>
+          <a:xfrm>
+            <a:off x="226039" y="28546878"/>
+            <a:ext cx="9390888" cy="3433478"/>
+          </a:xfrm>
+          <a:prstGeom prst="rect">
+            <a:avLst/>
+          </a:prstGeom>
+          <a:noFill/>
+          <a:ln>
+            <a:noFill/>
+          </a:ln>
+        </p:spPr>
+        <p:txBody>
+          <a:bodyPr spcFirstLastPara="1" wrap="square" lIns="67265" tIns="33642" rIns="67265" bIns="33642" anchor="t" anchorCtr="0">
+            <a:spAutoFit/>
+          </a:bodyPr>
+          <a:lstStyle/>
+          <a:p>
+            <a:pPr marL="192805" indent="-342900" algn="just">
+              <a:lnSpc>
+                <a:spcPct val="135000"/>
+              </a:lnSpc>
+              <a:buClr>
+                <a:schemeClr val="dk1"/>
+              </a:buClr>
+              <a:buSzPts val="3000"/>
+              <a:buFont typeface="Arial" panose="020B0604020202020204" pitchFamily="34" charset="0"/>
+              <a:buChar char="•"/>
+            </a:pPr>
+            <a:r>
+              <a:rPr lang="en-US" b="1" dirty="0">
+                <a:solidFill>
+                  <a:schemeClr val="dk1"/>
+                </a:solidFill>
+                <a:latin typeface="Libre Franklin"/>
+                <a:ea typeface="Libre Franklin"/>
+                <a:cs typeface="Libre Franklin"/>
+                <a:sym typeface="Libre Franklin"/>
+              </a:rPr>
+              <a:t>Architecture</a:t>
+            </a:r>
+            <a:r>
+              <a:rPr lang="en-US" dirty="0">
+                <a:solidFill>
+                  <a:schemeClr val="dk1"/>
+                </a:solidFill>
+                <a:latin typeface="Libre Franklin"/>
+                <a:ea typeface="Libre Franklin"/>
+                <a:cs typeface="Libre Franklin"/>
+                <a:sym typeface="Libre Franklin"/>
+              </a:rPr>
+              <a:t>: VGG-11 with Conv2d layers replaced by ConvNN and branching layers</a:t>
+            </a:r>
+          </a:p>
+          <a:p>
+            <a:pPr marL="192805" indent="-342900" algn="just">
+              <a:lnSpc>
+                <a:spcPct val="135000"/>
+              </a:lnSpc>
+              <a:buClr>
+                <a:schemeClr val="dk1"/>
+              </a:buClr>
+              <a:buSzPts val="3000"/>
+              <a:buFont typeface="Arial" panose="020B0604020202020204" pitchFamily="34" charset="0"/>
+              <a:buChar char="•"/>
+            </a:pPr>
+            <a:r>
+              <a:rPr lang="en-US" b="1" dirty="0">
+                <a:solidFill>
+                  <a:schemeClr val="dk1"/>
+                </a:solidFill>
+                <a:latin typeface="Libre Franklin"/>
+                <a:ea typeface="Libre Franklin"/>
+                <a:cs typeface="Libre Franklin"/>
+                <a:sym typeface="Libre Franklin"/>
+              </a:rPr>
+              <a:t>Dataset</a:t>
+            </a:r>
+            <a:r>
+              <a:rPr lang="en-US" dirty="0">
+                <a:solidFill>
+                  <a:schemeClr val="dk1"/>
+                </a:solidFill>
+                <a:latin typeface="Libre Franklin"/>
+                <a:ea typeface="Libre Franklin"/>
+                <a:cs typeface="Libre Franklin"/>
+                <a:sym typeface="Libre Franklin"/>
+              </a:rPr>
+              <a:t>: CIFAR-10 image classification</a:t>
+            </a:r>
+          </a:p>
+          <a:p>
+            <a:pPr marL="192805" indent="-342900" algn="just">
+              <a:lnSpc>
+                <a:spcPct val="135000"/>
+              </a:lnSpc>
+              <a:buClr>
+                <a:schemeClr val="dk1"/>
+              </a:buClr>
+              <a:buSzPts val="3000"/>
+              <a:buFont typeface="Arial" panose="020B0604020202020204" pitchFamily="34" charset="0"/>
+              <a:buChar char="•"/>
+            </a:pPr>
+            <a:r>
+              <a:rPr lang="en-US" b="1" dirty="0">
+                <a:solidFill>
+                  <a:schemeClr val="dk1"/>
+                </a:solidFill>
+                <a:latin typeface="Libre Franklin"/>
+                <a:ea typeface="Libre Franklin"/>
+                <a:cs typeface="Libre Franklin"/>
+                <a:sym typeface="Libre Franklin"/>
+              </a:rPr>
+              <a:t>Training</a:t>
+            </a:r>
+            <a:r>
+              <a:rPr lang="en-US" dirty="0">
+                <a:solidFill>
+                  <a:schemeClr val="dk1"/>
+                </a:solidFill>
+                <a:latin typeface="Libre Franklin"/>
+                <a:ea typeface="Libre Franklin"/>
+                <a:cs typeface="Libre Franklin"/>
+                <a:sym typeface="Libre Franklin"/>
+              </a:rPr>
+              <a:t>: 60 epochs with </a:t>
+            </a:r>
+            <a:r>
+              <a:rPr lang="en-US" dirty="0" err="1">
+                <a:solidFill>
+                  <a:schemeClr val="dk1"/>
+                </a:solidFill>
+                <a:latin typeface="Libre Franklin"/>
+                <a:ea typeface="Libre Franklin"/>
+                <a:cs typeface="Libre Franklin"/>
+                <a:sym typeface="Libre Franklin"/>
+              </a:rPr>
+              <a:t>AdamW</a:t>
+            </a:r>
+            <a:r>
+              <a:rPr lang="en-US" dirty="0">
+                <a:solidFill>
+                  <a:schemeClr val="dk1"/>
+                </a:solidFill>
+                <a:latin typeface="Libre Franklin"/>
+                <a:ea typeface="Libre Franklin"/>
+                <a:cs typeface="Libre Franklin"/>
+                <a:sym typeface="Libre Franklin"/>
+              </a:rPr>
+              <a:t> (</a:t>
+            </a:r>
+            <a:r>
+              <a:rPr lang="en-US" dirty="0" err="1">
+                <a:solidFill>
+                  <a:schemeClr val="dk1"/>
+                </a:solidFill>
+                <a:latin typeface="Libre Franklin"/>
+                <a:ea typeface="Libre Franklin"/>
+                <a:cs typeface="Libre Franklin"/>
+                <a:sym typeface="Libre Franklin"/>
+              </a:rPr>
+              <a:t>lr</a:t>
+            </a:r>
+            <a:r>
+              <a:rPr lang="en-US" dirty="0">
+                <a:solidFill>
+                  <a:schemeClr val="dk1"/>
+                </a:solidFill>
+                <a:latin typeface="Libre Franklin"/>
+                <a:ea typeface="Libre Franklin"/>
+                <a:cs typeface="Libre Franklin"/>
+                <a:sym typeface="Libre Franklin"/>
+              </a:rPr>
+              <a:t>=1e-5, wd=1e-6), </a:t>
+            </a:r>
+            <a:r>
+              <a:rPr lang="en-US" dirty="0" err="1">
+                <a:solidFill>
+                  <a:schemeClr val="dk1"/>
+                </a:solidFill>
+                <a:latin typeface="Libre Franklin"/>
+                <a:ea typeface="Libre Franklin"/>
+                <a:cs typeface="Libre Franklin"/>
+                <a:sym typeface="Libre Franklin"/>
+              </a:rPr>
+              <a:t>StepLR</a:t>
+            </a:r>
+            <a:r>
+              <a:rPr lang="en-US" dirty="0">
+                <a:solidFill>
+                  <a:schemeClr val="dk1"/>
+                </a:solidFill>
+                <a:latin typeface="Libre Franklin"/>
+                <a:ea typeface="Libre Franklin"/>
+                <a:cs typeface="Libre Franklin"/>
+                <a:sym typeface="Libre Franklin"/>
+              </a:rPr>
+              <a:t> scheduler (gamma=0.95, step=2)</a:t>
+            </a:r>
+          </a:p>
+          <a:p>
+            <a:pPr marL="192805" indent="-342900" algn="just">
+              <a:lnSpc>
+                <a:spcPct val="135000"/>
+              </a:lnSpc>
+              <a:buClr>
+                <a:schemeClr val="dk1"/>
+              </a:buClr>
+              <a:buSzPts val="3000"/>
+              <a:buFont typeface="Arial" panose="020B0604020202020204" pitchFamily="34" charset="0"/>
+              <a:buChar char="•"/>
+            </a:pPr>
+            <a:r>
+              <a:rPr lang="en-US" b="1" dirty="0">
+                <a:solidFill>
+                  <a:schemeClr val="dk1"/>
+                </a:solidFill>
+                <a:latin typeface="Libre Franklin"/>
+                <a:ea typeface="Libre Franklin"/>
+                <a:cs typeface="Libre Franklin"/>
+                <a:sym typeface="Libre Franklin"/>
+              </a:rPr>
+              <a:t>Variants tested</a:t>
+            </a:r>
+            <a:r>
+              <a:rPr lang="en-US" dirty="0">
+                <a:solidFill>
+                  <a:schemeClr val="dk1"/>
+                </a:solidFill>
+                <a:latin typeface="Libre Franklin"/>
+                <a:ea typeface="Libre Franklin"/>
+                <a:cs typeface="Libre Franklin"/>
+                <a:sym typeface="Libre Franklin"/>
+              </a:rPr>
+              <a:t>:</a:t>
+            </a:r>
+          </a:p>
+          <a:p>
+            <a:pPr marL="650005" lvl="1" indent="-342900" algn="just">
+              <a:lnSpc>
+                <a:spcPct val="135000"/>
+              </a:lnSpc>
+              <a:buClr>
+                <a:schemeClr val="dk1"/>
+              </a:buClr>
+              <a:buSzPts val="3000"/>
+              <a:buFont typeface="Arial" panose="020B0604020202020204" pitchFamily="34" charset="0"/>
+              <a:buChar char="•"/>
+            </a:pPr>
+            <a:r>
+              <a:rPr lang="en-US" dirty="0">
+                <a:solidFill>
+                  <a:schemeClr val="dk1"/>
+                </a:solidFill>
+                <a:latin typeface="Libre Franklin"/>
+                <a:ea typeface="Libre Franklin"/>
+                <a:cs typeface="Libre Franklin"/>
+                <a:sym typeface="Libre Franklin"/>
+              </a:rPr>
+              <a:t>Location-only (spatial distance) </a:t>
+            </a:r>
+          </a:p>
+          <a:p>
+            <a:pPr marL="650005" lvl="1" indent="-342900" algn="just">
+              <a:lnSpc>
+                <a:spcPct val="135000"/>
+              </a:lnSpc>
+              <a:buClr>
+                <a:schemeClr val="dk1"/>
+              </a:buClr>
+              <a:buSzPts val="3000"/>
+              <a:buFont typeface="Arial" panose="020B0604020202020204" pitchFamily="34" charset="0"/>
+              <a:buChar char="•"/>
+            </a:pPr>
+            <a:r>
+              <a:rPr lang="en-US" dirty="0">
+                <a:solidFill>
+                  <a:schemeClr val="dk1"/>
+                </a:solidFill>
+                <a:latin typeface="Libre Franklin"/>
+                <a:ea typeface="Libre Franklin"/>
+                <a:cs typeface="Libre Franklin"/>
+                <a:sym typeface="Libre Franklin"/>
+              </a:rPr>
+              <a:t>Feature-only (cosine similarity) </a:t>
+            </a:r>
+          </a:p>
+          <a:p>
+            <a:pPr marL="650005" lvl="1" indent="-342900" algn="just">
+              <a:lnSpc>
+                <a:spcPct val="135000"/>
+              </a:lnSpc>
+              <a:buClr>
+                <a:schemeClr val="dk1"/>
+              </a:buClr>
+              <a:buSzPts val="3000"/>
+              <a:buFont typeface="Arial" panose="020B0604020202020204" pitchFamily="34" charset="0"/>
+              <a:buChar char="•"/>
+            </a:pPr>
+            <a:r>
+              <a:rPr lang="en-US" dirty="0">
+                <a:solidFill>
+                  <a:schemeClr val="dk1"/>
+                </a:solidFill>
+                <a:latin typeface="Libre Franklin"/>
+                <a:ea typeface="Libre Franklin"/>
+                <a:cs typeface="Libre Franklin"/>
+                <a:sym typeface="Libre Franklin"/>
+              </a:rPr>
+              <a:t>Hybrid (weighted combination) </a:t>
+            </a:r>
+          </a:p>
+          <a:p>
+            <a:pPr marL="650005" lvl="1" indent="-342900" algn="just">
+              <a:lnSpc>
+                <a:spcPct val="135000"/>
+              </a:lnSpc>
+              <a:buClr>
+                <a:schemeClr val="dk1"/>
+              </a:buClr>
+              <a:buSzPts val="3000"/>
+              <a:buFont typeface="Arial" panose="020B0604020202020204" pitchFamily="34" charset="0"/>
+              <a:buChar char="•"/>
+            </a:pPr>
+            <a:r>
+              <a:rPr lang="en-US" dirty="0">
+                <a:solidFill>
+                  <a:schemeClr val="dk1"/>
+                </a:solidFill>
+                <a:latin typeface="Libre Franklin"/>
+                <a:ea typeface="Libre Franklin"/>
+                <a:cs typeface="Libre Franklin"/>
+                <a:sym typeface="Libre Franklin"/>
+              </a:rPr>
+              <a:t>Branching with ratio (e.g., 50% Conv2d + 50% ConvNN) </a:t>
+            </a:r>
+          </a:p>
+        </p:txBody>
+      </p:sp>
+      <mc:AlternateContent xmlns:mc="http://schemas.openxmlformats.org/markup-compatibility/2006">
+        <mc:Choice xmlns:a14="http://schemas.microsoft.com/office/drawing/2010/main" Requires="a14">
+          <p:sp>
+            <p:nvSpPr>
+              <p:cNvPr id="24" name="TextBox 23">
+                <a:extLst>
+                  <a:ext uri="{FF2B5EF4-FFF2-40B4-BE49-F238E27FC236}">
+                    <a16:creationId xmlns:a16="http://schemas.microsoft.com/office/drawing/2014/main" id="{E0AD1CCE-A68D-D6C8-8B2A-D21875E1DBC4}"/>
+                  </a:ext>
+                </a:extLst>
+              </p:cNvPr>
+              <p:cNvSpPr txBox="1"/>
+              <p:nvPr/>
+            </p:nvSpPr>
+            <p:spPr>
+              <a:xfrm>
+                <a:off x="1785166" y="14417945"/>
+                <a:ext cx="5939297" cy="542393"/>
+              </a:xfrm>
+              <a:prstGeom prst="rect">
+                <a:avLst/>
+              </a:prstGeom>
+              <a:noFill/>
+            </p:spPr>
+            <p:txBody>
+              <a:bodyPr wrap="square" rtlCol="0">
+                <a:spAutoFit/>
+              </a:bodyPr>
+              <a:lstStyle/>
+              <a:p>
+                <a:pPr/>
+                <a14:m>
+                  <m:oMathPara xmlns:m="http://schemas.openxmlformats.org/officeDocument/2006/math">
+                    <m:oMathParaPr>
+                      <m:jc m:val="centerGroup"/>
+                    </m:oMathParaPr>
+                    <m:oMath xmlns:m="http://schemas.openxmlformats.org/officeDocument/2006/math">
+                      <m:r>
+                        <m:rPr>
+                          <m:nor/>
+                        </m:rPr>
+                        <a:rPr lang="en-US" sz="2800" dirty="0">
+                          <a:latin typeface="Cambria Math" panose="02040503050406030204" pitchFamily="18" charset="0"/>
+                        </a:rPr>
+                        <m:t>N</m:t>
+                      </m:r>
+                      <m:r>
+                        <m:rPr>
+                          <m:nor/>
+                        </m:rPr>
+                        <a:rPr lang="en-US" sz="2800" b="0" i="0" dirty="0" smtClean="0">
+                          <a:latin typeface="Cambria Math" panose="02040503050406030204" pitchFamily="18" charset="0"/>
+                        </a:rPr>
+                        <m:t>eighbors</m:t>
+                      </m:r>
+                      <m:r>
+                        <a:rPr lang="en-US" sz="2800" b="0" i="1" dirty="0" smtClean="0">
+                          <a:latin typeface="Cambria Math" panose="02040503050406030204" pitchFamily="18" charset="0"/>
+                        </a:rPr>
+                        <m:t>=</m:t>
+                      </m:r>
+                      <m:r>
+                        <a:rPr lang="en-US" sz="2800" b="0" i="1" dirty="0" smtClean="0">
+                          <a:latin typeface="Cambria Math" panose="02040503050406030204" pitchFamily="18" charset="0"/>
+                        </a:rPr>
+                        <m:t>𝑋</m:t>
+                      </m:r>
+                      <m:d>
+                        <m:dPr>
+                          <m:begChr m:val="["/>
+                          <m:endChr m:val="]"/>
+                          <m:ctrlPr>
+                            <a:rPr lang="ar-AE" sz="2800" b="0" i="1" dirty="0" smtClean="0">
+                              <a:latin typeface="Cambria Math" panose="02040503050406030204" pitchFamily="18" charset="0"/>
+                            </a:rPr>
+                          </m:ctrlPr>
+                        </m:dPr>
+                        <m:e>
+                          <m:sSub>
+                            <m:sSubPr>
+                              <m:ctrlPr>
+                                <a:rPr lang="ar-AE" sz="2800" b="0" i="1" dirty="0" smtClean="0">
+                                  <a:latin typeface="Cambria Math" panose="02040503050406030204" pitchFamily="18" charset="0"/>
+                                </a:rPr>
+                              </m:ctrlPr>
+                            </m:sSubPr>
+                            <m:e>
+                              <m:r>
+                                <m:rPr>
+                                  <m:sty m:val="p"/>
+                                </m:rPr>
+                                <a:rPr lang="en-US" sz="2800" b="0" i="1" dirty="0" smtClean="0">
+                                  <a:latin typeface="Cambria Math" panose="02040503050406030204" pitchFamily="18" charset="0"/>
+                                </a:rPr>
+                                <m:t>I</m:t>
+                              </m:r>
+                            </m:e>
+                            <m:sub>
+                              <m:r>
+                                <m:rPr>
+                                  <m:sty m:val="p"/>
+                                </m:rPr>
+                                <a:rPr lang="en-US" sz="2800" b="0" i="1" dirty="0" smtClean="0">
+                                  <a:latin typeface="Cambria Math" panose="02040503050406030204" pitchFamily="18" charset="0"/>
+                                </a:rPr>
+                                <m:t>k</m:t>
+                              </m:r>
+                            </m:sub>
+                          </m:sSub>
+                          <m:d>
+                            <m:dPr>
+                              <m:begChr m:val="["/>
+                              <m:endChr m:val="]"/>
+                              <m:ctrlPr>
+                                <a:rPr lang="ar-AE" sz="2800" b="0" i="1" dirty="0" smtClean="0">
+                                  <a:latin typeface="Cambria Math" panose="02040503050406030204" pitchFamily="18" charset="0"/>
+                                </a:rPr>
+                              </m:ctrlPr>
+                            </m:dPr>
+                            <m:e>
+                              <m:r>
+                                <a:rPr lang="ar-AE" sz="2800" b="0" i="1" dirty="0" smtClean="0">
+                                  <a:latin typeface="Cambria Math" panose="02040503050406030204" pitchFamily="18" charset="0"/>
+                                </a:rPr>
+                                <m:t>𝑖</m:t>
+                              </m:r>
+                              <m:r>
+                                <a:rPr lang="ar-AE" sz="2800" b="0" i="1" dirty="0" smtClean="0">
+                                  <a:latin typeface="Cambria Math" panose="02040503050406030204" pitchFamily="18" charset="0"/>
+                                </a:rPr>
+                                <m:t>,:</m:t>
+                              </m:r>
+                            </m:e>
+                          </m:d>
+                          <m:r>
+                            <a:rPr lang="ar-AE" sz="2800" b="0" i="1" dirty="0" smtClean="0">
+                              <a:latin typeface="Cambria Math" panose="02040503050406030204" pitchFamily="18" charset="0"/>
+                            </a:rPr>
+                            <m:t>,:</m:t>
+                          </m:r>
+                        </m:e>
+                      </m:d>
+                      <m:r>
+                        <a:rPr lang="ar-AE" sz="2800" b="0" i="1" dirty="0" smtClean="0">
+                          <a:latin typeface="Cambria Math" panose="02040503050406030204" pitchFamily="18" charset="0"/>
+                          <a:ea typeface="Cambria Math" panose="02040503050406030204" pitchFamily="18" charset="0"/>
+                        </a:rPr>
+                        <m:t>∈</m:t>
+                      </m:r>
+                      <m:sSup>
+                        <m:sSupPr>
+                          <m:ctrlPr>
+                            <a:rPr lang="ar-AE" sz="2800" b="0" i="1" dirty="0" smtClean="0">
+                              <a:latin typeface="Cambria Math" panose="02040503050406030204" pitchFamily="18" charset="0"/>
+                              <a:ea typeface="Cambria Math" panose="02040503050406030204" pitchFamily="18" charset="0"/>
+                            </a:rPr>
+                          </m:ctrlPr>
+                        </m:sSupPr>
+                        <m:e>
+                          <m:r>
+                            <a:rPr lang="ar-AE" sz="2800" b="0" i="1" dirty="0" smtClean="0">
+                              <a:latin typeface="Cambria Math" panose="02040503050406030204" pitchFamily="18" charset="0"/>
+                              <a:ea typeface="Cambria Math" panose="02040503050406030204" pitchFamily="18" charset="0"/>
+                            </a:rPr>
+                            <m:t>ℝ</m:t>
+                          </m:r>
+                        </m:e>
+                        <m:sup>
+                          <m:r>
+                            <m:rPr>
+                              <m:sty m:val="p"/>
+                            </m:rPr>
+                            <a:rPr lang="en-US" sz="2800" b="0" i="1" dirty="0" smtClean="0">
+                              <a:latin typeface="Cambria Math" panose="02040503050406030204" pitchFamily="18" charset="0"/>
+                              <a:ea typeface="Cambria Math" panose="02040503050406030204" pitchFamily="18" charset="0"/>
+                            </a:rPr>
+                            <m:t>k</m:t>
+                          </m:r>
+                          <m:r>
+                            <a:rPr lang="en-US" sz="2800" b="0" i="1" dirty="0" smtClean="0">
+                              <a:latin typeface="Cambria Math" panose="02040503050406030204" pitchFamily="18" charset="0"/>
+                              <a:ea typeface="Cambria Math" panose="02040503050406030204" pitchFamily="18" charset="0"/>
+                            </a:rPr>
+                            <m:t>×</m:t>
+                          </m:r>
+                          <m:r>
+                            <m:rPr>
+                              <m:sty m:val="p"/>
+                            </m:rPr>
+                            <a:rPr lang="en-US" sz="2800" b="0" i="1" dirty="0" smtClean="0">
+                              <a:latin typeface="Cambria Math" panose="02040503050406030204" pitchFamily="18" charset="0"/>
+                              <a:ea typeface="Cambria Math" panose="02040503050406030204" pitchFamily="18" charset="0"/>
+                            </a:rPr>
+                            <m:t>n</m:t>
+                          </m:r>
+                        </m:sup>
+                      </m:sSup>
+                    </m:oMath>
+                  </m:oMathPara>
+                </a14:m>
+                <a:endParaRPr lang="ar-AE" dirty="0"/>
+              </a:p>
+            </p:txBody>
+          </p:sp>
+        </mc:Choice>
+        <mc:Fallback>
+          <p:sp>
+            <p:nvSpPr>
+              <p:cNvPr id="24" name="TextBox 23">
+                <a:extLst>
+                  <a:ext uri="{FF2B5EF4-FFF2-40B4-BE49-F238E27FC236}">
+                    <a16:creationId xmlns:a16="http://schemas.microsoft.com/office/drawing/2014/main" id="{E0AD1CCE-A68D-D6C8-8B2A-D21875E1DBC4}"/>
+                  </a:ext>
+                </a:extLst>
+              </p:cNvPr>
+              <p:cNvSpPr txBox="1">
+                <a:spLocks noRot="1" noChangeAspect="1" noMove="1" noResize="1" noEditPoints="1" noAdjustHandles="1" noChangeArrowheads="1" noChangeShapeType="1" noTextEdit="1"/>
+              </p:cNvSpPr>
+              <p:nvPr/>
+            </p:nvSpPr>
+            <p:spPr>
+              <a:xfrm>
+                <a:off x="1785166" y="14417945"/>
+                <a:ext cx="5939297" cy="542393"/>
+              </a:xfrm>
+              <a:prstGeom prst="rect">
+                <a:avLst/>
+              </a:prstGeom>
+              <a:blipFill>
+                <a:blip r:embed="rId22"/>
+                <a:stretch>
+                  <a:fillRect t="-6977" b="-30233"/>
+                </a:stretch>
+              </a:blipFill>
+            </p:spPr>
+            <p:txBody>
+              <a:bodyPr/>
+              <a:lstStyle/>
+              <a:p>
+                <a:r>
+                  <a:rPr lang="en-US">
+                    <a:noFill/>
+                  </a:rPr>
+                  <a:t> </a:t>
+                </a:r>
+              </a:p>
+            </p:txBody>
+          </p:sp>
+        </mc:Fallback>
+      </mc:AlternateContent>
+      <p:pic>
+        <p:nvPicPr>
+          <p:cNvPr id="31" name="Picture 30">
+            <a:extLst>
+              <a:ext uri="{FF2B5EF4-FFF2-40B4-BE49-F238E27FC236}">
+                <a16:creationId xmlns:a16="http://schemas.microsoft.com/office/drawing/2014/main" id="{22AF8184-6713-83AD-E770-6ED70731EDC8}"/>
+              </a:ext>
+            </a:extLst>
+          </p:cNvPr>
+          <p:cNvPicPr>
+            <a:picLocks noChangeAspect="1"/>
+          </p:cNvPicPr>
+          <p:nvPr/>
+        </p:nvPicPr>
+        <p:blipFill>
+          <a:blip r:embed="rId23"/>
+          <a:stretch>
+            <a:fillRect/>
+          </a:stretch>
+        </p:blipFill>
+        <p:spPr>
+          <a:xfrm>
+            <a:off x="10022227" y="8858819"/>
+            <a:ext cx="7190437" cy="4314262"/>
+          </a:xfrm>
+          <a:prstGeom prst="rect">
+            <a:avLst/>
+          </a:prstGeom>
+        </p:spPr>
+      </p:pic>
+      <p:pic>
+        <p:nvPicPr>
+          <p:cNvPr id="32" name="Picture 31">
+            <a:extLst>
+              <a:ext uri="{FF2B5EF4-FFF2-40B4-BE49-F238E27FC236}">
+                <a16:creationId xmlns:a16="http://schemas.microsoft.com/office/drawing/2014/main" id="{6DD12A8E-813D-3E52-3A5F-FB7CBEB5A65A}"/>
+              </a:ext>
+            </a:extLst>
+          </p:cNvPr>
+          <p:cNvPicPr>
+            <a:picLocks noChangeAspect="1"/>
+          </p:cNvPicPr>
+          <p:nvPr/>
+        </p:nvPicPr>
+        <p:blipFill>
+          <a:blip r:embed="rId24"/>
+          <a:stretch>
+            <a:fillRect/>
+          </a:stretch>
+        </p:blipFill>
+        <p:spPr>
+          <a:xfrm>
+            <a:off x="10048046" y="4113233"/>
+            <a:ext cx="6785051" cy="4240657"/>
+          </a:xfrm>
+          <a:prstGeom prst="rect">
+            <a:avLst/>
+          </a:prstGeom>
+        </p:spPr>
+      </p:pic>
+      <p:pic>
+        <p:nvPicPr>
+          <p:cNvPr id="33" name="Picture 32">
+            <a:extLst>
+              <a:ext uri="{FF2B5EF4-FFF2-40B4-BE49-F238E27FC236}">
+                <a16:creationId xmlns:a16="http://schemas.microsoft.com/office/drawing/2014/main" id="{B8DD61B9-2E51-C854-F167-DD7368897C19}"/>
+              </a:ext>
+            </a:extLst>
+          </p:cNvPr>
+          <p:cNvPicPr>
+            <a:picLocks noChangeAspect="1"/>
+          </p:cNvPicPr>
+          <p:nvPr/>
+        </p:nvPicPr>
+        <p:blipFill>
+          <a:blip r:embed="rId25"/>
+          <a:stretch>
+            <a:fillRect/>
+          </a:stretch>
+        </p:blipFill>
+        <p:spPr>
+          <a:xfrm>
+            <a:off x="10017992" y="13542264"/>
+            <a:ext cx="6729984" cy="4206240"/>
+          </a:xfrm>
+          <a:prstGeom prst="rect">
+            <a:avLst/>
+          </a:prstGeom>
+        </p:spPr>
+      </p:pic>
+      <p:pic>
+        <p:nvPicPr>
+          <p:cNvPr id="34" name="Picture 33">
+            <a:extLst>
+              <a:ext uri="{FF2B5EF4-FFF2-40B4-BE49-F238E27FC236}">
+                <a16:creationId xmlns:a16="http://schemas.microsoft.com/office/drawing/2014/main" id="{6B617690-8A9F-7AF3-7C2E-C9D67D41C070}"/>
+              </a:ext>
+            </a:extLst>
+          </p:cNvPr>
+          <p:cNvPicPr>
+            <a:picLocks noChangeAspect="1"/>
+          </p:cNvPicPr>
+          <p:nvPr/>
+        </p:nvPicPr>
+        <p:blipFill>
+          <a:blip r:embed="rId26"/>
+          <a:stretch>
+            <a:fillRect/>
+          </a:stretch>
+        </p:blipFill>
+        <p:spPr>
+          <a:xfrm>
+            <a:off x="16818377" y="13542264"/>
+            <a:ext cx="6729984" cy="4206240"/>
+          </a:xfrm>
+          <a:prstGeom prst="rect">
+            <a:avLst/>
+          </a:prstGeom>
+        </p:spPr>
+      </p:pic>
+      <mc:AlternateContent xmlns:mc="http://schemas.openxmlformats.org/markup-compatibility/2006">
+        <mc:Choice xmlns:a14="http://schemas.microsoft.com/office/drawing/2010/main" Requires="a14">
+          <p:sp>
+            <p:nvSpPr>
+              <p:cNvPr id="35" name="TextBox 34">
+                <a:extLst>
+                  <a:ext uri="{FF2B5EF4-FFF2-40B4-BE49-F238E27FC236}">
+                    <a16:creationId xmlns:a16="http://schemas.microsoft.com/office/drawing/2014/main" id="{0129E19D-A34B-A93A-46C5-FB149F53940A}"/>
+                  </a:ext>
+                </a:extLst>
+              </p:cNvPr>
+              <p:cNvSpPr txBox="1"/>
+              <p:nvPr/>
+            </p:nvSpPr>
+            <p:spPr>
+              <a:xfrm>
+                <a:off x="13796027" y="21121567"/>
+                <a:ext cx="5939297" cy="542393"/>
+              </a:xfrm>
+              <a:prstGeom prst="rect">
+                <a:avLst/>
+              </a:prstGeom>
+              <a:noFill/>
+            </p:spPr>
+            <p:txBody>
+              <a:bodyPr wrap="square" rtlCol="0">
+                <a:spAutoFit/>
+              </a:bodyPr>
+              <a:lstStyle/>
+              <a:p>
+                <a:pPr/>
+                <a14:m>
+                  <m:oMathPara xmlns:m="http://schemas.openxmlformats.org/officeDocument/2006/math">
+                    <m:oMathParaPr>
+                      <m:jc m:val="centerGroup"/>
+                    </m:oMathParaPr>
+                    <m:oMath xmlns:m="http://schemas.openxmlformats.org/officeDocument/2006/math">
+                      <m:r>
+                        <m:rPr>
+                          <m:nor/>
+                        </m:rPr>
+                        <a:rPr lang="en-US" sz="2800" dirty="0">
+                          <a:latin typeface="Cambria Math" panose="02040503050406030204" pitchFamily="18" charset="0"/>
+                        </a:rPr>
+                        <m:t>N</m:t>
+                      </m:r>
+                      <m:r>
+                        <m:rPr>
+                          <m:nor/>
+                        </m:rPr>
+                        <a:rPr lang="en-US" sz="2800" b="0" i="0" dirty="0" smtClean="0">
+                          <a:latin typeface="Cambria Math" panose="02040503050406030204" pitchFamily="18" charset="0"/>
+                        </a:rPr>
+                        <m:t>eighbors</m:t>
+                      </m:r>
+                      <m:r>
+                        <a:rPr lang="en-US" sz="2800" b="0" i="1" dirty="0" smtClean="0">
+                          <a:latin typeface="Cambria Math" panose="02040503050406030204" pitchFamily="18" charset="0"/>
+                        </a:rPr>
+                        <m:t>=</m:t>
+                      </m:r>
+                      <m:r>
+                        <a:rPr lang="en-US" sz="2800" b="0" i="1" dirty="0" smtClean="0">
+                          <a:latin typeface="Cambria Math" panose="02040503050406030204" pitchFamily="18" charset="0"/>
+                        </a:rPr>
+                        <m:t>𝑋</m:t>
+                      </m:r>
+                      <m:d>
+                        <m:dPr>
+                          <m:begChr m:val="["/>
+                          <m:endChr m:val="]"/>
+                          <m:ctrlPr>
+                            <a:rPr lang="ar-AE" sz="2800" b="0" i="1" dirty="0" smtClean="0">
+                              <a:latin typeface="Cambria Math" panose="02040503050406030204" pitchFamily="18" charset="0"/>
+                            </a:rPr>
+                          </m:ctrlPr>
+                        </m:dPr>
+                        <m:e>
+                          <m:sSub>
+                            <m:sSubPr>
+                              <m:ctrlPr>
+                                <a:rPr lang="ar-AE" sz="2800" b="0" i="1" dirty="0" smtClean="0">
+                                  <a:latin typeface="Cambria Math" panose="02040503050406030204" pitchFamily="18" charset="0"/>
+                                </a:rPr>
+                              </m:ctrlPr>
+                            </m:sSubPr>
+                            <m:e>
+                              <m:r>
+                                <m:rPr>
+                                  <m:sty m:val="p"/>
+                                </m:rPr>
+                                <a:rPr lang="en-US" sz="2800" b="0" i="1" dirty="0" smtClean="0">
+                                  <a:latin typeface="Cambria Math" panose="02040503050406030204" pitchFamily="18" charset="0"/>
+                                </a:rPr>
+                                <m:t>I</m:t>
+                              </m:r>
+                            </m:e>
+                            <m:sub>
+                              <m:r>
+                                <m:rPr>
+                                  <m:sty m:val="p"/>
+                                </m:rPr>
+                                <a:rPr lang="en-US" sz="2800" b="0" i="1" dirty="0" smtClean="0">
+                                  <a:latin typeface="Cambria Math" panose="02040503050406030204" pitchFamily="18" charset="0"/>
+                                </a:rPr>
+                                <m:t>k</m:t>
+                              </m:r>
+                            </m:sub>
+                          </m:sSub>
+                          <m:d>
+                            <m:dPr>
+                              <m:begChr m:val="["/>
+                              <m:endChr m:val="]"/>
+                              <m:ctrlPr>
+                                <a:rPr lang="ar-AE" sz="2800" b="0" i="1" dirty="0" smtClean="0">
+                                  <a:latin typeface="Cambria Math" panose="02040503050406030204" pitchFamily="18" charset="0"/>
+                                </a:rPr>
+                              </m:ctrlPr>
+                            </m:dPr>
+                            <m:e>
+                              <m:r>
+                                <a:rPr lang="ar-AE" sz="2800" b="0" i="1" dirty="0" smtClean="0">
+                                  <a:latin typeface="Cambria Math" panose="02040503050406030204" pitchFamily="18" charset="0"/>
+                                </a:rPr>
+                                <m:t>𝑖</m:t>
+                              </m:r>
+                              <m:r>
+                                <a:rPr lang="ar-AE" sz="2800" b="0" i="1" dirty="0" smtClean="0">
+                                  <a:latin typeface="Cambria Math" panose="02040503050406030204" pitchFamily="18" charset="0"/>
+                                </a:rPr>
+                                <m:t>,:</m:t>
+                              </m:r>
+                            </m:e>
+                          </m:d>
+                          <m:r>
+                            <a:rPr lang="ar-AE" sz="2800" b="0" i="1" dirty="0" smtClean="0">
+                              <a:latin typeface="Cambria Math" panose="02040503050406030204" pitchFamily="18" charset="0"/>
+                            </a:rPr>
+                            <m:t>,:</m:t>
+                          </m:r>
+                        </m:e>
+                      </m:d>
+                      <m:r>
+                        <a:rPr lang="ar-AE" sz="2800" b="0" i="1" dirty="0" smtClean="0">
+                          <a:latin typeface="Cambria Math" panose="02040503050406030204" pitchFamily="18" charset="0"/>
+                          <a:ea typeface="Cambria Math" panose="02040503050406030204" pitchFamily="18" charset="0"/>
+                        </a:rPr>
+                        <m:t>∈</m:t>
+                      </m:r>
+                      <m:sSup>
+                        <m:sSupPr>
+                          <m:ctrlPr>
+                            <a:rPr lang="ar-AE" sz="2800" b="0" i="1" dirty="0" smtClean="0">
+                              <a:latin typeface="Cambria Math" panose="02040503050406030204" pitchFamily="18" charset="0"/>
+                              <a:ea typeface="Cambria Math" panose="02040503050406030204" pitchFamily="18" charset="0"/>
+                            </a:rPr>
+                          </m:ctrlPr>
+                        </m:sSupPr>
+                        <m:e>
+                          <m:r>
+                            <a:rPr lang="ar-AE" sz="2800" b="0" i="1" dirty="0" smtClean="0">
+                              <a:latin typeface="Cambria Math" panose="02040503050406030204" pitchFamily="18" charset="0"/>
+                              <a:ea typeface="Cambria Math" panose="02040503050406030204" pitchFamily="18" charset="0"/>
+                            </a:rPr>
+                            <m:t>ℝ</m:t>
+                          </m:r>
+                        </m:e>
+                        <m:sup>
+                          <m:r>
+                            <m:rPr>
+                              <m:sty m:val="p"/>
+                            </m:rPr>
+                            <a:rPr lang="en-US" sz="2800" b="0" i="1" dirty="0" smtClean="0">
+                              <a:latin typeface="Cambria Math" panose="02040503050406030204" pitchFamily="18" charset="0"/>
+                              <a:ea typeface="Cambria Math" panose="02040503050406030204" pitchFamily="18" charset="0"/>
+                            </a:rPr>
+                            <m:t>k</m:t>
+                          </m:r>
+                          <m:r>
+                            <a:rPr lang="en-US" sz="2800" b="0" i="1" dirty="0" smtClean="0">
+                              <a:latin typeface="Cambria Math" panose="02040503050406030204" pitchFamily="18" charset="0"/>
+                              <a:ea typeface="Cambria Math" panose="02040503050406030204" pitchFamily="18" charset="0"/>
+                            </a:rPr>
+                            <m:t>×</m:t>
+                          </m:r>
+                          <m:r>
+                            <m:rPr>
+                              <m:sty m:val="p"/>
+                            </m:rPr>
+                            <a:rPr lang="en-US" sz="2800" b="0" i="1" dirty="0" smtClean="0">
+                              <a:latin typeface="Cambria Math" panose="02040503050406030204" pitchFamily="18" charset="0"/>
+                              <a:ea typeface="Cambria Math" panose="02040503050406030204" pitchFamily="18" charset="0"/>
+                            </a:rPr>
+                            <m:t>n</m:t>
+                          </m:r>
+                        </m:sup>
+                      </m:sSup>
+                    </m:oMath>
+                  </m:oMathPara>
+                </a14:m>
+                <a:endParaRPr lang="ar-AE" dirty="0"/>
+              </a:p>
+            </p:txBody>
+          </p:sp>
+        </mc:Choice>
+        <mc:Fallback>
+          <p:sp>
+            <p:nvSpPr>
+              <p:cNvPr id="35" name="TextBox 34">
+                <a:extLst>
+                  <a:ext uri="{FF2B5EF4-FFF2-40B4-BE49-F238E27FC236}">
+                    <a16:creationId xmlns:a16="http://schemas.microsoft.com/office/drawing/2014/main" id="{0129E19D-A34B-A93A-46C5-FB149F53940A}"/>
+                  </a:ext>
+                </a:extLst>
+              </p:cNvPr>
+              <p:cNvSpPr txBox="1">
+                <a:spLocks noRot="1" noChangeAspect="1" noMove="1" noResize="1" noEditPoints="1" noAdjustHandles="1" noChangeArrowheads="1" noChangeShapeType="1" noTextEdit="1"/>
+              </p:cNvSpPr>
+              <p:nvPr/>
+            </p:nvSpPr>
+            <p:spPr>
+              <a:xfrm>
+                <a:off x="13796027" y="21121567"/>
+                <a:ext cx="5939297" cy="542393"/>
+              </a:xfrm>
+              <a:prstGeom prst="rect">
+                <a:avLst/>
+              </a:prstGeom>
+              <a:blipFill>
+                <a:blip r:embed="rId27"/>
+                <a:stretch>
+                  <a:fillRect t="-9302" b="-30233"/>
+                </a:stretch>
+              </a:blipFill>
+            </p:spPr>
+            <p:txBody>
+              <a:bodyPr/>
+              <a:lstStyle/>
+              <a:p>
+                <a:r>
+                  <a:rPr lang="en-US">
+                    <a:noFill/>
+                  </a:rPr>
+                  <a:t> </a:t>
+                </a:r>
+              </a:p>
+            </p:txBody>
+          </p:sp>
+        </mc:Fallback>
+      </mc:AlternateContent>
+      <mc:AlternateContent xmlns:mc="http://schemas.openxmlformats.org/markup-compatibility/2006">
+        <mc:Choice xmlns:a14="http://schemas.microsoft.com/office/drawing/2010/main" Requires="a14">
+          <p:sp>
+            <p:nvSpPr>
+              <p:cNvPr id="36" name="TextBox 35">
+                <a:extLst>
+                  <a:ext uri="{FF2B5EF4-FFF2-40B4-BE49-F238E27FC236}">
+                    <a16:creationId xmlns:a16="http://schemas.microsoft.com/office/drawing/2014/main" id="{E8F8D91A-8B10-419A-76FB-396E5E999080}"/>
+                  </a:ext>
+                </a:extLst>
+              </p:cNvPr>
+              <p:cNvSpPr txBox="1"/>
+              <p:nvPr/>
+            </p:nvSpPr>
+            <p:spPr>
+              <a:xfrm>
+                <a:off x="13475948" y="23858497"/>
+                <a:ext cx="5939297" cy="542393"/>
+              </a:xfrm>
+              <a:prstGeom prst="rect">
+                <a:avLst/>
+              </a:prstGeom>
+              <a:noFill/>
+            </p:spPr>
+            <p:txBody>
+              <a:bodyPr wrap="square" rtlCol="0">
+                <a:spAutoFit/>
+              </a:bodyPr>
+              <a:lstStyle/>
+              <a:p>
+                <a:pPr/>
+                <a14:m>
+                  <m:oMathPara xmlns:m="http://schemas.openxmlformats.org/officeDocument/2006/math">
+                    <m:oMathParaPr>
+                      <m:jc m:val="centerGroup"/>
+                    </m:oMathParaPr>
+                    <m:oMath xmlns:m="http://schemas.openxmlformats.org/officeDocument/2006/math">
+                      <m:r>
+                        <m:rPr>
+                          <m:nor/>
+                        </m:rPr>
+                        <a:rPr lang="en-US" sz="2800" dirty="0">
+                          <a:latin typeface="Cambria Math" panose="02040503050406030204" pitchFamily="18" charset="0"/>
+                        </a:rPr>
+                        <m:t>N</m:t>
+                      </m:r>
+                      <m:r>
+                        <m:rPr>
+                          <m:nor/>
+                        </m:rPr>
+                        <a:rPr lang="en-US" sz="2800" b="0" i="0" dirty="0" smtClean="0">
+                          <a:latin typeface="Cambria Math" panose="02040503050406030204" pitchFamily="18" charset="0"/>
+                        </a:rPr>
+                        <m:t>eighbors</m:t>
+                      </m:r>
+                      <m:r>
+                        <a:rPr lang="en-US" sz="2800" b="0" i="1" dirty="0" smtClean="0">
+                          <a:latin typeface="Cambria Math" panose="02040503050406030204" pitchFamily="18" charset="0"/>
+                        </a:rPr>
+                        <m:t>=</m:t>
+                      </m:r>
+                      <m:r>
+                        <a:rPr lang="en-US" sz="2800" b="0" i="1" dirty="0" smtClean="0">
+                          <a:latin typeface="Cambria Math" panose="02040503050406030204" pitchFamily="18" charset="0"/>
+                        </a:rPr>
+                        <m:t>𝑋</m:t>
+                      </m:r>
+                      <m:d>
+                        <m:dPr>
+                          <m:begChr m:val="["/>
+                          <m:endChr m:val="]"/>
+                          <m:ctrlPr>
+                            <a:rPr lang="ar-AE" sz="2800" b="0" i="1" dirty="0" smtClean="0">
+                              <a:latin typeface="Cambria Math" panose="02040503050406030204" pitchFamily="18" charset="0"/>
+                            </a:rPr>
+                          </m:ctrlPr>
+                        </m:dPr>
+                        <m:e>
+                          <m:sSub>
+                            <m:sSubPr>
+                              <m:ctrlPr>
+                                <a:rPr lang="ar-AE" sz="2800" b="0" i="1" dirty="0" smtClean="0">
+                                  <a:latin typeface="Cambria Math" panose="02040503050406030204" pitchFamily="18" charset="0"/>
+                                </a:rPr>
+                              </m:ctrlPr>
+                            </m:sSubPr>
+                            <m:e>
+                              <m:r>
+                                <m:rPr>
+                                  <m:sty m:val="p"/>
+                                </m:rPr>
+                                <a:rPr lang="en-US" sz="2800" b="0" i="1" dirty="0" smtClean="0">
+                                  <a:latin typeface="Cambria Math" panose="02040503050406030204" pitchFamily="18" charset="0"/>
+                                </a:rPr>
+                                <m:t>I</m:t>
+                              </m:r>
+                            </m:e>
+                            <m:sub>
+                              <m:r>
+                                <m:rPr>
+                                  <m:sty m:val="p"/>
+                                </m:rPr>
+                                <a:rPr lang="en-US" sz="2800" b="0" i="1" dirty="0" smtClean="0">
+                                  <a:latin typeface="Cambria Math" panose="02040503050406030204" pitchFamily="18" charset="0"/>
+                                </a:rPr>
+                                <m:t>k</m:t>
+                              </m:r>
+                            </m:sub>
+                          </m:sSub>
+                          <m:d>
+                            <m:dPr>
+                              <m:begChr m:val="["/>
+                              <m:endChr m:val="]"/>
+                              <m:ctrlPr>
+                                <a:rPr lang="ar-AE" sz="2800" b="0" i="1" dirty="0" smtClean="0">
+                                  <a:latin typeface="Cambria Math" panose="02040503050406030204" pitchFamily="18" charset="0"/>
+                                </a:rPr>
+                              </m:ctrlPr>
+                            </m:dPr>
+                            <m:e>
+                              <m:r>
+                                <a:rPr lang="ar-AE" sz="2800" b="0" i="1" dirty="0" smtClean="0">
+                                  <a:latin typeface="Cambria Math" panose="02040503050406030204" pitchFamily="18" charset="0"/>
+                                </a:rPr>
+                                <m:t>𝑖</m:t>
+                              </m:r>
+                              <m:r>
+                                <a:rPr lang="ar-AE" sz="2800" b="0" i="1" dirty="0" smtClean="0">
+                                  <a:latin typeface="Cambria Math" panose="02040503050406030204" pitchFamily="18" charset="0"/>
+                                </a:rPr>
+                                <m:t>,:</m:t>
+                              </m:r>
+                            </m:e>
+                          </m:d>
+                          <m:r>
+                            <a:rPr lang="ar-AE" sz="2800" b="0" i="1" dirty="0" smtClean="0">
+                              <a:latin typeface="Cambria Math" panose="02040503050406030204" pitchFamily="18" charset="0"/>
+                            </a:rPr>
+                            <m:t>,:</m:t>
+                          </m:r>
+                        </m:e>
+                      </m:d>
+                      <m:r>
+                        <a:rPr lang="ar-AE" sz="2800" b="0" i="1" dirty="0" smtClean="0">
+                          <a:latin typeface="Cambria Math" panose="02040503050406030204" pitchFamily="18" charset="0"/>
+                          <a:ea typeface="Cambria Math" panose="02040503050406030204" pitchFamily="18" charset="0"/>
+                        </a:rPr>
+                        <m:t>∈</m:t>
+                      </m:r>
+                      <m:sSup>
+                        <m:sSupPr>
+                          <m:ctrlPr>
+                            <a:rPr lang="ar-AE" sz="2800" b="0" i="1" dirty="0" smtClean="0">
+                              <a:latin typeface="Cambria Math" panose="02040503050406030204" pitchFamily="18" charset="0"/>
+                              <a:ea typeface="Cambria Math" panose="02040503050406030204" pitchFamily="18" charset="0"/>
+                            </a:rPr>
+                          </m:ctrlPr>
+                        </m:sSupPr>
+                        <m:e>
+                          <m:r>
+                            <a:rPr lang="ar-AE" sz="2800" b="0" i="1" dirty="0" smtClean="0">
+                              <a:latin typeface="Cambria Math" panose="02040503050406030204" pitchFamily="18" charset="0"/>
+                              <a:ea typeface="Cambria Math" panose="02040503050406030204" pitchFamily="18" charset="0"/>
+                            </a:rPr>
+                            <m:t>ℝ</m:t>
+                          </m:r>
+                        </m:e>
+                        <m:sup>
+                          <m:r>
+                            <m:rPr>
+                              <m:sty m:val="p"/>
+                            </m:rPr>
+                            <a:rPr lang="en-US" sz="2800" b="0" i="1" dirty="0" smtClean="0">
+                              <a:latin typeface="Cambria Math" panose="02040503050406030204" pitchFamily="18" charset="0"/>
+                              <a:ea typeface="Cambria Math" panose="02040503050406030204" pitchFamily="18" charset="0"/>
+                            </a:rPr>
+                            <m:t>k</m:t>
+                          </m:r>
+                          <m:r>
+                            <a:rPr lang="en-US" sz="2800" b="0" i="1" dirty="0" smtClean="0">
+                              <a:latin typeface="Cambria Math" panose="02040503050406030204" pitchFamily="18" charset="0"/>
+                              <a:ea typeface="Cambria Math" panose="02040503050406030204" pitchFamily="18" charset="0"/>
+                            </a:rPr>
+                            <m:t>×</m:t>
+                          </m:r>
+                          <m:r>
+                            <m:rPr>
+                              <m:sty m:val="p"/>
+                            </m:rPr>
+                            <a:rPr lang="en-US" sz="2800" b="0" i="1" dirty="0" smtClean="0">
+                              <a:latin typeface="Cambria Math" panose="02040503050406030204" pitchFamily="18" charset="0"/>
+                              <a:ea typeface="Cambria Math" panose="02040503050406030204" pitchFamily="18" charset="0"/>
+                            </a:rPr>
+                            <m:t>n</m:t>
+                          </m:r>
+                        </m:sup>
+                      </m:sSup>
+                    </m:oMath>
+                  </m:oMathPara>
+                </a14:m>
+                <a:endParaRPr lang="ar-AE" dirty="0"/>
+              </a:p>
+            </p:txBody>
+          </p:sp>
+        </mc:Choice>
+        <mc:Fallback>
+          <p:sp>
+            <p:nvSpPr>
+              <p:cNvPr id="36" name="TextBox 35">
+                <a:extLst>
+                  <a:ext uri="{FF2B5EF4-FFF2-40B4-BE49-F238E27FC236}">
+                    <a16:creationId xmlns:a16="http://schemas.microsoft.com/office/drawing/2014/main" id="{E8F8D91A-8B10-419A-76FB-396E5E999080}"/>
+                  </a:ext>
+                </a:extLst>
+              </p:cNvPr>
+              <p:cNvSpPr txBox="1">
+                <a:spLocks noRot="1" noChangeAspect="1" noMove="1" noResize="1" noEditPoints="1" noAdjustHandles="1" noChangeArrowheads="1" noChangeShapeType="1" noTextEdit="1"/>
+              </p:cNvSpPr>
+              <p:nvPr/>
+            </p:nvSpPr>
+            <p:spPr>
+              <a:xfrm>
+                <a:off x="13475948" y="23858497"/>
+                <a:ext cx="5939297" cy="542393"/>
+              </a:xfrm>
+              <a:prstGeom prst="rect">
+                <a:avLst/>
+              </a:prstGeom>
+              <a:blipFill>
+                <a:blip r:embed="rId28"/>
+                <a:stretch>
+                  <a:fillRect t="-6818" b="-29545"/>
+                </a:stretch>
+              </a:blipFill>
+            </p:spPr>
+            <p:txBody>
+              <a:bodyPr/>
+              <a:lstStyle/>
+              <a:p>
+                <a:r>
+                  <a:rPr lang="en-US">
+                    <a:noFill/>
+                  </a:rPr>
+                  <a:t> </a:t>
+                </a:r>
+              </a:p>
+            </p:txBody>
+          </p:sp>
+        </mc:Fallback>
+      </mc:AlternateContent>
+      <mc:AlternateContent xmlns:mc="http://schemas.openxmlformats.org/markup-compatibility/2006">
+        <mc:Choice xmlns:a14="http://schemas.microsoft.com/office/drawing/2010/main" Requires="a14">
+          <p:sp>
+            <p:nvSpPr>
+              <p:cNvPr id="47" name="TextBox 46">
+                <a:extLst>
+                  <a:ext uri="{FF2B5EF4-FFF2-40B4-BE49-F238E27FC236}">
+                    <a16:creationId xmlns:a16="http://schemas.microsoft.com/office/drawing/2014/main" id="{5247DD12-68DB-D5AC-FF66-6516FC6A920A}"/>
+                  </a:ext>
+                </a:extLst>
+              </p:cNvPr>
+              <p:cNvSpPr txBox="1"/>
+              <p:nvPr/>
+            </p:nvSpPr>
+            <p:spPr>
+              <a:xfrm>
+                <a:off x="14054450" y="25571576"/>
+                <a:ext cx="5557291" cy="1136914"/>
+              </a:xfrm>
+              <a:prstGeom prst="rect">
+                <a:avLst/>
+              </a:prstGeom>
+              <a:noFill/>
+            </p:spPr>
+            <p:txBody>
+              <a:bodyPr wrap="none" rtlCol="0">
+                <a:spAutoFit/>
+              </a:bodyPr>
+              <a:lstStyle/>
+              <a:p>
+                <a:pPr/>
+                <a14:m>
+                  <m:oMathPara xmlns:m="http://schemas.openxmlformats.org/officeDocument/2006/math">
+                    <m:oMathParaPr>
+                      <m:jc m:val="centerGroup"/>
+                    </m:oMathParaPr>
+                    <m:oMath xmlns:m="http://schemas.openxmlformats.org/officeDocument/2006/math">
+                      <m:r>
+                        <m:rPr>
+                          <m:sty m:val="p"/>
+                        </m:rPr>
+                        <a:rPr lang="en-US" sz="2800" i="1" dirty="0" smtClean="0">
+                          <a:latin typeface="Cambria Math" panose="02040503050406030204" pitchFamily="18" charset="0"/>
+                        </a:rPr>
+                        <m:t>A</m:t>
+                      </m:r>
+                      <m:r>
+                        <a:rPr lang="en-US" sz="2800" b="0" i="1" dirty="0" smtClean="0">
+                          <a:latin typeface="Cambria Math" panose="02040503050406030204" pitchFamily="18" charset="0"/>
+                        </a:rPr>
+                        <m:t>(</m:t>
+                      </m:r>
+                      <m:r>
+                        <m:rPr>
+                          <m:sty m:val="p"/>
+                        </m:rPr>
+                        <a:rPr lang="en-US" sz="2800" b="0" i="1" dirty="0" smtClean="0">
+                          <a:latin typeface="Cambria Math" panose="02040503050406030204" pitchFamily="18" charset="0"/>
+                        </a:rPr>
+                        <m:t>Q</m:t>
+                      </m:r>
+                      <m:r>
+                        <a:rPr lang="en-US" sz="2800" b="0" i="1" dirty="0" smtClean="0">
+                          <a:latin typeface="Cambria Math" panose="02040503050406030204" pitchFamily="18" charset="0"/>
+                        </a:rPr>
+                        <m:t>, </m:t>
+                      </m:r>
+                      <m:r>
+                        <m:rPr>
+                          <m:sty m:val="p"/>
+                        </m:rPr>
+                        <a:rPr lang="en-US" sz="2800" b="0" i="1" dirty="0" smtClean="0">
+                          <a:latin typeface="Cambria Math" panose="02040503050406030204" pitchFamily="18" charset="0"/>
+                        </a:rPr>
+                        <m:t>K</m:t>
+                      </m:r>
+                      <m:r>
+                        <a:rPr lang="en-US" sz="2800" b="0" i="1" dirty="0" smtClean="0">
+                          <a:latin typeface="Cambria Math" panose="02040503050406030204" pitchFamily="18" charset="0"/>
+                        </a:rPr>
+                        <m:t>) = </m:t>
+                      </m:r>
+                      <m:r>
+                        <m:rPr>
+                          <m:sty m:val="p"/>
+                        </m:rPr>
+                        <a:rPr lang="en-US" sz="2800" b="0" i="1" dirty="0" smtClean="0">
+                          <a:latin typeface="Cambria Math" panose="02040503050406030204" pitchFamily="18" charset="0"/>
+                        </a:rPr>
+                        <m:t>softmax</m:t>
+                      </m:r>
+                      <m:r>
+                        <a:rPr lang="en-US" sz="2800" b="0" i="1" dirty="0" smtClean="0">
+                          <a:latin typeface="Cambria Math" panose="02040503050406030204" pitchFamily="18" charset="0"/>
+                        </a:rPr>
+                        <m:t>(</m:t>
+                      </m:r>
+                      <m:f>
+                        <m:fPr>
+                          <m:ctrlPr>
+                            <a:rPr lang="en-US" sz="2800" b="0" i="1" dirty="0" smtClean="0">
+                              <a:latin typeface="Cambria Math" panose="02040503050406030204" pitchFamily="18" charset="0"/>
+                            </a:rPr>
+                          </m:ctrlPr>
+                        </m:fPr>
+                        <m:num>
+                          <m:sSup>
+                            <m:sSupPr>
+                              <m:ctrlPr>
+                                <a:rPr lang="en-US" sz="2800" i="1" dirty="0">
+                                  <a:latin typeface="Cambria Math" panose="02040503050406030204" pitchFamily="18" charset="0"/>
+                                </a:rPr>
+                              </m:ctrlPr>
+                            </m:sSupPr>
+                            <m:e>
+                              <m:r>
+                                <m:rPr>
+                                  <m:sty m:val="p"/>
+                                </m:rPr>
+                                <a:rPr lang="en-US" sz="2800" i="1" dirty="0">
+                                  <a:latin typeface="Cambria Math" panose="02040503050406030204" pitchFamily="18" charset="0"/>
+                                </a:rPr>
+                                <m:t>QK</m:t>
+                              </m:r>
+                            </m:e>
+                            <m:sup>
+                              <m:r>
+                                <a:rPr lang="en-US" sz="2800" i="1" dirty="0">
+                                  <a:latin typeface="Cambria Math" panose="02040503050406030204" pitchFamily="18" charset="0"/>
+                                </a:rPr>
+                                <m:t>⊤</m:t>
+                              </m:r>
+                            </m:sup>
+                          </m:sSup>
+                        </m:num>
+                        <m:den>
+                          <m:rad>
+                            <m:radPr>
+                              <m:degHide m:val="on"/>
+                              <m:ctrlPr>
+                                <a:rPr lang="en-US" sz="2800" b="0" i="1" dirty="0" smtClean="0">
+                                  <a:latin typeface="Cambria Math" panose="02040503050406030204" pitchFamily="18" charset="0"/>
+                                </a:rPr>
+                              </m:ctrlPr>
+                            </m:radPr>
+                            <m:deg/>
+                            <m:e>
+                              <m:sSub>
+                                <m:sSubPr>
+                                  <m:ctrlPr>
+                                    <a:rPr lang="en-US" sz="2800" b="0" i="1" dirty="0" smtClean="0">
+                                      <a:latin typeface="Cambria Math" panose="02040503050406030204" pitchFamily="18" charset="0"/>
+                                    </a:rPr>
+                                  </m:ctrlPr>
+                                </m:sSubPr>
+                                <m:e>
+                                  <m:r>
+                                    <m:rPr>
+                                      <m:sty m:val="p"/>
+                                    </m:rPr>
+                                    <a:rPr lang="en-US" sz="2800" b="0" i="1" dirty="0" smtClean="0">
+                                      <a:latin typeface="Cambria Math" panose="02040503050406030204" pitchFamily="18" charset="0"/>
+                                    </a:rPr>
+                                    <m:t>d</m:t>
+                                  </m:r>
+                                </m:e>
+                                <m:sub>
+                                  <m:r>
+                                    <m:rPr>
+                                      <m:sty m:val="p"/>
+                                    </m:rPr>
+                                    <a:rPr lang="en-US" sz="2800" b="0" i="1" dirty="0" smtClean="0">
+                                      <a:latin typeface="Cambria Math" panose="02040503050406030204" pitchFamily="18" charset="0"/>
+                                    </a:rPr>
+                                    <m:t>k</m:t>
+                                  </m:r>
+                                </m:sub>
+                              </m:sSub>
+                            </m:e>
+                          </m:rad>
+                        </m:den>
+                      </m:f>
+                      <m:r>
+                        <a:rPr lang="en-US" sz="2800" b="0" i="1" dirty="0" smtClean="0">
+                          <a:latin typeface="Cambria Math" panose="02040503050406030204" pitchFamily="18" charset="0"/>
+                        </a:rPr>
+                        <m:t>)</m:t>
+                      </m:r>
+                      <m:r>
+                        <a:rPr lang="en-US" sz="2800" b="0" i="1" dirty="0" smtClean="0">
+                          <a:latin typeface="Cambria Math" panose="02040503050406030204" pitchFamily="18" charset="0"/>
+                        </a:rPr>
+                        <m:t> </m:t>
+                      </m:r>
+                      <m:r>
+                        <a:rPr lang="en-US" sz="2800" b="0" i="1" dirty="0" smtClean="0">
+                          <a:latin typeface="Cambria Math" panose="02040503050406030204" pitchFamily="18" charset="0"/>
+                          <a:ea typeface="Cambria Math" panose="02040503050406030204" pitchFamily="18" charset="0"/>
+                        </a:rPr>
+                        <m:t>∈</m:t>
+                      </m:r>
+                      <m:sSup>
+                        <m:sSupPr>
+                          <m:ctrlPr>
+                            <a:rPr lang="en-US" sz="2800" b="0" i="1" dirty="0" smtClean="0">
+                              <a:latin typeface="Cambria Math" panose="02040503050406030204" pitchFamily="18" charset="0"/>
+                              <a:ea typeface="Cambria Math" panose="02040503050406030204" pitchFamily="18" charset="0"/>
+                            </a:rPr>
+                          </m:ctrlPr>
+                        </m:sSupPr>
+                        <m:e>
+                          <m:r>
+                            <a:rPr lang="en-US" sz="2800" b="0" i="1" dirty="0" smtClean="0">
+                              <a:latin typeface="Cambria Math" panose="02040503050406030204" pitchFamily="18" charset="0"/>
+                              <a:ea typeface="Cambria Math" panose="02040503050406030204" pitchFamily="18" charset="0"/>
+                            </a:rPr>
+                            <m:t>ℝ</m:t>
+                          </m:r>
+                        </m:e>
+                        <m:sup>
+                          <m:r>
+                            <m:rPr>
+                              <m:sty m:val="p"/>
+                            </m:rPr>
+                            <a:rPr lang="en-US" sz="2800" b="0" i="1" dirty="0" smtClean="0">
+                              <a:latin typeface="Cambria Math" panose="02040503050406030204" pitchFamily="18" charset="0"/>
+                              <a:ea typeface="Cambria Math" panose="02040503050406030204" pitchFamily="18" charset="0"/>
+                            </a:rPr>
+                            <m:t>n</m:t>
+                          </m:r>
+                          <m:r>
+                            <a:rPr lang="en-US" sz="2800" b="0" i="1" dirty="0" smtClean="0">
+                              <a:latin typeface="Cambria Math" panose="02040503050406030204" pitchFamily="18" charset="0"/>
+                              <a:ea typeface="Cambria Math" panose="02040503050406030204" pitchFamily="18" charset="0"/>
+                            </a:rPr>
+                            <m:t>×</m:t>
+                          </m:r>
+                          <m:r>
+                            <m:rPr>
+                              <m:sty m:val="p"/>
+                            </m:rPr>
+                            <a:rPr lang="en-US" sz="2800" b="0" i="1" dirty="0" smtClean="0">
+                              <a:latin typeface="Cambria Math" panose="02040503050406030204" pitchFamily="18" charset="0"/>
+                              <a:ea typeface="Cambria Math" panose="02040503050406030204" pitchFamily="18" charset="0"/>
+                            </a:rPr>
+                            <m:t>n</m:t>
+                          </m:r>
+                        </m:sup>
+                      </m:sSup>
+                    </m:oMath>
+                  </m:oMathPara>
+                </a14:m>
+                <a:endParaRPr dirty="0"/>
+              </a:p>
+            </p:txBody>
+          </p:sp>
+        </mc:Choice>
+        <mc:Fallback>
+          <p:sp>
+            <p:nvSpPr>
+              <p:cNvPr id="47" name="TextBox 46">
+                <a:extLst>
+                  <a:ext uri="{FF2B5EF4-FFF2-40B4-BE49-F238E27FC236}">
+                    <a16:creationId xmlns:a16="http://schemas.microsoft.com/office/drawing/2014/main" id="{5247DD12-68DB-D5AC-FF66-6516FC6A920A}"/>
+                  </a:ext>
+                </a:extLst>
+              </p:cNvPr>
+              <p:cNvSpPr txBox="1">
+                <a:spLocks noRot="1" noChangeAspect="1" noMove="1" noResize="1" noEditPoints="1" noAdjustHandles="1" noChangeArrowheads="1" noChangeShapeType="1" noTextEdit="1"/>
+              </p:cNvSpPr>
+              <p:nvPr/>
+            </p:nvSpPr>
+            <p:spPr>
+              <a:xfrm>
+                <a:off x="14054450" y="25571576"/>
+                <a:ext cx="5557291" cy="1136914"/>
+              </a:xfrm>
+              <a:prstGeom prst="rect">
+                <a:avLst/>
+              </a:prstGeom>
+              <a:blipFill>
+                <a:blip r:embed="rId29"/>
+                <a:stretch>
+                  <a:fillRect/>
                 </a:stretch>
               </a:blipFill>
             </p:spPr>

--- a/Project Docs/ConvNN Poster.pptx
+++ b/Project Docs/ConvNN Poster.pptx
@@ -4239,7 +4239,7 @@
                 <a:cs typeface="Cambria"/>
                 <a:sym typeface="Cambria"/>
               </a:rPr>
-              <a:t>Mingi Kang, Jeova Farias Sales Rocha Neto PhD. </a:t>
+              <a:t>Mingi Kang, Jeova Farias Ph.D. </a:t>
             </a:r>
             <a:endParaRPr sz="2994" dirty="0">
               <a:solidFill>
@@ -6126,8 +6126,8 @@
           </a:prstGeom>
         </p:spPr>
       </p:pic>
-      <mc:AlternateContent xmlns:mc="http://schemas.openxmlformats.org/markup-compatibility/2006">
-        <mc:Choice xmlns:a14="http://schemas.microsoft.com/office/drawing/2010/main" Requires="a14">
+      <mc:AlternateContent xmlns:mc="http://schemas.openxmlformats.org/markup-compatibility/2006" xmlns:a14="http://schemas.microsoft.com/office/drawing/2010/main">
+        <mc:Choice Requires="a14">
           <p:sp>
             <p:nvSpPr>
               <p:cNvPr id="42" name="Google Shape;65;p14">
@@ -6437,7 +6437,7 @@
             </p:txBody>
           </p:sp>
         </mc:Choice>
-        <mc:Fallback>
+        <mc:Fallback xmlns="">
           <p:sp>
             <p:nvSpPr>
               <p:cNvPr id="42" name="Google Shape;65;p14">
@@ -6485,8 +6485,8 @@
           </p:sp>
         </mc:Fallback>
       </mc:AlternateContent>
-      <mc:AlternateContent xmlns:mc="http://schemas.openxmlformats.org/markup-compatibility/2006">
-        <mc:Choice xmlns:a14="http://schemas.microsoft.com/office/drawing/2010/main" Requires="a14">
+      <mc:AlternateContent xmlns:mc="http://schemas.openxmlformats.org/markup-compatibility/2006" xmlns:a14="http://schemas.microsoft.com/office/drawing/2010/main">
+        <mc:Choice Requires="a14">
           <p:sp>
             <p:nvSpPr>
               <p:cNvPr id="43" name="Google Shape;65;p14">
@@ -6739,7 +6739,7 @@
             </p:txBody>
           </p:sp>
         </mc:Choice>
-        <mc:Fallback>
+        <mc:Fallback xmlns="">
           <p:sp>
             <p:nvSpPr>
               <p:cNvPr id="43" name="Google Shape;65;p14">
@@ -6787,8 +6787,8 @@
           </p:sp>
         </mc:Fallback>
       </mc:AlternateContent>
-      <mc:AlternateContent xmlns:mc="http://schemas.openxmlformats.org/markup-compatibility/2006">
-        <mc:Choice xmlns:a14="http://schemas.microsoft.com/office/drawing/2010/main" Requires="a14">
+      <mc:AlternateContent xmlns:mc="http://schemas.openxmlformats.org/markup-compatibility/2006" xmlns:a14="http://schemas.microsoft.com/office/drawing/2010/main">
+        <mc:Choice Requires="a14">
           <p:sp>
             <p:nvSpPr>
               <p:cNvPr id="44" name="TextBox 43">
@@ -6972,7 +6972,7 @@
             </p:txBody>
           </p:sp>
         </mc:Choice>
-        <mc:Fallback>
+        <mc:Fallback xmlns="">
           <p:sp>
             <p:nvSpPr>
               <p:cNvPr id="44" name="TextBox 43">
@@ -7017,8 +7017,8 @@
           </p:sp>
         </mc:Fallback>
       </mc:AlternateContent>
-      <mc:AlternateContent xmlns:mc="http://schemas.openxmlformats.org/markup-compatibility/2006">
-        <mc:Choice xmlns:a14="http://schemas.microsoft.com/office/drawing/2010/main" Requires="a14">
+      <mc:AlternateContent xmlns:mc="http://schemas.openxmlformats.org/markup-compatibility/2006" xmlns:a14="http://schemas.microsoft.com/office/drawing/2010/main">
+        <mc:Choice Requires="a14">
           <p:sp>
             <p:nvSpPr>
               <p:cNvPr id="45" name="TextBox 44">
@@ -7278,7 +7278,7 @@
             </p:txBody>
           </p:sp>
         </mc:Choice>
-        <mc:Fallback>
+        <mc:Fallback xmlns="">
           <p:sp>
             <p:nvSpPr>
               <p:cNvPr id="45" name="TextBox 44">
@@ -7378,8 +7378,8 @@
           </a:p>
         </p:txBody>
       </p:sp>
-      <mc:AlternateContent xmlns:mc="http://schemas.openxmlformats.org/markup-compatibility/2006">
-        <mc:Choice xmlns:a14="http://schemas.microsoft.com/office/drawing/2010/main" Requires="a14">
+      <mc:AlternateContent xmlns:mc="http://schemas.openxmlformats.org/markup-compatibility/2006" xmlns:a14="http://schemas.microsoft.com/office/drawing/2010/main">
+        <mc:Choice Requires="a14">
           <p:sp>
             <p:nvSpPr>
               <p:cNvPr id="6" name="TextBox 5">
@@ -7810,7 +7810,7 @@
             </p:txBody>
           </p:sp>
         </mc:Choice>
-        <mc:Fallback>
+        <mc:Fallback xmlns="">
           <p:sp>
             <p:nvSpPr>
               <p:cNvPr id="6" name="TextBox 5">
@@ -7855,8 +7855,8 @@
           </p:sp>
         </mc:Fallback>
       </mc:AlternateContent>
-      <mc:AlternateContent xmlns:mc="http://schemas.openxmlformats.org/markup-compatibility/2006">
-        <mc:Choice xmlns:a14="http://schemas.microsoft.com/office/drawing/2010/main" Requires="a14">
+      <mc:AlternateContent xmlns:mc="http://schemas.openxmlformats.org/markup-compatibility/2006" xmlns:a14="http://schemas.microsoft.com/office/drawing/2010/main">
+        <mc:Choice Requires="a14">
           <p:sp>
             <p:nvSpPr>
               <p:cNvPr id="7" name="TextBox 6">
@@ -8057,7 +8057,7 @@
             </p:txBody>
           </p:sp>
         </mc:Choice>
-        <mc:Fallback>
+        <mc:Fallback xmlns="">
           <p:sp>
             <p:nvSpPr>
               <p:cNvPr id="7" name="TextBox 6">
@@ -8157,8 +8157,8 @@
           </a:p>
         </p:txBody>
       </p:sp>
-      <mc:AlternateContent xmlns:mc="http://schemas.openxmlformats.org/markup-compatibility/2006">
-        <mc:Choice xmlns:a14="http://schemas.microsoft.com/office/drawing/2010/main" Requires="a14">
+      <mc:AlternateContent xmlns:mc="http://schemas.openxmlformats.org/markup-compatibility/2006" xmlns:a14="http://schemas.microsoft.com/office/drawing/2010/main">
+        <mc:Choice Requires="a14">
           <p:sp>
             <p:nvSpPr>
               <p:cNvPr id="10" name="TextBox 9">
@@ -8342,7 +8342,7 @@
             </p:txBody>
           </p:sp>
         </mc:Choice>
-        <mc:Fallback>
+        <mc:Fallback xmlns="">
           <p:sp>
             <p:nvSpPr>
               <p:cNvPr id="10" name="TextBox 9">
@@ -8387,8 +8387,8 @@
           </p:sp>
         </mc:Fallback>
       </mc:AlternateContent>
-      <mc:AlternateContent xmlns:mc="http://schemas.openxmlformats.org/markup-compatibility/2006">
-        <mc:Choice xmlns:a14="http://schemas.microsoft.com/office/drawing/2010/main" Requires="a14">
+      <mc:AlternateContent xmlns:mc="http://schemas.openxmlformats.org/markup-compatibility/2006" xmlns:a14="http://schemas.microsoft.com/office/drawing/2010/main">
+        <mc:Choice Requires="a14">
           <p:sp>
             <p:nvSpPr>
               <p:cNvPr id="11" name="TextBox 10">
@@ -8648,7 +8648,7 @@
             </p:txBody>
           </p:sp>
         </mc:Choice>
-        <mc:Fallback>
+        <mc:Fallback xmlns="">
           <p:sp>
             <p:nvSpPr>
               <p:cNvPr id="11" name="TextBox 10">
@@ -8748,8 +8748,8 @@
           </a:p>
         </p:txBody>
       </p:sp>
-      <mc:AlternateContent xmlns:mc="http://schemas.openxmlformats.org/markup-compatibility/2006">
-        <mc:Choice xmlns:a14="http://schemas.microsoft.com/office/drawing/2010/main" Requires="a14">
+      <mc:AlternateContent xmlns:mc="http://schemas.openxmlformats.org/markup-compatibility/2006" xmlns:a14="http://schemas.microsoft.com/office/drawing/2010/main">
+        <mc:Choice Requires="a14">
           <p:sp>
             <p:nvSpPr>
               <p:cNvPr id="13" name="TextBox 12">
@@ -8992,7 +8992,7 @@
             </p:txBody>
           </p:sp>
         </mc:Choice>
-        <mc:Fallback>
+        <mc:Fallback xmlns="">
           <p:sp>
             <p:nvSpPr>
               <p:cNvPr id="13" name="TextBox 12">
@@ -9037,8 +9037,8 @@
           </p:sp>
         </mc:Fallback>
       </mc:AlternateContent>
-      <mc:AlternateContent xmlns:mc="http://schemas.openxmlformats.org/markup-compatibility/2006">
-        <mc:Choice xmlns:a14="http://schemas.microsoft.com/office/drawing/2010/main" Requires="a14">
+      <mc:AlternateContent xmlns:mc="http://schemas.openxmlformats.org/markup-compatibility/2006" xmlns:a14="http://schemas.microsoft.com/office/drawing/2010/main">
+        <mc:Choice Requires="a14">
           <p:sp>
             <p:nvSpPr>
               <p:cNvPr id="14" name="TextBox 13">
@@ -9304,7 +9304,7 @@
             </p:txBody>
           </p:sp>
         </mc:Choice>
-        <mc:Fallback>
+        <mc:Fallback xmlns="">
           <p:sp>
             <p:nvSpPr>
               <p:cNvPr id="14" name="TextBox 13">
@@ -9701,8 +9701,8 @@
           </a:p>
         </p:txBody>
       </p:sp>
-      <mc:AlternateContent xmlns:mc="http://schemas.openxmlformats.org/markup-compatibility/2006">
-        <mc:Choice xmlns:a14="http://schemas.microsoft.com/office/drawing/2010/main" Requires="a14">
+      <mc:AlternateContent xmlns:mc="http://schemas.openxmlformats.org/markup-compatibility/2006" xmlns:a14="http://schemas.microsoft.com/office/drawing/2010/main">
+        <mc:Choice Requires="a14">
           <p:sp>
             <p:nvSpPr>
               <p:cNvPr id="24" name="TextBox 23">
@@ -9906,7 +9906,7 @@
             </p:txBody>
           </p:sp>
         </mc:Choice>
-        <mc:Fallback>
+        <mc:Fallback xmlns="">
           <p:sp>
             <p:nvSpPr>
               <p:cNvPr id="24" name="TextBox 23">
@@ -10071,8 +10071,8 @@
           </a:prstGeom>
         </p:spPr>
       </p:pic>
-      <mc:AlternateContent xmlns:mc="http://schemas.openxmlformats.org/markup-compatibility/2006">
-        <mc:Choice xmlns:a14="http://schemas.microsoft.com/office/drawing/2010/main" Requires="a14">
+      <mc:AlternateContent xmlns:mc="http://schemas.openxmlformats.org/markup-compatibility/2006" xmlns:a14="http://schemas.microsoft.com/office/drawing/2010/main">
+        <mc:Choice Requires="a14">
           <p:sp>
             <p:nvSpPr>
               <p:cNvPr id="35" name="TextBox 34">
@@ -10276,7 +10276,7 @@
             </p:txBody>
           </p:sp>
         </mc:Choice>
-        <mc:Fallback>
+        <mc:Fallback xmlns="">
           <p:sp>
             <p:nvSpPr>
               <p:cNvPr id="35" name="TextBox 34">
@@ -10321,8 +10321,8 @@
           </p:sp>
         </mc:Fallback>
       </mc:AlternateContent>
-      <mc:AlternateContent xmlns:mc="http://schemas.openxmlformats.org/markup-compatibility/2006">
-        <mc:Choice xmlns:a14="http://schemas.microsoft.com/office/drawing/2010/main" Requires="a14">
+      <mc:AlternateContent xmlns:mc="http://schemas.openxmlformats.org/markup-compatibility/2006" xmlns:a14="http://schemas.microsoft.com/office/drawing/2010/main">
+        <mc:Choice Requires="a14">
           <p:sp>
             <p:nvSpPr>
               <p:cNvPr id="36" name="TextBox 35">
@@ -10526,7 +10526,7 @@
             </p:txBody>
           </p:sp>
         </mc:Choice>
-        <mc:Fallback>
+        <mc:Fallback xmlns="">
           <p:sp>
             <p:nvSpPr>
               <p:cNvPr id="36" name="TextBox 35">
@@ -10571,8 +10571,8 @@
           </p:sp>
         </mc:Fallback>
       </mc:AlternateContent>
-      <mc:AlternateContent xmlns:mc="http://schemas.openxmlformats.org/markup-compatibility/2006">
-        <mc:Choice xmlns:a14="http://schemas.microsoft.com/office/drawing/2010/main" Requires="a14">
+      <mc:AlternateContent xmlns:mc="http://schemas.openxmlformats.org/markup-compatibility/2006" xmlns:a14="http://schemas.microsoft.com/office/drawing/2010/main">
+        <mc:Choice Requires="a14">
           <p:sp>
             <p:nvSpPr>
               <p:cNvPr id="47" name="TextBox 46">
@@ -10757,13 +10757,7 @@
                         <a:rPr lang="en-US" sz="2800" b="0" i="1" dirty="0" smtClean="0">
                           <a:latin typeface="Cambria Math" panose="02040503050406030204" pitchFamily="18" charset="0"/>
                         </a:rPr>
-                        <m:t>)</m:t>
-                      </m:r>
-                      <m:r>
-                        <a:rPr lang="en-US" sz="2800" b="0" i="1" dirty="0" smtClean="0">
-                          <a:latin typeface="Cambria Math" panose="02040503050406030204" pitchFamily="18" charset="0"/>
-                        </a:rPr>
-                        <m:t> </m:t>
+                        <m:t>) </m:t>
                       </m:r>
                       <m:r>
                         <a:rPr lang="en-US" sz="2800" b="0" i="1" dirty="0" smtClean="0">
@@ -10828,7 +10822,7 @@
             </p:txBody>
           </p:sp>
         </mc:Choice>
-        <mc:Fallback>
+        <mc:Fallback xmlns="">
           <p:sp>
             <p:nvSpPr>
               <p:cNvPr id="47" name="TextBox 46">

--- a/Project Docs/ConvNN Poster.pptx
+++ b/Project Docs/ConvNN Poster.pptx
@@ -197,7 +197,7 @@
           <a:p>
             <a:fld id="{97F067A0-B807-594B-857C-0B1CA98D0658}" type="datetimeFigureOut">
               <a:rPr lang="en-US" smtClean="0"/>
-              <a:t>9/28/25</a:t>
+              <a:t>10/6/25</a:t>
             </a:fld>
             <a:endParaRPr lang="en-US"/>
           </a:p>
@@ -736,7 +736,7 @@
           <a:p>
             <a:fld id="{2A84CB3F-E3C1-5B40-88B8-D14386A89107}" type="datetimeFigureOut">
               <a:rPr lang="en-US" smtClean="0"/>
-              <a:t>9/28/25</a:t>
+              <a:t>10/6/25</a:t>
             </a:fld>
             <a:endParaRPr lang="en-US"/>
           </a:p>
@@ -906,7 +906,7 @@
           <a:p>
             <a:fld id="{2A84CB3F-E3C1-5B40-88B8-D14386A89107}" type="datetimeFigureOut">
               <a:rPr lang="en-US" smtClean="0"/>
-              <a:t>9/28/25</a:t>
+              <a:t>10/6/25</a:t>
             </a:fld>
             <a:endParaRPr lang="en-US"/>
           </a:p>
@@ -1086,7 +1086,7 @@
           <a:p>
             <a:fld id="{2A84CB3F-E3C1-5B40-88B8-D14386A89107}" type="datetimeFigureOut">
               <a:rPr lang="en-US" smtClean="0"/>
-              <a:t>9/28/25</a:t>
+              <a:t>10/6/25</a:t>
             </a:fld>
             <a:endParaRPr lang="en-US"/>
           </a:p>
@@ -1820,7 +1820,7 @@
           <a:p>
             <a:fld id="{2A84CB3F-E3C1-5B40-88B8-D14386A89107}" type="datetimeFigureOut">
               <a:rPr lang="en-US" smtClean="0"/>
-              <a:t>9/28/25</a:t>
+              <a:t>10/6/25</a:t>
             </a:fld>
             <a:endParaRPr lang="en-US"/>
           </a:p>
@@ -2066,7 +2066,7 @@
           <a:p>
             <a:fld id="{2A84CB3F-E3C1-5B40-88B8-D14386A89107}" type="datetimeFigureOut">
               <a:rPr lang="en-US" smtClean="0"/>
-              <a:t>9/28/25</a:t>
+              <a:t>10/6/25</a:t>
             </a:fld>
             <a:endParaRPr lang="en-US"/>
           </a:p>
@@ -2298,7 +2298,7 @@
           <a:p>
             <a:fld id="{2A84CB3F-E3C1-5B40-88B8-D14386A89107}" type="datetimeFigureOut">
               <a:rPr lang="en-US" smtClean="0"/>
-              <a:t>9/28/25</a:t>
+              <a:t>10/6/25</a:t>
             </a:fld>
             <a:endParaRPr lang="en-US"/>
           </a:p>
@@ -2665,7 +2665,7 @@
           <a:p>
             <a:fld id="{2A84CB3F-E3C1-5B40-88B8-D14386A89107}" type="datetimeFigureOut">
               <a:rPr lang="en-US" smtClean="0"/>
-              <a:t>9/28/25</a:t>
+              <a:t>10/6/25</a:t>
             </a:fld>
             <a:endParaRPr lang="en-US"/>
           </a:p>
@@ -2783,7 +2783,7 @@
           <a:p>
             <a:fld id="{2A84CB3F-E3C1-5B40-88B8-D14386A89107}" type="datetimeFigureOut">
               <a:rPr lang="en-US" smtClean="0"/>
-              <a:t>9/28/25</a:t>
+              <a:t>10/6/25</a:t>
             </a:fld>
             <a:endParaRPr lang="en-US"/>
           </a:p>
@@ -2878,7 +2878,7 @@
           <a:p>
             <a:fld id="{2A84CB3F-E3C1-5B40-88B8-D14386A89107}" type="datetimeFigureOut">
               <a:rPr lang="en-US" smtClean="0"/>
-              <a:t>9/28/25</a:t>
+              <a:t>10/6/25</a:t>
             </a:fld>
             <a:endParaRPr lang="en-US"/>
           </a:p>
@@ -3155,7 +3155,7 @@
           <a:p>
             <a:fld id="{2A84CB3F-E3C1-5B40-88B8-D14386A89107}" type="datetimeFigureOut">
               <a:rPr lang="en-US" smtClean="0"/>
-              <a:t>9/28/25</a:t>
+              <a:t>10/6/25</a:t>
             </a:fld>
             <a:endParaRPr lang="en-US"/>
           </a:p>
@@ -3412,7 +3412,7 @@
           <a:p>
             <a:fld id="{2A84CB3F-E3C1-5B40-88B8-D14386A89107}" type="datetimeFigureOut">
               <a:rPr lang="en-US" smtClean="0"/>
-              <a:t>9/28/25</a:t>
+              <a:t>10/6/25</a:t>
             </a:fld>
             <a:endParaRPr lang="en-US"/>
           </a:p>
@@ -3625,7 +3625,7 @@
           <a:p>
             <a:fld id="{2A84CB3F-E3C1-5B40-88B8-D14386A89107}" type="datetimeFigureOut">
               <a:rPr lang="en-US" smtClean="0"/>
-              <a:t>9/28/25</a:t>
+              <a:t>10/6/25</a:t>
             </a:fld>
             <a:endParaRPr lang="en-US"/>
           </a:p>
@@ -5456,8 +5456,8 @@
         </p:nvSpPr>
         <p:spPr>
           <a:xfrm>
-            <a:off x="267582" y="33016176"/>
-            <a:ext cx="23256600" cy="1729935"/>
+            <a:off x="267582" y="32974611"/>
+            <a:ext cx="23256600" cy="1771484"/>
           </a:xfrm>
           <a:prstGeom prst="rect">
             <a:avLst/>
@@ -5519,29 +5519,20 @@
             </a:pPr>
             <a:r>
               <a:rPr lang="en-US" sz="1600" dirty="0"/>
-              <a:t>Singh, Sidak Pal, and Martin Jaggi. "Model fusion via optimal transport." </a:t>
+              <a:t>Simonyan, Karen, and Andrew Zisserman. "Very deep convolutional networks for large-scale image recognition." </a:t>
+            </a:r>
+            <a:r>
+              <a:rPr lang="en-US" sz="1600" i="1" dirty="0" err="1"/>
+              <a:t>arXiv</a:t>
             </a:r>
             <a:r>
               <a:rPr lang="en-US" sz="1600" i="1" dirty="0"/>
-              <a:t>Advances in Neural Information Processing Systems</a:t>
+              <a:t> preprint arXiv:1409.1556</a:t>
             </a:r>
             <a:r>
               <a:rPr lang="en-US" sz="1600" dirty="0"/>
-              <a:t> 33 (2020): 22045-22055.</a:t>
-            </a:r>
-          </a:p>
-          <a:p>
-            <a:pPr marL="400253" indent="-390247">
-              <a:lnSpc>
-                <a:spcPct val="135000"/>
-              </a:lnSpc>
-              <a:buClr>
-                <a:schemeClr val="dk1"/>
-              </a:buClr>
-              <a:buSzPts val="2800"/>
-              <a:buFont typeface="Arial" panose="020B0604020202020204" pitchFamily="34" charset="0"/>
-              <a:buChar char="•"/>
-            </a:pPr>
+              <a:t> (2014).</a:t>
+            </a:r>
             <a:r>
               <a:rPr lang="en-US" sz="1600" dirty="0" err="1"/>
               <a:t>Plötz</a:t>
@@ -6485,8 +6476,8 @@
           </p:sp>
         </mc:Fallback>
       </mc:AlternateContent>
-      <mc:AlternateContent xmlns:mc="http://schemas.openxmlformats.org/markup-compatibility/2006" xmlns:a14="http://schemas.microsoft.com/office/drawing/2010/main">
-        <mc:Choice Requires="a14">
+      <mc:AlternateContent xmlns:mc="http://schemas.openxmlformats.org/markup-compatibility/2006">
+        <mc:Choice xmlns:a14="http://schemas.microsoft.com/office/drawing/2010/main" Requires="a14">
           <p:sp>
             <p:nvSpPr>
               <p:cNvPr id="43" name="Google Shape;65;p14">
@@ -6632,31 +6623,7 @@
                     <a:cs typeface="Libre Franklin"/>
                     <a:sym typeface="Libre Franklin"/>
                   </a:rPr>
-                  <a:t> complexity of all to all similarity computation, we introduce two sampling methods: Random </a:t>
-                </a:r>
-                <a:r>
-                  <a:rPr lang="en-US" dirty="0" err="1">
-                    <a:solidFill>
-                      <a:schemeClr val="dk1"/>
-                    </a:solidFill>
-                    <a:latin typeface="Libre Franklin"/>
-                    <a:ea typeface="Libre Franklin"/>
-                    <a:cs typeface="Libre Franklin"/>
-                    <a:sym typeface="Libre Franklin"/>
-                  </a:rPr>
-                  <a:t>Sparsification</a:t>
-                </a:r>
-                <a:r>
-                  <a:rPr lang="en-US" dirty="0">
-                    <a:solidFill>
-                      <a:schemeClr val="dk1"/>
-                    </a:solidFill>
-                    <a:latin typeface="Libre Franklin"/>
-                    <a:ea typeface="Libre Franklin"/>
-                    <a:cs typeface="Libre Franklin"/>
-                    <a:sym typeface="Libre Franklin"/>
-                  </a:rPr>
-                  <a:t> and Spatial </a:t>
+                  <a:t> complexity of all to all similarity computation, we introduce two sampling methods: Random and Spatial </a:t>
                 </a:r>
                 <a:r>
                   <a:rPr lang="en-US" dirty="0" err="1">
@@ -6733,13 +6700,13 @@
                     <a:cs typeface="Libre Franklin"/>
                     <a:sym typeface="Libre Franklin"/>
                   </a:rPr>
-                  <a:t>.</a:t>
+                  <a:t> (number of pixel sampled).</a:t>
                 </a:r>
               </a:p>
             </p:txBody>
           </p:sp>
         </mc:Choice>
-        <mc:Fallback xmlns="">
+        <mc:Fallback>
           <p:sp>
             <p:nvSpPr>
               <p:cNvPr id="43" name="Google Shape;65;p14">
@@ -10011,66 +9978,6 @@
           </a:prstGeom>
         </p:spPr>
       </p:pic>
-      <p:pic>
-        <p:nvPicPr>
-          <p:cNvPr id="33" name="Picture 32">
-            <a:extLst>
-              <a:ext uri="{FF2B5EF4-FFF2-40B4-BE49-F238E27FC236}">
-                <a16:creationId xmlns:a16="http://schemas.microsoft.com/office/drawing/2014/main" id="{B8DD61B9-2E51-C854-F167-DD7368897C19}"/>
-              </a:ext>
-            </a:extLst>
-          </p:cNvPr>
-          <p:cNvPicPr>
-            <a:picLocks noChangeAspect="1"/>
-          </p:cNvPicPr>
-          <p:nvPr/>
-        </p:nvPicPr>
-        <p:blipFill>
-          <a:blip r:embed="rId25"/>
-          <a:stretch>
-            <a:fillRect/>
-          </a:stretch>
-        </p:blipFill>
-        <p:spPr>
-          <a:xfrm>
-            <a:off x="10017992" y="13542264"/>
-            <a:ext cx="6729984" cy="4206240"/>
-          </a:xfrm>
-          <a:prstGeom prst="rect">
-            <a:avLst/>
-          </a:prstGeom>
-        </p:spPr>
-      </p:pic>
-      <p:pic>
-        <p:nvPicPr>
-          <p:cNvPr id="34" name="Picture 33">
-            <a:extLst>
-              <a:ext uri="{FF2B5EF4-FFF2-40B4-BE49-F238E27FC236}">
-                <a16:creationId xmlns:a16="http://schemas.microsoft.com/office/drawing/2014/main" id="{6B617690-8A9F-7AF3-7C2E-C9D67D41C070}"/>
-              </a:ext>
-            </a:extLst>
-          </p:cNvPr>
-          <p:cNvPicPr>
-            <a:picLocks noChangeAspect="1"/>
-          </p:cNvPicPr>
-          <p:nvPr/>
-        </p:nvPicPr>
-        <p:blipFill>
-          <a:blip r:embed="rId26"/>
-          <a:stretch>
-            <a:fillRect/>
-          </a:stretch>
-        </p:blipFill>
-        <p:spPr>
-          <a:xfrm>
-            <a:off x="16818377" y="13542264"/>
-            <a:ext cx="6729984" cy="4206240"/>
-          </a:xfrm>
-          <a:prstGeom prst="rect">
-            <a:avLst/>
-          </a:prstGeom>
-        </p:spPr>
-      </p:pic>
       <mc:AlternateContent xmlns:mc="http://schemas.openxmlformats.org/markup-compatibility/2006" xmlns:a14="http://schemas.microsoft.com/office/drawing/2010/main">
         <mc:Choice Requires="a14">
           <p:sp>
@@ -10867,6 +10774,66 @@
           </p:sp>
         </mc:Fallback>
       </mc:AlternateContent>
+      <p:pic>
+        <p:nvPicPr>
+          <p:cNvPr id="9" name="Picture 8">
+            <a:extLst>
+              <a:ext uri="{FF2B5EF4-FFF2-40B4-BE49-F238E27FC236}">
+                <a16:creationId xmlns:a16="http://schemas.microsoft.com/office/drawing/2014/main" id="{A368385C-2637-1F7D-6EF5-829122839DC5}"/>
+              </a:ext>
+            </a:extLst>
+          </p:cNvPr>
+          <p:cNvPicPr>
+            <a:picLocks noChangeAspect="1"/>
+          </p:cNvPicPr>
+          <p:nvPr/>
+        </p:nvPicPr>
+        <p:blipFill>
+          <a:blip r:embed="rId30"/>
+          <a:stretch>
+            <a:fillRect/>
+          </a:stretch>
+        </p:blipFill>
+        <p:spPr>
+          <a:xfrm>
+            <a:off x="16829083" y="13624560"/>
+            <a:ext cx="6729984" cy="4206240"/>
+          </a:xfrm>
+          <a:prstGeom prst="rect">
+            <a:avLst/>
+          </a:prstGeom>
+        </p:spPr>
+      </p:pic>
+      <p:pic>
+        <p:nvPicPr>
+          <p:cNvPr id="18" name="Picture 17">
+            <a:extLst>
+              <a:ext uri="{FF2B5EF4-FFF2-40B4-BE49-F238E27FC236}">
+                <a16:creationId xmlns:a16="http://schemas.microsoft.com/office/drawing/2014/main" id="{325914C3-F711-0CB2-58F8-1E4C0B782ADD}"/>
+              </a:ext>
+            </a:extLst>
+          </p:cNvPr>
+          <p:cNvPicPr>
+            <a:picLocks noChangeAspect="1"/>
+          </p:cNvPicPr>
+          <p:nvPr/>
+        </p:nvPicPr>
+        <p:blipFill>
+          <a:blip r:embed="rId31"/>
+          <a:stretch>
+            <a:fillRect/>
+          </a:stretch>
+        </p:blipFill>
+        <p:spPr>
+          <a:xfrm>
+            <a:off x="10017992" y="13586852"/>
+            <a:ext cx="6729984" cy="4206240"/>
+          </a:xfrm>
+          <a:prstGeom prst="rect">
+            <a:avLst/>
+          </a:prstGeom>
+        </p:spPr>
+      </p:pic>
     </p:spTree>
   </p:cSld>
   <p:clrMapOvr>
